--- a/03_Final Presentation Template.pptx
+++ b/03_Final Presentation Template.pptx
@@ -1,43 +1,43 @@
 
 <file path=ppt/presentation.xml><?xml version="1.0" encoding="utf-8"?>
-<p:presentation xmlns:a="http://schemas.openxmlformats.org/drawingml/2006/main" xmlns:r="http://schemas.openxmlformats.org/officeDocument/2006/relationships" xmlns:mc="http://schemas.openxmlformats.org/markup-compatibility/2006" xmlns:mv="urn:schemas-microsoft-com:mac:vml" xmlns:p="http://schemas.openxmlformats.org/presentationml/2006/main" xmlns:c="http://schemas.openxmlformats.org/drawingml/2006/chart" xmlns:dgm="http://schemas.openxmlformats.org/drawingml/2006/diagram" xmlns:o="urn:schemas-microsoft-com:office:office" xmlns:v="urn:schemas-microsoft-com:vml" xmlns:pvml="urn:schemas-microsoft-com:office:powerpoint" xmlns:com="http://schemas.openxmlformats.org/drawingml/2006/compatibility" xmlns:p14="http://schemas.microsoft.com/office/powerpoint/2010/main" xmlns:p15="http://schemas.microsoft.com/office/powerpoint/2012/main" autoCompressPictures="0" embedTrueTypeFonts="1" strictFirstAndLastChars="0" saveSubsetFonts="1">
+<p:presentation xmlns:a="http://schemas.openxmlformats.org/drawingml/2006/main" xmlns:r="http://schemas.openxmlformats.org/officeDocument/2006/relationships" xmlns:p="http://schemas.openxmlformats.org/presentationml/2006/main" strictFirstAndLastChars="0" embedTrueTypeFonts="1" saveSubsetFonts="1" autoCompressPictures="0">
   <p:sldMasterIdLst>
-    <p:sldMasterId id="2147483659" r:id="rId5"/>
+    <p:sldMasterId id="2147483659" r:id="rId1"/>
   </p:sldMasterIdLst>
   <p:notesMasterIdLst>
-    <p:notesMasterId r:id="rId6"/>
+    <p:notesMasterId r:id="rId11"/>
   </p:notesMasterIdLst>
   <p:sldIdLst>
-    <p:sldId id="256" r:id="rId7"/>
-    <p:sldId id="257" r:id="rId8"/>
-    <p:sldId id="258" r:id="rId9"/>
-    <p:sldId id="259" r:id="rId10"/>
-    <p:sldId id="260" r:id="rId11"/>
-    <p:sldId id="261" r:id="rId12"/>
-    <p:sldId id="262" r:id="rId13"/>
-    <p:sldId id="263" r:id="rId14"/>
-    <p:sldId id="264" r:id="rId15"/>
+    <p:sldId id="256" r:id="rId2"/>
+    <p:sldId id="257" r:id="rId3"/>
+    <p:sldId id="258" r:id="rId4"/>
+    <p:sldId id="259" r:id="rId5"/>
+    <p:sldId id="260" r:id="rId6"/>
+    <p:sldId id="261" r:id="rId7"/>
+    <p:sldId id="262" r:id="rId8"/>
+    <p:sldId id="263" r:id="rId9"/>
+    <p:sldId id="264" r:id="rId10"/>
   </p:sldIdLst>
-  <p:sldSz cy="5143500" cx="9144000"/>
+  <p:sldSz cx="9144000" cy="5143500" type="screen16x9"/>
   <p:notesSz cx="6858000" cy="9144000"/>
   <p:embeddedFontLst>
     <p:embeddedFont>
-      <p:font typeface="Roboto"/>
+      <p:font typeface="Merriweather" panose="020B0604020202020204" charset="0"/>
+      <p:regular r:id="rId12"/>
+      <p:bold r:id="rId13"/>
+      <p:italic r:id="rId14"/>
+      <p:boldItalic r:id="rId15"/>
+    </p:embeddedFont>
+    <p:embeddedFont>
+      <p:font typeface="Roboto" panose="020B0604020202020204" charset="0"/>
       <p:regular r:id="rId16"/>
       <p:bold r:id="rId17"/>
       <p:italic r:id="rId18"/>
       <p:boldItalic r:id="rId19"/>
     </p:embeddedFont>
-    <p:embeddedFont>
-      <p:font typeface="Merriweather"/>
-      <p:regular r:id="rId20"/>
-      <p:bold r:id="rId21"/>
-      <p:italic r:id="rId22"/>
-      <p:boldItalic r:id="rId23"/>
-    </p:embeddedFont>
   </p:embeddedFontLst>
   <p:defaultTextStyle>
-    <a:defPPr lvl="0" marR="0" rtl="0" algn="l">
+    <a:defPPr marR="0" lvl="0" algn="l" rtl="0">
       <a:lnSpc>
         <a:spcPct val="100000"/>
       </a:lnSpc>
@@ -48,7 +48,7 @@
         <a:spcPts val="0"/>
       </a:spcAft>
     </a:defPPr>
-    <a:lvl1pPr lvl="0" marR="0" rtl="0" algn="l">
+    <a:lvl1pPr marR="0" lvl="0" algn="l" rtl="0">
       <a:lnSpc>
         <a:spcPct val="100000"/>
       </a:lnSpc>
@@ -62,7 +62,7 @@
         <a:srgbClr val="000000"/>
       </a:buClr>
       <a:buFont typeface="Arial"/>
-      <a:defRPr b="0" i="0" sz="1400" u="none" cap="none" strike="noStrike">
+      <a:defRPr sz="1400" b="0" i="0" u="none" strike="noStrike" cap="none">
         <a:solidFill>
           <a:srgbClr val="000000"/>
         </a:solidFill>
@@ -72,7 +72,7 @@
         <a:sym typeface="Arial"/>
       </a:defRPr>
     </a:lvl1pPr>
-    <a:lvl2pPr lvl="1" marR="0" rtl="0" algn="l">
+    <a:lvl2pPr marR="0" lvl="1" algn="l" rtl="0">
       <a:lnSpc>
         <a:spcPct val="100000"/>
       </a:lnSpc>
@@ -86,7 +86,7 @@
         <a:srgbClr val="000000"/>
       </a:buClr>
       <a:buFont typeface="Arial"/>
-      <a:defRPr b="0" i="0" sz="1400" u="none" cap="none" strike="noStrike">
+      <a:defRPr sz="1400" b="0" i="0" u="none" strike="noStrike" cap="none">
         <a:solidFill>
           <a:srgbClr val="000000"/>
         </a:solidFill>
@@ -96,7 +96,7 @@
         <a:sym typeface="Arial"/>
       </a:defRPr>
     </a:lvl2pPr>
-    <a:lvl3pPr lvl="2" marR="0" rtl="0" algn="l">
+    <a:lvl3pPr marR="0" lvl="2" algn="l" rtl="0">
       <a:lnSpc>
         <a:spcPct val="100000"/>
       </a:lnSpc>
@@ -110,7 +110,7 @@
         <a:srgbClr val="000000"/>
       </a:buClr>
       <a:buFont typeface="Arial"/>
-      <a:defRPr b="0" i="0" sz="1400" u="none" cap="none" strike="noStrike">
+      <a:defRPr sz="1400" b="0" i="0" u="none" strike="noStrike" cap="none">
         <a:solidFill>
           <a:srgbClr val="000000"/>
         </a:solidFill>
@@ -120,7 +120,7 @@
         <a:sym typeface="Arial"/>
       </a:defRPr>
     </a:lvl3pPr>
-    <a:lvl4pPr lvl="3" marR="0" rtl="0" algn="l">
+    <a:lvl4pPr marR="0" lvl="3" algn="l" rtl="0">
       <a:lnSpc>
         <a:spcPct val="100000"/>
       </a:lnSpc>
@@ -134,7 +134,7 @@
         <a:srgbClr val="000000"/>
       </a:buClr>
       <a:buFont typeface="Arial"/>
-      <a:defRPr b="0" i="0" sz="1400" u="none" cap="none" strike="noStrike">
+      <a:defRPr sz="1400" b="0" i="0" u="none" strike="noStrike" cap="none">
         <a:solidFill>
           <a:srgbClr val="000000"/>
         </a:solidFill>
@@ -144,7 +144,7 @@
         <a:sym typeface="Arial"/>
       </a:defRPr>
     </a:lvl4pPr>
-    <a:lvl5pPr lvl="4" marR="0" rtl="0" algn="l">
+    <a:lvl5pPr marR="0" lvl="4" algn="l" rtl="0">
       <a:lnSpc>
         <a:spcPct val="100000"/>
       </a:lnSpc>
@@ -158,7 +158,7 @@
         <a:srgbClr val="000000"/>
       </a:buClr>
       <a:buFont typeface="Arial"/>
-      <a:defRPr b="0" i="0" sz="1400" u="none" cap="none" strike="noStrike">
+      <a:defRPr sz="1400" b="0" i="0" u="none" strike="noStrike" cap="none">
         <a:solidFill>
           <a:srgbClr val="000000"/>
         </a:solidFill>
@@ -168,7 +168,7 @@
         <a:sym typeface="Arial"/>
       </a:defRPr>
     </a:lvl5pPr>
-    <a:lvl6pPr lvl="5" marR="0" rtl="0" algn="l">
+    <a:lvl6pPr marR="0" lvl="5" algn="l" rtl="0">
       <a:lnSpc>
         <a:spcPct val="100000"/>
       </a:lnSpc>
@@ -182,7 +182,7 @@
         <a:srgbClr val="000000"/>
       </a:buClr>
       <a:buFont typeface="Arial"/>
-      <a:defRPr b="0" i="0" sz="1400" u="none" cap="none" strike="noStrike">
+      <a:defRPr sz="1400" b="0" i="0" u="none" strike="noStrike" cap="none">
         <a:solidFill>
           <a:srgbClr val="000000"/>
         </a:solidFill>
@@ -192,7 +192,7 @@
         <a:sym typeface="Arial"/>
       </a:defRPr>
     </a:lvl6pPr>
-    <a:lvl7pPr lvl="6" marR="0" rtl="0" algn="l">
+    <a:lvl7pPr marR="0" lvl="6" algn="l" rtl="0">
       <a:lnSpc>
         <a:spcPct val="100000"/>
       </a:lnSpc>
@@ -206,7 +206,7 @@
         <a:srgbClr val="000000"/>
       </a:buClr>
       <a:buFont typeface="Arial"/>
-      <a:defRPr b="0" i="0" sz="1400" u="none" cap="none" strike="noStrike">
+      <a:defRPr sz="1400" b="0" i="0" u="none" strike="noStrike" cap="none">
         <a:solidFill>
           <a:srgbClr val="000000"/>
         </a:solidFill>
@@ -216,7 +216,7 @@
         <a:sym typeface="Arial"/>
       </a:defRPr>
     </a:lvl7pPr>
-    <a:lvl8pPr lvl="7" marR="0" rtl="0" algn="l">
+    <a:lvl8pPr marR="0" lvl="7" algn="l" rtl="0">
       <a:lnSpc>
         <a:spcPct val="100000"/>
       </a:lnSpc>
@@ -230,7 +230,7 @@
         <a:srgbClr val="000000"/>
       </a:buClr>
       <a:buFont typeface="Arial"/>
-      <a:defRPr b="0" i="0" sz="1400" u="none" cap="none" strike="noStrike">
+      <a:defRPr sz="1400" b="0" i="0" u="none" strike="noStrike" cap="none">
         <a:solidFill>
           <a:srgbClr val="000000"/>
         </a:solidFill>
@@ -240,7 +240,7 @@
         <a:sym typeface="Arial"/>
       </a:defRPr>
     </a:lvl8pPr>
-    <a:lvl9pPr lvl="8" marR="0" rtl="0" algn="l">
+    <a:lvl9pPr marR="0" lvl="8" algn="l" rtl="0">
       <a:lnSpc>
         <a:spcPct val="100000"/>
       </a:lnSpc>
@@ -254,7 +254,7 @@
         <a:srgbClr val="000000"/>
       </a:buClr>
       <a:buFont typeface="Arial"/>
-      <a:defRPr b="0" i="0" sz="1400" u="none" cap="none" strike="noStrike">
+      <a:defRPr sz="1400" b="0" i="0" u="none" strike="noStrike" cap="none">
         <a:solidFill>
           <a:srgbClr val="000000"/>
         </a:solidFill>
@@ -267,7 +267,7 @@
   </p:defaultTextStyle>
   <p:extLst>
     <p:ext uri="{EFAFB233-063F-42B5-8137-9DF3F51BA10A}">
-      <p15:sldGuideLst>
+      <p15:sldGuideLst xmlns:p15="http://schemas.microsoft.com/office/powerpoint/2012/main">
         <p15:guide id="1" orient="horz" pos="1620">
           <p15:clr>
             <a:srgbClr val="A4A3A4"/>
@@ -285,11 +285,16 @@
 </file>
 
 <file path=ppt/notesMasters/notesMaster1.xml><?xml version="1.0" encoding="utf-8"?>
-<p:notesMaster xmlns:a="http://schemas.openxmlformats.org/drawingml/2006/main" xmlns:r="http://schemas.openxmlformats.org/officeDocument/2006/relationships" xmlns:mc="http://schemas.openxmlformats.org/markup-compatibility/2006" xmlns:mv="urn:schemas-microsoft-com:mac:vml" xmlns:p="http://schemas.openxmlformats.org/presentationml/2006/main" xmlns:c="http://schemas.openxmlformats.org/drawingml/2006/chart" xmlns:dgm="http://schemas.openxmlformats.org/drawingml/2006/diagram" xmlns:o="urn:schemas-microsoft-com:office:office" xmlns:v="urn:schemas-microsoft-com:vml" xmlns:pvml="urn:schemas-microsoft-com:office:powerpoint" xmlns:com="http://schemas.openxmlformats.org/drawingml/2006/compatibility" xmlns:p14="http://schemas.microsoft.com/office/powerpoint/2010/main" xmlns:p15="http://schemas.microsoft.com/office/powerpoint/2012/main">
+<p:notesMaster xmlns:a="http://schemas.openxmlformats.org/drawingml/2006/main" xmlns:r="http://schemas.openxmlformats.org/officeDocument/2006/relationships" xmlns:p="http://schemas.openxmlformats.org/presentationml/2006/main">
   <p:cSld>
+    <p:bg>
+      <p:bgRef idx="1001">
+        <a:schemeClr val="bg1"/>
+      </p:bgRef>
+    </p:bg>
     <p:spTree>
       <p:nvGrpSpPr>
-        <p:cNvPr id="2" name="Shape 2"/>
+        <p:cNvPr id="1" name="Shape 2"/>
         <p:cNvGrpSpPr/>
         <p:nvPr/>
       </p:nvGrpSpPr>
@@ -304,9 +309,11 @@
       <p:sp>
         <p:nvSpPr>
           <p:cNvPr id="3" name="Google Shape;3;n"/>
-          <p:cNvSpPr/>
+          <p:cNvSpPr>
+            <a:spLocks noGrp="1" noRot="1" noChangeAspect="1"/>
+          </p:cNvSpPr>
           <p:nvPr>
-            <p:ph idx="2" type="sldImg"/>
+            <p:ph type="sldImg" idx="2"/>
           </p:nvPr>
         </p:nvSpPr>
         <p:spPr>
@@ -315,9 +322,13 @@
             <a:ext cx="6096075" cy="3429000"/>
           </a:xfrm>
           <a:custGeom>
-            <a:rect b="b" l="l" r="r" t="t"/>
+            <a:avLst/>
+            <a:gdLst/>
+            <a:ahLst/>
+            <a:cxnLst/>
+            <a:rect l="l" t="t" r="r" b="b"/>
             <a:pathLst>
-              <a:path extrusionOk="0" h="120000" w="120000">
+              <a:path w="120000" h="120000" extrusionOk="0">
                 <a:moveTo>
                   <a:pt x="0" y="0"/>
                 </a:moveTo>
@@ -335,23 +346,25 @@
             </a:pathLst>
           </a:custGeom>
           <a:noFill/>
-          <a:ln cap="flat" cmpd="sng" w="9525">
+          <a:ln w="9525" cap="flat" cmpd="sng">
             <a:solidFill>
               <a:srgbClr val="000000"/>
             </a:solidFill>
             <a:prstDash val="solid"/>
             <a:round/>
-            <a:headEnd len="sm" w="sm" type="none"/>
-            <a:tailEnd len="sm" w="sm" type="none"/>
+            <a:headEnd type="none" w="sm" len="sm"/>
+            <a:tailEnd type="none" w="sm" len="sm"/>
           </a:ln>
         </p:spPr>
       </p:sp>
       <p:sp>
         <p:nvSpPr>
           <p:cNvPr id="4" name="Google Shape;4;n"/>
-          <p:cNvSpPr txBox="1"/>
+          <p:cNvSpPr txBox="1">
+            <a:spLocks noGrp="1"/>
+          </p:cNvSpPr>
           <p:nvPr>
-            <p:ph idx="1" type="body"/>
+            <p:ph type="body" idx="1"/>
           </p:nvPr>
         </p:nvSpPr>
         <p:spPr>
@@ -368,11 +381,11 @@
           </a:ln>
         </p:spPr>
         <p:txBody>
-          <a:bodyPr anchorCtr="0" anchor="t" bIns="91425" lIns="91425" spcFirstLastPara="1" rIns="91425" wrap="square" tIns="91425">
+          <a:bodyPr spcFirstLastPara="1" wrap="square" lIns="91425" tIns="91425" rIns="91425" bIns="91425" anchor="t" anchorCtr="0">
             <a:noAutofit/>
           </a:bodyPr>
           <a:lstStyle>
-            <a:lvl1pPr indent="-298450" lvl="0" marL="457200">
+            <a:lvl1pPr marL="457200" lvl="0" indent="-298450">
               <a:spcBef>
                 <a:spcPts val="0"/>
               </a:spcBef>
@@ -383,7 +396,7 @@
               <a:buChar char="●"/>
               <a:defRPr sz="1100"/>
             </a:lvl1pPr>
-            <a:lvl2pPr indent="-298450" lvl="1" marL="914400">
+            <a:lvl2pPr marL="914400" lvl="1" indent="-298450">
               <a:spcBef>
                 <a:spcPts val="0"/>
               </a:spcBef>
@@ -394,7 +407,7 @@
               <a:buChar char="○"/>
               <a:defRPr sz="1100"/>
             </a:lvl2pPr>
-            <a:lvl3pPr indent="-298450" lvl="2" marL="1371600">
+            <a:lvl3pPr marL="1371600" lvl="2" indent="-298450">
               <a:spcBef>
                 <a:spcPts val="0"/>
               </a:spcBef>
@@ -405,7 +418,7 @@
               <a:buChar char="■"/>
               <a:defRPr sz="1100"/>
             </a:lvl3pPr>
-            <a:lvl4pPr indent="-298450" lvl="3" marL="1828800">
+            <a:lvl4pPr marL="1828800" lvl="3" indent="-298450">
               <a:spcBef>
                 <a:spcPts val="0"/>
               </a:spcBef>
@@ -416,7 +429,7 @@
               <a:buChar char="●"/>
               <a:defRPr sz="1100"/>
             </a:lvl4pPr>
-            <a:lvl5pPr indent="-298450" lvl="4" marL="2286000">
+            <a:lvl5pPr marL="2286000" lvl="4" indent="-298450">
               <a:spcBef>
                 <a:spcPts val="0"/>
               </a:spcBef>
@@ -427,7 +440,7 @@
               <a:buChar char="○"/>
               <a:defRPr sz="1100"/>
             </a:lvl5pPr>
-            <a:lvl6pPr indent="-298450" lvl="5" marL="2743200">
+            <a:lvl6pPr marL="2743200" lvl="5" indent="-298450">
               <a:spcBef>
                 <a:spcPts val="0"/>
               </a:spcBef>
@@ -438,7 +451,7 @@
               <a:buChar char="■"/>
               <a:defRPr sz="1100"/>
             </a:lvl6pPr>
-            <a:lvl7pPr indent="-298450" lvl="6" marL="3200400">
+            <a:lvl7pPr marL="3200400" lvl="6" indent="-298450">
               <a:spcBef>
                 <a:spcPts val="0"/>
               </a:spcBef>
@@ -449,7 +462,7 @@
               <a:buChar char="●"/>
               <a:defRPr sz="1100"/>
             </a:lvl7pPr>
-            <a:lvl8pPr indent="-298450" lvl="7" marL="3657600">
+            <a:lvl8pPr marL="3657600" lvl="7" indent="-298450">
               <a:spcBef>
                 <a:spcPts val="0"/>
               </a:spcBef>
@@ -460,7 +473,7 @@
               <a:buChar char="○"/>
               <a:defRPr sz="1100"/>
             </a:lvl8pPr>
-            <a:lvl9pPr indent="-298450" lvl="8" marL="4114800">
+            <a:lvl9pPr marL="4114800" lvl="8" indent="-298450">
               <a:spcBef>
                 <a:spcPts val="0"/>
               </a:spcBef>
@@ -472,14 +485,16 @@
               <a:defRPr sz="1100"/>
             </a:lvl9pPr>
           </a:lstStyle>
-          <a:p/>
+          <a:p>
+            <a:endParaRPr/>
+          </a:p>
         </p:txBody>
       </p:sp>
     </p:spTree>
   </p:cSld>
-  <p:clrMap accent1="accent1" accent2="accent2" accent3="accent3" accent4="accent4" accent5="accent5" accent6="accent6" bg1="lt1" bg2="dk2" tx1="dk1" tx2="lt2" folHlink="folHlink" hlink="hlink"/>
+  <p:clrMap bg1="lt1" tx1="dk1" bg2="dk2" tx2="lt2" accent1="accent1" accent2="accent2" accent3="accent3" accent4="accent4" accent5="accent5" accent6="accent6" hlink="hlink" folHlink="folHlink"/>
   <p:notesStyle>
-    <a:defPPr lvl="0" marR="0" rtl="0" algn="l">
+    <a:defPPr marR="0" lvl="0" algn="l" rtl="0">
       <a:lnSpc>
         <a:spcPct val="100000"/>
       </a:lnSpc>
@@ -490,7 +505,7 @@
         <a:spcPts val="0"/>
       </a:spcAft>
     </a:defPPr>
-    <a:lvl1pPr lvl="0" marR="0" rtl="0" algn="l">
+    <a:lvl1pPr marR="0" lvl="0" algn="l" rtl="0">
       <a:lnSpc>
         <a:spcPct val="100000"/>
       </a:lnSpc>
@@ -504,7 +519,7 @@
         <a:srgbClr val="000000"/>
       </a:buClr>
       <a:buFont typeface="Arial"/>
-      <a:defRPr b="0" i="0" sz="1400" u="none" cap="none" strike="noStrike">
+      <a:defRPr sz="1400" b="0" i="0" u="none" strike="noStrike" cap="none">
         <a:solidFill>
           <a:srgbClr val="000000"/>
         </a:solidFill>
@@ -514,7 +529,7 @@
         <a:sym typeface="Arial"/>
       </a:defRPr>
     </a:lvl1pPr>
-    <a:lvl2pPr lvl="1" marR="0" rtl="0" algn="l">
+    <a:lvl2pPr marR="0" lvl="1" algn="l" rtl="0">
       <a:lnSpc>
         <a:spcPct val="100000"/>
       </a:lnSpc>
@@ -528,7 +543,7 @@
         <a:srgbClr val="000000"/>
       </a:buClr>
       <a:buFont typeface="Arial"/>
-      <a:defRPr b="0" i="0" sz="1400" u="none" cap="none" strike="noStrike">
+      <a:defRPr sz="1400" b="0" i="0" u="none" strike="noStrike" cap="none">
         <a:solidFill>
           <a:srgbClr val="000000"/>
         </a:solidFill>
@@ -538,7 +553,7 @@
         <a:sym typeface="Arial"/>
       </a:defRPr>
     </a:lvl2pPr>
-    <a:lvl3pPr lvl="2" marR="0" rtl="0" algn="l">
+    <a:lvl3pPr marR="0" lvl="2" algn="l" rtl="0">
       <a:lnSpc>
         <a:spcPct val="100000"/>
       </a:lnSpc>
@@ -552,7 +567,7 @@
         <a:srgbClr val="000000"/>
       </a:buClr>
       <a:buFont typeface="Arial"/>
-      <a:defRPr b="0" i="0" sz="1400" u="none" cap="none" strike="noStrike">
+      <a:defRPr sz="1400" b="0" i="0" u="none" strike="noStrike" cap="none">
         <a:solidFill>
           <a:srgbClr val="000000"/>
         </a:solidFill>
@@ -562,7 +577,7 @@
         <a:sym typeface="Arial"/>
       </a:defRPr>
     </a:lvl3pPr>
-    <a:lvl4pPr lvl="3" marR="0" rtl="0" algn="l">
+    <a:lvl4pPr marR="0" lvl="3" algn="l" rtl="0">
       <a:lnSpc>
         <a:spcPct val="100000"/>
       </a:lnSpc>
@@ -576,7 +591,7 @@
         <a:srgbClr val="000000"/>
       </a:buClr>
       <a:buFont typeface="Arial"/>
-      <a:defRPr b="0" i="0" sz="1400" u="none" cap="none" strike="noStrike">
+      <a:defRPr sz="1400" b="0" i="0" u="none" strike="noStrike" cap="none">
         <a:solidFill>
           <a:srgbClr val="000000"/>
         </a:solidFill>
@@ -586,7 +601,7 @@
         <a:sym typeface="Arial"/>
       </a:defRPr>
     </a:lvl4pPr>
-    <a:lvl5pPr lvl="4" marR="0" rtl="0" algn="l">
+    <a:lvl5pPr marR="0" lvl="4" algn="l" rtl="0">
       <a:lnSpc>
         <a:spcPct val="100000"/>
       </a:lnSpc>
@@ -600,7 +615,7 @@
         <a:srgbClr val="000000"/>
       </a:buClr>
       <a:buFont typeface="Arial"/>
-      <a:defRPr b="0" i="0" sz="1400" u="none" cap="none" strike="noStrike">
+      <a:defRPr sz="1400" b="0" i="0" u="none" strike="noStrike" cap="none">
         <a:solidFill>
           <a:srgbClr val="000000"/>
         </a:solidFill>
@@ -610,7 +625,7 @@
         <a:sym typeface="Arial"/>
       </a:defRPr>
     </a:lvl5pPr>
-    <a:lvl6pPr lvl="5" marR="0" rtl="0" algn="l">
+    <a:lvl6pPr marR="0" lvl="5" algn="l" rtl="0">
       <a:lnSpc>
         <a:spcPct val="100000"/>
       </a:lnSpc>
@@ -624,7 +639,7 @@
         <a:srgbClr val="000000"/>
       </a:buClr>
       <a:buFont typeface="Arial"/>
-      <a:defRPr b="0" i="0" sz="1400" u="none" cap="none" strike="noStrike">
+      <a:defRPr sz="1400" b="0" i="0" u="none" strike="noStrike" cap="none">
         <a:solidFill>
           <a:srgbClr val="000000"/>
         </a:solidFill>
@@ -634,7 +649,7 @@
         <a:sym typeface="Arial"/>
       </a:defRPr>
     </a:lvl6pPr>
-    <a:lvl7pPr lvl="6" marR="0" rtl="0" algn="l">
+    <a:lvl7pPr marR="0" lvl="6" algn="l" rtl="0">
       <a:lnSpc>
         <a:spcPct val="100000"/>
       </a:lnSpc>
@@ -648,7 +663,7 @@
         <a:srgbClr val="000000"/>
       </a:buClr>
       <a:buFont typeface="Arial"/>
-      <a:defRPr b="0" i="0" sz="1400" u="none" cap="none" strike="noStrike">
+      <a:defRPr sz="1400" b="0" i="0" u="none" strike="noStrike" cap="none">
         <a:solidFill>
           <a:srgbClr val="000000"/>
         </a:solidFill>
@@ -658,7 +673,7 @@
         <a:sym typeface="Arial"/>
       </a:defRPr>
     </a:lvl7pPr>
-    <a:lvl8pPr lvl="7" marR="0" rtl="0" algn="l">
+    <a:lvl8pPr marR="0" lvl="7" algn="l" rtl="0">
       <a:lnSpc>
         <a:spcPct val="100000"/>
       </a:lnSpc>
@@ -672,7 +687,7 @@
         <a:srgbClr val="000000"/>
       </a:buClr>
       <a:buFont typeface="Arial"/>
-      <a:defRPr b="0" i="0" sz="1400" u="none" cap="none" strike="noStrike">
+      <a:defRPr sz="1400" b="0" i="0" u="none" strike="noStrike" cap="none">
         <a:solidFill>
           <a:srgbClr val="000000"/>
         </a:solidFill>
@@ -682,7 +697,7 @@
         <a:sym typeface="Arial"/>
       </a:defRPr>
     </a:lvl8pPr>
-    <a:lvl9pPr lvl="8" marR="0" rtl="0" algn="l">
+    <a:lvl9pPr marR="0" lvl="8" algn="l" rtl="0">
       <a:lnSpc>
         <a:spcPct val="100000"/>
       </a:lnSpc>
@@ -696,7 +711,7 @@
         <a:srgbClr val="000000"/>
       </a:buClr>
       <a:buFont typeface="Arial"/>
-      <a:defRPr b="0" i="0" sz="1400" u="none" cap="none" strike="noStrike">
+      <a:defRPr sz="1400" b="0" i="0" u="none" strike="noStrike" cap="none">
         <a:solidFill>
           <a:srgbClr val="000000"/>
         </a:solidFill>
@@ -711,11 +726,11 @@
 </file>
 
 <file path=ppt/notesSlides/notesSlide1.xml><?xml version="1.0" encoding="utf-8"?>
-<p:notes xmlns:a="http://schemas.openxmlformats.org/drawingml/2006/main" xmlns:r="http://schemas.openxmlformats.org/officeDocument/2006/relationships" xmlns:mc="http://schemas.openxmlformats.org/markup-compatibility/2006" xmlns:mv="urn:schemas-microsoft-com:mac:vml" xmlns:p="http://schemas.openxmlformats.org/presentationml/2006/main" xmlns:c="http://schemas.openxmlformats.org/drawingml/2006/chart" xmlns:dgm="http://schemas.openxmlformats.org/drawingml/2006/diagram" xmlns:o="urn:schemas-microsoft-com:office:office" xmlns:v="urn:schemas-microsoft-com:vml" xmlns:pvml="urn:schemas-microsoft-com:office:powerpoint" xmlns:com="http://schemas.openxmlformats.org/drawingml/2006/compatibility" xmlns:p14="http://schemas.microsoft.com/office/powerpoint/2010/main" xmlns:p15="http://schemas.microsoft.com/office/powerpoint/2012/main" showMasterPhAnim="0" showMasterSp="0">
+<p:notes xmlns:a="http://schemas.openxmlformats.org/drawingml/2006/main" xmlns:r="http://schemas.openxmlformats.org/officeDocument/2006/relationships" xmlns:p="http://schemas.openxmlformats.org/presentationml/2006/main" showMasterSp="0" showMasterPhAnim="0">
   <p:cSld>
     <p:spTree>
       <p:nvGrpSpPr>
-        <p:cNvPr id="60" name="Shape 60"/>
+        <p:cNvPr id="1" name="Shape 60"/>
         <p:cNvGrpSpPr/>
         <p:nvPr/>
       </p:nvGrpSpPr>
@@ -730,20 +745,26 @@
       <p:sp>
         <p:nvSpPr>
           <p:cNvPr id="61" name="Google Shape;61;p:notes"/>
-          <p:cNvSpPr/>
+          <p:cNvSpPr>
+            <a:spLocks noGrp="1" noRot="1" noChangeAspect="1"/>
+          </p:cNvSpPr>
           <p:nvPr>
-            <p:ph idx="2" type="sldImg"/>
+            <p:ph type="sldImg" idx="2"/>
           </p:nvPr>
         </p:nvSpPr>
         <p:spPr>
           <a:xfrm>
-            <a:off x="381300" y="685800"/>
-            <a:ext cx="6096075" cy="3429000"/>
+            <a:off x="381000" y="685800"/>
+            <a:ext cx="6096000" cy="3429000"/>
           </a:xfrm>
           <a:custGeom>
-            <a:rect b="b" l="l" r="r" t="t"/>
+            <a:avLst/>
+            <a:gdLst/>
+            <a:ahLst/>
+            <a:cxnLst/>
+            <a:rect l="l" t="t" r="r" b="b"/>
             <a:pathLst>
-              <a:path extrusionOk="0" h="120000" w="120000">
+              <a:path w="120000" h="120000" extrusionOk="0">
                 <a:moveTo>
                   <a:pt x="0" y="0"/>
                 </a:moveTo>
@@ -765,9 +786,11 @@
       <p:sp>
         <p:nvSpPr>
           <p:cNvPr id="62" name="Google Shape;62;p:notes"/>
-          <p:cNvSpPr txBox="1"/>
+          <p:cNvSpPr txBox="1">
+            <a:spLocks noGrp="1"/>
+          </p:cNvSpPr>
           <p:nvPr>
-            <p:ph idx="1" type="body"/>
+            <p:ph type="body" idx="1"/>
           </p:nvPr>
         </p:nvSpPr>
         <p:spPr>
@@ -780,12 +803,12 @@
           </a:prstGeom>
         </p:spPr>
         <p:txBody>
-          <a:bodyPr anchorCtr="0" anchor="t" bIns="91425" lIns="91425" spcFirstLastPara="1" rIns="91425" wrap="square" tIns="91425">
+          <a:bodyPr spcFirstLastPara="1" wrap="square" lIns="91425" tIns="91425" rIns="91425" bIns="91425" anchor="t" anchorCtr="0">
             <a:noAutofit/>
           </a:bodyPr>
           <a:lstStyle/>
           <a:p>
-            <a:pPr indent="0" lvl="0" marL="0" rtl="0" algn="l">
+            <a:pPr marL="0" lvl="0" indent="0" algn="l" rtl="0">
               <a:spcBef>
                 <a:spcPts val="0"/>
               </a:spcBef>
@@ -794,9 +817,6 @@
               </a:spcAft>
               <a:buNone/>
             </a:pPr>
-            <a:r>
-              <a:t/>
-            </a:r>
             <a:endParaRPr/>
           </a:p>
         </p:txBody>
@@ -810,11 +830,11 @@
 </file>
 
 <file path=ppt/notesSlides/notesSlide2.xml><?xml version="1.0" encoding="utf-8"?>
-<p:notes xmlns:a="http://schemas.openxmlformats.org/drawingml/2006/main" xmlns:r="http://schemas.openxmlformats.org/officeDocument/2006/relationships" xmlns:mc="http://schemas.openxmlformats.org/markup-compatibility/2006" xmlns:mv="urn:schemas-microsoft-com:mac:vml" xmlns:p="http://schemas.openxmlformats.org/presentationml/2006/main" xmlns:c="http://schemas.openxmlformats.org/drawingml/2006/chart" xmlns:dgm="http://schemas.openxmlformats.org/drawingml/2006/diagram" xmlns:o="urn:schemas-microsoft-com:office:office" xmlns:v="urn:schemas-microsoft-com:vml" xmlns:pvml="urn:schemas-microsoft-com:office:powerpoint" xmlns:com="http://schemas.openxmlformats.org/drawingml/2006/compatibility" xmlns:p14="http://schemas.microsoft.com/office/powerpoint/2010/main" xmlns:p15="http://schemas.microsoft.com/office/powerpoint/2012/main" showMasterPhAnim="0" showMasterSp="0">
+<p:notes xmlns:a="http://schemas.openxmlformats.org/drawingml/2006/main" xmlns:r="http://schemas.openxmlformats.org/officeDocument/2006/relationships" xmlns:p="http://schemas.openxmlformats.org/presentationml/2006/main" showMasterSp="0" showMasterPhAnim="0">
   <p:cSld>
     <p:spTree>
       <p:nvGrpSpPr>
-        <p:cNvPr id="66" name="Shape 66"/>
+        <p:cNvPr id="1" name="Shape 66"/>
         <p:cNvGrpSpPr/>
         <p:nvPr/>
       </p:nvGrpSpPr>
@@ -829,9 +849,11 @@
       <p:sp>
         <p:nvSpPr>
           <p:cNvPr id="67" name="Google Shape;67;g7be3d41115_0_55:notes"/>
-          <p:cNvSpPr/>
+          <p:cNvSpPr>
+            <a:spLocks noGrp="1" noRot="1" noChangeAspect="1"/>
+          </p:cNvSpPr>
           <p:nvPr>
-            <p:ph idx="2" type="sldImg"/>
+            <p:ph type="sldImg" idx="2"/>
           </p:nvPr>
         </p:nvSpPr>
         <p:spPr>
@@ -840,9 +862,13 @@
             <a:ext cx="6096000" cy="3429000"/>
           </a:xfrm>
           <a:custGeom>
-            <a:rect b="b" l="l" r="r" t="t"/>
+            <a:avLst/>
+            <a:gdLst/>
+            <a:ahLst/>
+            <a:cxnLst/>
+            <a:rect l="l" t="t" r="r" b="b"/>
             <a:pathLst>
-              <a:path extrusionOk="0" h="120000" w="120000">
+              <a:path w="120000" h="120000" extrusionOk="0">
                 <a:moveTo>
                   <a:pt x="0" y="0"/>
                 </a:moveTo>
@@ -864,9 +890,11 @@
       <p:sp>
         <p:nvSpPr>
           <p:cNvPr id="68" name="Google Shape;68;g7be3d41115_0_55:notes"/>
-          <p:cNvSpPr txBox="1"/>
+          <p:cNvSpPr txBox="1">
+            <a:spLocks noGrp="1"/>
+          </p:cNvSpPr>
           <p:nvPr>
-            <p:ph idx="1" type="body"/>
+            <p:ph type="body" idx="1"/>
           </p:nvPr>
         </p:nvSpPr>
         <p:spPr>
@@ -879,12 +907,12 @@
           </a:prstGeom>
         </p:spPr>
         <p:txBody>
-          <a:bodyPr anchorCtr="0" anchor="t" bIns="91425" lIns="91425" spcFirstLastPara="1" rIns="91425" wrap="square" tIns="91425">
+          <a:bodyPr spcFirstLastPara="1" wrap="square" lIns="91425" tIns="91425" rIns="91425" bIns="91425" anchor="t" anchorCtr="0">
             <a:noAutofit/>
           </a:bodyPr>
           <a:lstStyle/>
           <a:p>
-            <a:pPr indent="0" lvl="0" marL="0" rtl="0" algn="l">
+            <a:pPr marL="0" lvl="0" indent="0" algn="l" rtl="0">
               <a:spcBef>
                 <a:spcPts val="0"/>
               </a:spcBef>
@@ -893,9 +921,6 @@
               </a:spcAft>
               <a:buNone/>
             </a:pPr>
-            <a:r>
-              <a:t/>
-            </a:r>
             <a:endParaRPr/>
           </a:p>
         </p:txBody>
@@ -909,11 +934,11 @@
 </file>
 
 <file path=ppt/notesSlides/notesSlide3.xml><?xml version="1.0" encoding="utf-8"?>
-<p:notes xmlns:a="http://schemas.openxmlformats.org/drawingml/2006/main" xmlns:r="http://schemas.openxmlformats.org/officeDocument/2006/relationships" xmlns:mc="http://schemas.openxmlformats.org/markup-compatibility/2006" xmlns:mv="urn:schemas-microsoft-com:mac:vml" xmlns:p="http://schemas.openxmlformats.org/presentationml/2006/main" xmlns:c="http://schemas.openxmlformats.org/drawingml/2006/chart" xmlns:dgm="http://schemas.openxmlformats.org/drawingml/2006/diagram" xmlns:o="urn:schemas-microsoft-com:office:office" xmlns:v="urn:schemas-microsoft-com:vml" xmlns:pvml="urn:schemas-microsoft-com:office:powerpoint" xmlns:com="http://schemas.openxmlformats.org/drawingml/2006/compatibility" xmlns:p14="http://schemas.microsoft.com/office/powerpoint/2010/main" xmlns:p15="http://schemas.microsoft.com/office/powerpoint/2012/main" showMasterPhAnim="0" showMasterSp="0">
+<p:notes xmlns:a="http://schemas.openxmlformats.org/drawingml/2006/main" xmlns:r="http://schemas.openxmlformats.org/officeDocument/2006/relationships" xmlns:p="http://schemas.openxmlformats.org/presentationml/2006/main" showMasterSp="0" showMasterPhAnim="0">
   <p:cSld>
     <p:spTree>
       <p:nvGrpSpPr>
-        <p:cNvPr id="74" name="Shape 74"/>
+        <p:cNvPr id="1" name="Shape 74"/>
         <p:cNvGrpSpPr/>
         <p:nvPr/>
       </p:nvGrpSpPr>
@@ -928,9 +953,11 @@
       <p:sp>
         <p:nvSpPr>
           <p:cNvPr id="75" name="Google Shape;75;g7be3d41115_0_64:notes"/>
-          <p:cNvSpPr/>
+          <p:cNvSpPr>
+            <a:spLocks noGrp="1" noRot="1" noChangeAspect="1"/>
+          </p:cNvSpPr>
           <p:nvPr>
-            <p:ph idx="2" type="sldImg"/>
+            <p:ph type="sldImg" idx="2"/>
           </p:nvPr>
         </p:nvSpPr>
         <p:spPr>
@@ -939,9 +966,13 @@
             <a:ext cx="6096000" cy="3429000"/>
           </a:xfrm>
           <a:custGeom>
-            <a:rect b="b" l="l" r="r" t="t"/>
+            <a:avLst/>
+            <a:gdLst/>
+            <a:ahLst/>
+            <a:cxnLst/>
+            <a:rect l="l" t="t" r="r" b="b"/>
             <a:pathLst>
-              <a:path extrusionOk="0" h="120000" w="120000">
+              <a:path w="120000" h="120000" extrusionOk="0">
                 <a:moveTo>
                   <a:pt x="0" y="0"/>
                 </a:moveTo>
@@ -963,9 +994,11 @@
       <p:sp>
         <p:nvSpPr>
           <p:cNvPr id="76" name="Google Shape;76;g7be3d41115_0_64:notes"/>
-          <p:cNvSpPr txBox="1"/>
+          <p:cNvSpPr txBox="1">
+            <a:spLocks noGrp="1"/>
+          </p:cNvSpPr>
           <p:nvPr>
-            <p:ph idx="1" type="body"/>
+            <p:ph type="body" idx="1"/>
           </p:nvPr>
         </p:nvSpPr>
         <p:spPr>
@@ -978,12 +1011,12 @@
           </a:prstGeom>
         </p:spPr>
         <p:txBody>
-          <a:bodyPr anchorCtr="0" anchor="t" bIns="91425" lIns="91425" spcFirstLastPara="1" rIns="91425" wrap="square" tIns="91425">
+          <a:bodyPr spcFirstLastPara="1" wrap="square" lIns="91425" tIns="91425" rIns="91425" bIns="91425" anchor="t" anchorCtr="0">
             <a:noAutofit/>
           </a:bodyPr>
           <a:lstStyle/>
           <a:p>
-            <a:pPr indent="0" lvl="0" marL="0" rtl="0" algn="l">
+            <a:pPr marL="0" lvl="0" indent="0" algn="l" rtl="0">
               <a:spcBef>
                 <a:spcPts val="0"/>
               </a:spcBef>
@@ -992,9 +1025,6 @@
               </a:spcAft>
               <a:buNone/>
             </a:pPr>
-            <a:r>
-              <a:t/>
-            </a:r>
             <a:endParaRPr/>
           </a:p>
         </p:txBody>
@@ -1008,11 +1038,11 @@
 </file>
 
 <file path=ppt/notesSlides/notesSlide4.xml><?xml version="1.0" encoding="utf-8"?>
-<p:notes xmlns:a="http://schemas.openxmlformats.org/drawingml/2006/main" xmlns:r="http://schemas.openxmlformats.org/officeDocument/2006/relationships" xmlns:mc="http://schemas.openxmlformats.org/markup-compatibility/2006" xmlns:mv="urn:schemas-microsoft-com:mac:vml" xmlns:p="http://schemas.openxmlformats.org/presentationml/2006/main" xmlns:c="http://schemas.openxmlformats.org/drawingml/2006/chart" xmlns:dgm="http://schemas.openxmlformats.org/drawingml/2006/diagram" xmlns:o="urn:schemas-microsoft-com:office:office" xmlns:v="urn:schemas-microsoft-com:vml" xmlns:pvml="urn:schemas-microsoft-com:office:powerpoint" xmlns:com="http://schemas.openxmlformats.org/drawingml/2006/compatibility" xmlns:p14="http://schemas.microsoft.com/office/powerpoint/2010/main" xmlns:p15="http://schemas.microsoft.com/office/powerpoint/2012/main" showMasterPhAnim="0" showMasterSp="0">
+<p:notes xmlns:a="http://schemas.openxmlformats.org/drawingml/2006/main" xmlns:r="http://schemas.openxmlformats.org/officeDocument/2006/relationships" xmlns:p="http://schemas.openxmlformats.org/presentationml/2006/main" showMasterSp="0" showMasterPhAnim="0">
   <p:cSld>
     <p:spTree>
       <p:nvGrpSpPr>
-        <p:cNvPr id="84" name="Shape 84"/>
+        <p:cNvPr id="1" name="Shape 84"/>
         <p:cNvGrpSpPr/>
         <p:nvPr/>
       </p:nvGrpSpPr>
@@ -1027,9 +1057,11 @@
       <p:sp>
         <p:nvSpPr>
           <p:cNvPr id="85" name="Google Shape;85;g7be3d41115_0_68:notes"/>
-          <p:cNvSpPr/>
+          <p:cNvSpPr>
+            <a:spLocks noGrp="1" noRot="1" noChangeAspect="1"/>
+          </p:cNvSpPr>
           <p:nvPr>
-            <p:ph idx="2" type="sldImg"/>
+            <p:ph type="sldImg" idx="2"/>
           </p:nvPr>
         </p:nvSpPr>
         <p:spPr>
@@ -1038,9 +1070,13 @@
             <a:ext cx="6096000" cy="3429000"/>
           </a:xfrm>
           <a:custGeom>
-            <a:rect b="b" l="l" r="r" t="t"/>
+            <a:avLst/>
+            <a:gdLst/>
+            <a:ahLst/>
+            <a:cxnLst/>
+            <a:rect l="l" t="t" r="r" b="b"/>
             <a:pathLst>
-              <a:path extrusionOk="0" h="120000" w="120000">
+              <a:path w="120000" h="120000" extrusionOk="0">
                 <a:moveTo>
                   <a:pt x="0" y="0"/>
                 </a:moveTo>
@@ -1062,9 +1098,11 @@
       <p:sp>
         <p:nvSpPr>
           <p:cNvPr id="86" name="Google Shape;86;g7be3d41115_0_68:notes"/>
-          <p:cNvSpPr txBox="1"/>
+          <p:cNvSpPr txBox="1">
+            <a:spLocks noGrp="1"/>
+          </p:cNvSpPr>
           <p:nvPr>
-            <p:ph idx="1" type="body"/>
+            <p:ph type="body" idx="1"/>
           </p:nvPr>
         </p:nvSpPr>
         <p:spPr>
@@ -1077,12 +1115,12 @@
           </a:prstGeom>
         </p:spPr>
         <p:txBody>
-          <a:bodyPr anchorCtr="0" anchor="t" bIns="91425" lIns="91425" spcFirstLastPara="1" rIns="91425" wrap="square" tIns="91425">
+          <a:bodyPr spcFirstLastPara="1" wrap="square" lIns="91425" tIns="91425" rIns="91425" bIns="91425" anchor="t" anchorCtr="0">
             <a:noAutofit/>
           </a:bodyPr>
           <a:lstStyle/>
           <a:p>
-            <a:pPr indent="0" lvl="0" marL="0" rtl="0" algn="l">
+            <a:pPr marL="0" lvl="0" indent="0" algn="l" rtl="0">
               <a:spcBef>
                 <a:spcPts val="0"/>
               </a:spcBef>
@@ -1091,9 +1129,6 @@
               </a:spcAft>
               <a:buNone/>
             </a:pPr>
-            <a:r>
-              <a:t/>
-            </a:r>
             <a:endParaRPr/>
           </a:p>
         </p:txBody>
@@ -1107,11 +1142,11 @@
 </file>
 
 <file path=ppt/notesSlides/notesSlide5.xml><?xml version="1.0" encoding="utf-8"?>
-<p:notes xmlns:a="http://schemas.openxmlformats.org/drawingml/2006/main" xmlns:r="http://schemas.openxmlformats.org/officeDocument/2006/relationships" xmlns:mc="http://schemas.openxmlformats.org/markup-compatibility/2006" xmlns:mv="urn:schemas-microsoft-com:mac:vml" xmlns:p="http://schemas.openxmlformats.org/presentationml/2006/main" xmlns:c="http://schemas.openxmlformats.org/drawingml/2006/chart" xmlns:dgm="http://schemas.openxmlformats.org/drawingml/2006/diagram" xmlns:o="urn:schemas-microsoft-com:office:office" xmlns:v="urn:schemas-microsoft-com:vml" xmlns:pvml="urn:schemas-microsoft-com:office:powerpoint" xmlns:com="http://schemas.openxmlformats.org/drawingml/2006/compatibility" xmlns:p14="http://schemas.microsoft.com/office/powerpoint/2010/main" xmlns:p15="http://schemas.microsoft.com/office/powerpoint/2012/main" showMasterPhAnim="0" showMasterSp="0">
+<p:notes xmlns:a="http://schemas.openxmlformats.org/drawingml/2006/main" xmlns:r="http://schemas.openxmlformats.org/officeDocument/2006/relationships" xmlns:p="http://schemas.openxmlformats.org/presentationml/2006/main" showMasterSp="0" showMasterPhAnim="0">
   <p:cSld>
     <p:spTree>
       <p:nvGrpSpPr>
-        <p:cNvPr id="106" name="Shape 106"/>
+        <p:cNvPr id="1" name="Shape 106"/>
         <p:cNvGrpSpPr/>
         <p:nvPr/>
       </p:nvGrpSpPr>
@@ -1126,9 +1161,11 @@
       <p:sp>
         <p:nvSpPr>
           <p:cNvPr id="107" name="Google Shape;107;g7be3d41115_0_60:notes"/>
-          <p:cNvSpPr/>
+          <p:cNvSpPr>
+            <a:spLocks noGrp="1" noRot="1" noChangeAspect="1"/>
+          </p:cNvSpPr>
           <p:nvPr>
-            <p:ph idx="2" type="sldImg"/>
+            <p:ph type="sldImg" idx="2"/>
           </p:nvPr>
         </p:nvSpPr>
         <p:spPr>
@@ -1137,9 +1174,13 @@
             <a:ext cx="6096000" cy="3429000"/>
           </a:xfrm>
           <a:custGeom>
-            <a:rect b="b" l="l" r="r" t="t"/>
+            <a:avLst/>
+            <a:gdLst/>
+            <a:ahLst/>
+            <a:cxnLst/>
+            <a:rect l="l" t="t" r="r" b="b"/>
             <a:pathLst>
-              <a:path extrusionOk="0" h="120000" w="120000">
+              <a:path w="120000" h="120000" extrusionOk="0">
                 <a:moveTo>
                   <a:pt x="0" y="0"/>
                 </a:moveTo>
@@ -1161,9 +1202,11 @@
       <p:sp>
         <p:nvSpPr>
           <p:cNvPr id="108" name="Google Shape;108;g7be3d41115_0_60:notes"/>
-          <p:cNvSpPr txBox="1"/>
+          <p:cNvSpPr txBox="1">
+            <a:spLocks noGrp="1"/>
+          </p:cNvSpPr>
           <p:nvPr>
-            <p:ph idx="1" type="body"/>
+            <p:ph type="body" idx="1"/>
           </p:nvPr>
         </p:nvSpPr>
         <p:spPr>
@@ -1176,12 +1219,12 @@
           </a:prstGeom>
         </p:spPr>
         <p:txBody>
-          <a:bodyPr anchorCtr="0" anchor="t" bIns="91425" lIns="91425" spcFirstLastPara="1" rIns="91425" wrap="square" tIns="91425">
+          <a:bodyPr spcFirstLastPara="1" wrap="square" lIns="91425" tIns="91425" rIns="91425" bIns="91425" anchor="t" anchorCtr="0">
             <a:noAutofit/>
           </a:bodyPr>
           <a:lstStyle/>
           <a:p>
-            <a:pPr indent="0" lvl="0" marL="0" rtl="0" algn="l">
+            <a:pPr marL="0" lvl="0" indent="0" algn="l" rtl="0">
               <a:spcBef>
                 <a:spcPts val="0"/>
               </a:spcBef>
@@ -1190,9 +1233,6 @@
               </a:spcAft>
               <a:buNone/>
             </a:pPr>
-            <a:r>
-              <a:t/>
-            </a:r>
             <a:endParaRPr/>
           </a:p>
         </p:txBody>
@@ -1206,11 +1246,11 @@
 </file>
 
 <file path=ppt/notesSlides/notesSlide6.xml><?xml version="1.0" encoding="utf-8"?>
-<p:notes xmlns:a="http://schemas.openxmlformats.org/drawingml/2006/main" xmlns:r="http://schemas.openxmlformats.org/officeDocument/2006/relationships" xmlns:mc="http://schemas.openxmlformats.org/markup-compatibility/2006" xmlns:mv="urn:schemas-microsoft-com:mac:vml" xmlns:p="http://schemas.openxmlformats.org/presentationml/2006/main" xmlns:c="http://schemas.openxmlformats.org/drawingml/2006/chart" xmlns:dgm="http://schemas.openxmlformats.org/drawingml/2006/diagram" xmlns:o="urn:schemas-microsoft-com:office:office" xmlns:v="urn:schemas-microsoft-com:vml" xmlns:pvml="urn:schemas-microsoft-com:office:powerpoint" xmlns:com="http://schemas.openxmlformats.org/drawingml/2006/compatibility" xmlns:p14="http://schemas.microsoft.com/office/powerpoint/2010/main" xmlns:p15="http://schemas.microsoft.com/office/powerpoint/2012/main" showMasterPhAnim="0" showMasterSp="0">
+<p:notes xmlns:a="http://schemas.openxmlformats.org/drawingml/2006/main" xmlns:r="http://schemas.openxmlformats.org/officeDocument/2006/relationships" xmlns:p="http://schemas.openxmlformats.org/presentationml/2006/main" showMasterSp="0" showMasterPhAnim="0">
   <p:cSld>
     <p:spTree>
       <p:nvGrpSpPr>
-        <p:cNvPr id="115" name="Shape 115"/>
+        <p:cNvPr id="1" name="Shape 115"/>
         <p:cNvGrpSpPr/>
         <p:nvPr/>
       </p:nvGrpSpPr>
@@ -1225,9 +1265,11 @@
       <p:sp>
         <p:nvSpPr>
           <p:cNvPr id="116" name="Google Shape;116;g7be3d41115_0_72:notes"/>
-          <p:cNvSpPr/>
+          <p:cNvSpPr>
+            <a:spLocks noGrp="1" noRot="1" noChangeAspect="1"/>
+          </p:cNvSpPr>
           <p:nvPr>
-            <p:ph idx="2" type="sldImg"/>
+            <p:ph type="sldImg" idx="2"/>
           </p:nvPr>
         </p:nvSpPr>
         <p:spPr>
@@ -1236,9 +1278,13 @@
             <a:ext cx="6096000" cy="3429000"/>
           </a:xfrm>
           <a:custGeom>
-            <a:rect b="b" l="l" r="r" t="t"/>
+            <a:avLst/>
+            <a:gdLst/>
+            <a:ahLst/>
+            <a:cxnLst/>
+            <a:rect l="l" t="t" r="r" b="b"/>
             <a:pathLst>
-              <a:path extrusionOk="0" h="120000" w="120000">
+              <a:path w="120000" h="120000" extrusionOk="0">
                 <a:moveTo>
                   <a:pt x="0" y="0"/>
                 </a:moveTo>
@@ -1260,9 +1306,11 @@
       <p:sp>
         <p:nvSpPr>
           <p:cNvPr id="117" name="Google Shape;117;g7be3d41115_0_72:notes"/>
-          <p:cNvSpPr txBox="1"/>
+          <p:cNvSpPr txBox="1">
+            <a:spLocks noGrp="1"/>
+          </p:cNvSpPr>
           <p:nvPr>
-            <p:ph idx="1" type="body"/>
+            <p:ph type="body" idx="1"/>
           </p:nvPr>
         </p:nvSpPr>
         <p:spPr>
@@ -1275,12 +1323,12 @@
           </a:prstGeom>
         </p:spPr>
         <p:txBody>
-          <a:bodyPr anchorCtr="0" anchor="t" bIns="91425" lIns="91425" spcFirstLastPara="1" rIns="91425" wrap="square" tIns="91425">
+          <a:bodyPr spcFirstLastPara="1" wrap="square" lIns="91425" tIns="91425" rIns="91425" bIns="91425" anchor="t" anchorCtr="0">
             <a:noAutofit/>
           </a:bodyPr>
           <a:lstStyle/>
           <a:p>
-            <a:pPr indent="0" lvl="0" marL="0" rtl="0" algn="l">
+            <a:pPr marL="0" lvl="0" indent="0" algn="l" rtl="0">
               <a:spcBef>
                 <a:spcPts val="0"/>
               </a:spcBef>
@@ -1289,9 +1337,6 @@
               </a:spcAft>
               <a:buNone/>
             </a:pPr>
-            <a:r>
-              <a:t/>
-            </a:r>
             <a:endParaRPr/>
           </a:p>
         </p:txBody>
@@ -1305,11 +1350,11 @@
 </file>
 
 <file path=ppt/notesSlides/notesSlide7.xml><?xml version="1.0" encoding="utf-8"?>
-<p:notes xmlns:a="http://schemas.openxmlformats.org/drawingml/2006/main" xmlns:r="http://schemas.openxmlformats.org/officeDocument/2006/relationships" xmlns:mc="http://schemas.openxmlformats.org/markup-compatibility/2006" xmlns:mv="urn:schemas-microsoft-com:mac:vml" xmlns:p="http://schemas.openxmlformats.org/presentationml/2006/main" xmlns:c="http://schemas.openxmlformats.org/drawingml/2006/chart" xmlns:dgm="http://schemas.openxmlformats.org/drawingml/2006/diagram" xmlns:o="urn:schemas-microsoft-com:office:office" xmlns:v="urn:schemas-microsoft-com:vml" xmlns:pvml="urn:schemas-microsoft-com:office:powerpoint" xmlns:com="http://schemas.openxmlformats.org/drawingml/2006/compatibility" xmlns:p14="http://schemas.microsoft.com/office/powerpoint/2010/main" xmlns:p15="http://schemas.microsoft.com/office/powerpoint/2012/main" showMasterPhAnim="0" showMasterSp="0">
+<p:notes xmlns:a="http://schemas.openxmlformats.org/drawingml/2006/main" xmlns:r="http://schemas.openxmlformats.org/officeDocument/2006/relationships" xmlns:p="http://schemas.openxmlformats.org/presentationml/2006/main" showMasterSp="0" showMasterPhAnim="0">
   <p:cSld>
     <p:spTree>
       <p:nvGrpSpPr>
-        <p:cNvPr id="126" name="Shape 126"/>
+        <p:cNvPr id="1" name="Shape 126"/>
         <p:cNvGrpSpPr/>
         <p:nvPr/>
       </p:nvGrpSpPr>
@@ -1324,9 +1369,11 @@
       <p:sp>
         <p:nvSpPr>
           <p:cNvPr id="127" name="Google Shape;127;g7be3d41115_0_142:notes"/>
-          <p:cNvSpPr/>
+          <p:cNvSpPr>
+            <a:spLocks noGrp="1" noRot="1" noChangeAspect="1"/>
+          </p:cNvSpPr>
           <p:nvPr>
-            <p:ph idx="2" type="sldImg"/>
+            <p:ph type="sldImg" idx="2"/>
           </p:nvPr>
         </p:nvSpPr>
         <p:spPr>
@@ -1335,9 +1382,13 @@
             <a:ext cx="6096000" cy="3429000"/>
           </a:xfrm>
           <a:custGeom>
-            <a:rect b="b" l="l" r="r" t="t"/>
+            <a:avLst/>
+            <a:gdLst/>
+            <a:ahLst/>
+            <a:cxnLst/>
+            <a:rect l="l" t="t" r="r" b="b"/>
             <a:pathLst>
-              <a:path extrusionOk="0" h="120000" w="120000">
+              <a:path w="120000" h="120000" extrusionOk="0">
                 <a:moveTo>
                   <a:pt x="0" y="0"/>
                 </a:moveTo>
@@ -1359,9 +1410,11 @@
       <p:sp>
         <p:nvSpPr>
           <p:cNvPr id="128" name="Google Shape;128;g7be3d41115_0_142:notes"/>
-          <p:cNvSpPr txBox="1"/>
+          <p:cNvSpPr txBox="1">
+            <a:spLocks noGrp="1"/>
+          </p:cNvSpPr>
           <p:nvPr>
-            <p:ph idx="1" type="body"/>
+            <p:ph type="body" idx="1"/>
           </p:nvPr>
         </p:nvSpPr>
         <p:spPr>
@@ -1374,12 +1427,12 @@
           </a:prstGeom>
         </p:spPr>
         <p:txBody>
-          <a:bodyPr anchorCtr="0" anchor="t" bIns="91425" lIns="91425" spcFirstLastPara="1" rIns="91425" wrap="square" tIns="91425">
+          <a:bodyPr spcFirstLastPara="1" wrap="square" lIns="91425" tIns="91425" rIns="91425" bIns="91425" anchor="t" anchorCtr="0">
             <a:noAutofit/>
           </a:bodyPr>
           <a:lstStyle/>
           <a:p>
-            <a:pPr indent="0" lvl="0" marL="0" rtl="0" algn="l">
+            <a:pPr marL="0" lvl="0" indent="0" algn="l" rtl="0">
               <a:spcBef>
                 <a:spcPts val="0"/>
               </a:spcBef>
@@ -1388,9 +1441,6 @@
               </a:spcAft>
               <a:buNone/>
             </a:pPr>
-            <a:r>
-              <a:t/>
-            </a:r>
             <a:endParaRPr/>
           </a:p>
         </p:txBody>
@@ -1404,11 +1454,11 @@
 </file>
 
 <file path=ppt/notesSlides/notesSlide8.xml><?xml version="1.0" encoding="utf-8"?>
-<p:notes xmlns:a="http://schemas.openxmlformats.org/drawingml/2006/main" xmlns:r="http://schemas.openxmlformats.org/officeDocument/2006/relationships" xmlns:mc="http://schemas.openxmlformats.org/markup-compatibility/2006" xmlns:mv="urn:schemas-microsoft-com:mac:vml" xmlns:p="http://schemas.openxmlformats.org/presentationml/2006/main" xmlns:c="http://schemas.openxmlformats.org/drawingml/2006/chart" xmlns:dgm="http://schemas.openxmlformats.org/drawingml/2006/diagram" xmlns:o="urn:schemas-microsoft-com:office:office" xmlns:v="urn:schemas-microsoft-com:vml" xmlns:pvml="urn:schemas-microsoft-com:office:powerpoint" xmlns:com="http://schemas.openxmlformats.org/drawingml/2006/compatibility" xmlns:p14="http://schemas.microsoft.com/office/powerpoint/2010/main" xmlns:p15="http://schemas.microsoft.com/office/powerpoint/2012/main" showMasterPhAnim="0" showMasterSp="0">
+<p:notes xmlns:a="http://schemas.openxmlformats.org/drawingml/2006/main" xmlns:r="http://schemas.openxmlformats.org/officeDocument/2006/relationships" xmlns:p="http://schemas.openxmlformats.org/presentationml/2006/main" showMasterSp="0" showMasterPhAnim="0">
   <p:cSld>
     <p:spTree>
       <p:nvGrpSpPr>
-        <p:cNvPr id="137" name="Shape 137"/>
+        <p:cNvPr id="1" name="Shape 137"/>
         <p:cNvGrpSpPr/>
         <p:nvPr/>
       </p:nvGrpSpPr>
@@ -1423,9 +1473,11 @@
       <p:sp>
         <p:nvSpPr>
           <p:cNvPr id="138" name="Google Shape;138;g7be3d41115_0_76:notes"/>
-          <p:cNvSpPr/>
+          <p:cNvSpPr>
+            <a:spLocks noGrp="1" noRot="1" noChangeAspect="1"/>
+          </p:cNvSpPr>
           <p:nvPr>
-            <p:ph idx="2" type="sldImg"/>
+            <p:ph type="sldImg" idx="2"/>
           </p:nvPr>
         </p:nvSpPr>
         <p:spPr>
@@ -1434,9 +1486,13 @@
             <a:ext cx="6096000" cy="3429000"/>
           </a:xfrm>
           <a:custGeom>
-            <a:rect b="b" l="l" r="r" t="t"/>
+            <a:avLst/>
+            <a:gdLst/>
+            <a:ahLst/>
+            <a:cxnLst/>
+            <a:rect l="l" t="t" r="r" b="b"/>
             <a:pathLst>
-              <a:path extrusionOk="0" h="120000" w="120000">
+              <a:path w="120000" h="120000" extrusionOk="0">
                 <a:moveTo>
                   <a:pt x="0" y="0"/>
                 </a:moveTo>
@@ -1458,9 +1514,11 @@
       <p:sp>
         <p:nvSpPr>
           <p:cNvPr id="139" name="Google Shape;139;g7be3d41115_0_76:notes"/>
-          <p:cNvSpPr txBox="1"/>
+          <p:cNvSpPr txBox="1">
+            <a:spLocks noGrp="1"/>
+          </p:cNvSpPr>
           <p:nvPr>
-            <p:ph idx="1" type="body"/>
+            <p:ph type="body" idx="1"/>
           </p:nvPr>
         </p:nvSpPr>
         <p:spPr>
@@ -1473,12 +1531,12 @@
           </a:prstGeom>
         </p:spPr>
         <p:txBody>
-          <a:bodyPr anchorCtr="0" anchor="t" bIns="91425" lIns="91425" spcFirstLastPara="1" rIns="91425" wrap="square" tIns="91425">
+          <a:bodyPr spcFirstLastPara="1" wrap="square" lIns="91425" tIns="91425" rIns="91425" bIns="91425" anchor="t" anchorCtr="0">
             <a:noAutofit/>
           </a:bodyPr>
           <a:lstStyle/>
           <a:p>
-            <a:pPr indent="0" lvl="0" marL="0" rtl="0" algn="l">
+            <a:pPr marL="0" lvl="0" indent="0" algn="l" rtl="0">
               <a:spcBef>
                 <a:spcPts val="0"/>
               </a:spcBef>
@@ -1487,9 +1545,6 @@
               </a:spcAft>
               <a:buNone/>
             </a:pPr>
-            <a:r>
-              <a:t/>
-            </a:r>
             <a:endParaRPr/>
           </a:p>
         </p:txBody>
@@ -1503,11 +1558,11 @@
 </file>
 
 <file path=ppt/notesSlides/notesSlide9.xml><?xml version="1.0" encoding="utf-8"?>
-<p:notes xmlns:a="http://schemas.openxmlformats.org/drawingml/2006/main" xmlns:r="http://schemas.openxmlformats.org/officeDocument/2006/relationships" xmlns:mc="http://schemas.openxmlformats.org/markup-compatibility/2006" xmlns:mv="urn:schemas-microsoft-com:mac:vml" xmlns:p="http://schemas.openxmlformats.org/presentationml/2006/main" xmlns:c="http://schemas.openxmlformats.org/drawingml/2006/chart" xmlns:dgm="http://schemas.openxmlformats.org/drawingml/2006/diagram" xmlns:o="urn:schemas-microsoft-com:office:office" xmlns:v="urn:schemas-microsoft-com:vml" xmlns:pvml="urn:schemas-microsoft-com:office:powerpoint" xmlns:com="http://schemas.openxmlformats.org/drawingml/2006/compatibility" xmlns:p14="http://schemas.microsoft.com/office/powerpoint/2010/main" xmlns:p15="http://schemas.microsoft.com/office/powerpoint/2012/main" showMasterPhAnim="0" showMasterSp="0">
+<p:notes xmlns:a="http://schemas.openxmlformats.org/drawingml/2006/main" xmlns:r="http://schemas.openxmlformats.org/officeDocument/2006/relationships" xmlns:p="http://schemas.openxmlformats.org/presentationml/2006/main" showMasterSp="0" showMasterPhAnim="0">
   <p:cSld>
     <p:spTree>
       <p:nvGrpSpPr>
-        <p:cNvPr id="143" name="Shape 143"/>
+        <p:cNvPr id="1" name="Shape 143"/>
         <p:cNvGrpSpPr/>
         <p:nvPr/>
       </p:nvGrpSpPr>
@@ -1522,9 +1577,11 @@
       <p:sp>
         <p:nvSpPr>
           <p:cNvPr id="144" name="Google Shape;144;g7be3d41115_0_162:notes"/>
-          <p:cNvSpPr/>
+          <p:cNvSpPr>
+            <a:spLocks noGrp="1" noRot="1" noChangeAspect="1"/>
+          </p:cNvSpPr>
           <p:nvPr>
-            <p:ph idx="2" type="sldImg"/>
+            <p:ph type="sldImg" idx="2"/>
           </p:nvPr>
         </p:nvSpPr>
         <p:spPr>
@@ -1533,9 +1590,13 @@
             <a:ext cx="6096000" cy="3429000"/>
           </a:xfrm>
           <a:custGeom>
-            <a:rect b="b" l="l" r="r" t="t"/>
+            <a:avLst/>
+            <a:gdLst/>
+            <a:ahLst/>
+            <a:cxnLst/>
+            <a:rect l="l" t="t" r="r" b="b"/>
             <a:pathLst>
-              <a:path extrusionOk="0" h="120000" w="120000">
+              <a:path w="120000" h="120000" extrusionOk="0">
                 <a:moveTo>
                   <a:pt x="0" y="0"/>
                 </a:moveTo>
@@ -1557,9 +1618,11 @@
       <p:sp>
         <p:nvSpPr>
           <p:cNvPr id="145" name="Google Shape;145;g7be3d41115_0_162:notes"/>
-          <p:cNvSpPr txBox="1"/>
+          <p:cNvSpPr txBox="1">
+            <a:spLocks noGrp="1"/>
+          </p:cNvSpPr>
           <p:nvPr>
-            <p:ph idx="1" type="body"/>
+            <p:ph type="body" idx="1"/>
           </p:nvPr>
         </p:nvSpPr>
         <p:spPr>
@@ -1572,12 +1635,12 @@
           </a:prstGeom>
         </p:spPr>
         <p:txBody>
-          <a:bodyPr anchorCtr="0" anchor="t" bIns="91425" lIns="91425" spcFirstLastPara="1" rIns="91425" wrap="square" tIns="91425">
+          <a:bodyPr spcFirstLastPara="1" wrap="square" lIns="91425" tIns="91425" rIns="91425" bIns="91425" anchor="t" anchorCtr="0">
             <a:noAutofit/>
           </a:bodyPr>
           <a:lstStyle/>
           <a:p>
-            <a:pPr indent="0" lvl="0" marL="0" rtl="0" algn="l">
+            <a:pPr marL="0" lvl="0" indent="0" algn="l" rtl="0">
               <a:spcBef>
                 <a:spcPts val="0"/>
               </a:spcBef>
@@ -1586,9 +1649,6 @@
               </a:spcAft>
               <a:buNone/>
             </a:pPr>
-            <a:r>
-              <a:t/>
-            </a:r>
             <a:endParaRPr/>
           </a:p>
         </p:txBody>
@@ -1602,18 +1662,19 @@
 </file>
 
 <file path=ppt/slideLayouts/slideLayout1.xml><?xml version="1.0" encoding="utf-8"?>
-<p:sldLayout xmlns:a="http://schemas.openxmlformats.org/drawingml/2006/main" xmlns:r="http://schemas.openxmlformats.org/officeDocument/2006/relationships" xmlns:mc="http://schemas.openxmlformats.org/markup-compatibility/2006" xmlns:mv="urn:schemas-microsoft-com:mac:vml" xmlns:p="http://schemas.openxmlformats.org/presentationml/2006/main" xmlns:c="http://schemas.openxmlformats.org/drawingml/2006/chart" xmlns:dgm="http://schemas.openxmlformats.org/drawingml/2006/diagram" xmlns:o="urn:schemas-microsoft-com:office:office" xmlns:v="urn:schemas-microsoft-com:vml" xmlns:pvml="urn:schemas-microsoft-com:office:powerpoint" xmlns:com="http://schemas.openxmlformats.org/drawingml/2006/compatibility" xmlns:p14="http://schemas.microsoft.com/office/powerpoint/2010/main" xmlns:p15="http://schemas.microsoft.com/office/powerpoint/2012/main" matchingName="Title slide" type="title">
+<p:sldLayout xmlns:a="http://schemas.openxmlformats.org/drawingml/2006/main" xmlns:r="http://schemas.openxmlformats.org/officeDocument/2006/relationships" xmlns:p="http://schemas.openxmlformats.org/presentationml/2006/main" matchingName="Title slide" type="title">
   <p:cSld name="TITLE">
     <p:bg>
       <p:bgPr>
         <a:solidFill>
           <a:schemeClr val="dk1"/>
         </a:solidFill>
+        <a:effectLst/>
       </p:bgPr>
     </p:bg>
     <p:spTree>
       <p:nvGrpSpPr>
-        <p:cNvPr id="9" name="Shape 9"/>
+        <p:cNvPr id="1" name="Shape 9"/>
         <p:cNvGrpSpPr/>
         <p:nvPr/>
       </p:nvGrpSpPr>
@@ -1637,9 +1698,13 @@
             <a:ext cx="9144250" cy="4398100"/>
           </a:xfrm>
           <a:custGeom>
-            <a:rect b="b" l="l" r="r" t="t"/>
+            <a:avLst/>
+            <a:gdLst/>
+            <a:ahLst/>
+            <a:cxnLst/>
+            <a:rect l="l" t="t" r="r" b="b"/>
             <a:pathLst>
-              <a:path extrusionOk="0" h="175924" w="365770">
+              <a:path w="365770" h="175924" extrusionOk="0">
                 <a:moveTo>
                   <a:pt x="0" y="0"/>
                 </a:moveTo>
@@ -1667,7 +1732,9 @@
       <p:sp>
         <p:nvSpPr>
           <p:cNvPr id="11" name="Google Shape;11;p2"/>
-          <p:cNvSpPr txBox="1"/>
+          <p:cNvSpPr txBox="1">
+            <a:spLocks noGrp="1"/>
+          </p:cNvSpPr>
           <p:nvPr>
             <p:ph type="ctrTitle"/>
           </p:nvPr>
@@ -1682,7 +1749,7 @@
           </a:prstGeom>
         </p:spPr>
         <p:txBody>
-          <a:bodyPr anchorCtr="0" anchor="t" bIns="91425" lIns="91425" spcFirstLastPara="1" rIns="91425" wrap="square" tIns="91425">
+          <a:bodyPr spcFirstLastPara="1" wrap="square" lIns="91425" tIns="91425" rIns="91425" bIns="91425" anchor="t" anchorCtr="0">
             <a:noAutofit/>
           </a:bodyPr>
           <a:lstStyle>
@@ -1786,15 +1853,19 @@
               <a:defRPr sz="3600"/>
             </a:lvl9pPr>
           </a:lstStyle>
-          <a:p/>
+          <a:p>
+            <a:endParaRPr/>
+          </a:p>
         </p:txBody>
       </p:sp>
       <p:sp>
         <p:nvSpPr>
           <p:cNvPr id="12" name="Google Shape;12;p2"/>
-          <p:cNvSpPr txBox="1"/>
+          <p:cNvSpPr txBox="1">
+            <a:spLocks noGrp="1"/>
+          </p:cNvSpPr>
           <p:nvPr>
-            <p:ph idx="1" type="subTitle"/>
+            <p:ph type="subTitle" idx="1"/>
           </p:nvPr>
         </p:nvSpPr>
         <p:spPr>
@@ -1807,7 +1878,7 @@
           </a:prstGeom>
         </p:spPr>
         <p:txBody>
-          <a:bodyPr anchorCtr="0" anchor="t" bIns="91425" lIns="91425" spcFirstLastPara="1" rIns="91425" wrap="square" tIns="91425">
+          <a:bodyPr spcFirstLastPara="1" wrap="square" lIns="91425" tIns="91425" rIns="91425" bIns="91425" anchor="t" anchorCtr="0">
             <a:noAutofit/>
           </a:bodyPr>
           <a:lstStyle>
@@ -2001,15 +2072,19 @@
               </a:defRPr>
             </a:lvl9pPr>
           </a:lstStyle>
-          <a:p/>
+          <a:p>
+            <a:endParaRPr/>
+          </a:p>
         </p:txBody>
       </p:sp>
       <p:sp>
         <p:nvSpPr>
           <p:cNvPr id="13" name="Google Shape;13;p2"/>
-          <p:cNvSpPr txBox="1"/>
+          <p:cNvSpPr txBox="1">
+            <a:spLocks noGrp="1"/>
+          </p:cNvSpPr>
           <p:nvPr>
-            <p:ph idx="12" type="sldNum"/>
+            <p:ph type="sldNum" idx="12"/>
           </p:nvPr>
         </p:nvSpPr>
         <p:spPr>
@@ -2022,7 +2097,7 @@
           </a:prstGeom>
         </p:spPr>
         <p:txBody>
-          <a:bodyPr anchorCtr="0" anchor="ctr" bIns="91425" lIns="91425" spcFirstLastPara="1" rIns="91425" wrap="square" tIns="91425">
+          <a:bodyPr spcFirstLastPara="1" wrap="square" lIns="91425" tIns="91425" rIns="91425" bIns="91425" anchor="ctr" anchorCtr="0">
             <a:noAutofit/>
           </a:bodyPr>
           <a:lstStyle>
@@ -2100,7 +2175,7 @@
             </a:lvl9pPr>
           </a:lstStyle>
           <a:p>
-            <a:pPr indent="0" lvl="0" marL="0" rtl="0" algn="r">
+            <a:pPr marL="0" lvl="0" indent="0" algn="r" rtl="0">
               <a:spcBef>
                 <a:spcPts val="0"/>
               </a:spcBef>
@@ -2126,18 +2201,19 @@
 </file>
 
 <file path=ppt/slideLayouts/slideLayout10.xml><?xml version="1.0" encoding="utf-8"?>
-<p:sldLayout xmlns:a="http://schemas.openxmlformats.org/drawingml/2006/main" xmlns:r="http://schemas.openxmlformats.org/officeDocument/2006/relationships" xmlns:mc="http://schemas.openxmlformats.org/markup-compatibility/2006" xmlns:mv="urn:schemas-microsoft-com:mac:vml" xmlns:p="http://schemas.openxmlformats.org/presentationml/2006/main" xmlns:c="http://schemas.openxmlformats.org/drawingml/2006/chart" xmlns:dgm="http://schemas.openxmlformats.org/drawingml/2006/diagram" xmlns:o="urn:schemas-microsoft-com:office:office" xmlns:v="urn:schemas-microsoft-com:vml" xmlns:pvml="urn:schemas-microsoft-com:office:powerpoint" xmlns:com="http://schemas.openxmlformats.org/drawingml/2006/compatibility" xmlns:p14="http://schemas.microsoft.com/office/powerpoint/2010/main" xmlns:p15="http://schemas.microsoft.com/office/powerpoint/2012/main" matchingName="Big number">
+<p:sldLayout xmlns:a="http://schemas.openxmlformats.org/drawingml/2006/main" xmlns:r="http://schemas.openxmlformats.org/officeDocument/2006/relationships" xmlns:p="http://schemas.openxmlformats.org/presentationml/2006/main" matchingName="Big number">
   <p:cSld name="BIG_NUMBER">
     <p:bg>
       <p:bgPr>
         <a:solidFill>
           <a:schemeClr val="dk1"/>
         </a:solidFill>
+        <a:effectLst/>
       </p:bgPr>
     </p:bg>
     <p:spTree>
       <p:nvGrpSpPr>
-        <p:cNvPr id="54" name="Shape 54"/>
+        <p:cNvPr id="1" name="Shape 54"/>
         <p:cNvGrpSpPr/>
         <p:nvPr/>
       </p:nvGrpSpPr>
@@ -2152,9 +2228,11 @@
       <p:sp>
         <p:nvSpPr>
           <p:cNvPr id="55" name="Google Shape;55;p11"/>
-          <p:cNvSpPr txBox="1"/>
+          <p:cNvSpPr txBox="1">
+            <a:spLocks noGrp="1"/>
+          </p:cNvSpPr>
           <p:nvPr>
-            <p:ph hasCustomPrompt="1" type="title"/>
+            <p:ph type="title" hasCustomPrompt="1"/>
           </p:nvPr>
         </p:nvSpPr>
         <p:spPr>
@@ -2167,7 +2245,7 @@
           </a:prstGeom>
         </p:spPr>
         <p:txBody>
-          <a:bodyPr anchorCtr="0" anchor="b" bIns="91425" lIns="91425" spcFirstLastPara="1" rIns="91425" wrap="square" tIns="91425">
+          <a:bodyPr spcFirstLastPara="1" wrap="square" lIns="91425" tIns="91425" rIns="91425" bIns="91425" anchor="b" anchorCtr="0">
             <a:noAutofit/>
           </a:bodyPr>
           <a:lstStyle>
@@ -2344,9 +2422,11 @@
       <p:sp>
         <p:nvSpPr>
           <p:cNvPr id="56" name="Google Shape;56;p11"/>
-          <p:cNvSpPr txBox="1"/>
+          <p:cNvSpPr txBox="1">
+            <a:spLocks noGrp="1"/>
+          </p:cNvSpPr>
           <p:nvPr>
-            <p:ph idx="1" type="body"/>
+            <p:ph type="body" idx="1"/>
           </p:nvPr>
         </p:nvSpPr>
         <p:spPr>
@@ -2359,11 +2439,11 @@
           </a:prstGeom>
         </p:spPr>
         <p:txBody>
-          <a:bodyPr anchorCtr="0" anchor="t" bIns="91425" lIns="91425" spcFirstLastPara="1" rIns="91425" wrap="square" tIns="91425">
+          <a:bodyPr spcFirstLastPara="1" wrap="square" lIns="91425" tIns="91425" rIns="91425" bIns="91425" anchor="t" anchorCtr="0">
             <a:noAutofit/>
           </a:bodyPr>
           <a:lstStyle>
-            <a:lvl1pPr indent="-311150" lvl="0" marL="457200">
+            <a:lvl1pPr marL="457200" lvl="0" indent="-311150">
               <a:spcBef>
                 <a:spcPts val="0"/>
               </a:spcBef>
@@ -2381,7 +2461,7 @@
                 </a:solidFill>
               </a:defRPr>
             </a:lvl1pPr>
-            <a:lvl2pPr indent="-298450" lvl="1" marL="914400">
+            <a:lvl2pPr marL="914400" lvl="1" indent="-298450">
               <a:spcBef>
                 <a:spcPts val="1600"/>
               </a:spcBef>
@@ -2399,7 +2479,7 @@
                 </a:solidFill>
               </a:defRPr>
             </a:lvl2pPr>
-            <a:lvl3pPr indent="-298450" lvl="2" marL="1371600">
+            <a:lvl3pPr marL="1371600" lvl="2" indent="-298450">
               <a:spcBef>
                 <a:spcPts val="1600"/>
               </a:spcBef>
@@ -2417,7 +2497,7 @@
                 </a:solidFill>
               </a:defRPr>
             </a:lvl3pPr>
-            <a:lvl4pPr indent="-298450" lvl="3" marL="1828800">
+            <a:lvl4pPr marL="1828800" lvl="3" indent="-298450">
               <a:spcBef>
                 <a:spcPts val="1600"/>
               </a:spcBef>
@@ -2435,7 +2515,7 @@
                 </a:solidFill>
               </a:defRPr>
             </a:lvl4pPr>
-            <a:lvl5pPr indent="-298450" lvl="4" marL="2286000">
+            <a:lvl5pPr marL="2286000" lvl="4" indent="-298450">
               <a:spcBef>
                 <a:spcPts val="1600"/>
               </a:spcBef>
@@ -2453,7 +2533,7 @@
                 </a:solidFill>
               </a:defRPr>
             </a:lvl5pPr>
-            <a:lvl6pPr indent="-298450" lvl="5" marL="2743200">
+            <a:lvl6pPr marL="2743200" lvl="5" indent="-298450">
               <a:spcBef>
                 <a:spcPts val="1600"/>
               </a:spcBef>
@@ -2471,7 +2551,7 @@
                 </a:solidFill>
               </a:defRPr>
             </a:lvl6pPr>
-            <a:lvl7pPr indent="-298450" lvl="6" marL="3200400">
+            <a:lvl7pPr marL="3200400" lvl="6" indent="-298450">
               <a:spcBef>
                 <a:spcPts val="1600"/>
               </a:spcBef>
@@ -2489,7 +2569,7 @@
                 </a:solidFill>
               </a:defRPr>
             </a:lvl7pPr>
-            <a:lvl8pPr indent="-298450" lvl="7" marL="3657600">
+            <a:lvl8pPr marL="3657600" lvl="7" indent="-298450">
               <a:spcBef>
                 <a:spcPts val="1600"/>
               </a:spcBef>
@@ -2507,7 +2587,7 @@
                 </a:solidFill>
               </a:defRPr>
             </a:lvl8pPr>
-            <a:lvl9pPr indent="-298450" lvl="8" marL="4114800">
+            <a:lvl9pPr marL="4114800" lvl="8" indent="-298450">
               <a:spcBef>
                 <a:spcPts val="1600"/>
               </a:spcBef>
@@ -2526,15 +2606,19 @@
               </a:defRPr>
             </a:lvl9pPr>
           </a:lstStyle>
-          <a:p/>
+          <a:p>
+            <a:endParaRPr/>
+          </a:p>
         </p:txBody>
       </p:sp>
       <p:sp>
         <p:nvSpPr>
           <p:cNvPr id="57" name="Google Shape;57;p11"/>
-          <p:cNvSpPr txBox="1"/>
+          <p:cNvSpPr txBox="1">
+            <a:spLocks noGrp="1"/>
+          </p:cNvSpPr>
           <p:nvPr>
-            <p:ph idx="12" type="sldNum"/>
+            <p:ph type="sldNum" idx="12"/>
           </p:nvPr>
         </p:nvSpPr>
         <p:spPr>
@@ -2547,7 +2631,7 @@
           </a:prstGeom>
         </p:spPr>
         <p:txBody>
-          <a:bodyPr anchorCtr="0" anchor="ctr" bIns="91425" lIns="91425" spcFirstLastPara="1" rIns="91425" wrap="square" tIns="91425">
+          <a:bodyPr spcFirstLastPara="1" wrap="square" lIns="91425" tIns="91425" rIns="91425" bIns="91425" anchor="ctr" anchorCtr="0">
             <a:noAutofit/>
           </a:bodyPr>
           <a:lstStyle>
@@ -2625,7 +2709,7 @@
             </a:lvl9pPr>
           </a:lstStyle>
           <a:p>
-            <a:pPr indent="0" lvl="0" marL="0" rtl="0" algn="r">
+            <a:pPr marL="0" lvl="0" indent="0" algn="r" rtl="0">
               <a:spcBef>
                 <a:spcPts val="0"/>
               </a:spcBef>
@@ -2651,11 +2735,11 @@
 </file>
 
 <file path=ppt/slideLayouts/slideLayout11.xml><?xml version="1.0" encoding="utf-8"?>
-<p:sldLayout xmlns:a="http://schemas.openxmlformats.org/drawingml/2006/main" xmlns:r="http://schemas.openxmlformats.org/officeDocument/2006/relationships" xmlns:mc="http://schemas.openxmlformats.org/markup-compatibility/2006" xmlns:mv="urn:schemas-microsoft-com:mac:vml" xmlns:p="http://schemas.openxmlformats.org/presentationml/2006/main" xmlns:c="http://schemas.openxmlformats.org/drawingml/2006/chart" xmlns:dgm="http://schemas.openxmlformats.org/drawingml/2006/diagram" xmlns:o="urn:schemas-microsoft-com:office:office" xmlns:v="urn:schemas-microsoft-com:vml" xmlns:pvml="urn:schemas-microsoft-com:office:powerpoint" xmlns:com="http://schemas.openxmlformats.org/drawingml/2006/compatibility" xmlns:p14="http://schemas.microsoft.com/office/powerpoint/2010/main" xmlns:p15="http://schemas.microsoft.com/office/powerpoint/2012/main" matchingName="Blank" type="blank">
+<p:sldLayout xmlns:a="http://schemas.openxmlformats.org/drawingml/2006/main" xmlns:r="http://schemas.openxmlformats.org/officeDocument/2006/relationships" xmlns:p="http://schemas.openxmlformats.org/presentationml/2006/main" matchingName="Blank" type="blank">
   <p:cSld name="BLANK">
     <p:spTree>
       <p:nvGrpSpPr>
-        <p:cNvPr id="58" name="Shape 58"/>
+        <p:cNvPr id="1" name="Shape 58"/>
         <p:cNvGrpSpPr/>
         <p:nvPr/>
       </p:nvGrpSpPr>
@@ -2670,9 +2754,11 @@
       <p:sp>
         <p:nvSpPr>
           <p:cNvPr id="59" name="Google Shape;59;p12"/>
-          <p:cNvSpPr txBox="1"/>
+          <p:cNvSpPr txBox="1">
+            <a:spLocks noGrp="1"/>
+          </p:cNvSpPr>
           <p:nvPr>
-            <p:ph idx="12" type="sldNum"/>
+            <p:ph type="sldNum" idx="12"/>
           </p:nvPr>
         </p:nvSpPr>
         <p:spPr>
@@ -2685,7 +2771,7 @@
           </a:prstGeom>
         </p:spPr>
         <p:txBody>
-          <a:bodyPr anchorCtr="0" anchor="ctr" bIns="91425" lIns="91425" spcFirstLastPara="1" rIns="91425" wrap="square" tIns="91425">
+          <a:bodyPr spcFirstLastPara="1" wrap="square" lIns="91425" tIns="91425" rIns="91425" bIns="91425" anchor="ctr" anchorCtr="0">
             <a:noAutofit/>
           </a:bodyPr>
           <a:lstStyle>
@@ -2727,7 +2813,7 @@
             </a:lvl9pPr>
           </a:lstStyle>
           <a:p>
-            <a:pPr indent="0" lvl="0" marL="0" rtl="0" algn="r">
+            <a:pPr marL="0" lvl="0" indent="0" algn="r" rtl="0">
               <a:spcBef>
                 <a:spcPts val="0"/>
               </a:spcBef>
@@ -2753,18 +2839,19 @@
 </file>
 
 <file path=ppt/slideLayouts/slideLayout2.xml><?xml version="1.0" encoding="utf-8"?>
-<p:sldLayout xmlns:a="http://schemas.openxmlformats.org/drawingml/2006/main" xmlns:r="http://schemas.openxmlformats.org/officeDocument/2006/relationships" xmlns:mc="http://schemas.openxmlformats.org/markup-compatibility/2006" xmlns:mv="urn:schemas-microsoft-com:mac:vml" xmlns:p="http://schemas.openxmlformats.org/presentationml/2006/main" xmlns:c="http://schemas.openxmlformats.org/drawingml/2006/chart" xmlns:dgm="http://schemas.openxmlformats.org/drawingml/2006/diagram" xmlns:o="urn:schemas-microsoft-com:office:office" xmlns:v="urn:schemas-microsoft-com:vml" xmlns:pvml="urn:schemas-microsoft-com:office:powerpoint" xmlns:com="http://schemas.openxmlformats.org/drawingml/2006/compatibility" xmlns:p14="http://schemas.microsoft.com/office/powerpoint/2010/main" xmlns:p15="http://schemas.microsoft.com/office/powerpoint/2012/main" matchingName="Section header" type="secHead">
+<p:sldLayout xmlns:a="http://schemas.openxmlformats.org/drawingml/2006/main" xmlns:r="http://schemas.openxmlformats.org/officeDocument/2006/relationships" xmlns:p="http://schemas.openxmlformats.org/presentationml/2006/main" matchingName="Section header" type="secHead">
   <p:cSld name="SECTION_HEADER">
     <p:bg>
       <p:bgPr>
         <a:solidFill>
           <a:schemeClr val="accent3"/>
         </a:solidFill>
+        <a:effectLst/>
       </p:bgPr>
     </p:bg>
     <p:spTree>
       <p:nvGrpSpPr>
-        <p:cNvPr id="14" name="Shape 14"/>
+        <p:cNvPr id="1" name="Shape 14"/>
         <p:cNvGrpSpPr/>
         <p:nvPr/>
       </p:nvGrpSpPr>
@@ -2788,9 +2875,13 @@
             <a:ext cx="9144250" cy="4398100"/>
           </a:xfrm>
           <a:custGeom>
-            <a:rect b="b" l="l" r="r" t="t"/>
+            <a:avLst/>
+            <a:gdLst/>
+            <a:ahLst/>
+            <a:cxnLst/>
+            <a:rect l="l" t="t" r="r" b="b"/>
             <a:pathLst>
-              <a:path extrusionOk="0" h="175924" w="365770">
+              <a:path w="365770" h="175924" extrusionOk="0">
                 <a:moveTo>
                   <a:pt x="0" y="0"/>
                 </a:moveTo>
@@ -2827,9 +2918,13 @@
             <a:ext cx="9144250" cy="4398100"/>
           </a:xfrm>
           <a:custGeom>
-            <a:rect b="b" l="l" r="r" t="t"/>
+            <a:avLst/>
+            <a:gdLst/>
+            <a:ahLst/>
+            <a:cxnLst/>
+            <a:rect l="l" t="t" r="r" b="b"/>
             <a:pathLst>
-              <a:path extrusionOk="0" h="175924" w="365770">
+              <a:path w="365770" h="175924" extrusionOk="0">
                 <a:moveTo>
                   <a:pt x="0" y="0"/>
                 </a:moveTo>
@@ -2857,7 +2952,9 @@
       <p:sp>
         <p:nvSpPr>
           <p:cNvPr id="17" name="Google Shape;17;p3"/>
-          <p:cNvSpPr txBox="1"/>
+          <p:cNvSpPr txBox="1">
+            <a:spLocks noGrp="1"/>
+          </p:cNvSpPr>
           <p:nvPr>
             <p:ph type="title"/>
           </p:nvPr>
@@ -2872,7 +2969,7 @@
           </a:prstGeom>
         </p:spPr>
         <p:txBody>
-          <a:bodyPr anchorCtr="0" anchor="t" bIns="91425" lIns="91425" spcFirstLastPara="1" rIns="91425" wrap="square" tIns="91425">
+          <a:bodyPr spcFirstLastPara="1" wrap="square" lIns="91425" tIns="91425" rIns="91425" bIns="91425" anchor="t" anchorCtr="0">
             <a:noAutofit/>
           </a:bodyPr>
           <a:lstStyle>
@@ -2976,15 +3073,19 @@
               <a:defRPr sz="3600"/>
             </a:lvl9pPr>
           </a:lstStyle>
-          <a:p/>
+          <a:p>
+            <a:endParaRPr/>
+          </a:p>
         </p:txBody>
       </p:sp>
       <p:sp>
         <p:nvSpPr>
           <p:cNvPr id="18" name="Google Shape;18;p3"/>
-          <p:cNvSpPr txBox="1"/>
+          <p:cNvSpPr txBox="1">
+            <a:spLocks noGrp="1"/>
+          </p:cNvSpPr>
           <p:nvPr>
-            <p:ph idx="12" type="sldNum"/>
+            <p:ph type="sldNum" idx="12"/>
           </p:nvPr>
         </p:nvSpPr>
         <p:spPr>
@@ -2997,7 +3098,7 @@
           </a:prstGeom>
         </p:spPr>
         <p:txBody>
-          <a:bodyPr anchorCtr="0" anchor="ctr" bIns="91425" lIns="91425" spcFirstLastPara="1" rIns="91425" wrap="square" tIns="91425">
+          <a:bodyPr spcFirstLastPara="1" wrap="square" lIns="91425" tIns="91425" rIns="91425" bIns="91425" anchor="ctr" anchorCtr="0">
             <a:noAutofit/>
           </a:bodyPr>
           <a:lstStyle>
@@ -3075,7 +3176,7 @@
             </a:lvl9pPr>
           </a:lstStyle>
           <a:p>
-            <a:pPr indent="0" lvl="0" marL="0" rtl="0" algn="r">
+            <a:pPr marL="0" lvl="0" indent="0" algn="r" rtl="0">
               <a:spcBef>
                 <a:spcPts val="0"/>
               </a:spcBef>
@@ -3101,11 +3202,11 @@
 </file>
 
 <file path=ppt/slideLayouts/slideLayout3.xml><?xml version="1.0" encoding="utf-8"?>
-<p:sldLayout xmlns:a="http://schemas.openxmlformats.org/drawingml/2006/main" xmlns:r="http://schemas.openxmlformats.org/officeDocument/2006/relationships" xmlns:mc="http://schemas.openxmlformats.org/markup-compatibility/2006" xmlns:mv="urn:schemas-microsoft-com:mac:vml" xmlns:p="http://schemas.openxmlformats.org/presentationml/2006/main" xmlns:c="http://schemas.openxmlformats.org/drawingml/2006/chart" xmlns:dgm="http://schemas.openxmlformats.org/drawingml/2006/diagram" xmlns:o="urn:schemas-microsoft-com:office:office" xmlns:v="urn:schemas-microsoft-com:vml" xmlns:pvml="urn:schemas-microsoft-com:office:powerpoint" xmlns:com="http://schemas.openxmlformats.org/drawingml/2006/compatibility" xmlns:p14="http://schemas.microsoft.com/office/powerpoint/2010/main" xmlns:p15="http://schemas.microsoft.com/office/powerpoint/2012/main" matchingName="Title and body" type="tx">
+<p:sldLayout xmlns:a="http://schemas.openxmlformats.org/drawingml/2006/main" xmlns:r="http://schemas.openxmlformats.org/officeDocument/2006/relationships" xmlns:p="http://schemas.openxmlformats.org/presentationml/2006/main" matchingName="Title and body" type="tx">
   <p:cSld name="TITLE_AND_BODY">
     <p:spTree>
       <p:nvGrpSpPr>
-        <p:cNvPr id="19" name="Shape 19"/>
+        <p:cNvPr id="1" name="Shape 19"/>
         <p:cNvGrpSpPr/>
         <p:nvPr/>
       </p:nvGrpSpPr>
@@ -3139,12 +3240,12 @@
           </a:ln>
         </p:spPr>
         <p:txBody>
-          <a:bodyPr anchorCtr="0" anchor="ctr" bIns="91425" lIns="91425" spcFirstLastPara="1" rIns="91425" wrap="square" tIns="91425">
+          <a:bodyPr spcFirstLastPara="1" wrap="square" lIns="91425" tIns="91425" rIns="91425" bIns="91425" anchor="ctr" anchorCtr="0">
             <a:noAutofit/>
           </a:bodyPr>
           <a:lstStyle/>
           <a:p>
-            <a:pPr indent="0" lvl="0" marL="0" rtl="0" algn="l">
+            <a:pPr marL="0" lvl="0" indent="0" algn="l" rtl="0">
               <a:spcBef>
                 <a:spcPts val="0"/>
               </a:spcBef>
@@ -3153,9 +3254,6 @@
               </a:spcAft>
               <a:buNone/>
             </a:pPr>
-            <a:r>
-              <a:t/>
-            </a:r>
             <a:endParaRPr/>
           </a:p>
         </p:txBody>
@@ -3172,9 +3270,13 @@
             <a:ext cx="4313625" cy="4399375"/>
           </a:xfrm>
           <a:custGeom>
-            <a:rect b="b" l="l" r="r" t="t"/>
+            <a:avLst/>
+            <a:gdLst/>
+            <a:ahLst/>
+            <a:cxnLst/>
+            <a:rect l="l" t="t" r="r" b="b"/>
             <a:pathLst>
-              <a:path extrusionOk="0" h="175975" w="172545">
+              <a:path w="172545" h="175975" extrusionOk="0">
                 <a:moveTo>
                   <a:pt x="0" y="157"/>
                 </a:moveTo>
@@ -3211,9 +3313,13 @@
             <a:ext cx="4316900" cy="4395600"/>
           </a:xfrm>
           <a:custGeom>
-            <a:rect b="b" l="l" r="r" t="t"/>
+            <a:avLst/>
+            <a:gdLst/>
+            <a:ahLst/>
+            <a:cxnLst/>
+            <a:rect l="l" t="t" r="r" b="b"/>
             <a:pathLst>
-              <a:path extrusionOk="0" h="175824" w="172676">
+              <a:path w="172676" h="175824" extrusionOk="0">
                 <a:moveTo>
                   <a:pt x="0" y="6"/>
                 </a:moveTo>
@@ -3241,7 +3347,9 @@
       <p:sp>
         <p:nvSpPr>
           <p:cNvPr id="23" name="Google Shape;23;p4"/>
-          <p:cNvSpPr txBox="1"/>
+          <p:cNvSpPr txBox="1">
+            <a:spLocks noGrp="1"/>
+          </p:cNvSpPr>
           <p:nvPr>
             <p:ph type="title"/>
           </p:nvPr>
@@ -3256,7 +3364,7 @@
           </a:prstGeom>
         </p:spPr>
         <p:txBody>
-          <a:bodyPr anchorCtr="0" anchor="t" bIns="91425" lIns="91425" spcFirstLastPara="1" rIns="91425" wrap="square" tIns="91425">
+          <a:bodyPr spcFirstLastPara="1" wrap="square" lIns="91425" tIns="91425" rIns="91425" bIns="91425" anchor="t" anchorCtr="0">
             <a:noAutofit/>
           </a:bodyPr>
           <a:lstStyle>
@@ -3423,15 +3531,19 @@
               </a:defRPr>
             </a:lvl9pPr>
           </a:lstStyle>
-          <a:p/>
+          <a:p>
+            <a:endParaRPr/>
+          </a:p>
         </p:txBody>
       </p:sp>
       <p:sp>
         <p:nvSpPr>
           <p:cNvPr id="24" name="Google Shape;24;p4"/>
-          <p:cNvSpPr txBox="1"/>
+          <p:cNvSpPr txBox="1">
+            <a:spLocks noGrp="1"/>
+          </p:cNvSpPr>
           <p:nvPr>
-            <p:ph idx="1" type="body"/>
+            <p:ph type="body" idx="1"/>
           </p:nvPr>
         </p:nvSpPr>
         <p:spPr>
@@ -3444,11 +3556,11 @@
           </a:prstGeom>
         </p:spPr>
         <p:txBody>
-          <a:bodyPr anchorCtr="0" anchor="t" bIns="91425" lIns="91425" spcFirstLastPara="1" rIns="91425" wrap="square" tIns="91425">
+          <a:bodyPr spcFirstLastPara="1" wrap="square" lIns="91425" tIns="91425" rIns="91425" bIns="91425" anchor="t" anchorCtr="0">
             <a:noAutofit/>
           </a:bodyPr>
           <a:lstStyle>
-            <a:lvl1pPr indent="-311150" lvl="0" marL="457200">
+            <a:lvl1pPr marL="457200" lvl="0" indent="-311150">
               <a:spcBef>
                 <a:spcPts val="0"/>
               </a:spcBef>
@@ -3459,7 +3571,7 @@
               <a:buChar char="●"/>
               <a:defRPr/>
             </a:lvl1pPr>
-            <a:lvl2pPr indent="-298450" lvl="1" marL="914400">
+            <a:lvl2pPr marL="914400" lvl="1" indent="-298450">
               <a:spcBef>
                 <a:spcPts val="1600"/>
               </a:spcBef>
@@ -3470,7 +3582,7 @@
               <a:buChar char="○"/>
               <a:defRPr/>
             </a:lvl2pPr>
-            <a:lvl3pPr indent="-298450" lvl="2" marL="1371600">
+            <a:lvl3pPr marL="1371600" lvl="2" indent="-298450">
               <a:spcBef>
                 <a:spcPts val="1600"/>
               </a:spcBef>
@@ -3481,7 +3593,7 @@
               <a:buChar char="■"/>
               <a:defRPr/>
             </a:lvl3pPr>
-            <a:lvl4pPr indent="-298450" lvl="3" marL="1828800">
+            <a:lvl4pPr marL="1828800" lvl="3" indent="-298450">
               <a:spcBef>
                 <a:spcPts val="1600"/>
               </a:spcBef>
@@ -3492,7 +3604,7 @@
               <a:buChar char="●"/>
               <a:defRPr/>
             </a:lvl4pPr>
-            <a:lvl5pPr indent="-298450" lvl="4" marL="2286000">
+            <a:lvl5pPr marL="2286000" lvl="4" indent="-298450">
               <a:spcBef>
                 <a:spcPts val="1600"/>
               </a:spcBef>
@@ -3503,7 +3615,7 @@
               <a:buChar char="○"/>
               <a:defRPr/>
             </a:lvl5pPr>
-            <a:lvl6pPr indent="-298450" lvl="5" marL="2743200">
+            <a:lvl6pPr marL="2743200" lvl="5" indent="-298450">
               <a:spcBef>
                 <a:spcPts val="1600"/>
               </a:spcBef>
@@ -3514,7 +3626,7 @@
               <a:buChar char="■"/>
               <a:defRPr/>
             </a:lvl6pPr>
-            <a:lvl7pPr indent="-298450" lvl="6" marL="3200400">
+            <a:lvl7pPr marL="3200400" lvl="6" indent="-298450">
               <a:spcBef>
                 <a:spcPts val="1600"/>
               </a:spcBef>
@@ -3525,7 +3637,7 @@
               <a:buChar char="●"/>
               <a:defRPr/>
             </a:lvl7pPr>
-            <a:lvl8pPr indent="-298450" lvl="7" marL="3657600">
+            <a:lvl8pPr marL="3657600" lvl="7" indent="-298450">
               <a:spcBef>
                 <a:spcPts val="1600"/>
               </a:spcBef>
@@ -3536,7 +3648,7 @@
               <a:buChar char="○"/>
               <a:defRPr/>
             </a:lvl8pPr>
-            <a:lvl9pPr indent="-298450" lvl="8" marL="4114800">
+            <a:lvl9pPr marL="4114800" lvl="8" indent="-298450">
               <a:spcBef>
                 <a:spcPts val="1600"/>
               </a:spcBef>
@@ -3548,15 +3660,19 @@
               <a:defRPr/>
             </a:lvl9pPr>
           </a:lstStyle>
-          <a:p/>
+          <a:p>
+            <a:endParaRPr/>
+          </a:p>
         </p:txBody>
       </p:sp>
       <p:sp>
         <p:nvSpPr>
           <p:cNvPr id="25" name="Google Shape;25;p4"/>
-          <p:cNvSpPr txBox="1"/>
+          <p:cNvSpPr txBox="1">
+            <a:spLocks noGrp="1"/>
+          </p:cNvSpPr>
           <p:nvPr>
-            <p:ph idx="12" type="sldNum"/>
+            <p:ph type="sldNum" idx="12"/>
           </p:nvPr>
         </p:nvSpPr>
         <p:spPr>
@@ -3569,7 +3685,7 @@
           </a:prstGeom>
         </p:spPr>
         <p:txBody>
-          <a:bodyPr anchorCtr="0" anchor="ctr" bIns="91425" lIns="91425" spcFirstLastPara="1" rIns="91425" wrap="square" tIns="91425">
+          <a:bodyPr spcFirstLastPara="1" wrap="square" lIns="91425" tIns="91425" rIns="91425" bIns="91425" anchor="ctr" anchorCtr="0">
             <a:noAutofit/>
           </a:bodyPr>
           <a:lstStyle>
@@ -3611,7 +3727,7 @@
             </a:lvl9pPr>
           </a:lstStyle>
           <a:p>
-            <a:pPr indent="0" lvl="0" marL="0" rtl="0" algn="r">
+            <a:pPr marL="0" lvl="0" indent="0" algn="r" rtl="0">
               <a:spcBef>
                 <a:spcPts val="0"/>
               </a:spcBef>
@@ -3637,11 +3753,11 @@
 </file>
 
 <file path=ppt/slideLayouts/slideLayout4.xml><?xml version="1.0" encoding="utf-8"?>
-<p:sldLayout xmlns:a="http://schemas.openxmlformats.org/drawingml/2006/main" xmlns:r="http://schemas.openxmlformats.org/officeDocument/2006/relationships" xmlns:mc="http://schemas.openxmlformats.org/markup-compatibility/2006" xmlns:mv="urn:schemas-microsoft-com:mac:vml" xmlns:p="http://schemas.openxmlformats.org/presentationml/2006/main" xmlns:c="http://schemas.openxmlformats.org/drawingml/2006/chart" xmlns:dgm="http://schemas.openxmlformats.org/drawingml/2006/diagram" xmlns:o="urn:schemas-microsoft-com:office:office" xmlns:v="urn:schemas-microsoft-com:vml" xmlns:pvml="urn:schemas-microsoft-com:office:powerpoint" xmlns:com="http://schemas.openxmlformats.org/drawingml/2006/compatibility" xmlns:p14="http://schemas.microsoft.com/office/powerpoint/2010/main" xmlns:p15="http://schemas.microsoft.com/office/powerpoint/2012/main" matchingName="Title and two columns" type="twoColTx">
+<p:sldLayout xmlns:a="http://schemas.openxmlformats.org/drawingml/2006/main" xmlns:r="http://schemas.openxmlformats.org/officeDocument/2006/relationships" xmlns:p="http://schemas.openxmlformats.org/presentationml/2006/main" matchingName="Title and two columns" type="twoColTx">
   <p:cSld name="TITLE_AND_TWO_COLUMNS">
     <p:spTree>
       <p:nvGrpSpPr>
-        <p:cNvPr id="26" name="Shape 26"/>
+        <p:cNvPr id="1" name="Shape 26"/>
         <p:cNvGrpSpPr/>
         <p:nvPr/>
       </p:nvGrpSpPr>
@@ -3675,12 +3791,12 @@
           </a:ln>
         </p:spPr>
         <p:txBody>
-          <a:bodyPr anchorCtr="0" anchor="ctr" bIns="91425" lIns="91425" spcFirstLastPara="1" rIns="91425" wrap="square" tIns="91425">
+          <a:bodyPr spcFirstLastPara="1" wrap="square" lIns="91425" tIns="91425" rIns="91425" bIns="91425" anchor="ctr" anchorCtr="0">
             <a:noAutofit/>
           </a:bodyPr>
           <a:lstStyle/>
           <a:p>
-            <a:pPr indent="0" lvl="0" marL="0" rtl="0" algn="l">
+            <a:pPr marL="0" lvl="0" indent="0" algn="l" rtl="0">
               <a:spcBef>
                 <a:spcPts val="0"/>
               </a:spcBef>
@@ -3689,9 +3805,6 @@
               </a:spcAft>
               <a:buNone/>
             </a:pPr>
-            <a:r>
-              <a:t/>
-            </a:r>
             <a:endParaRPr/>
           </a:p>
         </p:txBody>
@@ -3699,7 +3812,9 @@
       <p:sp>
         <p:nvSpPr>
           <p:cNvPr id="28" name="Google Shape;28;p5"/>
-          <p:cNvSpPr txBox="1"/>
+          <p:cNvSpPr txBox="1">
+            <a:spLocks noGrp="1"/>
+          </p:cNvSpPr>
           <p:nvPr>
             <p:ph type="title"/>
           </p:nvPr>
@@ -3714,7 +3829,7 @@
           </a:prstGeom>
         </p:spPr>
         <p:txBody>
-          <a:bodyPr anchorCtr="0" anchor="t" bIns="91425" lIns="91425" spcFirstLastPara="1" rIns="91425" wrap="square" tIns="91425">
+          <a:bodyPr spcFirstLastPara="1" wrap="square" lIns="91425" tIns="91425" rIns="91425" bIns="91425" anchor="t" anchorCtr="0">
             <a:noAutofit/>
           </a:bodyPr>
           <a:lstStyle>
@@ -3881,15 +3996,19 @@
               </a:defRPr>
             </a:lvl9pPr>
           </a:lstStyle>
-          <a:p/>
+          <a:p>
+            <a:endParaRPr/>
+          </a:p>
         </p:txBody>
       </p:sp>
       <p:sp>
         <p:nvSpPr>
           <p:cNvPr id="29" name="Google Shape;29;p5"/>
-          <p:cNvSpPr txBox="1"/>
+          <p:cNvSpPr txBox="1">
+            <a:spLocks noGrp="1"/>
+          </p:cNvSpPr>
           <p:nvPr>
-            <p:ph idx="1" type="body"/>
+            <p:ph type="body" idx="1"/>
           </p:nvPr>
         </p:nvSpPr>
         <p:spPr>
@@ -3902,11 +4021,11 @@
           </a:prstGeom>
         </p:spPr>
         <p:txBody>
-          <a:bodyPr anchorCtr="0" anchor="t" bIns="91425" lIns="91425" spcFirstLastPara="1" rIns="91425" wrap="square" tIns="91425">
+          <a:bodyPr spcFirstLastPara="1" wrap="square" lIns="91425" tIns="91425" rIns="91425" bIns="91425" anchor="t" anchorCtr="0">
             <a:noAutofit/>
           </a:bodyPr>
           <a:lstStyle>
-            <a:lvl1pPr indent="-311150" lvl="0" marL="457200">
+            <a:lvl1pPr marL="457200" lvl="0" indent="-311150">
               <a:spcBef>
                 <a:spcPts val="0"/>
               </a:spcBef>
@@ -3917,7 +4036,7 @@
               <a:buChar char="●"/>
               <a:defRPr/>
             </a:lvl1pPr>
-            <a:lvl2pPr indent="-298450" lvl="1" marL="914400">
+            <a:lvl2pPr marL="914400" lvl="1" indent="-298450">
               <a:spcBef>
                 <a:spcPts val="1600"/>
               </a:spcBef>
@@ -3928,7 +4047,7 @@
               <a:buChar char="○"/>
               <a:defRPr/>
             </a:lvl2pPr>
-            <a:lvl3pPr indent="-298450" lvl="2" marL="1371600">
+            <a:lvl3pPr marL="1371600" lvl="2" indent="-298450">
               <a:spcBef>
                 <a:spcPts val="1600"/>
               </a:spcBef>
@@ -3939,7 +4058,7 @@
               <a:buChar char="■"/>
               <a:defRPr/>
             </a:lvl3pPr>
-            <a:lvl4pPr indent="-298450" lvl="3" marL="1828800">
+            <a:lvl4pPr marL="1828800" lvl="3" indent="-298450">
               <a:spcBef>
                 <a:spcPts val="1600"/>
               </a:spcBef>
@@ -3950,7 +4069,7 @@
               <a:buChar char="●"/>
               <a:defRPr/>
             </a:lvl4pPr>
-            <a:lvl5pPr indent="-298450" lvl="4" marL="2286000">
+            <a:lvl5pPr marL="2286000" lvl="4" indent="-298450">
               <a:spcBef>
                 <a:spcPts val="1600"/>
               </a:spcBef>
@@ -3961,7 +4080,7 @@
               <a:buChar char="○"/>
               <a:defRPr/>
             </a:lvl5pPr>
-            <a:lvl6pPr indent="-298450" lvl="5" marL="2743200">
+            <a:lvl6pPr marL="2743200" lvl="5" indent="-298450">
               <a:spcBef>
                 <a:spcPts val="1600"/>
               </a:spcBef>
@@ -3972,7 +4091,7 @@
               <a:buChar char="■"/>
               <a:defRPr/>
             </a:lvl6pPr>
-            <a:lvl7pPr indent="-298450" lvl="6" marL="3200400">
+            <a:lvl7pPr marL="3200400" lvl="6" indent="-298450">
               <a:spcBef>
                 <a:spcPts val="1600"/>
               </a:spcBef>
@@ -3983,7 +4102,7 @@
               <a:buChar char="●"/>
               <a:defRPr/>
             </a:lvl7pPr>
-            <a:lvl8pPr indent="-298450" lvl="7" marL="3657600">
+            <a:lvl8pPr marL="3657600" lvl="7" indent="-298450">
               <a:spcBef>
                 <a:spcPts val="1600"/>
               </a:spcBef>
@@ -3994,7 +4113,7 @@
               <a:buChar char="○"/>
               <a:defRPr/>
             </a:lvl8pPr>
-            <a:lvl9pPr indent="-298450" lvl="8" marL="4114800">
+            <a:lvl9pPr marL="4114800" lvl="8" indent="-298450">
               <a:spcBef>
                 <a:spcPts val="1600"/>
               </a:spcBef>
@@ -4006,15 +4125,19 @@
               <a:defRPr/>
             </a:lvl9pPr>
           </a:lstStyle>
-          <a:p/>
+          <a:p>
+            <a:endParaRPr/>
+          </a:p>
         </p:txBody>
       </p:sp>
       <p:sp>
         <p:nvSpPr>
           <p:cNvPr id="30" name="Google Shape;30;p5"/>
-          <p:cNvSpPr txBox="1"/>
+          <p:cNvSpPr txBox="1">
+            <a:spLocks noGrp="1"/>
+          </p:cNvSpPr>
           <p:nvPr>
-            <p:ph idx="2" type="body"/>
+            <p:ph type="body" idx="2"/>
           </p:nvPr>
         </p:nvSpPr>
         <p:spPr>
@@ -4027,11 +4150,11 @@
           </a:prstGeom>
         </p:spPr>
         <p:txBody>
-          <a:bodyPr anchorCtr="0" anchor="t" bIns="91425" lIns="91425" spcFirstLastPara="1" rIns="91425" wrap="square" tIns="91425">
+          <a:bodyPr spcFirstLastPara="1" wrap="square" lIns="91425" tIns="91425" rIns="91425" bIns="91425" anchor="t" anchorCtr="0">
             <a:noAutofit/>
           </a:bodyPr>
           <a:lstStyle>
-            <a:lvl1pPr indent="-311150" lvl="0" marL="457200">
+            <a:lvl1pPr marL="457200" lvl="0" indent="-311150">
               <a:spcBef>
                 <a:spcPts val="0"/>
               </a:spcBef>
@@ -4042,7 +4165,7 @@
               <a:buChar char="●"/>
               <a:defRPr/>
             </a:lvl1pPr>
-            <a:lvl2pPr indent="-298450" lvl="1" marL="914400">
+            <a:lvl2pPr marL="914400" lvl="1" indent="-298450">
               <a:spcBef>
                 <a:spcPts val="1600"/>
               </a:spcBef>
@@ -4053,7 +4176,7 @@
               <a:buChar char="○"/>
               <a:defRPr/>
             </a:lvl2pPr>
-            <a:lvl3pPr indent="-298450" lvl="2" marL="1371600">
+            <a:lvl3pPr marL="1371600" lvl="2" indent="-298450">
               <a:spcBef>
                 <a:spcPts val="1600"/>
               </a:spcBef>
@@ -4064,7 +4187,7 @@
               <a:buChar char="■"/>
               <a:defRPr/>
             </a:lvl3pPr>
-            <a:lvl4pPr indent="-298450" lvl="3" marL="1828800">
+            <a:lvl4pPr marL="1828800" lvl="3" indent="-298450">
               <a:spcBef>
                 <a:spcPts val="1600"/>
               </a:spcBef>
@@ -4075,7 +4198,7 @@
               <a:buChar char="●"/>
               <a:defRPr/>
             </a:lvl4pPr>
-            <a:lvl5pPr indent="-298450" lvl="4" marL="2286000">
+            <a:lvl5pPr marL="2286000" lvl="4" indent="-298450">
               <a:spcBef>
                 <a:spcPts val="1600"/>
               </a:spcBef>
@@ -4086,7 +4209,7 @@
               <a:buChar char="○"/>
               <a:defRPr/>
             </a:lvl5pPr>
-            <a:lvl6pPr indent="-298450" lvl="5" marL="2743200">
+            <a:lvl6pPr marL="2743200" lvl="5" indent="-298450">
               <a:spcBef>
                 <a:spcPts val="1600"/>
               </a:spcBef>
@@ -4097,7 +4220,7 @@
               <a:buChar char="■"/>
               <a:defRPr/>
             </a:lvl6pPr>
-            <a:lvl7pPr indent="-298450" lvl="6" marL="3200400">
+            <a:lvl7pPr marL="3200400" lvl="6" indent="-298450">
               <a:spcBef>
                 <a:spcPts val="1600"/>
               </a:spcBef>
@@ -4108,7 +4231,7 @@
               <a:buChar char="●"/>
               <a:defRPr/>
             </a:lvl7pPr>
-            <a:lvl8pPr indent="-298450" lvl="7" marL="3657600">
+            <a:lvl8pPr marL="3657600" lvl="7" indent="-298450">
               <a:spcBef>
                 <a:spcPts val="1600"/>
               </a:spcBef>
@@ -4119,7 +4242,7 @@
               <a:buChar char="○"/>
               <a:defRPr/>
             </a:lvl8pPr>
-            <a:lvl9pPr indent="-298450" lvl="8" marL="4114800">
+            <a:lvl9pPr marL="4114800" lvl="8" indent="-298450">
               <a:spcBef>
                 <a:spcPts val="1600"/>
               </a:spcBef>
@@ -4131,15 +4254,19 @@
               <a:defRPr/>
             </a:lvl9pPr>
           </a:lstStyle>
-          <a:p/>
+          <a:p>
+            <a:endParaRPr/>
+          </a:p>
         </p:txBody>
       </p:sp>
       <p:sp>
         <p:nvSpPr>
           <p:cNvPr id="31" name="Google Shape;31;p5"/>
-          <p:cNvSpPr txBox="1"/>
+          <p:cNvSpPr txBox="1">
+            <a:spLocks noGrp="1"/>
+          </p:cNvSpPr>
           <p:nvPr>
-            <p:ph idx="12" type="sldNum"/>
+            <p:ph type="sldNum" idx="12"/>
           </p:nvPr>
         </p:nvSpPr>
         <p:spPr>
@@ -4152,7 +4279,7 @@
           </a:prstGeom>
         </p:spPr>
         <p:txBody>
-          <a:bodyPr anchorCtr="0" anchor="ctr" bIns="91425" lIns="91425" spcFirstLastPara="1" rIns="91425" wrap="square" tIns="91425">
+          <a:bodyPr spcFirstLastPara="1" wrap="square" lIns="91425" tIns="91425" rIns="91425" bIns="91425" anchor="ctr" anchorCtr="0">
             <a:noAutofit/>
           </a:bodyPr>
           <a:lstStyle>
@@ -4194,7 +4321,7 @@
             </a:lvl9pPr>
           </a:lstStyle>
           <a:p>
-            <a:pPr indent="0" lvl="0" marL="0" rtl="0" algn="r">
+            <a:pPr marL="0" lvl="0" indent="0" algn="r" rtl="0">
               <a:spcBef>
                 <a:spcPts val="0"/>
               </a:spcBef>
@@ -4220,11 +4347,11 @@
 </file>
 
 <file path=ppt/slideLayouts/slideLayout5.xml><?xml version="1.0" encoding="utf-8"?>
-<p:sldLayout xmlns:a="http://schemas.openxmlformats.org/drawingml/2006/main" xmlns:r="http://schemas.openxmlformats.org/officeDocument/2006/relationships" xmlns:mc="http://schemas.openxmlformats.org/markup-compatibility/2006" xmlns:mv="urn:schemas-microsoft-com:mac:vml" xmlns:p="http://schemas.openxmlformats.org/presentationml/2006/main" xmlns:c="http://schemas.openxmlformats.org/drawingml/2006/chart" xmlns:dgm="http://schemas.openxmlformats.org/drawingml/2006/diagram" xmlns:o="urn:schemas-microsoft-com:office:office" xmlns:v="urn:schemas-microsoft-com:vml" xmlns:pvml="urn:schemas-microsoft-com:office:powerpoint" xmlns:com="http://schemas.openxmlformats.org/drawingml/2006/compatibility" xmlns:p14="http://schemas.microsoft.com/office/powerpoint/2010/main" xmlns:p15="http://schemas.microsoft.com/office/powerpoint/2012/main" matchingName="Title only" type="titleOnly">
+<p:sldLayout xmlns:a="http://schemas.openxmlformats.org/drawingml/2006/main" xmlns:r="http://schemas.openxmlformats.org/officeDocument/2006/relationships" xmlns:p="http://schemas.openxmlformats.org/presentationml/2006/main" matchingName="Title only" type="titleOnly">
   <p:cSld name="TITLE_ONLY">
     <p:spTree>
       <p:nvGrpSpPr>
-        <p:cNvPr id="32" name="Shape 32"/>
+        <p:cNvPr id="1" name="Shape 32"/>
         <p:cNvGrpSpPr/>
         <p:nvPr/>
       </p:nvGrpSpPr>
@@ -4258,12 +4385,12 @@
           </a:ln>
         </p:spPr>
         <p:txBody>
-          <a:bodyPr anchorCtr="0" anchor="ctr" bIns="91425" lIns="91425" spcFirstLastPara="1" rIns="91425" wrap="square" tIns="91425">
+          <a:bodyPr spcFirstLastPara="1" wrap="square" lIns="91425" tIns="91425" rIns="91425" bIns="91425" anchor="ctr" anchorCtr="0">
             <a:noAutofit/>
           </a:bodyPr>
           <a:lstStyle/>
           <a:p>
-            <a:pPr indent="0" lvl="0" marL="0" rtl="0" algn="l">
+            <a:pPr marL="0" lvl="0" indent="0" algn="l" rtl="0">
               <a:spcBef>
                 <a:spcPts val="0"/>
               </a:spcBef>
@@ -4272,9 +4399,6 @@
               </a:spcAft>
               <a:buNone/>
             </a:pPr>
-            <a:r>
-              <a:t/>
-            </a:r>
             <a:endParaRPr/>
           </a:p>
         </p:txBody>
@@ -4282,7 +4406,9 @@
       <p:sp>
         <p:nvSpPr>
           <p:cNvPr id="34" name="Google Shape;34;p6"/>
-          <p:cNvSpPr txBox="1"/>
+          <p:cNvSpPr txBox="1">
+            <a:spLocks noGrp="1"/>
+          </p:cNvSpPr>
           <p:nvPr>
             <p:ph type="title"/>
           </p:nvPr>
@@ -4297,7 +4423,7 @@
           </a:prstGeom>
         </p:spPr>
         <p:txBody>
-          <a:bodyPr anchorCtr="0" anchor="t" bIns="91425" lIns="91425" spcFirstLastPara="1" rIns="91425" wrap="square" tIns="91425">
+          <a:bodyPr spcFirstLastPara="1" wrap="square" lIns="91425" tIns="91425" rIns="91425" bIns="91425" anchor="t" anchorCtr="0">
             <a:noAutofit/>
           </a:bodyPr>
           <a:lstStyle>
@@ -4464,15 +4590,19 @@
               </a:defRPr>
             </a:lvl9pPr>
           </a:lstStyle>
-          <a:p/>
+          <a:p>
+            <a:endParaRPr/>
+          </a:p>
         </p:txBody>
       </p:sp>
       <p:sp>
         <p:nvSpPr>
           <p:cNvPr id="35" name="Google Shape;35;p6"/>
-          <p:cNvSpPr txBox="1"/>
+          <p:cNvSpPr txBox="1">
+            <a:spLocks noGrp="1"/>
+          </p:cNvSpPr>
           <p:nvPr>
-            <p:ph idx="12" type="sldNum"/>
+            <p:ph type="sldNum" idx="12"/>
           </p:nvPr>
         </p:nvSpPr>
         <p:spPr>
@@ -4485,7 +4615,7 @@
           </a:prstGeom>
         </p:spPr>
         <p:txBody>
-          <a:bodyPr anchorCtr="0" anchor="ctr" bIns="91425" lIns="91425" spcFirstLastPara="1" rIns="91425" wrap="square" tIns="91425">
+          <a:bodyPr spcFirstLastPara="1" wrap="square" lIns="91425" tIns="91425" rIns="91425" bIns="91425" anchor="ctr" anchorCtr="0">
             <a:noAutofit/>
           </a:bodyPr>
           <a:lstStyle>
@@ -4527,7 +4657,7 @@
             </a:lvl9pPr>
           </a:lstStyle>
           <a:p>
-            <a:pPr indent="0" lvl="0" marL="0" rtl="0" algn="r">
+            <a:pPr marL="0" lvl="0" indent="0" algn="r" rtl="0">
               <a:spcBef>
                 <a:spcPts val="0"/>
               </a:spcBef>
@@ -4553,11 +4683,11 @@
 </file>
 
 <file path=ppt/slideLayouts/slideLayout6.xml><?xml version="1.0" encoding="utf-8"?>
-<p:sldLayout xmlns:a="http://schemas.openxmlformats.org/drawingml/2006/main" xmlns:r="http://schemas.openxmlformats.org/officeDocument/2006/relationships" xmlns:mc="http://schemas.openxmlformats.org/markup-compatibility/2006" xmlns:mv="urn:schemas-microsoft-com:mac:vml" xmlns:p="http://schemas.openxmlformats.org/presentationml/2006/main" xmlns:c="http://schemas.openxmlformats.org/drawingml/2006/chart" xmlns:dgm="http://schemas.openxmlformats.org/drawingml/2006/diagram" xmlns:o="urn:schemas-microsoft-com:office:office" xmlns:v="urn:schemas-microsoft-com:vml" xmlns:pvml="urn:schemas-microsoft-com:office:powerpoint" xmlns:com="http://schemas.openxmlformats.org/drawingml/2006/compatibility" xmlns:p14="http://schemas.microsoft.com/office/powerpoint/2010/main" xmlns:p15="http://schemas.microsoft.com/office/powerpoint/2012/main" matchingName="One column text">
+<p:sldLayout xmlns:a="http://schemas.openxmlformats.org/drawingml/2006/main" xmlns:r="http://schemas.openxmlformats.org/officeDocument/2006/relationships" xmlns:p="http://schemas.openxmlformats.org/presentationml/2006/main" matchingName="One column text">
   <p:cSld name="ONE_COLUMN_TEXT">
     <p:spTree>
       <p:nvGrpSpPr>
-        <p:cNvPr id="36" name="Shape 36"/>
+        <p:cNvPr id="1" name="Shape 36"/>
         <p:cNvGrpSpPr/>
         <p:nvPr/>
       </p:nvGrpSpPr>
@@ -4591,12 +4721,12 @@
           </a:ln>
         </p:spPr>
         <p:txBody>
-          <a:bodyPr anchorCtr="0" anchor="ctr" bIns="91425" lIns="91425" spcFirstLastPara="1" rIns="91425" wrap="square" tIns="91425">
+          <a:bodyPr spcFirstLastPara="1" wrap="square" lIns="91425" tIns="91425" rIns="91425" bIns="91425" anchor="ctr" anchorCtr="0">
             <a:noAutofit/>
           </a:bodyPr>
           <a:lstStyle/>
           <a:p>
-            <a:pPr indent="0" lvl="0" marL="0" rtl="0" algn="l">
+            <a:pPr marL="0" lvl="0" indent="0" algn="l" rtl="0">
               <a:spcBef>
                 <a:spcPts val="0"/>
               </a:spcBef>
@@ -4605,9 +4735,6 @@
               </a:spcAft>
               <a:buNone/>
             </a:pPr>
-            <a:r>
-              <a:t/>
-            </a:r>
             <a:endParaRPr/>
           </a:p>
         </p:txBody>
@@ -4615,7 +4742,9 @@
       <p:sp>
         <p:nvSpPr>
           <p:cNvPr id="38" name="Google Shape;38;p7"/>
-          <p:cNvSpPr txBox="1"/>
+          <p:cNvSpPr txBox="1">
+            <a:spLocks noGrp="1"/>
+          </p:cNvSpPr>
           <p:nvPr>
             <p:ph type="title"/>
           </p:nvPr>
@@ -4630,7 +4759,7 @@
           </a:prstGeom>
         </p:spPr>
         <p:txBody>
-          <a:bodyPr anchorCtr="0" anchor="t" bIns="91425" lIns="91425" spcFirstLastPara="1" rIns="91425" wrap="square" tIns="91425">
+          <a:bodyPr spcFirstLastPara="1" wrap="square" lIns="91425" tIns="91425" rIns="91425" bIns="91425" anchor="t" anchorCtr="0">
             <a:noAutofit/>
           </a:bodyPr>
           <a:lstStyle>
@@ -4797,15 +4926,19 @@
               </a:defRPr>
             </a:lvl9pPr>
           </a:lstStyle>
-          <a:p/>
+          <a:p>
+            <a:endParaRPr/>
+          </a:p>
         </p:txBody>
       </p:sp>
       <p:sp>
         <p:nvSpPr>
           <p:cNvPr id="39" name="Google Shape;39;p7"/>
-          <p:cNvSpPr txBox="1"/>
+          <p:cNvSpPr txBox="1">
+            <a:spLocks noGrp="1"/>
+          </p:cNvSpPr>
           <p:nvPr>
-            <p:ph idx="1" type="body"/>
+            <p:ph type="body" idx="1"/>
           </p:nvPr>
         </p:nvSpPr>
         <p:spPr>
@@ -4818,11 +4951,11 @@
           </a:prstGeom>
         </p:spPr>
         <p:txBody>
-          <a:bodyPr anchorCtr="0" anchor="t" bIns="91425" lIns="91425" spcFirstLastPara="1" rIns="91425" wrap="square" tIns="91425">
+          <a:bodyPr spcFirstLastPara="1" wrap="square" lIns="91425" tIns="91425" rIns="91425" bIns="91425" anchor="t" anchorCtr="0">
             <a:noAutofit/>
           </a:bodyPr>
           <a:lstStyle>
-            <a:lvl1pPr indent="-311150" lvl="0" marL="457200">
+            <a:lvl1pPr marL="457200" lvl="0" indent="-311150">
               <a:spcBef>
                 <a:spcPts val="0"/>
               </a:spcBef>
@@ -4840,7 +4973,7 @@
                 </a:solidFill>
               </a:defRPr>
             </a:lvl1pPr>
-            <a:lvl2pPr indent="-298450" lvl="1" marL="914400">
+            <a:lvl2pPr marL="914400" lvl="1" indent="-298450">
               <a:spcBef>
                 <a:spcPts val="1600"/>
               </a:spcBef>
@@ -4858,7 +4991,7 @@
                 </a:solidFill>
               </a:defRPr>
             </a:lvl2pPr>
-            <a:lvl3pPr indent="-298450" lvl="2" marL="1371600">
+            <a:lvl3pPr marL="1371600" lvl="2" indent="-298450">
               <a:spcBef>
                 <a:spcPts val="1600"/>
               </a:spcBef>
@@ -4876,7 +5009,7 @@
                 </a:solidFill>
               </a:defRPr>
             </a:lvl3pPr>
-            <a:lvl4pPr indent="-298450" lvl="3" marL="1828800">
+            <a:lvl4pPr marL="1828800" lvl="3" indent="-298450">
               <a:spcBef>
                 <a:spcPts val="1600"/>
               </a:spcBef>
@@ -4894,7 +5027,7 @@
                 </a:solidFill>
               </a:defRPr>
             </a:lvl4pPr>
-            <a:lvl5pPr indent="-298450" lvl="4" marL="2286000">
+            <a:lvl5pPr marL="2286000" lvl="4" indent="-298450">
               <a:spcBef>
                 <a:spcPts val="1600"/>
               </a:spcBef>
@@ -4912,7 +5045,7 @@
                 </a:solidFill>
               </a:defRPr>
             </a:lvl5pPr>
-            <a:lvl6pPr indent="-298450" lvl="5" marL="2743200">
+            <a:lvl6pPr marL="2743200" lvl="5" indent="-298450">
               <a:spcBef>
                 <a:spcPts val="1600"/>
               </a:spcBef>
@@ -4930,7 +5063,7 @@
                 </a:solidFill>
               </a:defRPr>
             </a:lvl6pPr>
-            <a:lvl7pPr indent="-298450" lvl="6" marL="3200400">
+            <a:lvl7pPr marL="3200400" lvl="6" indent="-298450">
               <a:spcBef>
                 <a:spcPts val="1600"/>
               </a:spcBef>
@@ -4948,7 +5081,7 @@
                 </a:solidFill>
               </a:defRPr>
             </a:lvl7pPr>
-            <a:lvl8pPr indent="-298450" lvl="7" marL="3657600">
+            <a:lvl8pPr marL="3657600" lvl="7" indent="-298450">
               <a:spcBef>
                 <a:spcPts val="1600"/>
               </a:spcBef>
@@ -4966,7 +5099,7 @@
                 </a:solidFill>
               </a:defRPr>
             </a:lvl8pPr>
-            <a:lvl9pPr indent="-298450" lvl="8" marL="4114800">
+            <a:lvl9pPr marL="4114800" lvl="8" indent="-298450">
               <a:spcBef>
                 <a:spcPts val="1600"/>
               </a:spcBef>
@@ -4985,15 +5118,19 @@
               </a:defRPr>
             </a:lvl9pPr>
           </a:lstStyle>
-          <a:p/>
+          <a:p>
+            <a:endParaRPr/>
+          </a:p>
         </p:txBody>
       </p:sp>
       <p:sp>
         <p:nvSpPr>
           <p:cNvPr id="40" name="Google Shape;40;p7"/>
-          <p:cNvSpPr txBox="1"/>
+          <p:cNvSpPr txBox="1">
+            <a:spLocks noGrp="1"/>
+          </p:cNvSpPr>
           <p:nvPr>
-            <p:ph idx="12" type="sldNum"/>
+            <p:ph type="sldNum" idx="12"/>
           </p:nvPr>
         </p:nvSpPr>
         <p:spPr>
@@ -5006,7 +5143,7 @@
           </a:prstGeom>
         </p:spPr>
         <p:txBody>
-          <a:bodyPr anchorCtr="0" anchor="ctr" bIns="91425" lIns="91425" spcFirstLastPara="1" rIns="91425" wrap="square" tIns="91425">
+          <a:bodyPr spcFirstLastPara="1" wrap="square" lIns="91425" tIns="91425" rIns="91425" bIns="91425" anchor="ctr" anchorCtr="0">
             <a:noAutofit/>
           </a:bodyPr>
           <a:lstStyle>
@@ -5048,7 +5185,7 @@
             </a:lvl9pPr>
           </a:lstStyle>
           <a:p>
-            <a:pPr indent="0" lvl="0" marL="0" rtl="0" algn="r">
+            <a:pPr marL="0" lvl="0" indent="0" algn="r" rtl="0">
               <a:spcBef>
                 <a:spcPts val="0"/>
               </a:spcBef>
@@ -5074,18 +5211,19 @@
 </file>
 
 <file path=ppt/slideLayouts/slideLayout7.xml><?xml version="1.0" encoding="utf-8"?>
-<p:sldLayout xmlns:a="http://schemas.openxmlformats.org/drawingml/2006/main" xmlns:r="http://schemas.openxmlformats.org/officeDocument/2006/relationships" xmlns:mc="http://schemas.openxmlformats.org/markup-compatibility/2006" xmlns:mv="urn:schemas-microsoft-com:mac:vml" xmlns:p="http://schemas.openxmlformats.org/presentationml/2006/main" xmlns:c="http://schemas.openxmlformats.org/drawingml/2006/chart" xmlns:dgm="http://schemas.openxmlformats.org/drawingml/2006/diagram" xmlns:o="urn:schemas-microsoft-com:office:office" xmlns:v="urn:schemas-microsoft-com:vml" xmlns:pvml="urn:schemas-microsoft-com:office:powerpoint" xmlns:com="http://schemas.openxmlformats.org/drawingml/2006/compatibility" xmlns:p14="http://schemas.microsoft.com/office/powerpoint/2010/main" xmlns:p15="http://schemas.microsoft.com/office/powerpoint/2012/main" matchingName="Main point">
+<p:sldLayout xmlns:a="http://schemas.openxmlformats.org/drawingml/2006/main" xmlns:r="http://schemas.openxmlformats.org/officeDocument/2006/relationships" xmlns:p="http://schemas.openxmlformats.org/presentationml/2006/main" matchingName="Main point">
   <p:cSld name="MAIN_POINT">
     <p:bg>
       <p:bgPr>
         <a:solidFill>
           <a:schemeClr val="accent3"/>
         </a:solidFill>
+        <a:effectLst/>
       </p:bgPr>
     </p:bg>
     <p:spTree>
       <p:nvGrpSpPr>
-        <p:cNvPr id="41" name="Shape 41"/>
+        <p:cNvPr id="1" name="Shape 41"/>
         <p:cNvGrpSpPr/>
         <p:nvPr/>
       </p:nvGrpSpPr>
@@ -5100,7 +5238,9 @@
       <p:sp>
         <p:nvSpPr>
           <p:cNvPr id="42" name="Google Shape;42;p8"/>
-          <p:cNvSpPr txBox="1"/>
+          <p:cNvSpPr txBox="1">
+            <a:spLocks noGrp="1"/>
+          </p:cNvSpPr>
           <p:nvPr>
             <p:ph type="title"/>
           </p:nvPr>
@@ -5115,7 +5255,7 @@
           </a:prstGeom>
         </p:spPr>
         <p:txBody>
-          <a:bodyPr anchorCtr="0" anchor="ctr" bIns="91425" lIns="91425" spcFirstLastPara="1" rIns="91425" wrap="square" tIns="91425">
+          <a:bodyPr spcFirstLastPara="1" wrap="square" lIns="91425" tIns="91425" rIns="91425" bIns="91425" anchor="ctr" anchorCtr="0">
             <a:noAutofit/>
           </a:bodyPr>
           <a:lstStyle>
@@ -5219,15 +5359,19 @@
               <a:defRPr sz="3600"/>
             </a:lvl9pPr>
           </a:lstStyle>
-          <a:p/>
+          <a:p>
+            <a:endParaRPr/>
+          </a:p>
         </p:txBody>
       </p:sp>
       <p:sp>
         <p:nvSpPr>
           <p:cNvPr id="43" name="Google Shape;43;p8"/>
-          <p:cNvSpPr txBox="1"/>
+          <p:cNvSpPr txBox="1">
+            <a:spLocks noGrp="1"/>
+          </p:cNvSpPr>
           <p:nvPr>
-            <p:ph idx="12" type="sldNum"/>
+            <p:ph type="sldNum" idx="12"/>
           </p:nvPr>
         </p:nvSpPr>
         <p:spPr>
@@ -5240,7 +5384,7 @@
           </a:prstGeom>
         </p:spPr>
         <p:txBody>
-          <a:bodyPr anchorCtr="0" anchor="ctr" bIns="91425" lIns="91425" spcFirstLastPara="1" rIns="91425" wrap="square" tIns="91425">
+          <a:bodyPr spcFirstLastPara="1" wrap="square" lIns="91425" tIns="91425" rIns="91425" bIns="91425" anchor="ctr" anchorCtr="0">
             <a:noAutofit/>
           </a:bodyPr>
           <a:lstStyle>
@@ -5318,7 +5462,7 @@
             </a:lvl9pPr>
           </a:lstStyle>
           <a:p>
-            <a:pPr indent="0" lvl="0" marL="0" rtl="0" algn="r">
+            <a:pPr marL="0" lvl="0" indent="0" algn="r" rtl="0">
               <a:spcBef>
                 <a:spcPts val="0"/>
               </a:spcBef>
@@ -5344,11 +5488,11 @@
 </file>
 
 <file path=ppt/slideLayouts/slideLayout8.xml><?xml version="1.0" encoding="utf-8"?>
-<p:sldLayout xmlns:a="http://schemas.openxmlformats.org/drawingml/2006/main" xmlns:r="http://schemas.openxmlformats.org/officeDocument/2006/relationships" xmlns:mc="http://schemas.openxmlformats.org/markup-compatibility/2006" xmlns:mv="urn:schemas-microsoft-com:mac:vml" xmlns:p="http://schemas.openxmlformats.org/presentationml/2006/main" xmlns:c="http://schemas.openxmlformats.org/drawingml/2006/chart" xmlns:dgm="http://schemas.openxmlformats.org/drawingml/2006/diagram" xmlns:o="urn:schemas-microsoft-com:office:office" xmlns:v="urn:schemas-microsoft-com:vml" xmlns:pvml="urn:schemas-microsoft-com:office:powerpoint" xmlns:com="http://schemas.openxmlformats.org/drawingml/2006/compatibility" xmlns:p14="http://schemas.microsoft.com/office/powerpoint/2010/main" xmlns:p15="http://schemas.microsoft.com/office/powerpoint/2012/main" matchingName="Section title and description">
+<p:sldLayout xmlns:a="http://schemas.openxmlformats.org/drawingml/2006/main" xmlns:r="http://schemas.openxmlformats.org/officeDocument/2006/relationships" xmlns:p="http://schemas.openxmlformats.org/presentationml/2006/main" matchingName="Section title and description">
   <p:cSld name="SECTION_TITLE_AND_DESCRIPTION">
     <p:spTree>
       <p:nvGrpSpPr>
-        <p:cNvPr id="44" name="Shape 44"/>
+        <p:cNvPr id="1" name="Shape 44"/>
         <p:cNvGrpSpPr/>
         <p:nvPr/>
       </p:nvGrpSpPr>
@@ -5382,12 +5526,12 @@
           </a:ln>
         </p:spPr>
         <p:txBody>
-          <a:bodyPr anchorCtr="0" anchor="ctr" bIns="91425" lIns="91425" spcFirstLastPara="1" rIns="91425" wrap="square" tIns="91425">
+          <a:bodyPr spcFirstLastPara="1" wrap="square" lIns="91425" tIns="91425" rIns="91425" bIns="91425" anchor="ctr" anchorCtr="0">
             <a:noAutofit/>
           </a:bodyPr>
           <a:lstStyle/>
           <a:p>
-            <a:pPr indent="0" lvl="0" marL="0" rtl="0" algn="l">
+            <a:pPr marL="0" lvl="0" indent="0" algn="l" rtl="0">
               <a:spcBef>
                 <a:spcPts val="0"/>
               </a:spcBef>
@@ -5396,9 +5540,6 @@
               </a:spcAft>
               <a:buNone/>
             </a:pPr>
-            <a:r>
-              <a:t/>
-            </a:r>
             <a:endParaRPr/>
           </a:p>
         </p:txBody>
@@ -5406,7 +5547,9 @@
       <p:sp>
         <p:nvSpPr>
           <p:cNvPr id="46" name="Google Shape;46;p9"/>
-          <p:cNvSpPr txBox="1"/>
+          <p:cNvSpPr txBox="1">
+            <a:spLocks noGrp="1"/>
+          </p:cNvSpPr>
           <p:nvPr>
             <p:ph type="title"/>
           </p:nvPr>
@@ -5421,7 +5564,7 @@
           </a:prstGeom>
         </p:spPr>
         <p:txBody>
-          <a:bodyPr anchorCtr="0" anchor="t" bIns="91425" lIns="91425" spcFirstLastPara="1" rIns="91425" wrap="square" tIns="91425">
+          <a:bodyPr spcFirstLastPara="1" wrap="square" lIns="91425" tIns="91425" rIns="91425" bIns="91425" anchor="t" anchorCtr="0">
             <a:noAutofit/>
           </a:bodyPr>
           <a:lstStyle>
@@ -5588,15 +5731,19 @@
               </a:defRPr>
             </a:lvl9pPr>
           </a:lstStyle>
-          <a:p/>
+          <a:p>
+            <a:endParaRPr/>
+          </a:p>
         </p:txBody>
       </p:sp>
       <p:sp>
         <p:nvSpPr>
           <p:cNvPr id="47" name="Google Shape;47;p9"/>
-          <p:cNvSpPr txBox="1"/>
+          <p:cNvSpPr txBox="1">
+            <a:spLocks noGrp="1"/>
+          </p:cNvSpPr>
           <p:nvPr>
-            <p:ph idx="1" type="subTitle"/>
+            <p:ph type="subTitle" idx="1"/>
           </p:nvPr>
         </p:nvSpPr>
         <p:spPr>
@@ -5609,7 +5756,7 @@
           </a:prstGeom>
         </p:spPr>
         <p:txBody>
-          <a:bodyPr anchorCtr="0" anchor="t" bIns="91425" lIns="91425" spcFirstLastPara="1" rIns="91425" wrap="square" tIns="91425">
+          <a:bodyPr spcFirstLastPara="1" wrap="square" lIns="91425" tIns="91425" rIns="91425" bIns="91425" anchor="t" anchorCtr="0">
             <a:noAutofit/>
           </a:bodyPr>
           <a:lstStyle>
@@ -5803,15 +5950,19 @@
               </a:defRPr>
             </a:lvl9pPr>
           </a:lstStyle>
-          <a:p/>
+          <a:p>
+            <a:endParaRPr/>
+          </a:p>
         </p:txBody>
       </p:sp>
       <p:sp>
         <p:nvSpPr>
           <p:cNvPr id="48" name="Google Shape;48;p9"/>
-          <p:cNvSpPr txBox="1"/>
+          <p:cNvSpPr txBox="1">
+            <a:spLocks noGrp="1"/>
+          </p:cNvSpPr>
           <p:nvPr>
-            <p:ph idx="2" type="body"/>
+            <p:ph type="body" idx="2"/>
           </p:nvPr>
         </p:nvSpPr>
         <p:spPr>
@@ -5824,11 +5975,11 @@
           </a:prstGeom>
         </p:spPr>
         <p:txBody>
-          <a:bodyPr anchorCtr="0" anchor="t" bIns="91425" lIns="91425" spcFirstLastPara="1" rIns="91425" wrap="square" tIns="91425">
+          <a:bodyPr spcFirstLastPara="1" wrap="square" lIns="91425" tIns="91425" rIns="91425" bIns="91425" anchor="t" anchorCtr="0">
             <a:noAutofit/>
           </a:bodyPr>
           <a:lstStyle>
-            <a:lvl1pPr indent="-311150" lvl="0" marL="457200">
+            <a:lvl1pPr marL="457200" lvl="0" indent="-311150">
               <a:spcBef>
                 <a:spcPts val="0"/>
               </a:spcBef>
@@ -5839,7 +5990,7 @@
               <a:buChar char="●"/>
               <a:defRPr/>
             </a:lvl1pPr>
-            <a:lvl2pPr indent="-298450" lvl="1" marL="914400">
+            <a:lvl2pPr marL="914400" lvl="1" indent="-298450">
               <a:spcBef>
                 <a:spcPts val="1600"/>
               </a:spcBef>
@@ -5850,7 +6001,7 @@
               <a:buChar char="○"/>
               <a:defRPr/>
             </a:lvl2pPr>
-            <a:lvl3pPr indent="-298450" lvl="2" marL="1371600">
+            <a:lvl3pPr marL="1371600" lvl="2" indent="-298450">
               <a:spcBef>
                 <a:spcPts val="1600"/>
               </a:spcBef>
@@ -5861,7 +6012,7 @@
               <a:buChar char="■"/>
               <a:defRPr/>
             </a:lvl3pPr>
-            <a:lvl4pPr indent="-298450" lvl="3" marL="1828800">
+            <a:lvl4pPr marL="1828800" lvl="3" indent="-298450">
               <a:spcBef>
                 <a:spcPts val="1600"/>
               </a:spcBef>
@@ -5872,7 +6023,7 @@
               <a:buChar char="●"/>
               <a:defRPr/>
             </a:lvl4pPr>
-            <a:lvl5pPr indent="-298450" lvl="4" marL="2286000">
+            <a:lvl5pPr marL="2286000" lvl="4" indent="-298450">
               <a:spcBef>
                 <a:spcPts val="1600"/>
               </a:spcBef>
@@ -5883,7 +6034,7 @@
               <a:buChar char="○"/>
               <a:defRPr/>
             </a:lvl5pPr>
-            <a:lvl6pPr indent="-298450" lvl="5" marL="2743200">
+            <a:lvl6pPr marL="2743200" lvl="5" indent="-298450">
               <a:spcBef>
                 <a:spcPts val="1600"/>
               </a:spcBef>
@@ -5894,7 +6045,7 @@
               <a:buChar char="■"/>
               <a:defRPr/>
             </a:lvl6pPr>
-            <a:lvl7pPr indent="-298450" lvl="6" marL="3200400">
+            <a:lvl7pPr marL="3200400" lvl="6" indent="-298450">
               <a:spcBef>
                 <a:spcPts val="1600"/>
               </a:spcBef>
@@ -5905,7 +6056,7 @@
               <a:buChar char="●"/>
               <a:defRPr/>
             </a:lvl7pPr>
-            <a:lvl8pPr indent="-298450" lvl="7" marL="3657600">
+            <a:lvl8pPr marL="3657600" lvl="7" indent="-298450">
               <a:spcBef>
                 <a:spcPts val="1600"/>
               </a:spcBef>
@@ -5916,7 +6067,7 @@
               <a:buChar char="○"/>
               <a:defRPr/>
             </a:lvl8pPr>
-            <a:lvl9pPr indent="-298450" lvl="8" marL="4114800">
+            <a:lvl9pPr marL="4114800" lvl="8" indent="-298450">
               <a:spcBef>
                 <a:spcPts val="1600"/>
               </a:spcBef>
@@ -5928,15 +6079,19 @@
               <a:defRPr/>
             </a:lvl9pPr>
           </a:lstStyle>
-          <a:p/>
+          <a:p>
+            <a:endParaRPr/>
+          </a:p>
         </p:txBody>
       </p:sp>
       <p:sp>
         <p:nvSpPr>
           <p:cNvPr id="49" name="Google Shape;49;p9"/>
-          <p:cNvSpPr txBox="1"/>
+          <p:cNvSpPr txBox="1">
+            <a:spLocks noGrp="1"/>
+          </p:cNvSpPr>
           <p:nvPr>
-            <p:ph idx="12" type="sldNum"/>
+            <p:ph type="sldNum" idx="12"/>
           </p:nvPr>
         </p:nvSpPr>
         <p:spPr>
@@ -5949,7 +6104,7 @@
           </a:prstGeom>
         </p:spPr>
         <p:txBody>
-          <a:bodyPr anchorCtr="0" anchor="ctr" bIns="91425" lIns="91425" spcFirstLastPara="1" rIns="91425" wrap="square" tIns="91425">
+          <a:bodyPr spcFirstLastPara="1" wrap="square" lIns="91425" tIns="91425" rIns="91425" bIns="91425" anchor="ctr" anchorCtr="0">
             <a:noAutofit/>
           </a:bodyPr>
           <a:lstStyle>
@@ -5991,7 +6146,7 @@
             </a:lvl9pPr>
           </a:lstStyle>
           <a:p>
-            <a:pPr indent="0" lvl="0" marL="0" rtl="0" algn="r">
+            <a:pPr marL="0" lvl="0" indent="0" algn="r" rtl="0">
               <a:spcBef>
                 <a:spcPts val="0"/>
               </a:spcBef>
@@ -6017,11 +6172,11 @@
 </file>
 
 <file path=ppt/slideLayouts/slideLayout9.xml><?xml version="1.0" encoding="utf-8"?>
-<p:sldLayout xmlns:a="http://schemas.openxmlformats.org/drawingml/2006/main" xmlns:r="http://schemas.openxmlformats.org/officeDocument/2006/relationships" xmlns:mc="http://schemas.openxmlformats.org/markup-compatibility/2006" xmlns:mv="urn:schemas-microsoft-com:mac:vml" xmlns:p="http://schemas.openxmlformats.org/presentationml/2006/main" xmlns:c="http://schemas.openxmlformats.org/drawingml/2006/chart" xmlns:dgm="http://schemas.openxmlformats.org/drawingml/2006/diagram" xmlns:o="urn:schemas-microsoft-com:office:office" xmlns:v="urn:schemas-microsoft-com:vml" xmlns:pvml="urn:schemas-microsoft-com:office:powerpoint" xmlns:com="http://schemas.openxmlformats.org/drawingml/2006/compatibility" xmlns:p14="http://schemas.microsoft.com/office/powerpoint/2010/main" xmlns:p15="http://schemas.microsoft.com/office/powerpoint/2012/main" matchingName="Caption">
+<p:sldLayout xmlns:a="http://schemas.openxmlformats.org/drawingml/2006/main" xmlns:r="http://schemas.openxmlformats.org/officeDocument/2006/relationships" xmlns:p="http://schemas.openxmlformats.org/presentationml/2006/main" matchingName="Caption">
   <p:cSld name="CAPTION_ONLY">
     <p:spTree>
       <p:nvGrpSpPr>
-        <p:cNvPr id="50" name="Shape 50"/>
+        <p:cNvPr id="1" name="Shape 50"/>
         <p:cNvGrpSpPr/>
         <p:nvPr/>
       </p:nvGrpSpPr>
@@ -6055,12 +6210,12 @@
           </a:ln>
         </p:spPr>
         <p:txBody>
-          <a:bodyPr anchorCtr="0" anchor="ctr" bIns="91425" lIns="91425" spcFirstLastPara="1" rIns="91425" wrap="square" tIns="91425">
+          <a:bodyPr spcFirstLastPara="1" wrap="square" lIns="91425" tIns="91425" rIns="91425" bIns="91425" anchor="ctr" anchorCtr="0">
             <a:noAutofit/>
           </a:bodyPr>
           <a:lstStyle/>
           <a:p>
-            <a:pPr indent="0" lvl="0" marL="0" rtl="0" algn="l">
+            <a:pPr marL="0" lvl="0" indent="0" algn="l" rtl="0">
               <a:spcBef>
                 <a:spcPts val="0"/>
               </a:spcBef>
@@ -6069,9 +6224,6 @@
               </a:spcAft>
               <a:buNone/>
             </a:pPr>
-            <a:r>
-              <a:t/>
-            </a:r>
             <a:endParaRPr/>
           </a:p>
         </p:txBody>
@@ -6079,9 +6231,11 @@
       <p:sp>
         <p:nvSpPr>
           <p:cNvPr id="52" name="Google Shape;52;p10"/>
-          <p:cNvSpPr txBox="1"/>
+          <p:cNvSpPr txBox="1">
+            <a:spLocks noGrp="1"/>
+          </p:cNvSpPr>
           <p:nvPr>
-            <p:ph idx="1" type="body"/>
+            <p:ph type="body" idx="1"/>
           </p:nvPr>
         </p:nvSpPr>
         <p:spPr>
@@ -6094,11 +6248,11 @@
           </a:prstGeom>
         </p:spPr>
         <p:txBody>
-          <a:bodyPr anchorCtr="0" anchor="ctr" bIns="91425" lIns="91425" spcFirstLastPara="1" rIns="91425" wrap="square" tIns="91425">
+          <a:bodyPr spcFirstLastPara="1" wrap="square" lIns="91425" tIns="91425" rIns="91425" bIns="91425" anchor="ctr" anchorCtr="0">
             <a:noAutofit/>
           </a:bodyPr>
           <a:lstStyle>
-            <a:lvl1pPr indent="-228600" lvl="0" marL="457200">
+            <a:lvl1pPr marL="457200" lvl="0" indent="-228600">
               <a:lnSpc>
                 <a:spcPct val="100000"/>
               </a:lnSpc>
@@ -6125,15 +6279,19 @@
               </a:defRPr>
             </a:lvl1pPr>
           </a:lstStyle>
-          <a:p/>
+          <a:p>
+            <a:endParaRPr/>
+          </a:p>
         </p:txBody>
       </p:sp>
       <p:sp>
         <p:nvSpPr>
           <p:cNvPr id="53" name="Google Shape;53;p10"/>
-          <p:cNvSpPr txBox="1"/>
+          <p:cNvSpPr txBox="1">
+            <a:spLocks noGrp="1"/>
+          </p:cNvSpPr>
           <p:nvPr>
-            <p:ph idx="12" type="sldNum"/>
+            <p:ph type="sldNum" idx="12"/>
           </p:nvPr>
         </p:nvSpPr>
         <p:spPr>
@@ -6146,7 +6304,7 @@
           </a:prstGeom>
         </p:spPr>
         <p:txBody>
-          <a:bodyPr anchorCtr="0" anchor="ctr" bIns="91425" lIns="91425" spcFirstLastPara="1" rIns="91425" wrap="square" tIns="91425">
+          <a:bodyPr spcFirstLastPara="1" wrap="square" lIns="91425" tIns="91425" rIns="91425" bIns="91425" anchor="ctr" anchorCtr="0">
             <a:noAutofit/>
           </a:bodyPr>
           <a:lstStyle>
@@ -6224,7 +6382,7 @@
             </a:lvl9pPr>
           </a:lstStyle>
           <a:p>
-            <a:pPr indent="0" lvl="0" marL="0" rtl="0" algn="r">
+            <a:pPr marL="0" lvl="0" indent="0" algn="r" rtl="0">
               <a:spcBef>
                 <a:spcPts val="0"/>
               </a:spcBef>
@@ -6250,18 +6408,19 @@
 </file>
 
 <file path=ppt/slideMasters/slideMaster1.xml><?xml version="1.0" encoding="utf-8"?>
-<p:sldMaster xmlns:a="http://schemas.openxmlformats.org/drawingml/2006/main" xmlns:r="http://schemas.openxmlformats.org/officeDocument/2006/relationships" xmlns:mc="http://schemas.openxmlformats.org/markup-compatibility/2006" xmlns:mv="urn:schemas-microsoft-com:mac:vml" xmlns:p="http://schemas.openxmlformats.org/presentationml/2006/main" xmlns:c="http://schemas.openxmlformats.org/drawingml/2006/chart" xmlns:dgm="http://schemas.openxmlformats.org/drawingml/2006/diagram" xmlns:o="urn:schemas-microsoft-com:office:office" xmlns:v="urn:schemas-microsoft-com:vml" xmlns:pvml="urn:schemas-microsoft-com:office:powerpoint" xmlns:com="http://schemas.openxmlformats.org/drawingml/2006/compatibility" xmlns:p14="http://schemas.microsoft.com/office/powerpoint/2010/main" xmlns:p15="http://schemas.microsoft.com/office/powerpoint/2012/main">
+<p:sldMaster xmlns:a="http://schemas.openxmlformats.org/drawingml/2006/main" xmlns:r="http://schemas.openxmlformats.org/officeDocument/2006/relationships" xmlns:p="http://schemas.openxmlformats.org/presentationml/2006/main">
   <p:cSld name="paradigm">
     <p:bg>
       <p:bgPr>
         <a:solidFill>
           <a:schemeClr val="lt1"/>
         </a:solidFill>
+        <a:effectLst/>
       </p:bgPr>
     </p:bg>
     <p:spTree>
       <p:nvGrpSpPr>
-        <p:cNvPr id="5" name="Shape 5"/>
+        <p:cNvPr id="1" name="Shape 5"/>
         <p:cNvGrpSpPr/>
         <p:nvPr/>
       </p:nvGrpSpPr>
@@ -6276,7 +6435,9 @@
       <p:sp>
         <p:nvSpPr>
           <p:cNvPr id="6" name="Google Shape;6;p1"/>
-          <p:cNvSpPr txBox="1"/>
+          <p:cNvSpPr txBox="1">
+            <a:spLocks noGrp="1"/>
+          </p:cNvSpPr>
           <p:nvPr>
             <p:ph type="title"/>
           </p:nvPr>
@@ -6295,7 +6456,7 @@
           </a:ln>
         </p:spPr>
         <p:txBody>
-          <a:bodyPr anchorCtr="0" anchor="t" bIns="91425" lIns="91425" spcFirstLastPara="1" rIns="91425" wrap="square" tIns="91425">
+          <a:bodyPr spcFirstLastPara="1" wrap="square" lIns="91425" tIns="91425" rIns="91425" bIns="91425" anchor="t" anchorCtr="0">
             <a:noAutofit/>
           </a:bodyPr>
           <a:lstStyle>
@@ -6507,15 +6668,19 @@
               </a:defRPr>
             </a:lvl9pPr>
           </a:lstStyle>
-          <a:p/>
+          <a:p>
+            <a:endParaRPr/>
+          </a:p>
         </p:txBody>
       </p:sp>
       <p:sp>
         <p:nvSpPr>
           <p:cNvPr id="7" name="Google Shape;7;p1"/>
-          <p:cNvSpPr txBox="1"/>
+          <p:cNvSpPr txBox="1">
+            <a:spLocks noGrp="1"/>
+          </p:cNvSpPr>
           <p:nvPr>
-            <p:ph idx="1" type="body"/>
+            <p:ph type="body" idx="1"/>
           </p:nvPr>
         </p:nvSpPr>
         <p:spPr>
@@ -6532,11 +6697,11 @@
           </a:ln>
         </p:spPr>
         <p:txBody>
-          <a:bodyPr anchorCtr="0" anchor="t" bIns="91425" lIns="91425" spcFirstLastPara="1" rIns="91425" wrap="square" tIns="91425">
+          <a:bodyPr spcFirstLastPara="1" wrap="square" lIns="91425" tIns="91425" rIns="91425" bIns="91425" anchor="t" anchorCtr="0">
             <a:noAutofit/>
           </a:bodyPr>
           <a:lstStyle>
-            <a:lvl1pPr indent="-311150" lvl="0" marL="457200">
+            <a:lvl1pPr marL="457200" lvl="0" indent="-311150">
               <a:lnSpc>
                 <a:spcPct val="115000"/>
               </a:lnSpc>
@@ -6562,7 +6727,7 @@
                 <a:sym typeface="Roboto"/>
               </a:defRPr>
             </a:lvl1pPr>
-            <a:lvl2pPr indent="-298450" lvl="1" marL="914400">
+            <a:lvl2pPr marL="914400" lvl="1" indent="-298450">
               <a:lnSpc>
                 <a:spcPct val="115000"/>
               </a:lnSpc>
@@ -6588,7 +6753,7 @@
                 <a:sym typeface="Roboto"/>
               </a:defRPr>
             </a:lvl2pPr>
-            <a:lvl3pPr indent="-298450" lvl="2" marL="1371600">
+            <a:lvl3pPr marL="1371600" lvl="2" indent="-298450">
               <a:lnSpc>
                 <a:spcPct val="115000"/>
               </a:lnSpc>
@@ -6614,7 +6779,7 @@
                 <a:sym typeface="Roboto"/>
               </a:defRPr>
             </a:lvl3pPr>
-            <a:lvl4pPr indent="-298450" lvl="3" marL="1828800">
+            <a:lvl4pPr marL="1828800" lvl="3" indent="-298450">
               <a:lnSpc>
                 <a:spcPct val="115000"/>
               </a:lnSpc>
@@ -6640,7 +6805,7 @@
                 <a:sym typeface="Roboto"/>
               </a:defRPr>
             </a:lvl4pPr>
-            <a:lvl5pPr indent="-298450" lvl="4" marL="2286000">
+            <a:lvl5pPr marL="2286000" lvl="4" indent="-298450">
               <a:lnSpc>
                 <a:spcPct val="115000"/>
               </a:lnSpc>
@@ -6666,7 +6831,7 @@
                 <a:sym typeface="Roboto"/>
               </a:defRPr>
             </a:lvl5pPr>
-            <a:lvl6pPr indent="-298450" lvl="5" marL="2743200">
+            <a:lvl6pPr marL="2743200" lvl="5" indent="-298450">
               <a:lnSpc>
                 <a:spcPct val="115000"/>
               </a:lnSpc>
@@ -6692,7 +6857,7 @@
                 <a:sym typeface="Roboto"/>
               </a:defRPr>
             </a:lvl6pPr>
-            <a:lvl7pPr indent="-298450" lvl="6" marL="3200400">
+            <a:lvl7pPr marL="3200400" lvl="6" indent="-298450">
               <a:lnSpc>
                 <a:spcPct val="115000"/>
               </a:lnSpc>
@@ -6718,7 +6883,7 @@
                 <a:sym typeface="Roboto"/>
               </a:defRPr>
             </a:lvl7pPr>
-            <a:lvl8pPr indent="-298450" lvl="7" marL="3657600">
+            <a:lvl8pPr marL="3657600" lvl="7" indent="-298450">
               <a:lnSpc>
                 <a:spcPct val="115000"/>
               </a:lnSpc>
@@ -6744,7 +6909,7 @@
                 <a:sym typeface="Roboto"/>
               </a:defRPr>
             </a:lvl8pPr>
-            <a:lvl9pPr indent="-298450" lvl="8" marL="4114800">
+            <a:lvl9pPr marL="4114800" lvl="8" indent="-298450">
               <a:lnSpc>
                 <a:spcPct val="115000"/>
               </a:lnSpc>
@@ -6771,15 +6936,19 @@
               </a:defRPr>
             </a:lvl9pPr>
           </a:lstStyle>
-          <a:p/>
+          <a:p>
+            <a:endParaRPr/>
+          </a:p>
         </p:txBody>
       </p:sp>
       <p:sp>
         <p:nvSpPr>
           <p:cNvPr id="8" name="Google Shape;8;p1"/>
-          <p:cNvSpPr txBox="1"/>
+          <p:cNvSpPr txBox="1">
+            <a:spLocks noGrp="1"/>
+          </p:cNvSpPr>
           <p:nvPr>
-            <p:ph idx="12" type="sldNum"/>
+            <p:ph type="sldNum" idx="12"/>
           </p:nvPr>
         </p:nvSpPr>
         <p:spPr>
@@ -6796,7 +6965,7 @@
           </a:ln>
         </p:spPr>
         <p:txBody>
-          <a:bodyPr anchorCtr="0" anchor="ctr" bIns="91425" lIns="91425" spcFirstLastPara="1" rIns="91425" wrap="square" tIns="91425">
+          <a:bodyPr spcFirstLastPara="1" wrap="square" lIns="91425" tIns="91425" rIns="91425" bIns="91425" anchor="ctr" anchorCtr="0">
             <a:noAutofit/>
           </a:bodyPr>
           <a:lstStyle>
@@ -6910,7 +7079,7 @@
             </a:lvl9pPr>
           </a:lstStyle>
           <a:p>
-            <a:pPr indent="0" lvl="0" marL="0" rtl="0" algn="r">
+            <a:pPr marL="0" lvl="0" indent="0" algn="r" rtl="0">
               <a:spcBef>
                 <a:spcPts val="0"/>
               </a:spcBef>
@@ -6929,7 +7098,7 @@
       </p:sp>
     </p:spTree>
   </p:cSld>
-  <p:clrMap accent1="accent1" accent2="accent2" accent3="accent3" accent4="accent4" accent5="accent5" accent6="accent6" bg1="lt1" bg2="dk2" tx1="dk1" tx2="lt2" folHlink="folHlink" hlink="hlink"/>
+  <p:clrMap bg1="lt1" tx1="dk1" bg2="dk2" tx2="lt2" accent1="accent1" accent2="accent2" accent3="accent3" accent4="accent4" accent5="accent5" accent6="accent6" hlink="hlink" folHlink="folHlink"/>
   <p:sldLayoutIdLst>
     <p:sldLayoutId id="2147483648" r:id="rId1"/>
     <p:sldLayoutId id="2147483649" r:id="rId2"/>
@@ -6943,10 +7112,10 @@
     <p:sldLayoutId id="2147483657" r:id="rId10"/>
     <p:sldLayoutId id="2147483658" r:id="rId11"/>
   </p:sldLayoutIdLst>
-  <p:hf dt="0" ftr="0" hdr="0" sldNum="0"/>
+  <p:hf sldNum="0" hdr="0" ftr="0" dt="0"/>
   <p:txStyles>
     <p:titleStyle>
-      <a:defPPr lvl="0" marR="0" rtl="0" algn="l">
+      <a:defPPr marR="0" lvl="0" algn="l" rtl="0">
         <a:lnSpc>
           <a:spcPct val="100000"/>
         </a:lnSpc>
@@ -6957,7 +7126,7 @@
           <a:spcPts val="0"/>
         </a:spcAft>
       </a:defPPr>
-      <a:lvl1pPr lvl="0" marR="0" rtl="0" algn="l">
+      <a:lvl1pPr marR="0" lvl="0" algn="l" rtl="0">
         <a:lnSpc>
           <a:spcPct val="100000"/>
         </a:lnSpc>
@@ -6971,7 +7140,7 @@
           <a:srgbClr val="000000"/>
         </a:buClr>
         <a:buFont typeface="Arial"/>
-        <a:defRPr b="0" i="0" sz="1400" u="none" cap="none" strike="noStrike">
+        <a:defRPr sz="1400" b="0" i="0" u="none" strike="noStrike" cap="none">
           <a:solidFill>
             <a:srgbClr val="000000"/>
           </a:solidFill>
@@ -6981,7 +7150,7 @@
           <a:sym typeface="Arial"/>
         </a:defRPr>
       </a:lvl1pPr>
-      <a:lvl2pPr lvl="1" marR="0" rtl="0" algn="l">
+      <a:lvl2pPr marR="0" lvl="1" algn="l" rtl="0">
         <a:lnSpc>
           <a:spcPct val="100000"/>
         </a:lnSpc>
@@ -6995,7 +7164,7 @@
           <a:srgbClr val="000000"/>
         </a:buClr>
         <a:buFont typeface="Arial"/>
-        <a:defRPr b="0" i="0" sz="1400" u="none" cap="none" strike="noStrike">
+        <a:defRPr sz="1400" b="0" i="0" u="none" strike="noStrike" cap="none">
           <a:solidFill>
             <a:srgbClr val="000000"/>
           </a:solidFill>
@@ -7005,7 +7174,7 @@
           <a:sym typeface="Arial"/>
         </a:defRPr>
       </a:lvl2pPr>
-      <a:lvl3pPr lvl="2" marR="0" rtl="0" algn="l">
+      <a:lvl3pPr marR="0" lvl="2" algn="l" rtl="0">
         <a:lnSpc>
           <a:spcPct val="100000"/>
         </a:lnSpc>
@@ -7019,7 +7188,7 @@
           <a:srgbClr val="000000"/>
         </a:buClr>
         <a:buFont typeface="Arial"/>
-        <a:defRPr b="0" i="0" sz="1400" u="none" cap="none" strike="noStrike">
+        <a:defRPr sz="1400" b="0" i="0" u="none" strike="noStrike" cap="none">
           <a:solidFill>
             <a:srgbClr val="000000"/>
           </a:solidFill>
@@ -7029,7 +7198,7 @@
           <a:sym typeface="Arial"/>
         </a:defRPr>
       </a:lvl3pPr>
-      <a:lvl4pPr lvl="3" marR="0" rtl="0" algn="l">
+      <a:lvl4pPr marR="0" lvl="3" algn="l" rtl="0">
         <a:lnSpc>
           <a:spcPct val="100000"/>
         </a:lnSpc>
@@ -7043,7 +7212,7 @@
           <a:srgbClr val="000000"/>
         </a:buClr>
         <a:buFont typeface="Arial"/>
-        <a:defRPr b="0" i="0" sz="1400" u="none" cap="none" strike="noStrike">
+        <a:defRPr sz="1400" b="0" i="0" u="none" strike="noStrike" cap="none">
           <a:solidFill>
             <a:srgbClr val="000000"/>
           </a:solidFill>
@@ -7053,7 +7222,7 @@
           <a:sym typeface="Arial"/>
         </a:defRPr>
       </a:lvl4pPr>
-      <a:lvl5pPr lvl="4" marR="0" rtl="0" algn="l">
+      <a:lvl5pPr marR="0" lvl="4" algn="l" rtl="0">
         <a:lnSpc>
           <a:spcPct val="100000"/>
         </a:lnSpc>
@@ -7067,7 +7236,7 @@
           <a:srgbClr val="000000"/>
         </a:buClr>
         <a:buFont typeface="Arial"/>
-        <a:defRPr b="0" i="0" sz="1400" u="none" cap="none" strike="noStrike">
+        <a:defRPr sz="1400" b="0" i="0" u="none" strike="noStrike" cap="none">
           <a:solidFill>
             <a:srgbClr val="000000"/>
           </a:solidFill>
@@ -7077,7 +7246,7 @@
           <a:sym typeface="Arial"/>
         </a:defRPr>
       </a:lvl5pPr>
-      <a:lvl6pPr lvl="5" marR="0" rtl="0" algn="l">
+      <a:lvl6pPr marR="0" lvl="5" algn="l" rtl="0">
         <a:lnSpc>
           <a:spcPct val="100000"/>
         </a:lnSpc>
@@ -7091,7 +7260,7 @@
           <a:srgbClr val="000000"/>
         </a:buClr>
         <a:buFont typeface="Arial"/>
-        <a:defRPr b="0" i="0" sz="1400" u="none" cap="none" strike="noStrike">
+        <a:defRPr sz="1400" b="0" i="0" u="none" strike="noStrike" cap="none">
           <a:solidFill>
             <a:srgbClr val="000000"/>
           </a:solidFill>
@@ -7101,7 +7270,7 @@
           <a:sym typeface="Arial"/>
         </a:defRPr>
       </a:lvl6pPr>
-      <a:lvl7pPr lvl="6" marR="0" rtl="0" algn="l">
+      <a:lvl7pPr marR="0" lvl="6" algn="l" rtl="0">
         <a:lnSpc>
           <a:spcPct val="100000"/>
         </a:lnSpc>
@@ -7115,7 +7284,7 @@
           <a:srgbClr val="000000"/>
         </a:buClr>
         <a:buFont typeface="Arial"/>
-        <a:defRPr b="0" i="0" sz="1400" u="none" cap="none" strike="noStrike">
+        <a:defRPr sz="1400" b="0" i="0" u="none" strike="noStrike" cap="none">
           <a:solidFill>
             <a:srgbClr val="000000"/>
           </a:solidFill>
@@ -7125,7 +7294,7 @@
           <a:sym typeface="Arial"/>
         </a:defRPr>
       </a:lvl7pPr>
-      <a:lvl8pPr lvl="7" marR="0" rtl="0" algn="l">
+      <a:lvl8pPr marR="0" lvl="7" algn="l" rtl="0">
         <a:lnSpc>
           <a:spcPct val="100000"/>
         </a:lnSpc>
@@ -7139,7 +7308,7 @@
           <a:srgbClr val="000000"/>
         </a:buClr>
         <a:buFont typeface="Arial"/>
-        <a:defRPr b="0" i="0" sz="1400" u="none" cap="none" strike="noStrike">
+        <a:defRPr sz="1400" b="0" i="0" u="none" strike="noStrike" cap="none">
           <a:solidFill>
             <a:srgbClr val="000000"/>
           </a:solidFill>
@@ -7149,7 +7318,7 @@
           <a:sym typeface="Arial"/>
         </a:defRPr>
       </a:lvl8pPr>
-      <a:lvl9pPr lvl="8" marR="0" rtl="0" algn="l">
+      <a:lvl9pPr marR="0" lvl="8" algn="l" rtl="0">
         <a:lnSpc>
           <a:spcPct val="100000"/>
         </a:lnSpc>
@@ -7163,7 +7332,7 @@
           <a:srgbClr val="000000"/>
         </a:buClr>
         <a:buFont typeface="Arial"/>
-        <a:defRPr b="0" i="0" sz="1400" u="none" cap="none" strike="noStrike">
+        <a:defRPr sz="1400" b="0" i="0" u="none" strike="noStrike" cap="none">
           <a:solidFill>
             <a:srgbClr val="000000"/>
           </a:solidFill>
@@ -7175,7 +7344,7 @@
       </a:lvl9pPr>
     </p:titleStyle>
     <p:bodyStyle>
-      <a:defPPr lvl="0" marR="0" rtl="0" algn="l">
+      <a:defPPr marR="0" lvl="0" algn="l" rtl="0">
         <a:lnSpc>
           <a:spcPct val="100000"/>
         </a:lnSpc>
@@ -7186,7 +7355,7 @@
           <a:spcPts val="0"/>
         </a:spcAft>
       </a:defPPr>
-      <a:lvl1pPr lvl="0" marR="0" rtl="0" algn="l">
+      <a:lvl1pPr marR="0" lvl="0" algn="l" rtl="0">
         <a:lnSpc>
           <a:spcPct val="100000"/>
         </a:lnSpc>
@@ -7200,7 +7369,7 @@
           <a:srgbClr val="000000"/>
         </a:buClr>
         <a:buFont typeface="Arial"/>
-        <a:defRPr b="0" i="0" sz="1400" u="none" cap="none" strike="noStrike">
+        <a:defRPr sz="1400" b="0" i="0" u="none" strike="noStrike" cap="none">
           <a:solidFill>
             <a:srgbClr val="000000"/>
           </a:solidFill>
@@ -7210,7 +7379,7 @@
           <a:sym typeface="Arial"/>
         </a:defRPr>
       </a:lvl1pPr>
-      <a:lvl2pPr lvl="1" marR="0" rtl="0" algn="l">
+      <a:lvl2pPr marR="0" lvl="1" algn="l" rtl="0">
         <a:lnSpc>
           <a:spcPct val="100000"/>
         </a:lnSpc>
@@ -7224,7 +7393,7 @@
           <a:srgbClr val="000000"/>
         </a:buClr>
         <a:buFont typeface="Arial"/>
-        <a:defRPr b="0" i="0" sz="1400" u="none" cap="none" strike="noStrike">
+        <a:defRPr sz="1400" b="0" i="0" u="none" strike="noStrike" cap="none">
           <a:solidFill>
             <a:srgbClr val="000000"/>
           </a:solidFill>
@@ -7234,7 +7403,7 @@
           <a:sym typeface="Arial"/>
         </a:defRPr>
       </a:lvl2pPr>
-      <a:lvl3pPr lvl="2" marR="0" rtl="0" algn="l">
+      <a:lvl3pPr marR="0" lvl="2" algn="l" rtl="0">
         <a:lnSpc>
           <a:spcPct val="100000"/>
         </a:lnSpc>
@@ -7248,7 +7417,7 @@
           <a:srgbClr val="000000"/>
         </a:buClr>
         <a:buFont typeface="Arial"/>
-        <a:defRPr b="0" i="0" sz="1400" u="none" cap="none" strike="noStrike">
+        <a:defRPr sz="1400" b="0" i="0" u="none" strike="noStrike" cap="none">
           <a:solidFill>
             <a:srgbClr val="000000"/>
           </a:solidFill>
@@ -7258,7 +7427,7 @@
           <a:sym typeface="Arial"/>
         </a:defRPr>
       </a:lvl3pPr>
-      <a:lvl4pPr lvl="3" marR="0" rtl="0" algn="l">
+      <a:lvl4pPr marR="0" lvl="3" algn="l" rtl="0">
         <a:lnSpc>
           <a:spcPct val="100000"/>
         </a:lnSpc>
@@ -7272,7 +7441,7 @@
           <a:srgbClr val="000000"/>
         </a:buClr>
         <a:buFont typeface="Arial"/>
-        <a:defRPr b="0" i="0" sz="1400" u="none" cap="none" strike="noStrike">
+        <a:defRPr sz="1400" b="0" i="0" u="none" strike="noStrike" cap="none">
           <a:solidFill>
             <a:srgbClr val="000000"/>
           </a:solidFill>
@@ -7282,7 +7451,7 @@
           <a:sym typeface="Arial"/>
         </a:defRPr>
       </a:lvl4pPr>
-      <a:lvl5pPr lvl="4" marR="0" rtl="0" algn="l">
+      <a:lvl5pPr marR="0" lvl="4" algn="l" rtl="0">
         <a:lnSpc>
           <a:spcPct val="100000"/>
         </a:lnSpc>
@@ -7296,7 +7465,7 @@
           <a:srgbClr val="000000"/>
         </a:buClr>
         <a:buFont typeface="Arial"/>
-        <a:defRPr b="0" i="0" sz="1400" u="none" cap="none" strike="noStrike">
+        <a:defRPr sz="1400" b="0" i="0" u="none" strike="noStrike" cap="none">
           <a:solidFill>
             <a:srgbClr val="000000"/>
           </a:solidFill>
@@ -7306,7 +7475,7 @@
           <a:sym typeface="Arial"/>
         </a:defRPr>
       </a:lvl5pPr>
-      <a:lvl6pPr lvl="5" marR="0" rtl="0" algn="l">
+      <a:lvl6pPr marR="0" lvl="5" algn="l" rtl="0">
         <a:lnSpc>
           <a:spcPct val="100000"/>
         </a:lnSpc>
@@ -7320,7 +7489,7 @@
           <a:srgbClr val="000000"/>
         </a:buClr>
         <a:buFont typeface="Arial"/>
-        <a:defRPr b="0" i="0" sz="1400" u="none" cap="none" strike="noStrike">
+        <a:defRPr sz="1400" b="0" i="0" u="none" strike="noStrike" cap="none">
           <a:solidFill>
             <a:srgbClr val="000000"/>
           </a:solidFill>
@@ -7330,7 +7499,7 @@
           <a:sym typeface="Arial"/>
         </a:defRPr>
       </a:lvl6pPr>
-      <a:lvl7pPr lvl="6" marR="0" rtl="0" algn="l">
+      <a:lvl7pPr marR="0" lvl="6" algn="l" rtl="0">
         <a:lnSpc>
           <a:spcPct val="100000"/>
         </a:lnSpc>
@@ -7344,7 +7513,7 @@
           <a:srgbClr val="000000"/>
         </a:buClr>
         <a:buFont typeface="Arial"/>
-        <a:defRPr b="0" i="0" sz="1400" u="none" cap="none" strike="noStrike">
+        <a:defRPr sz="1400" b="0" i="0" u="none" strike="noStrike" cap="none">
           <a:solidFill>
             <a:srgbClr val="000000"/>
           </a:solidFill>
@@ -7354,7 +7523,7 @@
           <a:sym typeface="Arial"/>
         </a:defRPr>
       </a:lvl7pPr>
-      <a:lvl8pPr lvl="7" marR="0" rtl="0" algn="l">
+      <a:lvl8pPr marR="0" lvl="7" algn="l" rtl="0">
         <a:lnSpc>
           <a:spcPct val="100000"/>
         </a:lnSpc>
@@ -7368,7 +7537,7 @@
           <a:srgbClr val="000000"/>
         </a:buClr>
         <a:buFont typeface="Arial"/>
-        <a:defRPr b="0" i="0" sz="1400" u="none" cap="none" strike="noStrike">
+        <a:defRPr sz="1400" b="0" i="0" u="none" strike="noStrike" cap="none">
           <a:solidFill>
             <a:srgbClr val="000000"/>
           </a:solidFill>
@@ -7378,7 +7547,7 @@
           <a:sym typeface="Arial"/>
         </a:defRPr>
       </a:lvl8pPr>
-      <a:lvl9pPr lvl="8" marR="0" rtl="0" algn="l">
+      <a:lvl9pPr marR="0" lvl="8" algn="l" rtl="0">
         <a:lnSpc>
           <a:spcPct val="100000"/>
         </a:lnSpc>
@@ -7392,7 +7561,7 @@
           <a:srgbClr val="000000"/>
         </a:buClr>
         <a:buFont typeface="Arial"/>
-        <a:defRPr b="0" i="0" sz="1400" u="none" cap="none" strike="noStrike">
+        <a:defRPr sz="1400" b="0" i="0" u="none" strike="noStrike" cap="none">
           <a:solidFill>
             <a:srgbClr val="000000"/>
           </a:solidFill>
@@ -7404,7 +7573,7 @@
       </a:lvl9pPr>
     </p:bodyStyle>
     <p:otherStyle>
-      <a:defPPr lvl="0" marR="0" rtl="0" algn="l">
+      <a:defPPr marR="0" lvl="0" algn="l" rtl="0">
         <a:lnSpc>
           <a:spcPct val="100000"/>
         </a:lnSpc>
@@ -7415,7 +7584,7 @@
           <a:spcPts val="0"/>
         </a:spcAft>
       </a:defPPr>
-      <a:lvl1pPr lvl="0" marR="0" rtl="0" algn="l">
+      <a:lvl1pPr marR="0" lvl="0" algn="l" rtl="0">
         <a:lnSpc>
           <a:spcPct val="100000"/>
         </a:lnSpc>
@@ -7429,7 +7598,7 @@
           <a:srgbClr val="000000"/>
         </a:buClr>
         <a:buFont typeface="Arial"/>
-        <a:defRPr b="0" i="0" sz="1400" u="none" cap="none" strike="noStrike">
+        <a:defRPr sz="1400" b="0" i="0" u="none" strike="noStrike" cap="none">
           <a:solidFill>
             <a:srgbClr val="000000"/>
           </a:solidFill>
@@ -7439,7 +7608,7 @@
           <a:sym typeface="Arial"/>
         </a:defRPr>
       </a:lvl1pPr>
-      <a:lvl2pPr lvl="1" marR="0" rtl="0" algn="l">
+      <a:lvl2pPr marR="0" lvl="1" algn="l" rtl="0">
         <a:lnSpc>
           <a:spcPct val="100000"/>
         </a:lnSpc>
@@ -7453,7 +7622,7 @@
           <a:srgbClr val="000000"/>
         </a:buClr>
         <a:buFont typeface="Arial"/>
-        <a:defRPr b="0" i="0" sz="1400" u="none" cap="none" strike="noStrike">
+        <a:defRPr sz="1400" b="0" i="0" u="none" strike="noStrike" cap="none">
           <a:solidFill>
             <a:srgbClr val="000000"/>
           </a:solidFill>
@@ -7463,7 +7632,7 @@
           <a:sym typeface="Arial"/>
         </a:defRPr>
       </a:lvl2pPr>
-      <a:lvl3pPr lvl="2" marR="0" rtl="0" algn="l">
+      <a:lvl3pPr marR="0" lvl="2" algn="l" rtl="0">
         <a:lnSpc>
           <a:spcPct val="100000"/>
         </a:lnSpc>
@@ -7477,7 +7646,7 @@
           <a:srgbClr val="000000"/>
         </a:buClr>
         <a:buFont typeface="Arial"/>
-        <a:defRPr b="0" i="0" sz="1400" u="none" cap="none" strike="noStrike">
+        <a:defRPr sz="1400" b="0" i="0" u="none" strike="noStrike" cap="none">
           <a:solidFill>
             <a:srgbClr val="000000"/>
           </a:solidFill>
@@ -7487,7 +7656,7 @@
           <a:sym typeface="Arial"/>
         </a:defRPr>
       </a:lvl3pPr>
-      <a:lvl4pPr lvl="3" marR="0" rtl="0" algn="l">
+      <a:lvl4pPr marR="0" lvl="3" algn="l" rtl="0">
         <a:lnSpc>
           <a:spcPct val="100000"/>
         </a:lnSpc>
@@ -7501,7 +7670,7 @@
           <a:srgbClr val="000000"/>
         </a:buClr>
         <a:buFont typeface="Arial"/>
-        <a:defRPr b="0" i="0" sz="1400" u="none" cap="none" strike="noStrike">
+        <a:defRPr sz="1400" b="0" i="0" u="none" strike="noStrike" cap="none">
           <a:solidFill>
             <a:srgbClr val="000000"/>
           </a:solidFill>
@@ -7511,7 +7680,7 @@
           <a:sym typeface="Arial"/>
         </a:defRPr>
       </a:lvl4pPr>
-      <a:lvl5pPr lvl="4" marR="0" rtl="0" algn="l">
+      <a:lvl5pPr marR="0" lvl="4" algn="l" rtl="0">
         <a:lnSpc>
           <a:spcPct val="100000"/>
         </a:lnSpc>
@@ -7525,7 +7694,7 @@
           <a:srgbClr val="000000"/>
         </a:buClr>
         <a:buFont typeface="Arial"/>
-        <a:defRPr b="0" i="0" sz="1400" u="none" cap="none" strike="noStrike">
+        <a:defRPr sz="1400" b="0" i="0" u="none" strike="noStrike" cap="none">
           <a:solidFill>
             <a:srgbClr val="000000"/>
           </a:solidFill>
@@ -7535,7 +7704,7 @@
           <a:sym typeface="Arial"/>
         </a:defRPr>
       </a:lvl5pPr>
-      <a:lvl6pPr lvl="5" marR="0" rtl="0" algn="l">
+      <a:lvl6pPr marR="0" lvl="5" algn="l" rtl="0">
         <a:lnSpc>
           <a:spcPct val="100000"/>
         </a:lnSpc>
@@ -7549,7 +7718,7 @@
           <a:srgbClr val="000000"/>
         </a:buClr>
         <a:buFont typeface="Arial"/>
-        <a:defRPr b="0" i="0" sz="1400" u="none" cap="none" strike="noStrike">
+        <a:defRPr sz="1400" b="0" i="0" u="none" strike="noStrike" cap="none">
           <a:solidFill>
             <a:srgbClr val="000000"/>
           </a:solidFill>
@@ -7559,7 +7728,7 @@
           <a:sym typeface="Arial"/>
         </a:defRPr>
       </a:lvl6pPr>
-      <a:lvl7pPr lvl="6" marR="0" rtl="0" algn="l">
+      <a:lvl7pPr marR="0" lvl="6" algn="l" rtl="0">
         <a:lnSpc>
           <a:spcPct val="100000"/>
         </a:lnSpc>
@@ -7573,7 +7742,7 @@
           <a:srgbClr val="000000"/>
         </a:buClr>
         <a:buFont typeface="Arial"/>
-        <a:defRPr b="0" i="0" sz="1400" u="none" cap="none" strike="noStrike">
+        <a:defRPr sz="1400" b="0" i="0" u="none" strike="noStrike" cap="none">
           <a:solidFill>
             <a:srgbClr val="000000"/>
           </a:solidFill>
@@ -7583,7 +7752,7 @@
           <a:sym typeface="Arial"/>
         </a:defRPr>
       </a:lvl7pPr>
-      <a:lvl8pPr lvl="7" marR="0" rtl="0" algn="l">
+      <a:lvl8pPr marR="0" lvl="7" algn="l" rtl="0">
         <a:lnSpc>
           <a:spcPct val="100000"/>
         </a:lnSpc>
@@ -7597,7 +7766,7 @@
           <a:srgbClr val="000000"/>
         </a:buClr>
         <a:buFont typeface="Arial"/>
-        <a:defRPr b="0" i="0" sz="1400" u="none" cap="none" strike="noStrike">
+        <a:defRPr sz="1400" b="0" i="0" u="none" strike="noStrike" cap="none">
           <a:solidFill>
             <a:srgbClr val="000000"/>
           </a:solidFill>
@@ -7607,7 +7776,7 @@
           <a:sym typeface="Arial"/>
         </a:defRPr>
       </a:lvl8pPr>
-      <a:lvl9pPr lvl="8" marR="0" rtl="0" algn="l">
+      <a:lvl9pPr marR="0" lvl="8" algn="l" rtl="0">
         <a:lnSpc>
           <a:spcPct val="100000"/>
         </a:lnSpc>
@@ -7621,7 +7790,7 @@
           <a:srgbClr val="000000"/>
         </a:buClr>
         <a:buFont typeface="Arial"/>
-        <a:defRPr b="0" i="0" sz="1400" u="none" cap="none" strike="noStrike">
+        <a:defRPr sz="1400" b="0" i="0" u="none" strike="noStrike" cap="none">
           <a:solidFill>
             <a:srgbClr val="000000"/>
           </a:solidFill>
@@ -7637,11 +7806,11 @@
 </file>
 
 <file path=ppt/slides/slide1.xml><?xml version="1.0" encoding="utf-8"?>
-<p:sld xmlns:a="http://schemas.openxmlformats.org/drawingml/2006/main" xmlns:r="http://schemas.openxmlformats.org/officeDocument/2006/relationships" xmlns:mc="http://schemas.openxmlformats.org/markup-compatibility/2006" xmlns:mv="urn:schemas-microsoft-com:mac:vml" xmlns:p="http://schemas.openxmlformats.org/presentationml/2006/main" xmlns:c="http://schemas.openxmlformats.org/drawingml/2006/chart" xmlns:dgm="http://schemas.openxmlformats.org/drawingml/2006/diagram" xmlns:o="urn:schemas-microsoft-com:office:office" xmlns:v="urn:schemas-microsoft-com:vml" xmlns:pvml="urn:schemas-microsoft-com:office:powerpoint" xmlns:com="http://schemas.openxmlformats.org/drawingml/2006/compatibility" xmlns:p14="http://schemas.microsoft.com/office/powerpoint/2010/main" xmlns:p15="http://schemas.microsoft.com/office/powerpoint/2012/main">
+<p:sld xmlns:a="http://schemas.openxmlformats.org/drawingml/2006/main" xmlns:r="http://schemas.openxmlformats.org/officeDocument/2006/relationships" xmlns:p="http://schemas.openxmlformats.org/presentationml/2006/main">
   <p:cSld>
     <p:spTree>
       <p:nvGrpSpPr>
-        <p:cNvPr id="63" name="Shape 63"/>
+        <p:cNvPr id="1" name="Shape 63"/>
         <p:cNvGrpSpPr/>
         <p:nvPr/>
       </p:nvGrpSpPr>
@@ -7656,7 +7825,9 @@
       <p:sp>
         <p:nvSpPr>
           <p:cNvPr id="64" name="Google Shape;64;p13"/>
-          <p:cNvSpPr txBox="1"/>
+          <p:cNvSpPr txBox="1">
+            <a:spLocks noGrp="1"/>
+          </p:cNvSpPr>
           <p:nvPr>
             <p:ph type="ctrTitle"/>
           </p:nvPr>
@@ -7671,12 +7842,12 @@
           </a:prstGeom>
         </p:spPr>
         <p:txBody>
-          <a:bodyPr anchorCtr="0" anchor="t" bIns="91425" lIns="91425" spcFirstLastPara="1" rIns="91425" wrap="square" tIns="91425">
+          <a:bodyPr spcFirstLastPara="1" wrap="square" lIns="91425" tIns="91425" rIns="91425" bIns="91425" anchor="t" anchorCtr="0">
             <a:noAutofit/>
           </a:bodyPr>
           <a:lstStyle/>
           <a:p>
-            <a:pPr indent="0" lvl="0" marL="0" rtl="0" algn="l">
+            <a:pPr marL="0" lvl="0" indent="0" algn="l" rtl="0">
               <a:spcBef>
                 <a:spcPts val="0"/>
               </a:spcBef>
@@ -7686,19 +7857,25 @@
               <a:buNone/>
             </a:pPr>
             <a:r>
-              <a:rPr lang="en"/>
-              <a:t>Final Project Title</a:t>
+              <a:rPr lang="en" dirty="0"/>
+              <a:t>Final Project Title  </a:t>
             </a:r>
-            <a:endParaRPr/>
+            <a:r>
+              <a:rPr lang="en-US"/>
+              <a:t>dfsdfs</a:t>
+            </a:r>
+            <a:endParaRPr dirty="0"/>
           </a:p>
         </p:txBody>
       </p:sp>
       <p:sp>
         <p:nvSpPr>
           <p:cNvPr id="65" name="Google Shape;65;p13"/>
-          <p:cNvSpPr txBox="1"/>
+          <p:cNvSpPr txBox="1">
+            <a:spLocks noGrp="1"/>
+          </p:cNvSpPr>
           <p:nvPr>
-            <p:ph idx="1" type="subTitle"/>
+            <p:ph type="subTitle" idx="1"/>
           </p:nvPr>
         </p:nvSpPr>
         <p:spPr>
@@ -7711,12 +7888,12 @@
           </a:prstGeom>
         </p:spPr>
         <p:txBody>
-          <a:bodyPr anchorCtr="0" anchor="t" bIns="91425" lIns="91425" spcFirstLastPara="1" rIns="91425" wrap="square" tIns="91425">
+          <a:bodyPr spcFirstLastPara="1" wrap="square" lIns="91425" tIns="91425" rIns="91425" bIns="91425" anchor="t" anchorCtr="0">
             <a:noAutofit/>
           </a:bodyPr>
           <a:lstStyle/>
           <a:p>
-            <a:pPr indent="0" lvl="0" marL="0" rtl="0" algn="l">
+            <a:pPr marL="0" lvl="0" indent="0" algn="l" rtl="0">
               <a:spcBef>
                 <a:spcPts val="0"/>
               </a:spcBef>
@@ -7732,7 +7909,7 @@
             <a:endParaRPr/>
           </a:p>
           <a:p>
-            <a:pPr indent="0" lvl="0" marL="0" rtl="0" algn="l">
+            <a:pPr marL="0" lvl="0" indent="0" algn="l" rtl="0">
               <a:spcBef>
                 <a:spcPts val="0"/>
               </a:spcBef>
@@ -7758,11 +7935,11 @@
 </file>
 
 <file path=ppt/slides/slide2.xml><?xml version="1.0" encoding="utf-8"?>
-<p:sld xmlns:a="http://schemas.openxmlformats.org/drawingml/2006/main" xmlns:r="http://schemas.openxmlformats.org/officeDocument/2006/relationships" xmlns:mc="http://schemas.openxmlformats.org/markup-compatibility/2006" xmlns:mv="urn:schemas-microsoft-com:mac:vml" xmlns:p="http://schemas.openxmlformats.org/presentationml/2006/main" xmlns:c="http://schemas.openxmlformats.org/drawingml/2006/chart" xmlns:dgm="http://schemas.openxmlformats.org/drawingml/2006/diagram" xmlns:o="urn:schemas-microsoft-com:office:office" xmlns:v="urn:schemas-microsoft-com:vml" xmlns:pvml="urn:schemas-microsoft-com:office:powerpoint" xmlns:com="http://schemas.openxmlformats.org/drawingml/2006/compatibility" xmlns:p14="http://schemas.microsoft.com/office/powerpoint/2010/main" xmlns:p15="http://schemas.microsoft.com/office/powerpoint/2012/main">
+<p:sld xmlns:a="http://schemas.openxmlformats.org/drawingml/2006/main" xmlns:r="http://schemas.openxmlformats.org/officeDocument/2006/relationships" xmlns:p="http://schemas.openxmlformats.org/presentationml/2006/main">
   <p:cSld>
     <p:spTree>
       <p:nvGrpSpPr>
-        <p:cNvPr id="69" name="Shape 69"/>
+        <p:cNvPr id="1" name="Shape 69"/>
         <p:cNvGrpSpPr/>
         <p:nvPr/>
       </p:nvGrpSpPr>
@@ -7777,7 +7954,9 @@
       <p:sp>
         <p:nvSpPr>
           <p:cNvPr id="70" name="Google Shape;70;p14"/>
-          <p:cNvSpPr txBox="1"/>
+          <p:cNvSpPr txBox="1">
+            <a:spLocks noGrp="1"/>
+          </p:cNvSpPr>
           <p:nvPr>
             <p:ph type="title"/>
           </p:nvPr>
@@ -7792,12 +7971,12 @@
           </a:prstGeom>
         </p:spPr>
         <p:txBody>
-          <a:bodyPr anchorCtr="0" anchor="t" bIns="91425" lIns="91425" spcFirstLastPara="1" rIns="91425" wrap="square" tIns="91425">
+          <a:bodyPr spcFirstLastPara="1" wrap="square" lIns="91425" tIns="91425" rIns="91425" bIns="91425" anchor="t" anchorCtr="0">
             <a:noAutofit/>
           </a:bodyPr>
           <a:lstStyle/>
           <a:p>
-            <a:pPr indent="0" lvl="0" marL="0" rtl="0" algn="l">
+            <a:pPr marL="0" lvl="0" indent="0" algn="l" rtl="0">
               <a:spcBef>
                 <a:spcPts val="0"/>
               </a:spcBef>
@@ -7834,12 +8013,12 @@
           </a:ln>
         </p:spPr>
         <p:txBody>
-          <a:bodyPr anchorCtr="0" anchor="t" bIns="91425" lIns="91425" spcFirstLastPara="1" rIns="91425" wrap="square" tIns="91425">
+          <a:bodyPr spcFirstLastPara="1" wrap="square" lIns="91425" tIns="91425" rIns="91425" bIns="91425" anchor="t" anchorCtr="0">
             <a:noAutofit/>
           </a:bodyPr>
           <a:lstStyle/>
           <a:p>
-            <a:pPr indent="0" lvl="0" marL="0" rtl="0" algn="l">
+            <a:pPr marL="0" lvl="0" indent="0" algn="l" rtl="0">
               <a:spcBef>
                 <a:spcPts val="0"/>
               </a:spcBef>
@@ -7849,7 +8028,7 @@
               <a:buNone/>
             </a:pPr>
             <a:r>
-              <a:rPr b="1" lang="en" sz="1800">
+              <a:rPr lang="en" sz="1800" b="1">
                 <a:latin typeface="Roboto"/>
                 <a:ea typeface="Roboto"/>
                 <a:cs typeface="Roboto"/>
@@ -7865,7 +8044,7 @@
             </a:endParaRPr>
           </a:p>
           <a:p>
-            <a:pPr indent="-317500" lvl="0" marL="457200" rtl="0" algn="l">
+            <a:pPr marL="457200" lvl="0" indent="-317500" algn="l" rtl="0">
               <a:spcBef>
                 <a:spcPts val="0"/>
               </a:spcBef>
@@ -7893,7 +8072,7 @@
             </a:endParaRPr>
           </a:p>
           <a:p>
-            <a:pPr indent="-317500" lvl="0" marL="457200" rtl="0" algn="l">
+            <a:pPr marL="457200" lvl="0" indent="-317500" algn="l" rtl="0">
               <a:spcBef>
                 <a:spcPts val="0"/>
               </a:spcBef>
@@ -7911,25 +8090,7 @@
                 <a:cs typeface="Roboto"/>
                 <a:sym typeface="Roboto"/>
               </a:rPr>
-              <a:t>Need and/or </a:t>
-            </a:r>
-            <a:r>
-              <a:rPr lang="en">
-                <a:latin typeface="Roboto"/>
-                <a:ea typeface="Roboto"/>
-                <a:cs typeface="Roboto"/>
-                <a:sym typeface="Roboto"/>
-              </a:rPr>
-              <a:t>impending doom</a:t>
-            </a:r>
-            <a:r>
-              <a:rPr lang="en">
-                <a:latin typeface="Roboto"/>
-                <a:ea typeface="Roboto"/>
-                <a:cs typeface="Roboto"/>
-                <a:sym typeface="Roboto"/>
-              </a:rPr>
-              <a:t> of not running a data-driven business</a:t>
+              <a:t>Need and/or impending doom of not running a data-driven business</a:t>
             </a:r>
             <a:endParaRPr>
               <a:latin typeface="Roboto"/>
@@ -7960,12 +8121,12 @@
           </a:ln>
         </p:spPr>
         <p:txBody>
-          <a:bodyPr anchorCtr="0" anchor="t" bIns="91425" lIns="91425" spcFirstLastPara="1" rIns="91425" wrap="square" tIns="91425">
+          <a:bodyPr spcFirstLastPara="1" wrap="square" lIns="91425" tIns="91425" rIns="91425" bIns="91425" anchor="t" anchorCtr="0">
             <a:noAutofit/>
           </a:bodyPr>
           <a:lstStyle/>
           <a:p>
-            <a:pPr indent="0" lvl="0" marL="0" rtl="0" algn="l">
+            <a:pPr marL="0" lvl="0" indent="0" algn="l" rtl="0">
               <a:spcBef>
                 <a:spcPts val="0"/>
               </a:spcBef>
@@ -7975,7 +8136,7 @@
               <a:buNone/>
             </a:pPr>
             <a:r>
-              <a:rPr b="1" lang="en" sz="1800">
+              <a:rPr lang="en" sz="1800" b="1">
                 <a:latin typeface="Roboto"/>
                 <a:ea typeface="Roboto"/>
                 <a:cs typeface="Roboto"/>
@@ -7991,7 +8152,7 @@
             </a:endParaRPr>
           </a:p>
           <a:p>
-            <a:pPr indent="-317500" lvl="0" marL="457200" rtl="0" algn="l">
+            <a:pPr marL="457200" lvl="0" indent="-317500" algn="l" rtl="0">
               <a:spcBef>
                 <a:spcPts val="0"/>
               </a:spcBef>
@@ -8019,7 +8180,7 @@
             </a:endParaRPr>
           </a:p>
           <a:p>
-            <a:pPr indent="-317500" lvl="0" marL="457200" rtl="0" algn="l">
+            <a:pPr marL="457200" lvl="0" indent="-317500" algn="l" rtl="0">
               <a:spcBef>
                 <a:spcPts val="0"/>
               </a:spcBef>
@@ -8047,7 +8208,7 @@
             </a:endParaRPr>
           </a:p>
           <a:p>
-            <a:pPr indent="-317500" lvl="0" marL="457200" rtl="0" algn="l">
+            <a:pPr marL="457200" lvl="0" indent="-317500" algn="l" rtl="0">
               <a:spcBef>
                 <a:spcPts val="0"/>
               </a:spcBef>
@@ -8096,12 +8257,12 @@
           </a:ln>
         </p:spPr>
         <p:txBody>
-          <a:bodyPr anchorCtr="0" anchor="t" bIns="91425" lIns="91425" spcFirstLastPara="1" rIns="91425" wrap="square" tIns="91425">
+          <a:bodyPr spcFirstLastPara="1" wrap="square" lIns="91425" tIns="91425" rIns="91425" bIns="91425" anchor="t" anchorCtr="0">
             <a:noAutofit/>
           </a:bodyPr>
           <a:lstStyle/>
           <a:p>
-            <a:pPr indent="0" lvl="0" marL="0" rtl="0" algn="l">
+            <a:pPr marL="0" lvl="0" indent="0" algn="l" rtl="0">
               <a:spcBef>
                 <a:spcPts val="0"/>
               </a:spcBef>
@@ -8111,7 +8272,7 @@
               <a:buNone/>
             </a:pPr>
             <a:r>
-              <a:rPr b="1" lang="en" sz="1800">
+              <a:rPr lang="en" sz="1800" b="1">
                 <a:latin typeface="Roboto"/>
                 <a:ea typeface="Roboto"/>
                 <a:cs typeface="Roboto"/>
@@ -8127,7 +8288,7 @@
             </a:endParaRPr>
           </a:p>
           <a:p>
-            <a:pPr indent="-317500" lvl="0" marL="457200" rtl="0" algn="l">
+            <a:pPr marL="457200" lvl="0" indent="-317500" algn="l" rtl="0">
               <a:spcBef>
                 <a:spcPts val="0"/>
               </a:spcBef>
@@ -8155,7 +8316,7 @@
             </a:endParaRPr>
           </a:p>
           <a:p>
-            <a:pPr indent="-317500" lvl="0" marL="457200" rtl="0" algn="l">
+            <a:pPr marL="457200" lvl="0" indent="-317500" algn="l" rtl="0">
               <a:spcBef>
                 <a:spcPts val="0"/>
               </a:spcBef>
@@ -8183,7 +8344,7 @@
             </a:endParaRPr>
           </a:p>
           <a:p>
-            <a:pPr indent="-317500" lvl="0" marL="457200" rtl="0" algn="l">
+            <a:pPr marL="457200" lvl="0" indent="-317500" algn="l" rtl="0">
               <a:spcBef>
                 <a:spcPts val="0"/>
               </a:spcBef>
@@ -8221,11 +8382,11 @@
 </file>
 
 <file path=ppt/slides/slide3.xml><?xml version="1.0" encoding="utf-8"?>
-<p:sld xmlns:a="http://schemas.openxmlformats.org/drawingml/2006/main" xmlns:r="http://schemas.openxmlformats.org/officeDocument/2006/relationships" xmlns:mc="http://schemas.openxmlformats.org/markup-compatibility/2006" xmlns:mv="urn:schemas-microsoft-com:mac:vml" xmlns:p="http://schemas.openxmlformats.org/presentationml/2006/main" xmlns:c="http://schemas.openxmlformats.org/drawingml/2006/chart" xmlns:dgm="http://schemas.openxmlformats.org/drawingml/2006/diagram" xmlns:o="urn:schemas-microsoft-com:office:office" xmlns:v="urn:schemas-microsoft-com:vml" xmlns:pvml="urn:schemas-microsoft-com:office:powerpoint" xmlns:com="http://schemas.openxmlformats.org/drawingml/2006/compatibility" xmlns:p14="http://schemas.microsoft.com/office/powerpoint/2010/main" xmlns:p15="http://schemas.microsoft.com/office/powerpoint/2012/main">
+<p:sld xmlns:a="http://schemas.openxmlformats.org/drawingml/2006/main" xmlns:r="http://schemas.openxmlformats.org/officeDocument/2006/relationships" xmlns:p="http://schemas.openxmlformats.org/presentationml/2006/main">
   <p:cSld>
     <p:spTree>
       <p:nvGrpSpPr>
-        <p:cNvPr id="77" name="Shape 77"/>
+        <p:cNvPr id="1" name="Shape 77"/>
         <p:cNvGrpSpPr/>
         <p:nvPr/>
       </p:nvGrpSpPr>
@@ -8240,7 +8401,9 @@
       <p:sp>
         <p:nvSpPr>
           <p:cNvPr id="78" name="Google Shape;78;p15"/>
-          <p:cNvSpPr txBox="1"/>
+          <p:cNvSpPr txBox="1">
+            <a:spLocks noGrp="1"/>
+          </p:cNvSpPr>
           <p:nvPr>
             <p:ph type="title"/>
           </p:nvPr>
@@ -8255,12 +8418,12 @@
           </a:prstGeom>
         </p:spPr>
         <p:txBody>
-          <a:bodyPr anchorCtr="0" anchor="t" bIns="91425" lIns="91425" spcFirstLastPara="1" rIns="91425" wrap="square" tIns="91425">
+          <a:bodyPr spcFirstLastPara="1" wrap="square" lIns="91425" tIns="91425" rIns="91425" bIns="91425" anchor="t" anchorCtr="0">
             <a:noAutofit/>
           </a:bodyPr>
           <a:lstStyle/>
           <a:p>
-            <a:pPr indent="0" lvl="0" marL="0" rtl="0" algn="l">
+            <a:pPr marL="0" lvl="0" indent="0" algn="l" rtl="0">
               <a:spcBef>
                 <a:spcPts val="0"/>
               </a:spcBef>
@@ -8271,11 +8434,7 @@
             </a:pPr>
             <a:r>
               <a:rPr lang="en"/>
-              <a:t>I</a:t>
-            </a:r>
-            <a:r>
-              <a:rPr lang="en"/>
-              <a:t> began with five use case ideas </a:t>
+              <a:t>I began with five use case ideas </a:t>
             </a:r>
             <a:endParaRPr/>
           </a:p>
@@ -8301,12 +8460,12 @@
           </a:ln>
         </p:spPr>
         <p:txBody>
-          <a:bodyPr anchorCtr="0" anchor="t" bIns="91425" lIns="91425" spcFirstLastPara="1" rIns="91425" wrap="square" tIns="91425">
+          <a:bodyPr spcFirstLastPara="1" wrap="square" lIns="91425" tIns="91425" rIns="91425" bIns="91425" anchor="t" anchorCtr="0">
             <a:noAutofit/>
           </a:bodyPr>
           <a:lstStyle/>
           <a:p>
-            <a:pPr indent="0" lvl="0" marL="0" rtl="0" algn="l">
+            <a:pPr marL="0" lvl="0" indent="0" algn="l" rtl="0">
               <a:spcBef>
                 <a:spcPts val="0"/>
               </a:spcBef>
@@ -8316,7 +8475,7 @@
               <a:buNone/>
             </a:pPr>
             <a:r>
-              <a:rPr b="1" lang="en" sz="1800">
+              <a:rPr lang="en" sz="1800" b="1">
                 <a:latin typeface="Roboto"/>
                 <a:ea typeface="Roboto"/>
                 <a:cs typeface="Roboto"/>
@@ -8324,7 +8483,7 @@
               </a:rPr>
               <a:t>Use Case 1 Title</a:t>
             </a:r>
-            <a:endParaRPr b="1" sz="1800">
+            <a:endParaRPr sz="1800" b="1">
               <a:latin typeface="Roboto"/>
               <a:ea typeface="Roboto"/>
               <a:cs typeface="Roboto"/>
@@ -8332,7 +8491,7 @@
             </a:endParaRPr>
           </a:p>
           <a:p>
-            <a:pPr indent="0" lvl="0" marL="0" rtl="0" algn="l">
+            <a:pPr marL="0" lvl="0" indent="0" algn="l" rtl="0">
               <a:spcBef>
                 <a:spcPts val="0"/>
               </a:spcBef>
@@ -8341,9 +8500,6 @@
               </a:spcAft>
               <a:buNone/>
             </a:pPr>
-            <a:r>
-              <a:t/>
-            </a:r>
             <a:endParaRPr sz="800">
               <a:latin typeface="Roboto"/>
               <a:ea typeface="Roboto"/>
@@ -8352,7 +8508,7 @@
             </a:endParaRPr>
           </a:p>
           <a:p>
-            <a:pPr indent="0" lvl="0" marL="0" rtl="0" algn="l">
+            <a:pPr marL="0" lvl="0" indent="0" algn="l" rtl="0">
               <a:spcBef>
                 <a:spcPts val="0"/>
               </a:spcBef>
@@ -8399,12 +8555,12 @@
           </a:ln>
         </p:spPr>
         <p:txBody>
-          <a:bodyPr anchorCtr="0" anchor="t" bIns="91425" lIns="91425" spcFirstLastPara="1" rIns="91425" wrap="square" tIns="91425">
+          <a:bodyPr spcFirstLastPara="1" wrap="square" lIns="91425" tIns="91425" rIns="91425" bIns="91425" anchor="t" anchorCtr="0">
             <a:noAutofit/>
           </a:bodyPr>
           <a:lstStyle/>
           <a:p>
-            <a:pPr indent="0" lvl="0" marL="0" rtl="0" algn="l">
+            <a:pPr marL="0" lvl="0" indent="0" algn="l" rtl="0">
               <a:spcBef>
                 <a:spcPts val="0"/>
               </a:spcBef>
@@ -8414,7 +8570,7 @@
               <a:buNone/>
             </a:pPr>
             <a:r>
-              <a:rPr b="1" lang="en" sz="1800">
+              <a:rPr lang="en" sz="1800" b="1">
                 <a:latin typeface="Roboto"/>
                 <a:ea typeface="Roboto"/>
                 <a:cs typeface="Roboto"/>
@@ -8422,7 +8578,7 @@
               </a:rPr>
               <a:t>Use Case 2 Title</a:t>
             </a:r>
-            <a:endParaRPr b="1" sz="1800">
+            <a:endParaRPr sz="1800" b="1">
               <a:latin typeface="Roboto"/>
               <a:ea typeface="Roboto"/>
               <a:cs typeface="Roboto"/>
@@ -8430,7 +8586,7 @@
             </a:endParaRPr>
           </a:p>
           <a:p>
-            <a:pPr indent="0" lvl="0" marL="0" rtl="0" algn="l">
+            <a:pPr marL="0" lvl="0" indent="0" algn="l" rtl="0">
               <a:spcBef>
                 <a:spcPts val="0"/>
               </a:spcBef>
@@ -8439,9 +8595,6 @@
               </a:spcAft>
               <a:buNone/>
             </a:pPr>
-            <a:r>
-              <a:t/>
-            </a:r>
             <a:endParaRPr sz="800">
               <a:latin typeface="Roboto"/>
               <a:ea typeface="Roboto"/>
@@ -8450,7 +8603,7 @@
             </a:endParaRPr>
           </a:p>
           <a:p>
-            <a:pPr indent="0" lvl="0" marL="0" rtl="0" algn="l">
+            <a:pPr marL="0" lvl="0" indent="0" algn="l" rtl="0">
               <a:spcBef>
                 <a:spcPts val="0"/>
               </a:spcBef>
@@ -8497,12 +8650,12 @@
           </a:ln>
         </p:spPr>
         <p:txBody>
-          <a:bodyPr anchorCtr="0" anchor="t" bIns="91425" lIns="91425" spcFirstLastPara="1" rIns="91425" wrap="square" tIns="91425">
+          <a:bodyPr spcFirstLastPara="1" wrap="square" lIns="91425" tIns="91425" rIns="91425" bIns="91425" anchor="t" anchorCtr="0">
             <a:noAutofit/>
           </a:bodyPr>
           <a:lstStyle/>
           <a:p>
-            <a:pPr indent="0" lvl="0" marL="0" rtl="0" algn="l">
+            <a:pPr marL="0" lvl="0" indent="0" algn="l" rtl="0">
               <a:spcBef>
                 <a:spcPts val="0"/>
               </a:spcBef>
@@ -8512,7 +8665,7 @@
               <a:buNone/>
             </a:pPr>
             <a:r>
-              <a:rPr b="1" lang="en" sz="1800">
+              <a:rPr lang="en" sz="1800" b="1">
                 <a:latin typeface="Roboto"/>
                 <a:ea typeface="Roboto"/>
                 <a:cs typeface="Roboto"/>
@@ -8520,7 +8673,7 @@
               </a:rPr>
               <a:t>Use Case 3 Title</a:t>
             </a:r>
-            <a:endParaRPr b="1" sz="1800">
+            <a:endParaRPr sz="1800" b="1">
               <a:latin typeface="Roboto"/>
               <a:ea typeface="Roboto"/>
               <a:cs typeface="Roboto"/>
@@ -8528,7 +8681,7 @@
             </a:endParaRPr>
           </a:p>
           <a:p>
-            <a:pPr indent="0" lvl="0" marL="0" rtl="0" algn="l">
+            <a:pPr marL="0" lvl="0" indent="0" algn="l" rtl="0">
               <a:spcBef>
                 <a:spcPts val="0"/>
               </a:spcBef>
@@ -8537,9 +8690,6 @@
               </a:spcAft>
               <a:buNone/>
             </a:pPr>
-            <a:r>
-              <a:t/>
-            </a:r>
             <a:endParaRPr sz="800">
               <a:latin typeface="Roboto"/>
               <a:ea typeface="Roboto"/>
@@ -8548,7 +8698,7 @@
             </a:endParaRPr>
           </a:p>
           <a:p>
-            <a:pPr indent="0" lvl="0" marL="0" rtl="0" algn="l">
+            <a:pPr marL="0" lvl="0" indent="0" algn="l" rtl="0">
               <a:spcBef>
                 <a:spcPts val="0"/>
               </a:spcBef>
@@ -8595,12 +8745,12 @@
           </a:ln>
         </p:spPr>
         <p:txBody>
-          <a:bodyPr anchorCtr="0" anchor="t" bIns="91425" lIns="91425" spcFirstLastPara="1" rIns="91425" wrap="square" tIns="91425">
+          <a:bodyPr spcFirstLastPara="1" wrap="square" lIns="91425" tIns="91425" rIns="91425" bIns="91425" anchor="t" anchorCtr="0">
             <a:noAutofit/>
           </a:bodyPr>
           <a:lstStyle/>
           <a:p>
-            <a:pPr indent="0" lvl="0" marL="0" rtl="0" algn="l">
+            <a:pPr marL="0" lvl="0" indent="0" algn="l" rtl="0">
               <a:spcBef>
                 <a:spcPts val="0"/>
               </a:spcBef>
@@ -8610,7 +8760,7 @@
               <a:buNone/>
             </a:pPr>
             <a:r>
-              <a:rPr b="1" lang="en" sz="1800">
+              <a:rPr lang="en" sz="1800" b="1">
                 <a:latin typeface="Roboto"/>
                 <a:ea typeface="Roboto"/>
                 <a:cs typeface="Roboto"/>
@@ -8618,7 +8768,7 @@
               </a:rPr>
               <a:t>Use Case 4 Title</a:t>
             </a:r>
-            <a:endParaRPr b="1" sz="1800">
+            <a:endParaRPr sz="1800" b="1">
               <a:latin typeface="Roboto"/>
               <a:ea typeface="Roboto"/>
               <a:cs typeface="Roboto"/>
@@ -8626,7 +8776,7 @@
             </a:endParaRPr>
           </a:p>
           <a:p>
-            <a:pPr indent="0" lvl="0" marL="0" rtl="0" algn="l">
+            <a:pPr marL="0" lvl="0" indent="0" algn="l" rtl="0">
               <a:spcBef>
                 <a:spcPts val="0"/>
               </a:spcBef>
@@ -8635,9 +8785,6 @@
               </a:spcAft>
               <a:buNone/>
             </a:pPr>
-            <a:r>
-              <a:t/>
-            </a:r>
             <a:endParaRPr sz="800">
               <a:latin typeface="Roboto"/>
               <a:ea typeface="Roboto"/>
@@ -8646,7 +8793,7 @@
             </a:endParaRPr>
           </a:p>
           <a:p>
-            <a:pPr indent="0" lvl="0" marL="0" rtl="0" algn="l">
+            <a:pPr marL="0" lvl="0" indent="0" algn="l" rtl="0">
               <a:spcBef>
                 <a:spcPts val="0"/>
               </a:spcBef>
@@ -8693,12 +8840,12 @@
           </a:ln>
         </p:spPr>
         <p:txBody>
-          <a:bodyPr anchorCtr="0" anchor="t" bIns="91425" lIns="91425" spcFirstLastPara="1" rIns="91425" wrap="square" tIns="91425">
+          <a:bodyPr spcFirstLastPara="1" wrap="square" lIns="91425" tIns="91425" rIns="91425" bIns="91425" anchor="t" anchorCtr="0">
             <a:noAutofit/>
           </a:bodyPr>
           <a:lstStyle/>
           <a:p>
-            <a:pPr indent="0" lvl="0" marL="0" rtl="0" algn="l">
+            <a:pPr marL="0" lvl="0" indent="0" algn="l" rtl="0">
               <a:spcBef>
                 <a:spcPts val="0"/>
               </a:spcBef>
@@ -8708,7 +8855,7 @@
               <a:buNone/>
             </a:pPr>
             <a:r>
-              <a:rPr b="1" lang="en" sz="1800">
+              <a:rPr lang="en" sz="1800" b="1">
                 <a:latin typeface="Roboto"/>
                 <a:ea typeface="Roboto"/>
                 <a:cs typeface="Roboto"/>
@@ -8716,7 +8863,7 @@
               </a:rPr>
               <a:t>Use Case 5 Title</a:t>
             </a:r>
-            <a:endParaRPr b="1" sz="1800">
+            <a:endParaRPr sz="1800" b="1">
               <a:latin typeface="Roboto"/>
               <a:ea typeface="Roboto"/>
               <a:cs typeface="Roboto"/>
@@ -8724,7 +8871,7 @@
             </a:endParaRPr>
           </a:p>
           <a:p>
-            <a:pPr indent="0" lvl="0" marL="0" rtl="0" algn="l">
+            <a:pPr marL="0" lvl="0" indent="0" algn="l" rtl="0">
               <a:spcBef>
                 <a:spcPts val="0"/>
               </a:spcBef>
@@ -8733,9 +8880,6 @@
               </a:spcAft>
               <a:buNone/>
             </a:pPr>
-            <a:r>
-              <a:t/>
-            </a:r>
             <a:endParaRPr sz="800">
               <a:latin typeface="Roboto"/>
               <a:ea typeface="Roboto"/>
@@ -8744,7 +8888,7 @@
             </a:endParaRPr>
           </a:p>
           <a:p>
-            <a:pPr indent="0" lvl="0" marL="0" rtl="0" algn="l">
+            <a:pPr marL="0" lvl="0" indent="0" algn="l" rtl="0">
               <a:spcBef>
                 <a:spcPts val="0"/>
               </a:spcBef>
@@ -8780,11 +8924,11 @@
 </file>
 
 <file path=ppt/slides/slide4.xml><?xml version="1.0" encoding="utf-8"?>
-<p:sld xmlns:a="http://schemas.openxmlformats.org/drawingml/2006/main" xmlns:r="http://schemas.openxmlformats.org/officeDocument/2006/relationships" xmlns:mc="http://schemas.openxmlformats.org/markup-compatibility/2006" xmlns:mv="urn:schemas-microsoft-com:mac:vml" xmlns:p="http://schemas.openxmlformats.org/presentationml/2006/main" xmlns:c="http://schemas.openxmlformats.org/drawingml/2006/chart" xmlns:dgm="http://schemas.openxmlformats.org/drawingml/2006/diagram" xmlns:o="urn:schemas-microsoft-com:office:office" xmlns:v="urn:schemas-microsoft-com:vml" xmlns:pvml="urn:schemas-microsoft-com:office:powerpoint" xmlns:com="http://schemas.openxmlformats.org/drawingml/2006/compatibility" xmlns:p14="http://schemas.microsoft.com/office/powerpoint/2010/main" xmlns:p15="http://schemas.microsoft.com/office/powerpoint/2012/main">
+<p:sld xmlns:a="http://schemas.openxmlformats.org/drawingml/2006/main" xmlns:r="http://schemas.openxmlformats.org/officeDocument/2006/relationships" xmlns:p="http://schemas.openxmlformats.org/presentationml/2006/main">
   <p:cSld>
     <p:spTree>
       <p:nvGrpSpPr>
-        <p:cNvPr id="87" name="Shape 87"/>
+        <p:cNvPr id="1" name="Shape 87"/>
         <p:cNvGrpSpPr/>
         <p:nvPr/>
       </p:nvGrpSpPr>
@@ -8799,7 +8943,9 @@
       <p:sp>
         <p:nvSpPr>
           <p:cNvPr id="88" name="Google Shape;88;p16"/>
-          <p:cNvSpPr txBox="1"/>
+          <p:cNvSpPr txBox="1">
+            <a:spLocks noGrp="1"/>
+          </p:cNvSpPr>
           <p:nvPr>
             <p:ph type="title"/>
           </p:nvPr>
@@ -8814,12 +8960,12 @@
           </a:prstGeom>
         </p:spPr>
         <p:txBody>
-          <a:bodyPr anchorCtr="0" anchor="t" bIns="91425" lIns="91425" spcFirstLastPara="1" rIns="91425" wrap="square" tIns="91425">
+          <a:bodyPr spcFirstLastPara="1" wrap="square" lIns="91425" tIns="91425" rIns="91425" bIns="91425" anchor="t" anchorCtr="0">
             <a:noAutofit/>
           </a:bodyPr>
           <a:lstStyle/>
           <a:p>
-            <a:pPr indent="0" lvl="0" marL="0" rtl="0" algn="l">
+            <a:pPr marL="0" lvl="0" indent="0" algn="l" rtl="0">
               <a:spcBef>
                 <a:spcPts val="0"/>
               </a:spcBef>
@@ -8851,14 +8997,14 @@
             <a:avLst/>
           </a:prstGeom>
           <a:noFill/>
-          <a:ln cap="flat" cmpd="sng" w="9525">
+          <a:ln w="9525" cap="flat" cmpd="sng">
             <a:solidFill>
               <a:srgbClr val="666666"/>
             </a:solidFill>
             <a:prstDash val="dash"/>
             <a:round/>
-            <a:headEnd len="med" w="med" type="none"/>
-            <a:tailEnd len="med" w="med" type="none"/>
+            <a:headEnd type="none" w="med" len="med"/>
+            <a:tailEnd type="none" w="med" len="med"/>
           </a:ln>
         </p:spPr>
       </p:cxnSp>
@@ -8869,7 +9015,7 @@
           <p:nvPr/>
         </p:nvCxnSpPr>
         <p:spPr>
-          <a:xfrm flipH="1" rot="10800000">
+          <a:xfrm rot="10800000" flipH="1">
             <a:off x="932525" y="3018950"/>
             <a:ext cx="4833600" cy="9300"/>
           </a:xfrm>
@@ -8877,14 +9023,14 @@
             <a:avLst/>
           </a:prstGeom>
           <a:noFill/>
-          <a:ln cap="flat" cmpd="sng" w="9525">
+          <a:ln w="9525" cap="flat" cmpd="sng">
             <a:solidFill>
               <a:srgbClr val="666666"/>
             </a:solidFill>
             <a:prstDash val="dash"/>
             <a:round/>
-            <a:headEnd len="med" w="med" type="none"/>
-            <a:tailEnd len="med" w="med" type="none"/>
+            <a:headEnd type="none" w="med" len="med"/>
+            <a:tailEnd type="none" w="med" len="med"/>
           </a:ln>
         </p:spPr>
       </p:cxnSp>
@@ -8908,12 +9054,12 @@
           </a:ln>
         </p:spPr>
         <p:txBody>
-          <a:bodyPr anchorCtr="0" anchor="t" bIns="91425" lIns="91425" spcFirstLastPara="1" rIns="91425" wrap="square" tIns="91425">
+          <a:bodyPr spcFirstLastPara="1" wrap="square" lIns="91425" tIns="91425" rIns="91425" bIns="91425" anchor="t" anchorCtr="0">
             <a:noAutofit/>
           </a:bodyPr>
           <a:lstStyle/>
           <a:p>
-            <a:pPr indent="0" lvl="0" marL="0" rtl="0" algn="l">
+            <a:pPr marL="0" lvl="0" indent="0" algn="l" rtl="0">
               <a:spcBef>
                 <a:spcPts val="0"/>
               </a:spcBef>
@@ -8923,7 +9069,7 @@
               <a:buNone/>
             </a:pPr>
             <a:r>
-              <a:rPr b="1" lang="en" sz="1800">
+              <a:rPr lang="en" sz="1800" b="1">
                 <a:latin typeface="Roboto"/>
                 <a:ea typeface="Roboto"/>
                 <a:cs typeface="Roboto"/>
@@ -8931,7 +9077,7 @@
               </a:rPr>
               <a:t>Key criteria assessed</a:t>
             </a:r>
-            <a:endParaRPr b="1" sz="1800">
+            <a:endParaRPr sz="1800" b="1">
               <a:latin typeface="Roboto"/>
               <a:ea typeface="Roboto"/>
               <a:cs typeface="Roboto"/>
@@ -8939,7 +9085,7 @@
             </a:endParaRPr>
           </a:p>
           <a:p>
-            <a:pPr indent="0" lvl="0" marL="0" rtl="0" algn="l">
+            <a:pPr marL="0" lvl="0" indent="0" algn="l" rtl="0">
               <a:spcBef>
                 <a:spcPts val="0"/>
               </a:spcBef>
@@ -8948,10 +9094,7 @@
               </a:spcAft>
               <a:buNone/>
             </a:pPr>
-            <a:r>
-              <a:t/>
-            </a:r>
-            <a:endParaRPr b="1" sz="1000">
+            <a:endParaRPr sz="1000" b="1">
               <a:latin typeface="Roboto"/>
               <a:ea typeface="Roboto"/>
               <a:cs typeface="Roboto"/>
@@ -8959,7 +9102,7 @@
             </a:endParaRPr>
           </a:p>
           <a:p>
-            <a:pPr indent="-342900" lvl="0" marL="457200" rtl="0" algn="l">
+            <a:pPr marL="457200" lvl="0" indent="-342900" algn="l" rtl="0">
               <a:spcBef>
                 <a:spcPts val="0"/>
               </a:spcBef>
@@ -8995,7 +9138,7 @@
             </a:endParaRPr>
           </a:p>
           <a:p>
-            <a:pPr indent="-317500" lvl="0" marL="457200" rtl="0" algn="l">
+            <a:pPr marL="457200" lvl="0" indent="-317500" algn="l" rtl="0">
               <a:spcBef>
                 <a:spcPts val="0"/>
               </a:spcBef>
@@ -9031,7 +9174,7 @@
             </a:endParaRPr>
           </a:p>
           <a:p>
-            <a:pPr indent="-317500" lvl="0" marL="457200" rtl="0" algn="l">
+            <a:pPr marL="457200" lvl="0" indent="-317500" algn="l" rtl="0">
               <a:spcBef>
                 <a:spcPts val="0"/>
               </a:spcBef>
@@ -9067,7 +9210,7 @@
             </a:endParaRPr>
           </a:p>
           <a:p>
-            <a:pPr indent="-317500" lvl="0" marL="457200" rtl="0" algn="l">
+            <a:pPr marL="457200" lvl="0" indent="-317500" algn="l" rtl="0">
               <a:spcBef>
                 <a:spcPts val="0"/>
               </a:spcBef>
@@ -9103,7 +9246,7 @@
             </a:endParaRPr>
           </a:p>
           <a:p>
-            <a:pPr indent="-317500" lvl="0" marL="457200" rtl="0" algn="l">
+            <a:pPr marL="457200" lvl="0" indent="-317500" algn="l" rtl="0">
               <a:spcBef>
                 <a:spcPts val="0"/>
               </a:spcBef>
@@ -9149,23 +9292,23 @@
           <a:solidFill>
             <a:schemeClr val="lt2"/>
           </a:solidFill>
-          <a:ln cap="flat" cmpd="sng" w="9525">
+          <a:ln w="9525" cap="flat" cmpd="sng">
             <a:solidFill>
               <a:schemeClr val="dk2"/>
             </a:solidFill>
             <a:prstDash val="solid"/>
             <a:round/>
-            <a:headEnd len="sm" w="sm" type="none"/>
-            <a:tailEnd len="sm" w="sm" type="none"/>
+            <a:headEnd type="none" w="sm" len="sm"/>
+            <a:tailEnd type="none" w="sm" len="sm"/>
           </a:ln>
         </p:spPr>
         <p:txBody>
-          <a:bodyPr anchorCtr="0" anchor="ctr" bIns="0" lIns="0" spcFirstLastPara="1" rIns="0" wrap="square" tIns="0">
+          <a:bodyPr spcFirstLastPara="1" wrap="square" lIns="0" tIns="0" rIns="0" bIns="0" anchor="ctr" anchorCtr="0">
             <a:noAutofit/>
           </a:bodyPr>
           <a:lstStyle/>
           <a:p>
-            <a:pPr indent="0" lvl="0" marL="0" rtl="0" algn="ctr">
+            <a:pPr marL="0" lvl="0" indent="0" algn="ctr" rtl="0">
               <a:spcBef>
                 <a:spcPts val="0"/>
               </a:spcBef>
@@ -9222,23 +9365,23 @@
           <a:solidFill>
             <a:schemeClr val="lt2"/>
           </a:solidFill>
-          <a:ln cap="flat" cmpd="sng" w="9525">
+          <a:ln w="9525" cap="flat" cmpd="sng">
             <a:solidFill>
               <a:schemeClr val="dk2"/>
             </a:solidFill>
             <a:prstDash val="solid"/>
             <a:round/>
-            <a:headEnd len="sm" w="sm" type="none"/>
-            <a:tailEnd len="sm" w="sm" type="none"/>
+            <a:headEnd type="none" w="sm" len="sm"/>
+            <a:tailEnd type="none" w="sm" len="sm"/>
           </a:ln>
         </p:spPr>
         <p:txBody>
-          <a:bodyPr anchorCtr="0" anchor="ctr" bIns="0" lIns="0" spcFirstLastPara="1" rIns="0" wrap="square" tIns="0">
+          <a:bodyPr spcFirstLastPara="1" wrap="square" lIns="0" tIns="0" rIns="0" bIns="0" anchor="ctr" anchorCtr="0">
             <a:noAutofit/>
           </a:bodyPr>
           <a:lstStyle/>
           <a:p>
-            <a:pPr indent="0" lvl="0" marL="0" rtl="0" algn="ctr">
+            <a:pPr marL="0" lvl="0" indent="0" algn="ctr" rtl="0">
               <a:spcBef>
                 <a:spcPts val="0"/>
               </a:spcBef>
@@ -9295,23 +9438,23 @@
           <a:solidFill>
             <a:schemeClr val="lt2"/>
           </a:solidFill>
-          <a:ln cap="flat" cmpd="sng" w="9525">
+          <a:ln w="9525" cap="flat" cmpd="sng">
             <a:solidFill>
               <a:schemeClr val="dk2"/>
             </a:solidFill>
             <a:prstDash val="solid"/>
             <a:round/>
-            <a:headEnd len="sm" w="sm" type="none"/>
-            <a:tailEnd len="sm" w="sm" type="none"/>
+            <a:headEnd type="none" w="sm" len="sm"/>
+            <a:tailEnd type="none" w="sm" len="sm"/>
           </a:ln>
         </p:spPr>
         <p:txBody>
-          <a:bodyPr anchorCtr="0" anchor="ctr" bIns="0" lIns="0" spcFirstLastPara="1" rIns="0" wrap="square" tIns="0">
+          <a:bodyPr spcFirstLastPara="1" wrap="square" lIns="0" tIns="0" rIns="0" bIns="0" anchor="ctr" anchorCtr="0">
             <a:noAutofit/>
           </a:bodyPr>
           <a:lstStyle/>
           <a:p>
-            <a:pPr indent="0" lvl="0" marL="0" rtl="0" algn="ctr">
+            <a:pPr marL="0" lvl="0" indent="0" algn="ctr" rtl="0">
               <a:spcBef>
                 <a:spcPts val="0"/>
               </a:spcBef>
@@ -9368,23 +9511,23 @@
           <a:solidFill>
             <a:schemeClr val="lt2"/>
           </a:solidFill>
-          <a:ln cap="flat" cmpd="sng" w="9525">
+          <a:ln w="9525" cap="flat" cmpd="sng">
             <a:solidFill>
               <a:schemeClr val="dk2"/>
             </a:solidFill>
             <a:prstDash val="solid"/>
             <a:round/>
-            <a:headEnd len="sm" w="sm" type="none"/>
-            <a:tailEnd len="sm" w="sm" type="none"/>
+            <a:headEnd type="none" w="sm" len="sm"/>
+            <a:tailEnd type="none" w="sm" len="sm"/>
           </a:ln>
         </p:spPr>
         <p:txBody>
-          <a:bodyPr anchorCtr="0" anchor="ctr" bIns="0" lIns="0" spcFirstLastPara="1" rIns="0" wrap="square" tIns="0">
+          <a:bodyPr spcFirstLastPara="1" wrap="square" lIns="0" tIns="0" rIns="0" bIns="0" anchor="ctr" anchorCtr="0">
             <a:noAutofit/>
           </a:bodyPr>
           <a:lstStyle/>
           <a:p>
-            <a:pPr indent="0" lvl="0" marL="0" rtl="0" algn="ctr">
+            <a:pPr marL="0" lvl="0" indent="0" algn="ctr" rtl="0">
               <a:spcBef>
                 <a:spcPts val="0"/>
               </a:spcBef>
@@ -9441,23 +9584,23 @@
           <a:solidFill>
             <a:schemeClr val="lt2"/>
           </a:solidFill>
-          <a:ln cap="flat" cmpd="sng" w="9525">
+          <a:ln w="9525" cap="flat" cmpd="sng">
             <a:solidFill>
               <a:schemeClr val="dk2"/>
             </a:solidFill>
             <a:prstDash val="solid"/>
             <a:round/>
-            <a:headEnd len="sm" w="sm" type="none"/>
-            <a:tailEnd len="sm" w="sm" type="none"/>
+            <a:headEnd type="none" w="sm" len="sm"/>
+            <a:tailEnd type="none" w="sm" len="sm"/>
           </a:ln>
         </p:spPr>
         <p:txBody>
-          <a:bodyPr anchorCtr="0" anchor="ctr" bIns="0" lIns="0" spcFirstLastPara="1" rIns="0" wrap="square" tIns="0">
+          <a:bodyPr spcFirstLastPara="1" wrap="square" lIns="0" tIns="0" rIns="0" bIns="0" anchor="ctr" anchorCtr="0">
             <a:noAutofit/>
           </a:bodyPr>
           <a:lstStyle/>
           <a:p>
-            <a:pPr indent="0" lvl="0" marL="0" rtl="0" algn="ctr">
+            <a:pPr marL="0" lvl="0" indent="0" algn="ctr" rtl="0">
               <a:spcBef>
                 <a:spcPts val="0"/>
               </a:spcBef>
@@ -9514,23 +9657,23 @@
           <a:solidFill>
             <a:schemeClr val="lt2"/>
           </a:solidFill>
-          <a:ln cap="flat" cmpd="sng" w="9525">
+          <a:ln w="9525" cap="flat" cmpd="sng">
             <a:solidFill>
               <a:schemeClr val="dk2"/>
             </a:solidFill>
             <a:prstDash val="solid"/>
             <a:round/>
-            <a:headEnd len="sm" w="sm" type="none"/>
-            <a:tailEnd len="sm" w="sm" type="none"/>
+            <a:headEnd type="none" w="sm" len="sm"/>
+            <a:tailEnd type="none" w="sm" len="sm"/>
           </a:ln>
         </p:spPr>
         <p:txBody>
-          <a:bodyPr anchorCtr="0" anchor="ctr" bIns="0" lIns="0" spcFirstLastPara="1" rIns="0" wrap="square" tIns="0">
+          <a:bodyPr spcFirstLastPara="1" wrap="square" lIns="0" tIns="0" rIns="0" bIns="0" anchor="ctr" anchorCtr="0">
             <a:noAutofit/>
           </a:bodyPr>
           <a:lstStyle/>
           <a:p>
-            <a:pPr indent="0" lvl="0" marL="0" rtl="0" algn="ctr">
+            <a:pPr marL="0" lvl="0" indent="0" algn="ctr" rtl="0">
               <a:spcBef>
                 <a:spcPts val="0"/>
               </a:spcBef>
@@ -9587,23 +9730,23 @@
           <a:solidFill>
             <a:schemeClr val="lt2"/>
           </a:solidFill>
-          <a:ln cap="flat" cmpd="sng" w="9525">
+          <a:ln w="9525" cap="flat" cmpd="sng">
             <a:solidFill>
               <a:schemeClr val="dk2"/>
             </a:solidFill>
             <a:prstDash val="solid"/>
             <a:round/>
-            <a:headEnd len="sm" w="sm" type="none"/>
-            <a:tailEnd len="sm" w="sm" type="none"/>
+            <a:headEnd type="none" w="sm" len="sm"/>
+            <a:tailEnd type="none" w="sm" len="sm"/>
           </a:ln>
         </p:spPr>
         <p:txBody>
-          <a:bodyPr anchorCtr="0" anchor="ctr" bIns="0" lIns="0" spcFirstLastPara="1" rIns="0" wrap="square" tIns="0">
+          <a:bodyPr spcFirstLastPara="1" wrap="square" lIns="0" tIns="0" rIns="0" bIns="0" anchor="ctr" anchorCtr="0">
             <a:noAutofit/>
           </a:bodyPr>
           <a:lstStyle/>
           <a:p>
-            <a:pPr indent="0" lvl="0" marL="0" rtl="0" algn="ctr">
+            <a:pPr marL="0" lvl="0" indent="0" algn="ctr" rtl="0">
               <a:spcBef>
                 <a:spcPts val="0"/>
               </a:spcBef>
@@ -9660,23 +9803,23 @@
           <a:solidFill>
             <a:schemeClr val="lt2"/>
           </a:solidFill>
-          <a:ln cap="flat" cmpd="sng" w="9525">
+          <a:ln w="9525" cap="flat" cmpd="sng">
             <a:solidFill>
               <a:schemeClr val="dk2"/>
             </a:solidFill>
             <a:prstDash val="solid"/>
             <a:round/>
-            <a:headEnd len="sm" w="sm" type="none"/>
-            <a:tailEnd len="sm" w="sm" type="none"/>
+            <a:headEnd type="none" w="sm" len="sm"/>
+            <a:tailEnd type="none" w="sm" len="sm"/>
           </a:ln>
         </p:spPr>
         <p:txBody>
-          <a:bodyPr anchorCtr="0" anchor="ctr" bIns="0" lIns="0" spcFirstLastPara="1" rIns="0" wrap="square" tIns="0">
+          <a:bodyPr spcFirstLastPara="1" wrap="square" lIns="0" tIns="0" rIns="0" bIns="0" anchor="ctr" anchorCtr="0">
             <a:noAutofit/>
           </a:bodyPr>
           <a:lstStyle/>
           <a:p>
-            <a:pPr indent="0" lvl="0" marL="0" rtl="0" algn="ctr">
+            <a:pPr marL="0" lvl="0" indent="0" algn="ctr" rtl="0">
               <a:spcBef>
                 <a:spcPts val="0"/>
               </a:spcBef>
@@ -9733,23 +9876,23 @@
           <a:solidFill>
             <a:schemeClr val="lt2"/>
           </a:solidFill>
-          <a:ln cap="flat" cmpd="sng" w="9525">
+          <a:ln w="9525" cap="flat" cmpd="sng">
             <a:solidFill>
               <a:schemeClr val="dk2"/>
             </a:solidFill>
             <a:prstDash val="solid"/>
             <a:round/>
-            <a:headEnd len="sm" w="sm" type="none"/>
-            <a:tailEnd len="sm" w="sm" type="none"/>
+            <a:headEnd type="none" w="sm" len="sm"/>
+            <a:tailEnd type="none" w="sm" len="sm"/>
           </a:ln>
         </p:spPr>
         <p:txBody>
-          <a:bodyPr anchorCtr="0" anchor="ctr" bIns="0" lIns="0" spcFirstLastPara="1" rIns="0" wrap="square" tIns="0">
+          <a:bodyPr spcFirstLastPara="1" wrap="square" lIns="0" tIns="0" rIns="0" bIns="0" anchor="ctr" anchorCtr="0">
             <a:noAutofit/>
           </a:bodyPr>
           <a:lstStyle/>
           <a:p>
-            <a:pPr indent="0" lvl="0" marL="0" rtl="0" algn="ctr">
+            <a:pPr marL="0" lvl="0" indent="0" algn="ctr" rtl="0">
               <a:spcBef>
                 <a:spcPts val="0"/>
               </a:spcBef>
@@ -9795,7 +9938,7 @@
             </a:endParaRPr>
           </a:p>
           <a:p>
-            <a:pPr indent="0" lvl="0" marL="0" rtl="0" algn="l">
+            <a:pPr marL="0" lvl="0" indent="0" algn="l" rtl="0">
               <a:spcBef>
                 <a:spcPts val="0"/>
               </a:spcBef>
@@ -9804,9 +9947,6 @@
               </a:spcAft>
               <a:buNone/>
             </a:pPr>
-            <a:r>
-              <a:t/>
-            </a:r>
             <a:endParaRPr sz="900">
               <a:solidFill>
                 <a:srgbClr val="FFFFFF"/>
@@ -9832,23 +9972,23 @@
           <a:solidFill>
             <a:schemeClr val="lt2"/>
           </a:solidFill>
-          <a:ln cap="flat" cmpd="sng" w="9525">
+          <a:ln w="9525" cap="flat" cmpd="sng">
             <a:solidFill>
               <a:schemeClr val="dk2"/>
             </a:solidFill>
             <a:prstDash val="solid"/>
             <a:round/>
-            <a:headEnd len="sm" w="sm" type="none"/>
-            <a:tailEnd len="sm" w="sm" type="none"/>
+            <a:headEnd type="none" w="sm" len="sm"/>
+            <a:tailEnd type="none" w="sm" len="sm"/>
           </a:ln>
         </p:spPr>
         <p:txBody>
-          <a:bodyPr anchorCtr="0" anchor="ctr" bIns="0" lIns="0" spcFirstLastPara="1" rIns="0" wrap="square" tIns="0">
+          <a:bodyPr spcFirstLastPara="1" wrap="square" lIns="0" tIns="0" rIns="0" bIns="0" anchor="ctr" anchorCtr="0">
             <a:noAutofit/>
           </a:bodyPr>
           <a:lstStyle/>
           <a:p>
-            <a:pPr indent="0" lvl="0" marL="0" rtl="0" algn="ctr">
+            <a:pPr marL="0" lvl="0" indent="0" algn="ctr" rtl="0">
               <a:spcBef>
                 <a:spcPts val="0"/>
               </a:spcBef>
@@ -9894,7 +10034,7 @@
             </a:endParaRPr>
           </a:p>
           <a:p>
-            <a:pPr indent="0" lvl="0" marL="0" rtl="0" algn="l">
+            <a:pPr marL="0" lvl="0" indent="0" algn="l" rtl="0">
               <a:spcBef>
                 <a:spcPts val="0"/>
               </a:spcBef>
@@ -9903,9 +10043,6 @@
               </a:spcAft>
               <a:buNone/>
             </a:pPr>
-            <a:r>
-              <a:t/>
-            </a:r>
             <a:endParaRPr sz="900">
               <a:solidFill>
                 <a:srgbClr val="FFFFFF"/>
@@ -9929,14 +10066,14 @@
             <a:avLst/>
           </a:prstGeom>
           <a:noFill/>
-          <a:ln cap="flat" cmpd="sng" w="9525">
+          <a:ln w="9525" cap="flat" cmpd="sng">
             <a:solidFill>
               <a:srgbClr val="0B5394"/>
             </a:solidFill>
             <a:prstDash val="solid"/>
             <a:round/>
-            <a:headEnd len="med" w="med" type="none"/>
-            <a:tailEnd len="med" w="med" type="none"/>
+            <a:headEnd type="none" w="med" len="med"/>
+            <a:tailEnd type="none" w="med" len="med"/>
           </a:ln>
         </p:spPr>
       </p:cxnSp>
@@ -9955,14 +10092,14 @@
             <a:avLst/>
           </a:prstGeom>
           <a:noFill/>
-          <a:ln cap="flat" cmpd="sng" w="9525">
+          <a:ln w="9525" cap="flat" cmpd="sng">
             <a:solidFill>
               <a:srgbClr val="0B5394"/>
             </a:solidFill>
             <a:prstDash val="solid"/>
             <a:round/>
-            <a:headEnd len="med" w="med" type="none"/>
-            <a:tailEnd len="med" w="med" type="none"/>
+            <a:headEnd type="none" w="med" len="med"/>
+            <a:tailEnd type="none" w="med" len="med"/>
           </a:ln>
         </p:spPr>
       </p:cxnSp>
@@ -9986,12 +10123,12 @@
           </a:ln>
         </p:spPr>
         <p:txBody>
-          <a:bodyPr anchorCtr="0" anchor="t" bIns="91425" lIns="91425" spcFirstLastPara="1" rIns="91425" wrap="square" tIns="91425">
+          <a:bodyPr spcFirstLastPara="1" wrap="square" lIns="91425" tIns="91425" rIns="91425" bIns="91425" anchor="t" anchorCtr="0">
             <a:noAutofit/>
           </a:bodyPr>
           <a:lstStyle/>
           <a:p>
-            <a:pPr indent="0" lvl="0" marL="0" rtl="0" algn="l">
+            <a:pPr marL="0" lvl="0" indent="0" algn="l" rtl="0">
               <a:spcBef>
                 <a:spcPts val="0"/>
               </a:spcBef>
@@ -10001,7 +10138,7 @@
               <a:buNone/>
             </a:pPr>
             <a:r>
-              <a:rPr b="1" lang="en">
+              <a:rPr lang="en" b="1">
                 <a:latin typeface="Roboto"/>
                 <a:ea typeface="Roboto"/>
                 <a:cs typeface="Roboto"/>
@@ -10038,12 +10175,12 @@
           </a:ln>
         </p:spPr>
         <p:txBody>
-          <a:bodyPr anchorCtr="0" anchor="t" bIns="91425" lIns="91425" spcFirstLastPara="1" rIns="91425" wrap="square" tIns="91425">
+          <a:bodyPr spcFirstLastPara="1" wrap="square" lIns="91425" tIns="91425" rIns="91425" bIns="91425" anchor="t" anchorCtr="0">
             <a:noAutofit/>
           </a:bodyPr>
           <a:lstStyle/>
           <a:p>
-            <a:pPr indent="0" lvl="0" marL="0" rtl="0" algn="ctr">
+            <a:pPr marL="0" lvl="0" indent="0" algn="ctr" rtl="0">
               <a:spcBef>
                 <a:spcPts val="0"/>
               </a:spcBef>
@@ -10053,7 +10190,7 @@
               <a:buNone/>
             </a:pPr>
             <a:r>
-              <a:rPr b="1" lang="en">
+              <a:rPr lang="en" b="1">
                 <a:latin typeface="Roboto"/>
                 <a:ea typeface="Roboto"/>
                 <a:cs typeface="Roboto"/>
@@ -10079,11 +10216,11 @@
 </file>
 
 <file path=ppt/slides/slide5.xml><?xml version="1.0" encoding="utf-8"?>
-<p:sld xmlns:a="http://schemas.openxmlformats.org/drawingml/2006/main" xmlns:r="http://schemas.openxmlformats.org/officeDocument/2006/relationships" xmlns:mc="http://schemas.openxmlformats.org/markup-compatibility/2006" xmlns:mv="urn:schemas-microsoft-com:mac:vml" xmlns:p="http://schemas.openxmlformats.org/presentationml/2006/main" xmlns:c="http://schemas.openxmlformats.org/drawingml/2006/chart" xmlns:dgm="http://schemas.openxmlformats.org/drawingml/2006/diagram" xmlns:o="urn:schemas-microsoft-com:office:office" xmlns:v="urn:schemas-microsoft-com:vml" xmlns:pvml="urn:schemas-microsoft-com:office:powerpoint" xmlns:com="http://schemas.openxmlformats.org/drawingml/2006/compatibility" xmlns:p14="http://schemas.microsoft.com/office/powerpoint/2010/main" xmlns:p15="http://schemas.microsoft.com/office/powerpoint/2012/main">
+<p:sld xmlns:a="http://schemas.openxmlformats.org/drawingml/2006/main" xmlns:r="http://schemas.openxmlformats.org/officeDocument/2006/relationships" xmlns:p="http://schemas.openxmlformats.org/presentationml/2006/main">
   <p:cSld>
     <p:spTree>
       <p:nvGrpSpPr>
-        <p:cNvPr id="109" name="Shape 109"/>
+        <p:cNvPr id="1" name="Shape 109"/>
         <p:cNvGrpSpPr/>
         <p:nvPr/>
       </p:nvGrpSpPr>
@@ -10098,7 +10235,9 @@
       <p:sp>
         <p:nvSpPr>
           <p:cNvPr id="110" name="Google Shape;110;p17"/>
-          <p:cNvSpPr txBox="1"/>
+          <p:cNvSpPr txBox="1">
+            <a:spLocks noGrp="1"/>
+          </p:cNvSpPr>
           <p:nvPr>
             <p:ph type="title"/>
           </p:nvPr>
@@ -10113,12 +10252,12 @@
           </a:prstGeom>
         </p:spPr>
         <p:txBody>
-          <a:bodyPr anchorCtr="0" anchor="t" bIns="91425" lIns="91425" spcFirstLastPara="1" rIns="91425" wrap="square" tIns="91425">
+          <a:bodyPr spcFirstLastPara="1" wrap="square" lIns="91425" tIns="91425" rIns="91425" bIns="91425" anchor="t" anchorCtr="0">
             <a:noAutofit/>
           </a:bodyPr>
           <a:lstStyle/>
           <a:p>
-            <a:pPr indent="0" lvl="0" marL="0" rtl="0" algn="l">
+            <a:pPr marL="0" lvl="0" indent="0" algn="l" rtl="0">
               <a:spcBef>
                 <a:spcPts val="0"/>
               </a:spcBef>
@@ -10150,14 +10289,14 @@
             <a:avLst/>
           </a:prstGeom>
           <a:noFill/>
-          <a:ln cap="flat" cmpd="sng" w="9525">
+          <a:ln w="9525" cap="flat" cmpd="sng">
             <a:solidFill>
               <a:schemeClr val="dk2"/>
             </a:solidFill>
             <a:prstDash val="solid"/>
             <a:round/>
-            <a:headEnd len="med" w="med" type="none"/>
-            <a:tailEnd len="med" w="med" type="none"/>
+            <a:headEnd type="none" w="med" len="med"/>
+            <a:tailEnd type="none" w="med" len="med"/>
           </a:ln>
         </p:spPr>
       </p:cxnSp>
@@ -10181,12 +10320,12 @@
           </a:ln>
         </p:spPr>
         <p:txBody>
-          <a:bodyPr anchorCtr="0" anchor="t" bIns="91425" lIns="91425" spcFirstLastPara="1" rIns="91425" wrap="square" tIns="91425">
+          <a:bodyPr spcFirstLastPara="1" wrap="square" lIns="91425" tIns="91425" rIns="91425" bIns="91425" anchor="t" anchorCtr="0">
             <a:noAutofit/>
           </a:bodyPr>
           <a:lstStyle/>
           <a:p>
-            <a:pPr indent="0" lvl="0" marL="0" rtl="0" algn="l">
+            <a:pPr marL="0" lvl="0" indent="0" algn="l" rtl="0">
               <a:spcBef>
                 <a:spcPts val="0"/>
               </a:spcBef>
@@ -10196,7 +10335,7 @@
               <a:buNone/>
             </a:pPr>
             <a:r>
-              <a:rPr b="1" lang="en" sz="1800">
+              <a:rPr lang="en" sz="1800" b="1">
                 <a:latin typeface="Roboto"/>
                 <a:ea typeface="Roboto"/>
                 <a:cs typeface="Roboto"/>
@@ -10204,7 +10343,7 @@
               </a:rPr>
               <a:t>Use Case Title</a:t>
             </a:r>
-            <a:endParaRPr b="1" sz="1800">
+            <a:endParaRPr sz="1800" b="1">
               <a:latin typeface="Roboto"/>
               <a:ea typeface="Roboto"/>
               <a:cs typeface="Roboto"/>
@@ -10212,7 +10351,7 @@
             </a:endParaRPr>
           </a:p>
           <a:p>
-            <a:pPr indent="0" lvl="0" marL="0" rtl="0" algn="l">
+            <a:pPr marL="0" lvl="0" indent="0" algn="l" rtl="0">
               <a:spcBef>
                 <a:spcPts val="0"/>
               </a:spcBef>
@@ -10221,9 +10360,6 @@
               </a:spcAft>
               <a:buNone/>
             </a:pPr>
-            <a:r>
-              <a:t/>
-            </a:r>
             <a:endParaRPr sz="800">
               <a:latin typeface="Roboto"/>
               <a:ea typeface="Roboto"/>
@@ -10232,7 +10368,7 @@
             </a:endParaRPr>
           </a:p>
           <a:p>
-            <a:pPr indent="0" lvl="0" marL="0" rtl="0" algn="l">
+            <a:pPr marL="0" lvl="0" indent="0" algn="l" rtl="0">
               <a:spcBef>
                 <a:spcPts val="0"/>
               </a:spcBef>
@@ -10258,7 +10394,7 @@
             </a:endParaRPr>
           </a:p>
           <a:p>
-            <a:pPr indent="0" lvl="0" marL="0" rtl="0" algn="l">
+            <a:pPr marL="0" lvl="0" indent="0" algn="l" rtl="0">
               <a:spcBef>
                 <a:spcPts val="0"/>
               </a:spcBef>
@@ -10284,7 +10420,7 @@
             </a:endParaRPr>
           </a:p>
           <a:p>
-            <a:pPr indent="0" lvl="0" marL="0" rtl="0" algn="l">
+            <a:pPr marL="0" lvl="0" indent="0" algn="l" rtl="0">
               <a:spcBef>
                 <a:spcPts val="0"/>
               </a:spcBef>
@@ -10310,7 +10446,7 @@
             </a:endParaRPr>
           </a:p>
           <a:p>
-            <a:pPr indent="0" lvl="0" marL="0" rtl="0" algn="l">
+            <a:pPr marL="0" lvl="0" indent="0" algn="l" rtl="0">
               <a:spcBef>
                 <a:spcPts val="0"/>
               </a:spcBef>
@@ -10319,9 +10455,6 @@
               </a:spcAft>
               <a:buNone/>
             </a:pPr>
-            <a:r>
-              <a:t/>
-            </a:r>
             <a:endParaRPr>
               <a:latin typeface="Roboto"/>
               <a:ea typeface="Roboto"/>
@@ -10351,12 +10484,12 @@
           </a:ln>
         </p:spPr>
         <p:txBody>
-          <a:bodyPr anchorCtr="0" anchor="t" bIns="91425" lIns="91425" spcFirstLastPara="1" rIns="91425" wrap="square" tIns="91425">
+          <a:bodyPr spcFirstLastPara="1" wrap="square" lIns="91425" tIns="91425" rIns="91425" bIns="91425" anchor="t" anchorCtr="0">
             <a:noAutofit/>
           </a:bodyPr>
           <a:lstStyle/>
           <a:p>
-            <a:pPr indent="0" lvl="0" marL="0" rtl="0" algn="l">
+            <a:pPr marL="0" lvl="0" indent="0" algn="l" rtl="0">
               <a:spcBef>
                 <a:spcPts val="0"/>
               </a:spcBef>
@@ -10366,7 +10499,7 @@
               <a:buNone/>
             </a:pPr>
             <a:r>
-              <a:rPr b="1" lang="en" sz="1800">
+              <a:rPr lang="en" sz="1800" b="1">
                 <a:latin typeface="Roboto"/>
                 <a:ea typeface="Roboto"/>
                 <a:cs typeface="Roboto"/>
@@ -10374,7 +10507,7 @@
               </a:rPr>
               <a:t>Use Case Title</a:t>
             </a:r>
-            <a:endParaRPr b="1" sz="1800">
+            <a:endParaRPr sz="1800" b="1">
               <a:latin typeface="Roboto"/>
               <a:ea typeface="Roboto"/>
               <a:cs typeface="Roboto"/>
@@ -10382,7 +10515,7 @@
             </a:endParaRPr>
           </a:p>
           <a:p>
-            <a:pPr indent="0" lvl="0" marL="0" rtl="0" algn="l">
+            <a:pPr marL="0" lvl="0" indent="0" algn="l" rtl="0">
               <a:spcBef>
                 <a:spcPts val="0"/>
               </a:spcBef>
@@ -10391,9 +10524,6 @@
               </a:spcAft>
               <a:buNone/>
             </a:pPr>
-            <a:r>
-              <a:t/>
-            </a:r>
             <a:endParaRPr sz="800">
               <a:latin typeface="Roboto"/>
               <a:ea typeface="Roboto"/>
@@ -10402,7 +10532,7 @@
             </a:endParaRPr>
           </a:p>
           <a:p>
-            <a:pPr indent="0" lvl="0" marL="0" rtl="0" algn="l">
+            <a:pPr marL="0" lvl="0" indent="0" algn="l" rtl="0">
               <a:spcBef>
                 <a:spcPts val="0"/>
               </a:spcBef>
@@ -10428,7 +10558,7 @@
             </a:endParaRPr>
           </a:p>
           <a:p>
-            <a:pPr indent="0" lvl="0" marL="0" rtl="0" algn="l">
+            <a:pPr marL="0" lvl="0" indent="0" algn="l" rtl="0">
               <a:spcBef>
                 <a:spcPts val="0"/>
               </a:spcBef>
@@ -10454,7 +10584,7 @@
             </a:endParaRPr>
           </a:p>
           <a:p>
-            <a:pPr indent="0" lvl="0" marL="0" rtl="0" algn="l">
+            <a:pPr marL="0" lvl="0" indent="0" algn="l" rtl="0">
               <a:spcBef>
                 <a:spcPts val="0"/>
               </a:spcBef>
@@ -10480,7 +10610,7 @@
             </a:endParaRPr>
           </a:p>
           <a:p>
-            <a:pPr indent="0" lvl="0" marL="0" rtl="0" algn="l">
+            <a:pPr marL="0" lvl="0" indent="0" algn="l" rtl="0">
               <a:spcBef>
                 <a:spcPts val="0"/>
               </a:spcBef>
@@ -10489,9 +10619,6 @@
               </a:spcAft>
               <a:buNone/>
             </a:pPr>
-            <a:r>
-              <a:t/>
-            </a:r>
             <a:endParaRPr>
               <a:latin typeface="Roboto"/>
               <a:ea typeface="Roboto"/>
@@ -10521,12 +10648,12 @@
           </a:ln>
         </p:spPr>
         <p:txBody>
-          <a:bodyPr anchorCtr="0" anchor="t" bIns="91425" lIns="91425" spcFirstLastPara="1" rIns="91425" wrap="square" tIns="91425">
+          <a:bodyPr spcFirstLastPara="1" wrap="square" lIns="91425" tIns="91425" rIns="91425" bIns="91425" anchor="t" anchorCtr="0">
             <a:noAutofit/>
           </a:bodyPr>
           <a:lstStyle/>
           <a:p>
-            <a:pPr indent="0" lvl="0" marL="0" rtl="0" algn="l">
+            <a:pPr marL="0" lvl="0" indent="0" algn="l" rtl="0">
               <a:spcBef>
                 <a:spcPts val="0"/>
               </a:spcBef>
@@ -10536,7 +10663,7 @@
               <a:buNone/>
             </a:pPr>
             <a:r>
-              <a:rPr i="1" lang="en" sz="1800">
+              <a:rPr lang="en" sz="1800" i="1">
                 <a:latin typeface="Roboto"/>
                 <a:ea typeface="Roboto"/>
                 <a:cs typeface="Roboto"/>
@@ -10544,7 +10671,7 @@
               </a:rPr>
               <a:t>By executing on these two projects I believe we can drive ___________ for our business by _______ and become a(n) _______ business.</a:t>
             </a:r>
-            <a:endParaRPr i="1" sz="1800">
+            <a:endParaRPr sz="1800" i="1">
               <a:latin typeface="Roboto"/>
               <a:ea typeface="Roboto"/>
               <a:cs typeface="Roboto"/>
@@ -10562,11 +10689,11 @@
 </file>
 
 <file path=ppt/slides/slide6.xml><?xml version="1.0" encoding="utf-8"?>
-<p:sld xmlns:a="http://schemas.openxmlformats.org/drawingml/2006/main" xmlns:r="http://schemas.openxmlformats.org/officeDocument/2006/relationships" xmlns:mc="http://schemas.openxmlformats.org/markup-compatibility/2006" xmlns:mv="urn:schemas-microsoft-com:mac:vml" xmlns:p="http://schemas.openxmlformats.org/presentationml/2006/main" xmlns:c="http://schemas.openxmlformats.org/drawingml/2006/chart" xmlns:dgm="http://schemas.openxmlformats.org/drawingml/2006/diagram" xmlns:o="urn:schemas-microsoft-com:office:office" xmlns:v="urn:schemas-microsoft-com:vml" xmlns:pvml="urn:schemas-microsoft-com:office:powerpoint" xmlns:com="http://schemas.openxmlformats.org/drawingml/2006/compatibility" xmlns:p14="http://schemas.microsoft.com/office/powerpoint/2010/main" xmlns:p15="http://schemas.microsoft.com/office/powerpoint/2012/main">
+<p:sld xmlns:a="http://schemas.openxmlformats.org/drawingml/2006/main" xmlns:r="http://schemas.openxmlformats.org/officeDocument/2006/relationships" xmlns:p="http://schemas.openxmlformats.org/presentationml/2006/main">
   <p:cSld>
     <p:spTree>
       <p:nvGrpSpPr>
-        <p:cNvPr id="118" name="Shape 118"/>
+        <p:cNvPr id="1" name="Shape 118"/>
         <p:cNvGrpSpPr/>
         <p:nvPr/>
       </p:nvGrpSpPr>
@@ -10581,7 +10708,9 @@
       <p:sp>
         <p:nvSpPr>
           <p:cNvPr id="119" name="Google Shape;119;p18"/>
-          <p:cNvSpPr txBox="1"/>
+          <p:cNvSpPr txBox="1">
+            <a:spLocks noGrp="1"/>
+          </p:cNvSpPr>
           <p:nvPr>
             <p:ph type="title"/>
           </p:nvPr>
@@ -10596,12 +10725,12 @@
           </a:prstGeom>
         </p:spPr>
         <p:txBody>
-          <a:bodyPr anchorCtr="0" anchor="t" bIns="91425" lIns="91425" spcFirstLastPara="1" rIns="91425" wrap="square" tIns="91425">
+          <a:bodyPr spcFirstLastPara="1" wrap="square" lIns="91425" tIns="91425" rIns="91425" bIns="91425" anchor="t" anchorCtr="0">
             <a:noAutofit/>
           </a:bodyPr>
           <a:lstStyle/>
           <a:p>
-            <a:pPr indent="0" lvl="0" marL="0" rtl="0" algn="l">
+            <a:pPr marL="0" lvl="0" indent="0" algn="l" rtl="0">
               <a:spcBef>
                 <a:spcPts val="0"/>
               </a:spcBef>
@@ -10628,7 +10757,7 @@
           <a:blip r:embed="rId3">
             <a:alphaModFix/>
           </a:blip>
-          <a:srcRect b="0" l="0" r="20534" t="0"/>
+          <a:srcRect r="20534"/>
           <a:stretch/>
         </p:blipFill>
         <p:spPr>
@@ -10660,14 +10789,14 @@
             <a:avLst/>
           </a:prstGeom>
           <a:noFill/>
-          <a:ln cap="flat" cmpd="sng" w="9525">
+          <a:ln w="9525" cap="flat" cmpd="sng">
             <a:solidFill>
               <a:schemeClr val="dk2"/>
             </a:solidFill>
             <a:prstDash val="solid"/>
             <a:round/>
-            <a:headEnd len="med" w="med" type="none"/>
-            <a:tailEnd len="med" w="med" type="none"/>
+            <a:headEnd type="none" w="med" len="med"/>
+            <a:tailEnd type="none" w="med" len="med"/>
           </a:ln>
         </p:spPr>
       </p:cxnSp>
@@ -10691,12 +10820,12 @@
           </a:ln>
         </p:spPr>
         <p:txBody>
-          <a:bodyPr anchorCtr="0" anchor="t" bIns="91425" lIns="91425" spcFirstLastPara="1" rIns="91425" wrap="square" tIns="91425">
+          <a:bodyPr spcFirstLastPara="1" wrap="square" lIns="91425" tIns="91425" rIns="91425" bIns="91425" anchor="t" anchorCtr="0">
             <a:noAutofit/>
           </a:bodyPr>
           <a:lstStyle/>
           <a:p>
-            <a:pPr indent="0" lvl="0" marL="0" rtl="0" algn="l">
+            <a:pPr marL="0" lvl="0" indent="0" algn="l" rtl="0">
               <a:spcBef>
                 <a:spcPts val="0"/>
               </a:spcBef>
@@ -10706,7 +10835,7 @@
               <a:buNone/>
             </a:pPr>
             <a:r>
-              <a:rPr b="1" lang="en" sz="1800">
+              <a:rPr lang="en" sz="1800" b="1">
                 <a:latin typeface="Roboto"/>
                 <a:ea typeface="Roboto"/>
                 <a:cs typeface="Roboto"/>
@@ -10743,12 +10872,12 @@
           </a:ln>
         </p:spPr>
         <p:txBody>
-          <a:bodyPr anchorCtr="0" anchor="t" bIns="91425" lIns="91425" spcFirstLastPara="1" rIns="91425" wrap="square" tIns="91425">
+          <a:bodyPr spcFirstLastPara="1" wrap="square" lIns="91425" tIns="91425" rIns="91425" bIns="91425" anchor="t" anchorCtr="0">
             <a:noAutofit/>
           </a:bodyPr>
           <a:lstStyle/>
           <a:p>
-            <a:pPr indent="0" lvl="0" marL="0" rtl="0" algn="l">
+            <a:pPr marL="0" lvl="0" indent="0" algn="l" rtl="0">
               <a:spcBef>
                 <a:spcPts val="0"/>
               </a:spcBef>
@@ -10758,7 +10887,7 @@
               <a:buNone/>
             </a:pPr>
             <a:r>
-              <a:rPr b="1" lang="en" sz="1800">
+              <a:rPr lang="en" sz="1800" b="1">
                 <a:latin typeface="Roboto"/>
                 <a:ea typeface="Roboto"/>
                 <a:cs typeface="Roboto"/>
@@ -10774,7 +10903,7 @@
             </a:endParaRPr>
           </a:p>
           <a:p>
-            <a:pPr indent="-317500" lvl="0" marL="457200" rtl="0" algn="l">
+            <a:pPr marL="457200" lvl="0" indent="-317500" algn="l" rtl="0">
               <a:spcBef>
                 <a:spcPts val="0"/>
               </a:spcBef>
@@ -10802,7 +10931,7 @@
             </a:endParaRPr>
           </a:p>
           <a:p>
-            <a:pPr indent="-317500" lvl="0" marL="457200" rtl="0" algn="l">
+            <a:pPr marL="457200" lvl="0" indent="-317500" algn="l" rtl="0">
               <a:spcBef>
                 <a:spcPts val="0"/>
               </a:spcBef>
@@ -10830,7 +10959,7 @@
             </a:endParaRPr>
           </a:p>
           <a:p>
-            <a:pPr indent="-317500" lvl="0" marL="457200" rtl="0" algn="l">
+            <a:pPr marL="457200" lvl="0" indent="-317500" algn="l" rtl="0">
               <a:spcBef>
                 <a:spcPts val="0"/>
               </a:spcBef>
@@ -10858,7 +10987,7 @@
             </a:endParaRPr>
           </a:p>
           <a:p>
-            <a:pPr indent="-317500" lvl="0" marL="457200" rtl="0" algn="l">
+            <a:pPr marL="457200" lvl="0" indent="-317500" algn="l" rtl="0">
               <a:spcBef>
                 <a:spcPts val="0"/>
               </a:spcBef>
@@ -10907,12 +11036,12 @@
           </a:ln>
         </p:spPr>
         <p:txBody>
-          <a:bodyPr anchorCtr="0" anchor="t" bIns="91425" lIns="91425" spcFirstLastPara="1" rIns="91425" wrap="square" tIns="91425">
+          <a:bodyPr spcFirstLastPara="1" wrap="square" lIns="91425" tIns="91425" rIns="91425" bIns="91425" anchor="t" anchorCtr="0">
             <a:noAutofit/>
           </a:bodyPr>
           <a:lstStyle/>
           <a:p>
-            <a:pPr indent="0" lvl="0" marL="0" rtl="0" algn="l">
+            <a:pPr marL="0" lvl="0" indent="0" algn="l" rtl="0">
               <a:spcBef>
                 <a:spcPts val="0"/>
               </a:spcBef>
@@ -10922,7 +11051,7 @@
               <a:buNone/>
             </a:pPr>
             <a:r>
-              <a:rPr b="1" lang="en" sz="1800">
+              <a:rPr lang="en" sz="1800" b="1">
                 <a:latin typeface="Roboto"/>
                 <a:ea typeface="Roboto"/>
                 <a:cs typeface="Roboto"/>
@@ -10938,7 +11067,7 @@
             </a:endParaRPr>
           </a:p>
           <a:p>
-            <a:pPr indent="-317500" lvl="0" marL="457200" rtl="0" algn="l">
+            <a:pPr marL="457200" lvl="0" indent="-317500" algn="l" rtl="0">
               <a:spcBef>
                 <a:spcPts val="0"/>
               </a:spcBef>
@@ -10966,7 +11095,7 @@
             </a:endParaRPr>
           </a:p>
           <a:p>
-            <a:pPr indent="-317500" lvl="0" marL="457200" rtl="0" algn="l">
+            <a:pPr marL="457200" lvl="0" indent="-317500" algn="l" rtl="0">
               <a:spcBef>
                 <a:spcPts val="0"/>
               </a:spcBef>
@@ -10994,7 +11123,7 @@
             </a:endParaRPr>
           </a:p>
           <a:p>
-            <a:pPr indent="-317500" lvl="0" marL="457200" rtl="0" algn="l">
+            <a:pPr marL="457200" lvl="0" indent="-317500" algn="l" rtl="0">
               <a:spcBef>
                 <a:spcPts val="0"/>
               </a:spcBef>
@@ -11022,7 +11151,7 @@
             </a:endParaRPr>
           </a:p>
           <a:p>
-            <a:pPr indent="-317500" lvl="0" marL="457200" rtl="0" algn="l">
+            <a:pPr marL="457200" lvl="0" indent="-317500" algn="l" rtl="0">
               <a:spcBef>
                 <a:spcPts val="0"/>
               </a:spcBef>
@@ -11071,12 +11200,12 @@
           </a:ln>
         </p:spPr>
         <p:txBody>
-          <a:bodyPr anchorCtr="0" anchor="t" bIns="91425" lIns="91425" spcFirstLastPara="1" rIns="91425" wrap="square" tIns="91425">
+          <a:bodyPr spcFirstLastPara="1" wrap="square" lIns="91425" tIns="91425" rIns="91425" bIns="91425" anchor="t" anchorCtr="0">
             <a:noAutofit/>
           </a:bodyPr>
           <a:lstStyle/>
           <a:p>
-            <a:pPr indent="0" lvl="0" marL="0" rtl="0" algn="l">
+            <a:pPr marL="0" lvl="0" indent="0" algn="l" rtl="0">
               <a:spcBef>
                 <a:spcPts val="0"/>
               </a:spcBef>
@@ -11086,7 +11215,7 @@
               <a:buNone/>
             </a:pPr>
             <a:r>
-              <a:rPr b="1" i="1" lang="en">
+              <a:rPr lang="en" b="1" i="1">
                 <a:latin typeface="Roboto"/>
                 <a:ea typeface="Roboto"/>
                 <a:cs typeface="Roboto"/>
@@ -11112,11 +11241,11 @@
 </file>
 
 <file path=ppt/slides/slide7.xml><?xml version="1.0" encoding="utf-8"?>
-<p:sld xmlns:a="http://schemas.openxmlformats.org/drawingml/2006/main" xmlns:r="http://schemas.openxmlformats.org/officeDocument/2006/relationships" xmlns:mc="http://schemas.openxmlformats.org/markup-compatibility/2006" xmlns:mv="urn:schemas-microsoft-com:mac:vml" xmlns:p="http://schemas.openxmlformats.org/presentationml/2006/main" xmlns:c="http://schemas.openxmlformats.org/drawingml/2006/chart" xmlns:dgm="http://schemas.openxmlformats.org/drawingml/2006/diagram" xmlns:o="urn:schemas-microsoft-com:office:office" xmlns:v="urn:schemas-microsoft-com:vml" xmlns:pvml="urn:schemas-microsoft-com:office:powerpoint" xmlns:com="http://schemas.openxmlformats.org/drawingml/2006/compatibility" xmlns:p14="http://schemas.microsoft.com/office/powerpoint/2010/main" xmlns:p15="http://schemas.microsoft.com/office/powerpoint/2012/main">
+<p:sld xmlns:a="http://schemas.openxmlformats.org/drawingml/2006/main" xmlns:r="http://schemas.openxmlformats.org/officeDocument/2006/relationships" xmlns:p="http://schemas.openxmlformats.org/presentationml/2006/main">
   <p:cSld>
     <p:spTree>
       <p:nvGrpSpPr>
-        <p:cNvPr id="129" name="Shape 129"/>
+        <p:cNvPr id="1" name="Shape 129"/>
         <p:cNvGrpSpPr/>
         <p:nvPr/>
       </p:nvGrpSpPr>
@@ -11131,7 +11260,9 @@
       <p:sp>
         <p:nvSpPr>
           <p:cNvPr id="130" name="Google Shape;130;p19"/>
-          <p:cNvSpPr txBox="1"/>
+          <p:cNvSpPr txBox="1">
+            <a:spLocks noGrp="1"/>
+          </p:cNvSpPr>
           <p:nvPr>
             <p:ph type="title"/>
           </p:nvPr>
@@ -11146,12 +11277,12 @@
           </a:prstGeom>
         </p:spPr>
         <p:txBody>
-          <a:bodyPr anchorCtr="0" anchor="t" bIns="91425" lIns="91425" spcFirstLastPara="1" rIns="91425" wrap="square" tIns="91425">
+          <a:bodyPr spcFirstLastPara="1" wrap="square" lIns="91425" tIns="91425" rIns="91425" bIns="91425" anchor="t" anchorCtr="0">
             <a:noAutofit/>
           </a:bodyPr>
           <a:lstStyle/>
           <a:p>
-            <a:pPr indent="0" lvl="0" marL="0" rtl="0" algn="l">
+            <a:pPr marL="0" lvl="0" indent="0" algn="l" rtl="0">
               <a:spcBef>
                 <a:spcPts val="0"/>
               </a:spcBef>
@@ -11178,7 +11309,7 @@
           <a:blip r:embed="rId3">
             <a:alphaModFix/>
           </a:blip>
-          <a:srcRect b="0" l="0" r="20534" t="0"/>
+          <a:srcRect r="20534"/>
           <a:stretch/>
         </p:blipFill>
         <p:spPr>
@@ -11210,14 +11341,14 @@
             <a:avLst/>
           </a:prstGeom>
           <a:noFill/>
-          <a:ln cap="flat" cmpd="sng" w="9525">
+          <a:ln w="9525" cap="flat" cmpd="sng">
             <a:solidFill>
               <a:schemeClr val="dk2"/>
             </a:solidFill>
             <a:prstDash val="solid"/>
             <a:round/>
-            <a:headEnd len="med" w="med" type="none"/>
-            <a:tailEnd len="med" w="med" type="none"/>
+            <a:headEnd type="none" w="med" len="med"/>
+            <a:tailEnd type="none" w="med" len="med"/>
           </a:ln>
         </p:spPr>
       </p:cxnSp>
@@ -11241,12 +11372,12 @@
           </a:ln>
         </p:spPr>
         <p:txBody>
-          <a:bodyPr anchorCtr="0" anchor="t" bIns="91425" lIns="91425" spcFirstLastPara="1" rIns="91425" wrap="square" tIns="91425">
+          <a:bodyPr spcFirstLastPara="1" wrap="square" lIns="91425" tIns="91425" rIns="91425" bIns="91425" anchor="t" anchorCtr="0">
             <a:noAutofit/>
           </a:bodyPr>
           <a:lstStyle/>
           <a:p>
-            <a:pPr indent="0" lvl="0" marL="0" rtl="0" algn="l">
+            <a:pPr marL="0" lvl="0" indent="0" algn="l" rtl="0">
               <a:spcBef>
                 <a:spcPts val="0"/>
               </a:spcBef>
@@ -11256,7 +11387,7 @@
               <a:buNone/>
             </a:pPr>
             <a:r>
-              <a:rPr b="1" lang="en" sz="1800">
+              <a:rPr lang="en" sz="1800" b="1">
                 <a:latin typeface="Roboto"/>
                 <a:ea typeface="Roboto"/>
                 <a:cs typeface="Roboto"/>
@@ -11293,12 +11424,12 @@
           </a:ln>
         </p:spPr>
         <p:txBody>
-          <a:bodyPr anchorCtr="0" anchor="t" bIns="91425" lIns="91425" spcFirstLastPara="1" rIns="91425" wrap="square" tIns="91425">
+          <a:bodyPr spcFirstLastPara="1" wrap="square" lIns="91425" tIns="91425" rIns="91425" bIns="91425" anchor="t" anchorCtr="0">
             <a:noAutofit/>
           </a:bodyPr>
           <a:lstStyle/>
           <a:p>
-            <a:pPr indent="0" lvl="0" marL="0" rtl="0" algn="l">
+            <a:pPr marL="0" lvl="0" indent="0" algn="l" rtl="0">
               <a:spcBef>
                 <a:spcPts val="0"/>
               </a:spcBef>
@@ -11308,7 +11439,7 @@
               <a:buNone/>
             </a:pPr>
             <a:r>
-              <a:rPr b="1" lang="en" sz="1800">
+              <a:rPr lang="en" sz="1800" b="1">
                 <a:latin typeface="Roboto"/>
                 <a:ea typeface="Roboto"/>
                 <a:cs typeface="Roboto"/>
@@ -11324,7 +11455,7 @@
             </a:endParaRPr>
           </a:p>
           <a:p>
-            <a:pPr indent="-317500" lvl="0" marL="457200" rtl="0" algn="l">
+            <a:pPr marL="457200" lvl="0" indent="-317500" algn="l" rtl="0">
               <a:spcBef>
                 <a:spcPts val="0"/>
               </a:spcBef>
@@ -11352,7 +11483,7 @@
             </a:endParaRPr>
           </a:p>
           <a:p>
-            <a:pPr indent="-317500" lvl="0" marL="457200" rtl="0" algn="l">
+            <a:pPr marL="457200" lvl="0" indent="-317500" algn="l" rtl="0">
               <a:spcBef>
                 <a:spcPts val="0"/>
               </a:spcBef>
@@ -11380,7 +11511,7 @@
             </a:endParaRPr>
           </a:p>
           <a:p>
-            <a:pPr indent="-317500" lvl="0" marL="457200" rtl="0" algn="l">
+            <a:pPr marL="457200" lvl="0" indent="-317500" algn="l" rtl="0">
               <a:spcBef>
                 <a:spcPts val="0"/>
               </a:spcBef>
@@ -11408,7 +11539,7 @@
             </a:endParaRPr>
           </a:p>
           <a:p>
-            <a:pPr indent="-317500" lvl="0" marL="457200" rtl="0" algn="l">
+            <a:pPr marL="457200" lvl="0" indent="-317500" algn="l" rtl="0">
               <a:spcBef>
                 <a:spcPts val="0"/>
               </a:spcBef>
@@ -11457,12 +11588,12 @@
           </a:ln>
         </p:spPr>
         <p:txBody>
-          <a:bodyPr anchorCtr="0" anchor="t" bIns="91425" lIns="91425" spcFirstLastPara="1" rIns="91425" wrap="square" tIns="91425">
+          <a:bodyPr spcFirstLastPara="1" wrap="square" lIns="91425" tIns="91425" rIns="91425" bIns="91425" anchor="t" anchorCtr="0">
             <a:noAutofit/>
           </a:bodyPr>
           <a:lstStyle/>
           <a:p>
-            <a:pPr indent="0" lvl="0" marL="0" rtl="0" algn="l">
+            <a:pPr marL="0" lvl="0" indent="0" algn="l" rtl="0">
               <a:spcBef>
                 <a:spcPts val="0"/>
               </a:spcBef>
@@ -11472,7 +11603,7 @@
               <a:buNone/>
             </a:pPr>
             <a:r>
-              <a:rPr b="1" lang="en" sz="1800">
+              <a:rPr lang="en" sz="1800" b="1">
                 <a:latin typeface="Roboto"/>
                 <a:ea typeface="Roboto"/>
                 <a:cs typeface="Roboto"/>
@@ -11488,7 +11619,7 @@
             </a:endParaRPr>
           </a:p>
           <a:p>
-            <a:pPr indent="-317500" lvl="0" marL="457200" rtl="0" algn="l">
+            <a:pPr marL="457200" lvl="0" indent="-317500" algn="l" rtl="0">
               <a:spcBef>
                 <a:spcPts val="0"/>
               </a:spcBef>
@@ -11516,7 +11647,7 @@
             </a:endParaRPr>
           </a:p>
           <a:p>
-            <a:pPr indent="-317500" lvl="0" marL="457200" rtl="0" algn="l">
+            <a:pPr marL="457200" lvl="0" indent="-317500" algn="l" rtl="0">
               <a:spcBef>
                 <a:spcPts val="0"/>
               </a:spcBef>
@@ -11544,7 +11675,7 @@
             </a:endParaRPr>
           </a:p>
           <a:p>
-            <a:pPr indent="-317500" lvl="0" marL="457200" rtl="0" algn="l">
+            <a:pPr marL="457200" lvl="0" indent="-317500" algn="l" rtl="0">
               <a:spcBef>
                 <a:spcPts val="0"/>
               </a:spcBef>
@@ -11572,7 +11703,7 @@
             </a:endParaRPr>
           </a:p>
           <a:p>
-            <a:pPr indent="-317500" lvl="0" marL="457200" rtl="0" algn="l">
+            <a:pPr marL="457200" lvl="0" indent="-317500" algn="l" rtl="0">
               <a:spcBef>
                 <a:spcPts val="0"/>
               </a:spcBef>
@@ -11621,12 +11752,12 @@
           </a:ln>
         </p:spPr>
         <p:txBody>
-          <a:bodyPr anchorCtr="0" anchor="t" bIns="91425" lIns="91425" spcFirstLastPara="1" rIns="91425" wrap="square" tIns="91425">
+          <a:bodyPr spcFirstLastPara="1" wrap="square" lIns="91425" tIns="91425" rIns="91425" bIns="91425" anchor="t" anchorCtr="0">
             <a:noAutofit/>
           </a:bodyPr>
           <a:lstStyle/>
           <a:p>
-            <a:pPr indent="0" lvl="0" marL="0" rtl="0" algn="l">
+            <a:pPr marL="0" lvl="0" indent="0" algn="l" rtl="0">
               <a:spcBef>
                 <a:spcPts val="0"/>
               </a:spcBef>
@@ -11636,7 +11767,7 @@
               <a:buNone/>
             </a:pPr>
             <a:r>
-              <a:rPr b="1" i="1" lang="en">
+              <a:rPr lang="en" b="1" i="1">
                 <a:latin typeface="Roboto"/>
                 <a:ea typeface="Roboto"/>
                 <a:cs typeface="Roboto"/>
@@ -11662,11 +11793,11 @@
 </file>
 
 <file path=ppt/slides/slide8.xml><?xml version="1.0" encoding="utf-8"?>
-<p:sld xmlns:a="http://schemas.openxmlformats.org/drawingml/2006/main" xmlns:r="http://schemas.openxmlformats.org/officeDocument/2006/relationships" xmlns:mc="http://schemas.openxmlformats.org/markup-compatibility/2006" xmlns:mv="urn:schemas-microsoft-com:mac:vml" xmlns:p="http://schemas.openxmlformats.org/presentationml/2006/main" xmlns:c="http://schemas.openxmlformats.org/drawingml/2006/chart" xmlns:dgm="http://schemas.openxmlformats.org/drawingml/2006/diagram" xmlns:o="urn:schemas-microsoft-com:office:office" xmlns:v="urn:schemas-microsoft-com:vml" xmlns:pvml="urn:schemas-microsoft-com:office:powerpoint" xmlns:com="http://schemas.openxmlformats.org/drawingml/2006/compatibility" xmlns:p14="http://schemas.microsoft.com/office/powerpoint/2010/main" xmlns:p15="http://schemas.microsoft.com/office/powerpoint/2012/main">
+<p:sld xmlns:a="http://schemas.openxmlformats.org/drawingml/2006/main" xmlns:r="http://schemas.openxmlformats.org/officeDocument/2006/relationships" xmlns:p="http://schemas.openxmlformats.org/presentationml/2006/main">
   <p:cSld>
     <p:spTree>
       <p:nvGrpSpPr>
-        <p:cNvPr id="140" name="Shape 140"/>
+        <p:cNvPr id="1" name="Shape 140"/>
         <p:cNvGrpSpPr/>
         <p:nvPr/>
       </p:nvGrpSpPr>
@@ -11681,7 +11812,9 @@
       <p:sp>
         <p:nvSpPr>
           <p:cNvPr id="141" name="Google Shape;141;p20"/>
-          <p:cNvSpPr txBox="1"/>
+          <p:cNvSpPr txBox="1">
+            <a:spLocks noGrp="1"/>
+          </p:cNvSpPr>
           <p:nvPr>
             <p:ph type="title"/>
           </p:nvPr>
@@ -11696,12 +11829,12 @@
           </a:prstGeom>
         </p:spPr>
         <p:txBody>
-          <a:bodyPr anchorCtr="0" anchor="t" bIns="91425" lIns="91425" spcFirstLastPara="1" rIns="91425" wrap="square" tIns="91425">
+          <a:bodyPr spcFirstLastPara="1" wrap="square" lIns="91425" tIns="91425" rIns="91425" bIns="91425" anchor="t" anchorCtr="0">
             <a:noAutofit/>
           </a:bodyPr>
           <a:lstStyle/>
           <a:p>
-            <a:pPr indent="0" lvl="0" marL="0" rtl="0" algn="l">
+            <a:pPr marL="0" lvl="0" indent="0" algn="l" rtl="0">
               <a:spcBef>
                 <a:spcPts val="0"/>
               </a:spcBef>
@@ -11736,9 +11869,27 @@
                 <a:tableStyleId>{2B95A13B-68A0-45FC-8B8D-E9D0305C80C7}</a:tableStyleId>
               </a:tblPr>
               <a:tblGrid>
-                <a:gridCol w="2280975"/>
-                <a:gridCol w="3284425"/>
-                <a:gridCol w="2782700"/>
+                <a:gridCol w="2280975">
+                  <a:extLst>
+                    <a:ext uri="{9D8B030D-6E8A-4147-A177-3AD203B41FA5}">
+                      <a16:colId xmlns:a16="http://schemas.microsoft.com/office/drawing/2014/main" val="20000"/>
+                    </a:ext>
+                  </a:extLst>
+                </a:gridCol>
+                <a:gridCol w="3284425">
+                  <a:extLst>
+                    <a:ext uri="{9D8B030D-6E8A-4147-A177-3AD203B41FA5}">
+                      <a16:colId xmlns:a16="http://schemas.microsoft.com/office/drawing/2014/main" val="20001"/>
+                    </a:ext>
+                  </a:extLst>
+                </a:gridCol>
+                <a:gridCol w="2782700">
+                  <a:extLst>
+                    <a:ext uri="{9D8B030D-6E8A-4147-A177-3AD203B41FA5}">
+                      <a16:colId xmlns:a16="http://schemas.microsoft.com/office/drawing/2014/main" val="20002"/>
+                    </a:ext>
+                  </a:extLst>
+                </a:gridCol>
               </a:tblGrid>
               <a:tr h="395925">
                 <a:tc>
@@ -11746,7 +11897,71 @@
                     <a:bodyPr/>
                     <a:lstStyle/>
                     <a:p>
-                      <a:pPr indent="0" lvl="0" marL="0" rtl="0" algn="l">
+                      <a:pPr marL="0" lvl="0" indent="0" algn="l" rtl="0">
+                        <a:spcBef>
+                          <a:spcPts val="0"/>
+                        </a:spcBef>
+                        <a:spcAft>
+                          <a:spcPts val="0"/>
+                        </a:spcAft>
+                        <a:buNone/>
+                      </a:pPr>
+                      <a:endParaRPr/>
+                    </a:p>
+                  </a:txBody>
+                  <a:tcPr marL="91425" marR="91425" marT="91425" marB="91425">
+                    <a:lnL w="9525" cap="flat" cmpd="sng">
+                      <a:solidFill>
+                        <a:srgbClr val="9E9E9E">
+                          <a:alpha val="0"/>
+                        </a:srgbClr>
+                      </a:solidFill>
+                      <a:prstDash val="dot"/>
+                      <a:round/>
+                      <a:headEnd type="none" w="sm" len="sm"/>
+                      <a:tailEnd type="none" w="sm" len="sm"/>
+                    </a:lnL>
+                    <a:lnR w="9525" cap="flat" cmpd="sng">
+                      <a:solidFill>
+                        <a:srgbClr val="9E9E9E">
+                          <a:alpha val="0"/>
+                        </a:srgbClr>
+                      </a:solidFill>
+                      <a:prstDash val="dot"/>
+                      <a:round/>
+                      <a:headEnd type="none" w="sm" len="sm"/>
+                      <a:tailEnd type="none" w="sm" len="sm"/>
+                    </a:lnR>
+                    <a:lnT w="9525" cap="flat" cmpd="sng">
+                      <a:solidFill>
+                        <a:srgbClr val="9E9E9E">
+                          <a:alpha val="0"/>
+                        </a:srgbClr>
+                      </a:solidFill>
+                      <a:prstDash val="dot"/>
+                      <a:round/>
+                      <a:headEnd type="none" w="sm" len="sm"/>
+                      <a:tailEnd type="none" w="sm" len="sm"/>
+                    </a:lnT>
+                    <a:lnB w="9525" cap="flat" cmpd="sng">
+                      <a:solidFill>
+                        <a:srgbClr val="9E9E9E">
+                          <a:alpha val="0"/>
+                        </a:srgbClr>
+                      </a:solidFill>
+                      <a:prstDash val="dot"/>
+                      <a:round/>
+                      <a:headEnd type="none" w="sm" len="sm"/>
+                      <a:tailEnd type="none" w="sm" len="sm"/>
+                    </a:lnB>
+                  </a:tcPr>
+                </a:tc>
+                <a:tc>
+                  <a:txBody>
+                    <a:bodyPr/>
+                    <a:lstStyle/>
+                    <a:p>
+                      <a:pPr marL="0" lvl="0" indent="0" algn="l" rtl="0">
                         <a:spcBef>
                           <a:spcPts val="0"/>
                         </a:spcBef>
@@ -11756,13 +11971,14 @@
                         <a:buNone/>
                       </a:pPr>
                       <a:r>
-                        <a:t/>
+                        <a:rPr lang="en" b="1"/>
+                        <a:t>Use Case</a:t>
                       </a:r>
-                      <a:endParaRPr/>
+                      <a:endParaRPr b="1"/>
                     </a:p>
                   </a:txBody>
-                  <a:tcPr marT="91425" marB="91425" marR="91425" marL="91425">
-                    <a:lnL cap="flat" cmpd="sng" w="9525">
+                  <a:tcPr marL="91425" marR="91425" marT="91425" marB="91425">
+                    <a:lnL w="9525" cap="flat" cmpd="sng">
                       <a:solidFill>
                         <a:srgbClr val="9E9E9E">
                           <a:alpha val="0"/>
@@ -11770,10 +11986,10 @@
                       </a:solidFill>
                       <a:prstDash val="dot"/>
                       <a:round/>
-                      <a:headEnd len="sm" w="sm" type="none"/>
-                      <a:tailEnd len="sm" w="sm" type="none"/>
+                      <a:headEnd type="none" w="sm" len="sm"/>
+                      <a:tailEnd type="none" w="sm" len="sm"/>
                     </a:lnL>
-                    <a:lnR cap="flat" cmpd="sng" w="9525">
+                    <a:lnR w="9525" cap="flat" cmpd="sng">
                       <a:solidFill>
                         <a:srgbClr val="9E9E9E">
                           <a:alpha val="0"/>
@@ -11781,10 +11997,10 @@
                       </a:solidFill>
                       <a:prstDash val="dot"/>
                       <a:round/>
-                      <a:headEnd len="sm" w="sm" type="none"/>
-                      <a:tailEnd len="sm" w="sm" type="none"/>
+                      <a:headEnd type="none" w="sm" len="sm"/>
+                      <a:tailEnd type="none" w="sm" len="sm"/>
                     </a:lnR>
-                    <a:lnT cap="flat" cmpd="sng" w="9525">
+                    <a:lnT w="9525" cap="flat" cmpd="sng">
                       <a:solidFill>
                         <a:srgbClr val="9E9E9E">
                           <a:alpha val="0"/>
@@ -11792,10 +12008,10 @@
                       </a:solidFill>
                       <a:prstDash val="dot"/>
                       <a:round/>
-                      <a:headEnd len="sm" w="sm" type="none"/>
-                      <a:tailEnd len="sm" w="sm" type="none"/>
+                      <a:headEnd type="none" w="sm" len="sm"/>
+                      <a:tailEnd type="none" w="sm" len="sm"/>
                     </a:lnT>
-                    <a:lnB cap="flat" cmpd="sng" w="9525">
+                    <a:lnB w="9525" cap="flat" cmpd="sng">
                       <a:solidFill>
                         <a:srgbClr val="9E9E9E">
                           <a:alpha val="0"/>
@@ -11803,8 +12019,8 @@
                       </a:solidFill>
                       <a:prstDash val="dot"/>
                       <a:round/>
-                      <a:headEnd len="sm" w="sm" type="none"/>
-                      <a:tailEnd len="sm" w="sm" type="none"/>
+                      <a:headEnd type="none" w="sm" len="sm"/>
+                      <a:tailEnd type="none" w="sm" len="sm"/>
                     </a:lnB>
                   </a:tcPr>
                 </a:tc>
@@ -11813,7 +12029,7 @@
                     <a:bodyPr/>
                     <a:lstStyle/>
                     <a:p>
-                      <a:pPr indent="0" lvl="0" marL="0" rtl="0" algn="l">
+                      <a:pPr marL="0" lvl="0" indent="0" algn="l" rtl="0">
                         <a:spcBef>
                           <a:spcPts val="0"/>
                         </a:spcBef>
@@ -11823,14 +12039,14 @@
                         <a:buNone/>
                       </a:pPr>
                       <a:r>
-                        <a:rPr b="1" lang="en"/>
+                        <a:rPr lang="en" b="1"/>
                         <a:t>Use Case</a:t>
                       </a:r>
                       <a:endParaRPr b="1"/>
                     </a:p>
                   </a:txBody>
-                  <a:tcPr marT="91425" marB="91425" marR="91425" marL="91425">
-                    <a:lnL cap="flat" cmpd="sng" w="9525">
+                  <a:tcPr marL="91425" marR="91425" marT="91425" marB="91425">
+                    <a:lnL w="9525" cap="flat" cmpd="sng">
                       <a:solidFill>
                         <a:srgbClr val="9E9E9E">
                           <a:alpha val="0"/>
@@ -11838,10 +12054,10 @@
                       </a:solidFill>
                       <a:prstDash val="dot"/>
                       <a:round/>
-                      <a:headEnd len="sm" w="sm" type="none"/>
-                      <a:tailEnd len="sm" w="sm" type="none"/>
+                      <a:headEnd type="none" w="sm" len="sm"/>
+                      <a:tailEnd type="none" w="sm" len="sm"/>
                     </a:lnL>
-                    <a:lnR cap="flat" cmpd="sng" w="9525">
+                    <a:lnR w="9525" cap="flat" cmpd="sng">
                       <a:solidFill>
                         <a:srgbClr val="9E9E9E">
                           <a:alpha val="0"/>
@@ -11849,10 +12065,10 @@
                       </a:solidFill>
                       <a:prstDash val="dot"/>
                       <a:round/>
-                      <a:headEnd len="sm" w="sm" type="none"/>
-                      <a:tailEnd len="sm" w="sm" type="none"/>
+                      <a:headEnd type="none" w="sm" len="sm"/>
+                      <a:tailEnd type="none" w="sm" len="sm"/>
                     </a:lnR>
-                    <a:lnT cap="flat" cmpd="sng" w="9525">
+                    <a:lnT w="9525" cap="flat" cmpd="sng">
                       <a:solidFill>
                         <a:srgbClr val="9E9E9E">
                           <a:alpha val="0"/>
@@ -11860,10 +12076,10 @@
                       </a:solidFill>
                       <a:prstDash val="dot"/>
                       <a:round/>
-                      <a:headEnd len="sm" w="sm" type="none"/>
-                      <a:tailEnd len="sm" w="sm" type="none"/>
+                      <a:headEnd type="none" w="sm" len="sm"/>
+                      <a:tailEnd type="none" w="sm" len="sm"/>
                     </a:lnT>
-                    <a:lnB cap="flat" cmpd="sng" w="9525">
+                    <a:lnB w="9525" cap="flat" cmpd="sng">
                       <a:solidFill>
                         <a:srgbClr val="9E9E9E">
                           <a:alpha val="0"/>
@@ -11871,17 +12087,24 @@
                       </a:solidFill>
                       <a:prstDash val="dot"/>
                       <a:round/>
-                      <a:headEnd len="sm" w="sm" type="none"/>
-                      <a:tailEnd len="sm" w="sm" type="none"/>
+                      <a:headEnd type="none" w="sm" len="sm"/>
+                      <a:tailEnd type="none" w="sm" len="sm"/>
                     </a:lnB>
                   </a:tcPr>
                 </a:tc>
+                <a:extLst>
+                  <a:ext uri="{0D108BD9-81ED-4DB2-BD59-A6C34878D82A}">
+                    <a16:rowId xmlns:a16="http://schemas.microsoft.com/office/drawing/2014/main" val="10000"/>
+                  </a:ext>
+                </a:extLst>
+              </a:tr>
+              <a:tr h="1042125">
                 <a:tc>
                   <a:txBody>
                     <a:bodyPr/>
                     <a:lstStyle/>
                     <a:p>
-                      <a:pPr indent="0" lvl="0" marL="0" rtl="0" algn="l">
+                      <a:pPr marL="0" lvl="0" indent="0" algn="l" rtl="0">
                         <a:spcBef>
                           <a:spcPts val="0"/>
                         </a:spcBef>
@@ -11891,14 +12114,21 @@
                         <a:buNone/>
                       </a:pPr>
                       <a:r>
-                        <a:rPr b="1" lang="en"/>
-                        <a:t>Use Case</a:t>
+                        <a:rPr lang="en" b="1"/>
+                        <a:t>Accuracy</a:t>
                       </a:r>
-                      <a:endParaRPr b="1"/>
+                      <a:br>
+                        <a:rPr lang="en" b="1"/>
+                      </a:br>
+                      <a:r>
+                        <a:rPr lang="en" sz="1200" i="1"/>
+                        <a:t>Definition</a:t>
+                      </a:r>
+                      <a:endParaRPr sz="1200" i="1"/>
                     </a:p>
                   </a:txBody>
-                  <a:tcPr marT="91425" marB="91425" marR="91425" marL="91425">
-                    <a:lnL cap="flat" cmpd="sng" w="9525">
+                  <a:tcPr marL="91425" marR="91425" marT="91425" marB="91425">
+                    <a:lnL w="9525" cap="flat" cmpd="sng">
                       <a:solidFill>
                         <a:srgbClr val="9E9E9E">
                           <a:alpha val="0"/>
@@ -11906,10 +12136,10 @@
                       </a:solidFill>
                       <a:prstDash val="dot"/>
                       <a:round/>
-                      <a:headEnd len="sm" w="sm" type="none"/>
-                      <a:tailEnd len="sm" w="sm" type="none"/>
+                      <a:headEnd type="none" w="sm" len="sm"/>
+                      <a:tailEnd type="none" w="sm" len="sm"/>
                     </a:lnL>
-                    <a:lnR cap="flat" cmpd="sng" w="9525">
+                    <a:lnR w="9525" cap="flat" cmpd="sng">
                       <a:solidFill>
                         <a:srgbClr val="9E9E9E">
                           <a:alpha val="0"/>
@@ -11917,10 +12147,10 @@
                       </a:solidFill>
                       <a:prstDash val="dot"/>
                       <a:round/>
-                      <a:headEnd len="sm" w="sm" type="none"/>
-                      <a:tailEnd len="sm" w="sm" type="none"/>
+                      <a:headEnd type="none" w="sm" len="sm"/>
+                      <a:tailEnd type="none" w="sm" len="sm"/>
                     </a:lnR>
-                    <a:lnT cap="flat" cmpd="sng" w="9525">
+                    <a:lnT w="9525" cap="flat" cmpd="sng">
                       <a:solidFill>
                         <a:srgbClr val="9E9E9E">
                           <a:alpha val="0"/>
@@ -11928,10 +12158,10 @@
                       </a:solidFill>
                       <a:prstDash val="dot"/>
                       <a:round/>
-                      <a:headEnd len="sm" w="sm" type="none"/>
-                      <a:tailEnd len="sm" w="sm" type="none"/>
+                      <a:headEnd type="none" w="sm" len="sm"/>
+                      <a:tailEnd type="none" w="sm" len="sm"/>
                     </a:lnT>
-                    <a:lnB cap="flat" cmpd="sng" w="9525">
+                    <a:lnB w="9525" cap="flat" cmpd="sng">
                       <a:solidFill>
                         <a:srgbClr val="9E9E9E">
                           <a:alpha val="0"/>
@@ -11939,85 +12169,8 @@
                       </a:solidFill>
                       <a:prstDash val="dot"/>
                       <a:round/>
-                      <a:headEnd len="sm" w="sm" type="none"/>
-                      <a:tailEnd len="sm" w="sm" type="none"/>
-                    </a:lnB>
-                  </a:tcPr>
-                </a:tc>
-              </a:tr>
-              <a:tr h="1042125">
-                <a:tc>
-                  <a:txBody>
-                    <a:bodyPr/>
-                    <a:lstStyle/>
-                    <a:p>
-                      <a:pPr indent="0" lvl="0" marL="0" rtl="0" algn="l">
-                        <a:spcBef>
-                          <a:spcPts val="0"/>
-                        </a:spcBef>
-                        <a:spcAft>
-                          <a:spcPts val="0"/>
-                        </a:spcAft>
-                        <a:buNone/>
-                      </a:pPr>
-                      <a:r>
-                        <a:rPr b="1" lang="en"/>
-                        <a:t>Accuracy</a:t>
-                      </a:r>
-                      <a:br>
-                        <a:rPr b="1" lang="en"/>
-                      </a:br>
-                      <a:r>
-                        <a:rPr i="1" lang="en" sz="1200"/>
-                        <a:t>Definition</a:t>
-                      </a:r>
-                      <a:endParaRPr i="1" sz="1200"/>
-                    </a:p>
-                  </a:txBody>
-                  <a:tcPr marT="91425" marB="91425" marR="91425" marL="91425">
-                    <a:lnL cap="flat" cmpd="sng" w="9525">
-                      <a:solidFill>
-                        <a:srgbClr val="9E9E9E">
-                          <a:alpha val="0"/>
-                        </a:srgbClr>
-                      </a:solidFill>
-                      <a:prstDash val="dot"/>
-                      <a:round/>
-                      <a:headEnd len="sm" w="sm" type="none"/>
-                      <a:tailEnd len="sm" w="sm" type="none"/>
-                    </a:lnL>
-                    <a:lnR cap="flat" cmpd="sng" w="9525">
-                      <a:solidFill>
-                        <a:srgbClr val="9E9E9E">
-                          <a:alpha val="0"/>
-                        </a:srgbClr>
-                      </a:solidFill>
-                      <a:prstDash val="dot"/>
-                      <a:round/>
-                      <a:headEnd len="sm" w="sm" type="none"/>
-                      <a:tailEnd len="sm" w="sm" type="none"/>
-                    </a:lnR>
-                    <a:lnT cap="flat" cmpd="sng" w="9525">
-                      <a:solidFill>
-                        <a:srgbClr val="9E9E9E">
-                          <a:alpha val="0"/>
-                        </a:srgbClr>
-                      </a:solidFill>
-                      <a:prstDash val="dot"/>
-                      <a:round/>
-                      <a:headEnd len="sm" w="sm" type="none"/>
-                      <a:tailEnd len="sm" w="sm" type="none"/>
-                    </a:lnT>
-                    <a:lnB cap="flat" cmpd="sng" w="9525">
-                      <a:solidFill>
-                        <a:srgbClr val="9E9E9E">
-                          <a:alpha val="0"/>
-                        </a:srgbClr>
-                      </a:solidFill>
-                      <a:prstDash val="dot"/>
-                      <a:round/>
-                      <a:headEnd len="sm" w="sm" type="none"/>
-                      <a:tailEnd len="sm" w="sm" type="none"/>
+                      <a:headEnd type="none" w="sm" len="sm"/>
+                      <a:tailEnd type="none" w="sm" len="sm"/>
                     </a:lnB>
                   </a:tcPr>
                 </a:tc>
@@ -12026,7 +12179,7 @@
                     <a:bodyPr/>
                     <a:lstStyle/>
                     <a:p>
-                      <a:pPr indent="0" lvl="0" marL="0" rtl="0" algn="l">
+                      <a:pPr marL="0" lvl="0" indent="0" algn="l" rtl="0">
                         <a:spcBef>
                           <a:spcPts val="0"/>
                         </a:spcBef>
@@ -12042,7 +12195,7 @@
                       <a:endParaRPr sz="1200"/>
                     </a:p>
                     <a:p>
-                      <a:pPr indent="0" lvl="0" marL="0" rtl="0" algn="l">
+                      <a:pPr marL="0" lvl="0" indent="0" algn="l" rtl="0">
                         <a:spcBef>
                           <a:spcPts val="0"/>
                         </a:spcBef>
@@ -12058,8 +12211,8 @@
                       <a:endParaRPr sz="1200"/>
                     </a:p>
                   </a:txBody>
-                  <a:tcPr marT="91425" marB="91425" marR="91425" marL="91425">
-                    <a:lnL cap="flat" cmpd="sng" w="9525">
+                  <a:tcPr marL="91425" marR="91425" marT="91425" marB="91425">
+                    <a:lnL w="9525" cap="flat" cmpd="sng">
                       <a:solidFill>
                         <a:srgbClr val="9E9E9E">
                           <a:alpha val="0"/>
@@ -12067,10 +12220,10 @@
                       </a:solidFill>
                       <a:prstDash val="dot"/>
                       <a:round/>
-                      <a:headEnd len="sm" w="sm" type="none"/>
-                      <a:tailEnd len="sm" w="sm" type="none"/>
+                      <a:headEnd type="none" w="sm" len="sm"/>
+                      <a:tailEnd type="none" w="sm" len="sm"/>
                     </a:lnL>
-                    <a:lnR cap="flat" cmpd="sng" w="9525">
+                    <a:lnR w="9525" cap="flat" cmpd="sng">
                       <a:solidFill>
                         <a:srgbClr val="9E9E9E">
                           <a:alpha val="0"/>
@@ -12078,10 +12231,10 @@
                       </a:solidFill>
                       <a:prstDash val="dot"/>
                       <a:round/>
-                      <a:headEnd len="sm" w="sm" type="none"/>
-                      <a:tailEnd len="sm" w="sm" type="none"/>
+                      <a:headEnd type="none" w="sm" len="sm"/>
+                      <a:tailEnd type="none" w="sm" len="sm"/>
                     </a:lnR>
-                    <a:lnT cap="flat" cmpd="sng" w="9525">
+                    <a:lnT w="9525" cap="flat" cmpd="sng">
                       <a:solidFill>
                         <a:srgbClr val="9E9E9E">
                           <a:alpha val="0"/>
@@ -12089,10 +12242,10 @@
                       </a:solidFill>
                       <a:prstDash val="dot"/>
                       <a:round/>
-                      <a:headEnd len="sm" w="sm" type="none"/>
-                      <a:tailEnd len="sm" w="sm" type="none"/>
+                      <a:headEnd type="none" w="sm" len="sm"/>
+                      <a:tailEnd type="none" w="sm" len="sm"/>
                     </a:lnT>
-                    <a:lnB cap="flat" cmpd="sng" w="9525">
+                    <a:lnB w="9525" cap="flat" cmpd="sng">
                       <a:solidFill>
                         <a:srgbClr val="9E9E9E">
                           <a:alpha val="0"/>
@@ -12100,8 +12253,8 @@
                       </a:solidFill>
                       <a:prstDash val="dot"/>
                       <a:round/>
-                      <a:headEnd len="sm" w="sm" type="none"/>
-                      <a:tailEnd len="sm" w="sm" type="none"/>
+                      <a:headEnd type="none" w="sm" len="sm"/>
+                      <a:tailEnd type="none" w="sm" len="sm"/>
                     </a:lnB>
                   </a:tcPr>
                 </a:tc>
@@ -12110,7 +12263,7 @@
                     <a:bodyPr/>
                     <a:lstStyle/>
                     <a:p>
-                      <a:pPr indent="0" lvl="0" marL="0" rtl="0" algn="l">
+                      <a:pPr marL="0" lvl="0" indent="0" algn="l" rtl="0">
                         <a:spcBef>
                           <a:spcPts val="0"/>
                         </a:spcBef>
@@ -12126,7 +12279,7 @@
                       <a:endParaRPr sz="1200"/>
                     </a:p>
                     <a:p>
-                      <a:pPr indent="0" lvl="0" marL="0" rtl="0" algn="l">
+                      <a:pPr marL="0" lvl="0" indent="0" algn="l" rtl="0">
                         <a:spcBef>
                           <a:spcPts val="0"/>
                         </a:spcBef>
@@ -12142,8 +12295,8 @@
                       <a:endParaRPr sz="1200"/>
                     </a:p>
                   </a:txBody>
-                  <a:tcPr marT="91425" marB="91425" marR="91425" marL="91425">
-                    <a:lnL cap="flat" cmpd="sng" w="9525">
+                  <a:tcPr marL="91425" marR="91425" marT="91425" marB="91425">
+                    <a:lnL w="9525" cap="flat" cmpd="sng">
                       <a:solidFill>
                         <a:srgbClr val="9E9E9E">
                           <a:alpha val="0"/>
@@ -12151,10 +12304,10 @@
                       </a:solidFill>
                       <a:prstDash val="dot"/>
                       <a:round/>
-                      <a:headEnd len="sm" w="sm" type="none"/>
-                      <a:tailEnd len="sm" w="sm" type="none"/>
+                      <a:headEnd type="none" w="sm" len="sm"/>
+                      <a:tailEnd type="none" w="sm" len="sm"/>
                     </a:lnL>
-                    <a:lnR cap="flat" cmpd="sng" w="9525">
+                    <a:lnR w="9525" cap="flat" cmpd="sng">
                       <a:solidFill>
                         <a:srgbClr val="9E9E9E">
                           <a:alpha val="0"/>
@@ -12162,10 +12315,10 @@
                       </a:solidFill>
                       <a:prstDash val="dot"/>
                       <a:round/>
-                      <a:headEnd len="sm" w="sm" type="none"/>
-                      <a:tailEnd len="sm" w="sm" type="none"/>
+                      <a:headEnd type="none" w="sm" len="sm"/>
+                      <a:tailEnd type="none" w="sm" len="sm"/>
                     </a:lnR>
-                    <a:lnT cap="flat" cmpd="sng" w="9525">
+                    <a:lnT w="9525" cap="flat" cmpd="sng">
                       <a:solidFill>
                         <a:srgbClr val="9E9E9E">
                           <a:alpha val="0"/>
@@ -12173,10 +12326,10 @@
                       </a:solidFill>
                       <a:prstDash val="dot"/>
                       <a:round/>
-                      <a:headEnd len="sm" w="sm" type="none"/>
-                      <a:tailEnd len="sm" w="sm" type="none"/>
+                      <a:headEnd type="none" w="sm" len="sm"/>
+                      <a:tailEnd type="none" w="sm" len="sm"/>
                     </a:lnT>
-                    <a:lnB cap="flat" cmpd="sng" w="9525">
+                    <a:lnB w="9525" cap="flat" cmpd="sng">
                       <a:solidFill>
                         <a:srgbClr val="9E9E9E">
                           <a:alpha val="0"/>
@@ -12184,11 +12337,16 @@
                       </a:solidFill>
                       <a:prstDash val="dot"/>
                       <a:round/>
-                      <a:headEnd len="sm" w="sm" type="none"/>
-                      <a:tailEnd len="sm" w="sm" type="none"/>
+                      <a:headEnd type="none" w="sm" len="sm"/>
+                      <a:tailEnd type="none" w="sm" len="sm"/>
                     </a:lnB>
                   </a:tcPr>
                 </a:tc>
+                <a:extLst>
+                  <a:ext uri="{0D108BD9-81ED-4DB2-BD59-A6C34878D82A}">
+                    <a16:rowId xmlns:a16="http://schemas.microsoft.com/office/drawing/2014/main" val="10001"/>
+                  </a:ext>
+                </a:extLst>
               </a:tr>
               <a:tr h="1042125">
                 <a:tc>
@@ -12196,7 +12354,7 @@
                     <a:bodyPr/>
                     <a:lstStyle/>
                     <a:p>
-                      <a:pPr indent="0" lvl="0" marL="0" rtl="0" algn="l">
+                      <a:pPr marL="0" lvl="0" indent="0" algn="l" rtl="0">
                         <a:spcBef>
                           <a:spcPts val="0"/>
                         </a:spcBef>
@@ -12206,25 +12364,21 @@
                         <a:buNone/>
                       </a:pPr>
                       <a:r>
-                        <a:rPr b="1" lang="en"/>
-                        <a:t>Underfitting</a:t>
-                      </a:r>
-                      <a:r>
-                        <a:rPr b="1" lang="en"/>
-                        <a:t>/Overfitting</a:t>
+                        <a:rPr lang="en" b="1"/>
+                        <a:t>Underfitting/Overfitting</a:t>
                       </a:r>
                       <a:br>
-                        <a:rPr b="1" lang="en"/>
+                        <a:rPr lang="en" b="1"/>
                       </a:br>
                       <a:r>
-                        <a:rPr i="1" lang="en" sz="1200"/>
+                        <a:rPr lang="en" sz="1200" i="1"/>
                         <a:t>Definition</a:t>
                       </a:r>
-                      <a:endParaRPr i="1" sz="1200"/>
+                      <a:endParaRPr sz="1200" i="1"/>
                     </a:p>
                   </a:txBody>
-                  <a:tcPr marT="91425" marB="91425" marR="91425" marL="91425">
-                    <a:lnL cap="flat" cmpd="sng" w="9525">
+                  <a:tcPr marL="91425" marR="91425" marT="91425" marB="91425">
+                    <a:lnL w="9525" cap="flat" cmpd="sng">
                       <a:solidFill>
                         <a:srgbClr val="9E9E9E">
                           <a:alpha val="0"/>
@@ -12232,10 +12386,10 @@
                       </a:solidFill>
                       <a:prstDash val="dot"/>
                       <a:round/>
-                      <a:headEnd len="sm" w="sm" type="none"/>
-                      <a:tailEnd len="sm" w="sm" type="none"/>
+                      <a:headEnd type="none" w="sm" len="sm"/>
+                      <a:tailEnd type="none" w="sm" len="sm"/>
                     </a:lnL>
-                    <a:lnR cap="flat" cmpd="sng" w="9525">
+                    <a:lnR w="9525" cap="flat" cmpd="sng">
                       <a:solidFill>
                         <a:srgbClr val="9E9E9E">
                           <a:alpha val="0"/>
@@ -12243,10 +12397,10 @@
                       </a:solidFill>
                       <a:prstDash val="dot"/>
                       <a:round/>
-                      <a:headEnd len="sm" w="sm" type="none"/>
-                      <a:tailEnd len="sm" w="sm" type="none"/>
+                      <a:headEnd type="none" w="sm" len="sm"/>
+                      <a:tailEnd type="none" w="sm" len="sm"/>
                     </a:lnR>
-                    <a:lnT cap="flat" cmpd="sng" w="9525">
+                    <a:lnT w="9525" cap="flat" cmpd="sng">
                       <a:solidFill>
                         <a:srgbClr val="9E9E9E">
                           <a:alpha val="0"/>
@@ -12254,10 +12408,10 @@
                       </a:solidFill>
                       <a:prstDash val="dot"/>
                       <a:round/>
-                      <a:headEnd len="sm" w="sm" type="none"/>
-                      <a:tailEnd len="sm" w="sm" type="none"/>
+                      <a:headEnd type="none" w="sm" len="sm"/>
+                      <a:tailEnd type="none" w="sm" len="sm"/>
                     </a:lnT>
-                    <a:lnB cap="flat" cmpd="sng" w="9525">
+                    <a:lnB w="9525" cap="flat" cmpd="sng">
                       <a:solidFill>
                         <a:srgbClr val="9E9E9E">
                           <a:alpha val="0"/>
@@ -12265,8 +12419,8 @@
                       </a:solidFill>
                       <a:prstDash val="dot"/>
                       <a:round/>
-                      <a:headEnd len="sm" w="sm" type="none"/>
-                      <a:tailEnd len="sm" w="sm" type="none"/>
+                      <a:headEnd type="none" w="sm" len="sm"/>
+                      <a:tailEnd type="none" w="sm" len="sm"/>
                     </a:lnB>
                   </a:tcPr>
                 </a:tc>
@@ -12275,7 +12429,7 @@
                     <a:bodyPr/>
                     <a:lstStyle/>
                     <a:p>
-                      <a:pPr indent="0" lvl="0" marL="0" rtl="0" algn="l">
+                      <a:pPr marL="0" lvl="0" indent="0" algn="l" rtl="0">
                         <a:spcBef>
                           <a:spcPts val="0"/>
                         </a:spcBef>
@@ -12291,7 +12445,7 @@
                       <a:endParaRPr sz="1200"/>
                     </a:p>
                     <a:p>
-                      <a:pPr indent="0" lvl="0" marL="0" rtl="0" algn="l">
+                      <a:pPr marL="0" lvl="0" indent="0" algn="l" rtl="0">
                         <a:spcBef>
                           <a:spcPts val="0"/>
                         </a:spcBef>
@@ -12307,7 +12461,7 @@
                       <a:endParaRPr sz="1200"/>
                     </a:p>
                     <a:p>
-                      <a:pPr indent="0" lvl="0" marL="0" rtl="0" algn="l">
+                      <a:pPr marL="0" lvl="0" indent="0" algn="l" rtl="0">
                         <a:spcBef>
                           <a:spcPts val="0"/>
                         </a:spcBef>
@@ -12316,14 +12470,11 @@
                         </a:spcAft>
                         <a:buNone/>
                       </a:pPr>
-                      <a:r>
-                        <a:t/>
-                      </a:r>
                       <a:endParaRPr sz="1200"/>
                     </a:p>
                   </a:txBody>
-                  <a:tcPr marT="91425" marB="91425" marR="91425" marL="91425">
-                    <a:lnL cap="flat" cmpd="sng" w="9525">
+                  <a:tcPr marL="91425" marR="91425" marT="91425" marB="91425">
+                    <a:lnL w="9525" cap="flat" cmpd="sng">
                       <a:solidFill>
                         <a:srgbClr val="9E9E9E">
                           <a:alpha val="0"/>
@@ -12331,10 +12482,10 @@
                       </a:solidFill>
                       <a:prstDash val="dot"/>
                       <a:round/>
-                      <a:headEnd len="sm" w="sm" type="none"/>
-                      <a:tailEnd len="sm" w="sm" type="none"/>
+                      <a:headEnd type="none" w="sm" len="sm"/>
+                      <a:tailEnd type="none" w="sm" len="sm"/>
                     </a:lnL>
-                    <a:lnR cap="flat" cmpd="sng" w="9525">
+                    <a:lnR w="9525" cap="flat" cmpd="sng">
                       <a:solidFill>
                         <a:srgbClr val="9E9E9E">
                           <a:alpha val="0"/>
@@ -12342,10 +12493,10 @@
                       </a:solidFill>
                       <a:prstDash val="dot"/>
                       <a:round/>
-                      <a:headEnd len="sm" w="sm" type="none"/>
-                      <a:tailEnd len="sm" w="sm" type="none"/>
+                      <a:headEnd type="none" w="sm" len="sm"/>
+                      <a:tailEnd type="none" w="sm" len="sm"/>
                     </a:lnR>
-                    <a:lnT cap="flat" cmpd="sng" w="9525">
+                    <a:lnT w="9525" cap="flat" cmpd="sng">
                       <a:solidFill>
                         <a:srgbClr val="9E9E9E">
                           <a:alpha val="0"/>
@@ -12353,10 +12504,10 @@
                       </a:solidFill>
                       <a:prstDash val="dot"/>
                       <a:round/>
-                      <a:headEnd len="sm" w="sm" type="none"/>
-                      <a:tailEnd len="sm" w="sm" type="none"/>
+                      <a:headEnd type="none" w="sm" len="sm"/>
+                      <a:tailEnd type="none" w="sm" len="sm"/>
                     </a:lnT>
-                    <a:lnB cap="flat" cmpd="sng" w="9525">
+                    <a:lnB w="9525" cap="flat" cmpd="sng">
                       <a:solidFill>
                         <a:srgbClr val="9E9E9E">
                           <a:alpha val="0"/>
@@ -12364,8 +12515,8 @@
                       </a:solidFill>
                       <a:prstDash val="dot"/>
                       <a:round/>
-                      <a:headEnd len="sm" w="sm" type="none"/>
-                      <a:tailEnd len="sm" w="sm" type="none"/>
+                      <a:headEnd type="none" w="sm" len="sm"/>
+                      <a:tailEnd type="none" w="sm" len="sm"/>
                     </a:lnB>
                   </a:tcPr>
                 </a:tc>
@@ -12374,7 +12525,7 @@
                     <a:bodyPr/>
                     <a:lstStyle/>
                     <a:p>
-                      <a:pPr indent="0" lvl="0" marL="0" rtl="0" algn="l">
+                      <a:pPr marL="0" lvl="0" indent="0" algn="l" rtl="0">
                         <a:spcBef>
                           <a:spcPts val="0"/>
                         </a:spcBef>
@@ -12390,7 +12541,7 @@
                       <a:endParaRPr sz="1200"/>
                     </a:p>
                     <a:p>
-                      <a:pPr indent="0" lvl="0" marL="0" rtl="0" algn="l">
+                      <a:pPr marL="0" lvl="0" indent="0" algn="l" rtl="0">
                         <a:spcBef>
                           <a:spcPts val="0"/>
                         </a:spcBef>
@@ -12406,7 +12557,78 @@
                       <a:endParaRPr sz="1200"/>
                     </a:p>
                     <a:p>
-                      <a:pPr indent="0" lvl="0" marL="0" rtl="0" algn="l">
+                      <a:pPr marL="0" lvl="0" indent="0" algn="l" rtl="0">
+                        <a:spcBef>
+                          <a:spcPts val="0"/>
+                        </a:spcBef>
+                        <a:spcAft>
+                          <a:spcPts val="0"/>
+                        </a:spcAft>
+                        <a:buNone/>
+                      </a:pPr>
+                      <a:endParaRPr sz="1200"/>
+                    </a:p>
+                  </a:txBody>
+                  <a:tcPr marL="91425" marR="91425" marT="91425" marB="91425">
+                    <a:lnL w="9525" cap="flat" cmpd="sng">
+                      <a:solidFill>
+                        <a:srgbClr val="9E9E9E">
+                          <a:alpha val="0"/>
+                        </a:srgbClr>
+                      </a:solidFill>
+                      <a:prstDash val="dot"/>
+                      <a:round/>
+                      <a:headEnd type="none" w="sm" len="sm"/>
+                      <a:tailEnd type="none" w="sm" len="sm"/>
+                    </a:lnL>
+                    <a:lnR w="9525" cap="flat" cmpd="sng">
+                      <a:solidFill>
+                        <a:srgbClr val="9E9E9E">
+                          <a:alpha val="0"/>
+                        </a:srgbClr>
+                      </a:solidFill>
+                      <a:prstDash val="dot"/>
+                      <a:round/>
+                      <a:headEnd type="none" w="sm" len="sm"/>
+                      <a:tailEnd type="none" w="sm" len="sm"/>
+                    </a:lnR>
+                    <a:lnT w="9525" cap="flat" cmpd="sng">
+                      <a:solidFill>
+                        <a:srgbClr val="9E9E9E">
+                          <a:alpha val="0"/>
+                        </a:srgbClr>
+                      </a:solidFill>
+                      <a:prstDash val="dot"/>
+                      <a:round/>
+                      <a:headEnd type="none" w="sm" len="sm"/>
+                      <a:tailEnd type="none" w="sm" len="sm"/>
+                    </a:lnT>
+                    <a:lnB w="9525" cap="flat" cmpd="sng">
+                      <a:solidFill>
+                        <a:srgbClr val="9E9E9E">
+                          <a:alpha val="0"/>
+                        </a:srgbClr>
+                      </a:solidFill>
+                      <a:prstDash val="dot"/>
+                      <a:round/>
+                      <a:headEnd type="none" w="sm" len="sm"/>
+                      <a:tailEnd type="none" w="sm" len="sm"/>
+                    </a:lnB>
+                  </a:tcPr>
+                </a:tc>
+                <a:extLst>
+                  <a:ext uri="{0D108BD9-81ED-4DB2-BD59-A6C34878D82A}">
+                    <a16:rowId xmlns:a16="http://schemas.microsoft.com/office/drawing/2014/main" val="10002"/>
+                  </a:ext>
+                </a:extLst>
+              </a:tr>
+              <a:tr h="1042125">
+                <a:tc>
+                  <a:txBody>
+                    <a:bodyPr/>
+                    <a:lstStyle/>
+                    <a:p>
+                      <a:pPr marL="0" lvl="0" indent="0" algn="l" rtl="0">
                         <a:spcBef>
                           <a:spcPts val="0"/>
                         </a:spcBef>
@@ -12416,13 +12638,21 @@
                         <a:buNone/>
                       </a:pPr>
                       <a:r>
-                        <a:t/>
+                        <a:rPr lang="en" b="1"/>
+                        <a:t>Ethical Concerns</a:t>
                       </a:r>
-                      <a:endParaRPr sz="1200"/>
+                      <a:br>
+                        <a:rPr lang="en" b="1"/>
+                      </a:br>
+                      <a:r>
+                        <a:rPr lang="en" sz="1200" i="1"/>
+                        <a:t>Definition</a:t>
+                      </a:r>
+                      <a:endParaRPr sz="1200" i="1"/>
                     </a:p>
                   </a:txBody>
-                  <a:tcPr marT="91425" marB="91425" marR="91425" marL="91425">
-                    <a:lnL cap="flat" cmpd="sng" w="9525">
+                  <a:tcPr marL="91425" marR="91425" marT="91425" marB="91425">
+                    <a:lnL w="9525" cap="flat" cmpd="sng">
                       <a:solidFill>
                         <a:srgbClr val="9E9E9E">
                           <a:alpha val="0"/>
@@ -12430,10 +12660,10 @@
                       </a:solidFill>
                       <a:prstDash val="dot"/>
                       <a:round/>
-                      <a:headEnd len="sm" w="sm" type="none"/>
-                      <a:tailEnd len="sm" w="sm" type="none"/>
+                      <a:headEnd type="none" w="sm" len="sm"/>
+                      <a:tailEnd type="none" w="sm" len="sm"/>
                     </a:lnL>
-                    <a:lnR cap="flat" cmpd="sng" w="9525">
+                    <a:lnR w="9525" cap="flat" cmpd="sng">
                       <a:solidFill>
                         <a:srgbClr val="9E9E9E">
                           <a:alpha val="0"/>
@@ -12441,10 +12671,10 @@
                       </a:solidFill>
                       <a:prstDash val="dot"/>
                       <a:round/>
-                      <a:headEnd len="sm" w="sm" type="none"/>
-                      <a:tailEnd len="sm" w="sm" type="none"/>
+                      <a:headEnd type="none" w="sm" len="sm"/>
+                      <a:tailEnd type="none" w="sm" len="sm"/>
                     </a:lnR>
-                    <a:lnT cap="flat" cmpd="sng" w="9525">
+                    <a:lnT w="9525" cap="flat" cmpd="sng">
                       <a:solidFill>
                         <a:srgbClr val="9E9E9E">
                           <a:alpha val="0"/>
@@ -12452,10 +12682,10 @@
                       </a:solidFill>
                       <a:prstDash val="dot"/>
                       <a:round/>
-                      <a:headEnd len="sm" w="sm" type="none"/>
-                      <a:tailEnd len="sm" w="sm" type="none"/>
+                      <a:headEnd type="none" w="sm" len="sm"/>
+                      <a:tailEnd type="none" w="sm" len="sm"/>
                     </a:lnT>
-                    <a:lnB cap="flat" cmpd="sng" w="9525">
+                    <a:lnB w="9525" cap="flat" cmpd="sng">
                       <a:solidFill>
                         <a:srgbClr val="9E9E9E">
                           <a:alpha val="0"/>
@@ -12463,85 +12693,8 @@
                       </a:solidFill>
                       <a:prstDash val="dot"/>
                       <a:round/>
-                      <a:headEnd len="sm" w="sm" type="none"/>
-                      <a:tailEnd len="sm" w="sm" type="none"/>
-                    </a:lnB>
-                  </a:tcPr>
-                </a:tc>
-              </a:tr>
-              <a:tr h="1042125">
-                <a:tc>
-                  <a:txBody>
-                    <a:bodyPr/>
-                    <a:lstStyle/>
-                    <a:p>
-                      <a:pPr indent="0" lvl="0" marL="0" rtl="0" algn="l">
-                        <a:spcBef>
-                          <a:spcPts val="0"/>
-                        </a:spcBef>
-                        <a:spcAft>
-                          <a:spcPts val="0"/>
-                        </a:spcAft>
-                        <a:buNone/>
-                      </a:pPr>
-                      <a:r>
-                        <a:rPr b="1" lang="en"/>
-                        <a:t>Ethical Concerns</a:t>
-                      </a:r>
-                      <a:br>
-                        <a:rPr b="1" lang="en"/>
-                      </a:br>
-                      <a:r>
-                        <a:rPr i="1" lang="en" sz="1200"/>
-                        <a:t>Definition</a:t>
-                      </a:r>
-                      <a:endParaRPr i="1" sz="1200"/>
-                    </a:p>
-                  </a:txBody>
-                  <a:tcPr marT="91425" marB="91425" marR="91425" marL="91425">
-                    <a:lnL cap="flat" cmpd="sng" w="9525">
-                      <a:solidFill>
-                        <a:srgbClr val="9E9E9E">
-                          <a:alpha val="0"/>
-                        </a:srgbClr>
-                      </a:solidFill>
-                      <a:prstDash val="dot"/>
-                      <a:round/>
-                      <a:headEnd len="sm" w="sm" type="none"/>
-                      <a:tailEnd len="sm" w="sm" type="none"/>
-                    </a:lnL>
-                    <a:lnR cap="flat" cmpd="sng" w="9525">
-                      <a:solidFill>
-                        <a:srgbClr val="9E9E9E">
-                          <a:alpha val="0"/>
-                        </a:srgbClr>
-                      </a:solidFill>
-                      <a:prstDash val="dot"/>
-                      <a:round/>
-                      <a:headEnd len="sm" w="sm" type="none"/>
-                      <a:tailEnd len="sm" w="sm" type="none"/>
-                    </a:lnR>
-                    <a:lnT cap="flat" cmpd="sng" w="9525">
-                      <a:solidFill>
-                        <a:srgbClr val="9E9E9E">
-                          <a:alpha val="0"/>
-                        </a:srgbClr>
-                      </a:solidFill>
-                      <a:prstDash val="dot"/>
-                      <a:round/>
-                      <a:headEnd len="sm" w="sm" type="none"/>
-                      <a:tailEnd len="sm" w="sm" type="none"/>
-                    </a:lnT>
-                    <a:lnB cap="flat" cmpd="sng" w="9525">
-                      <a:solidFill>
-                        <a:srgbClr val="9E9E9E">
-                          <a:alpha val="0"/>
-                        </a:srgbClr>
-                      </a:solidFill>
-                      <a:prstDash val="dot"/>
-                      <a:round/>
-                      <a:headEnd len="sm" w="sm" type="none"/>
-                      <a:tailEnd len="sm" w="sm" type="none"/>
+                      <a:headEnd type="none" w="sm" len="sm"/>
+                      <a:tailEnd type="none" w="sm" len="sm"/>
                     </a:lnB>
                   </a:tcPr>
                 </a:tc>
@@ -12550,7 +12703,7 @@
                     <a:bodyPr/>
                     <a:lstStyle/>
                     <a:p>
-                      <a:pPr indent="0" lvl="0" marL="0" rtl="0" algn="l">
+                      <a:pPr marL="0" lvl="0" indent="0" algn="l" rtl="0">
                         <a:spcBef>
                           <a:spcPts val="0"/>
                         </a:spcBef>
@@ -12566,7 +12719,7 @@
                       <a:endParaRPr sz="1200"/>
                     </a:p>
                     <a:p>
-                      <a:pPr indent="0" lvl="0" marL="0" rtl="0" algn="l">
+                      <a:pPr marL="0" lvl="0" indent="0" algn="l" rtl="0">
                         <a:spcBef>
                           <a:spcPts val="0"/>
                         </a:spcBef>
@@ -12582,7 +12735,7 @@
                       <a:endParaRPr sz="1200"/>
                     </a:p>
                     <a:p>
-                      <a:pPr indent="0" lvl="0" marL="0" rtl="0" algn="l">
+                      <a:pPr marL="0" lvl="0" indent="0" algn="l" rtl="0">
                         <a:spcBef>
                           <a:spcPts val="0"/>
                         </a:spcBef>
@@ -12591,14 +12744,11 @@
                         </a:spcAft>
                         <a:buNone/>
                       </a:pPr>
-                      <a:r>
-                        <a:t/>
-                      </a:r>
                       <a:endParaRPr sz="1200"/>
                     </a:p>
                   </a:txBody>
-                  <a:tcPr marT="91425" marB="91425" marR="91425" marL="91425">
-                    <a:lnL cap="flat" cmpd="sng" w="9525">
+                  <a:tcPr marL="91425" marR="91425" marT="91425" marB="91425">
+                    <a:lnL w="9525" cap="flat" cmpd="sng">
                       <a:solidFill>
                         <a:srgbClr val="9E9E9E">
                           <a:alpha val="0"/>
@@ -12606,10 +12756,10 @@
                       </a:solidFill>
                       <a:prstDash val="dot"/>
                       <a:round/>
-                      <a:headEnd len="sm" w="sm" type="none"/>
-                      <a:tailEnd len="sm" w="sm" type="none"/>
+                      <a:headEnd type="none" w="sm" len="sm"/>
+                      <a:tailEnd type="none" w="sm" len="sm"/>
                     </a:lnL>
-                    <a:lnR cap="flat" cmpd="sng" w="9525">
+                    <a:lnR w="9525" cap="flat" cmpd="sng">
                       <a:solidFill>
                         <a:srgbClr val="9E9E9E">
                           <a:alpha val="0"/>
@@ -12617,10 +12767,10 @@
                       </a:solidFill>
                       <a:prstDash val="dot"/>
                       <a:round/>
-                      <a:headEnd len="sm" w="sm" type="none"/>
-                      <a:tailEnd len="sm" w="sm" type="none"/>
+                      <a:headEnd type="none" w="sm" len="sm"/>
+                      <a:tailEnd type="none" w="sm" len="sm"/>
                     </a:lnR>
-                    <a:lnT cap="flat" cmpd="sng" w="9525">
+                    <a:lnT w="9525" cap="flat" cmpd="sng">
                       <a:solidFill>
                         <a:srgbClr val="9E9E9E">
                           <a:alpha val="0"/>
@@ -12628,10 +12778,10 @@
                       </a:solidFill>
                       <a:prstDash val="dot"/>
                       <a:round/>
-                      <a:headEnd len="sm" w="sm" type="none"/>
-                      <a:tailEnd len="sm" w="sm" type="none"/>
+                      <a:headEnd type="none" w="sm" len="sm"/>
+                      <a:tailEnd type="none" w="sm" len="sm"/>
                     </a:lnT>
-                    <a:lnB cap="flat" cmpd="sng" w="9525">
+                    <a:lnB w="9525" cap="flat" cmpd="sng">
                       <a:solidFill>
                         <a:srgbClr val="9E9E9E">
                           <a:alpha val="0"/>
@@ -12639,8 +12789,8 @@
                       </a:solidFill>
                       <a:prstDash val="dot"/>
                       <a:round/>
-                      <a:headEnd len="sm" w="sm" type="none"/>
-                      <a:tailEnd len="sm" w="sm" type="none"/>
+                      <a:headEnd type="none" w="sm" len="sm"/>
+                      <a:tailEnd type="none" w="sm" len="sm"/>
                     </a:lnB>
                   </a:tcPr>
                 </a:tc>
@@ -12649,7 +12799,7 @@
                     <a:bodyPr/>
                     <a:lstStyle/>
                     <a:p>
-                      <a:pPr indent="0" lvl="0" marL="0" rtl="0" algn="l">
+                      <a:pPr marL="0" lvl="0" indent="0" algn="l" rtl="0">
                         <a:spcBef>
                           <a:spcPts val="0"/>
                         </a:spcBef>
@@ -12665,7 +12815,7 @@
                       <a:endParaRPr sz="1200"/>
                     </a:p>
                     <a:p>
-                      <a:pPr indent="0" lvl="0" marL="0" rtl="0" algn="l">
+                      <a:pPr marL="0" lvl="0" indent="0" algn="l" rtl="0">
                         <a:spcBef>
                           <a:spcPts val="0"/>
                         </a:spcBef>
@@ -12681,7 +12831,7 @@
                       <a:endParaRPr sz="1200"/>
                     </a:p>
                     <a:p>
-                      <a:pPr indent="0" lvl="0" marL="0" rtl="0" algn="l">
+                      <a:pPr marL="0" lvl="0" indent="0" algn="l" rtl="0">
                         <a:spcBef>
                           <a:spcPts val="0"/>
                         </a:spcBef>
@@ -12690,14 +12840,11 @@
                         </a:spcAft>
                         <a:buNone/>
                       </a:pPr>
-                      <a:r>
-                        <a:t/>
-                      </a:r>
                       <a:endParaRPr sz="1200"/>
                     </a:p>
                   </a:txBody>
-                  <a:tcPr marT="91425" marB="91425" marR="91425" marL="91425">
-                    <a:lnL cap="flat" cmpd="sng" w="9525">
+                  <a:tcPr marL="91425" marR="91425" marT="91425" marB="91425">
+                    <a:lnL w="9525" cap="flat" cmpd="sng">
                       <a:solidFill>
                         <a:srgbClr val="9E9E9E">
                           <a:alpha val="0"/>
@@ -12705,10 +12852,10 @@
                       </a:solidFill>
                       <a:prstDash val="dot"/>
                       <a:round/>
-                      <a:headEnd len="sm" w="sm" type="none"/>
-                      <a:tailEnd len="sm" w="sm" type="none"/>
+                      <a:headEnd type="none" w="sm" len="sm"/>
+                      <a:tailEnd type="none" w="sm" len="sm"/>
                     </a:lnL>
-                    <a:lnR cap="flat" cmpd="sng" w="9525">
+                    <a:lnR w="9525" cap="flat" cmpd="sng">
                       <a:solidFill>
                         <a:srgbClr val="9E9E9E">
                           <a:alpha val="0"/>
@@ -12716,10 +12863,10 @@
                       </a:solidFill>
                       <a:prstDash val="dot"/>
                       <a:round/>
-                      <a:headEnd len="sm" w="sm" type="none"/>
-                      <a:tailEnd len="sm" w="sm" type="none"/>
+                      <a:headEnd type="none" w="sm" len="sm"/>
+                      <a:tailEnd type="none" w="sm" len="sm"/>
                     </a:lnR>
-                    <a:lnT cap="flat" cmpd="sng" w="9525">
+                    <a:lnT w="9525" cap="flat" cmpd="sng">
                       <a:solidFill>
                         <a:srgbClr val="9E9E9E">
                           <a:alpha val="0"/>
@@ -12727,10 +12874,10 @@
                       </a:solidFill>
                       <a:prstDash val="dot"/>
                       <a:round/>
-                      <a:headEnd len="sm" w="sm" type="none"/>
-                      <a:tailEnd len="sm" w="sm" type="none"/>
+                      <a:headEnd type="none" w="sm" len="sm"/>
+                      <a:tailEnd type="none" w="sm" len="sm"/>
                     </a:lnT>
-                    <a:lnB cap="flat" cmpd="sng" w="9525">
+                    <a:lnB w="9525" cap="flat" cmpd="sng">
                       <a:solidFill>
                         <a:srgbClr val="9E9E9E">
                           <a:alpha val="0"/>
@@ -12738,11 +12885,16 @@
                       </a:solidFill>
                       <a:prstDash val="dot"/>
                       <a:round/>
-                      <a:headEnd len="sm" w="sm" type="none"/>
-                      <a:tailEnd len="sm" w="sm" type="none"/>
+                      <a:headEnd type="none" w="sm" len="sm"/>
+                      <a:tailEnd type="none" w="sm" len="sm"/>
                     </a:lnB>
                   </a:tcPr>
                 </a:tc>
+                <a:extLst>
+                  <a:ext uri="{0D108BD9-81ED-4DB2-BD59-A6C34878D82A}">
+                    <a16:rowId xmlns:a16="http://schemas.microsoft.com/office/drawing/2014/main" val="10003"/>
+                  </a:ext>
+                </a:extLst>
               </a:tr>
             </a:tbl>
           </a:graphicData>
@@ -12757,11 +12909,11 @@
 </file>
 
 <file path=ppt/slides/slide9.xml><?xml version="1.0" encoding="utf-8"?>
-<p:sld xmlns:a="http://schemas.openxmlformats.org/drawingml/2006/main" xmlns:r="http://schemas.openxmlformats.org/officeDocument/2006/relationships" xmlns:mc="http://schemas.openxmlformats.org/markup-compatibility/2006" xmlns:mv="urn:schemas-microsoft-com:mac:vml" xmlns:p="http://schemas.openxmlformats.org/presentationml/2006/main" xmlns:c="http://schemas.openxmlformats.org/drawingml/2006/chart" xmlns:dgm="http://schemas.openxmlformats.org/drawingml/2006/diagram" xmlns:o="urn:schemas-microsoft-com:office:office" xmlns:v="urn:schemas-microsoft-com:vml" xmlns:pvml="urn:schemas-microsoft-com:office:powerpoint" xmlns:com="http://schemas.openxmlformats.org/drawingml/2006/compatibility" xmlns:p14="http://schemas.microsoft.com/office/powerpoint/2010/main" xmlns:p15="http://schemas.microsoft.com/office/powerpoint/2012/main">
+<p:sld xmlns:a="http://schemas.openxmlformats.org/drawingml/2006/main" xmlns:r="http://schemas.openxmlformats.org/officeDocument/2006/relationships" xmlns:p="http://schemas.openxmlformats.org/presentationml/2006/main">
   <p:cSld>
     <p:spTree>
       <p:nvGrpSpPr>
-        <p:cNvPr id="146" name="Shape 146"/>
+        <p:cNvPr id="1" name="Shape 146"/>
         <p:cNvGrpSpPr/>
         <p:nvPr/>
       </p:nvGrpSpPr>
@@ -12776,7 +12928,9 @@
       <p:sp>
         <p:nvSpPr>
           <p:cNvPr id="147" name="Google Shape;147;p21"/>
-          <p:cNvSpPr txBox="1"/>
+          <p:cNvSpPr txBox="1">
+            <a:spLocks noGrp="1"/>
+          </p:cNvSpPr>
           <p:nvPr>
             <p:ph type="title"/>
           </p:nvPr>
@@ -12791,12 +12945,12 @@
           </a:prstGeom>
         </p:spPr>
         <p:txBody>
-          <a:bodyPr anchorCtr="0" anchor="t" bIns="91425" lIns="91425" spcFirstLastPara="1" rIns="91425" wrap="square" tIns="91425">
+          <a:bodyPr spcFirstLastPara="1" wrap="square" lIns="91425" tIns="91425" rIns="91425" bIns="91425" anchor="t" anchorCtr="0">
             <a:noAutofit/>
           </a:bodyPr>
           <a:lstStyle/>
           <a:p>
-            <a:pPr indent="0" lvl="0" marL="0" rtl="0" algn="l">
+            <a:pPr marL="0" lvl="0" indent="0" algn="l" rtl="0">
               <a:spcBef>
                 <a:spcPts val="0"/>
               </a:spcBef>
@@ -12823,7 +12977,7 @@
           <a:blip r:embed="rId3">
             <a:alphaModFix/>
           </a:blip>
-          <a:srcRect b="0" l="0" r="0" t="24328"/>
+          <a:srcRect t="24328"/>
           <a:stretch/>
         </p:blipFill>
         <p:spPr>
@@ -12860,12 +13014,12 @@
           </a:ln>
         </p:spPr>
         <p:txBody>
-          <a:bodyPr anchorCtr="0" anchor="t" bIns="91425" lIns="91425" spcFirstLastPara="1" rIns="91425" wrap="square" tIns="91425">
+          <a:bodyPr spcFirstLastPara="1" wrap="square" lIns="91425" tIns="91425" rIns="91425" bIns="91425" anchor="t" anchorCtr="0">
             <a:noAutofit/>
           </a:bodyPr>
           <a:lstStyle/>
           <a:p>
-            <a:pPr indent="0" lvl="0" marL="0" rtl="0" algn="l">
+            <a:pPr marL="0" lvl="0" indent="0" algn="l" rtl="0">
               <a:spcBef>
                 <a:spcPts val="0"/>
               </a:spcBef>
@@ -12875,7 +13029,7 @@
               <a:buNone/>
             </a:pPr>
             <a:r>
-              <a:rPr b="1" lang="en" sz="1800">
+              <a:rPr lang="en" sz="1800" b="1">
                 <a:latin typeface="Roboto"/>
                 <a:ea typeface="Roboto"/>
                 <a:cs typeface="Roboto"/>
@@ -12912,12 +13066,12 @@
           </a:ln>
         </p:spPr>
         <p:txBody>
-          <a:bodyPr anchorCtr="0" anchor="t" bIns="91425" lIns="91425" spcFirstLastPara="1" rIns="91425" wrap="square" tIns="91425">
+          <a:bodyPr spcFirstLastPara="1" wrap="square" lIns="91425" tIns="91425" rIns="91425" bIns="91425" anchor="t" anchorCtr="0">
             <a:noAutofit/>
           </a:bodyPr>
           <a:lstStyle/>
           <a:p>
-            <a:pPr indent="0" lvl="0" marL="0" rtl="0" algn="l">
+            <a:pPr marL="0" lvl="0" indent="0" algn="l" rtl="0">
               <a:spcBef>
                 <a:spcPts val="0"/>
               </a:spcBef>
@@ -12927,7 +13081,7 @@
               <a:buNone/>
             </a:pPr>
             <a:r>
-              <a:rPr b="1" lang="en" sz="1800">
+              <a:rPr lang="en" sz="1800" b="1">
                 <a:latin typeface="Roboto"/>
                 <a:ea typeface="Roboto"/>
                 <a:cs typeface="Roboto"/>
@@ -12964,12 +13118,12 @@
           </a:ln>
         </p:spPr>
         <p:txBody>
-          <a:bodyPr anchorCtr="0" anchor="t" bIns="91425" lIns="91425" spcFirstLastPara="1" rIns="91425" wrap="square" tIns="91425">
+          <a:bodyPr spcFirstLastPara="1" wrap="square" lIns="91425" tIns="91425" rIns="91425" bIns="91425" anchor="t" anchorCtr="0">
             <a:noAutofit/>
           </a:bodyPr>
           <a:lstStyle/>
           <a:p>
-            <a:pPr indent="0" lvl="0" marL="0" rtl="0" algn="l">
+            <a:pPr marL="0" lvl="0" indent="0" algn="l" rtl="0">
               <a:spcBef>
                 <a:spcPts val="0"/>
               </a:spcBef>
@@ -13016,12 +13170,12 @@
           </a:ln>
         </p:spPr>
         <p:txBody>
-          <a:bodyPr anchorCtr="0" anchor="t" bIns="91425" lIns="91425" spcFirstLastPara="1" rIns="91425" wrap="square" tIns="91425">
+          <a:bodyPr spcFirstLastPara="1" wrap="square" lIns="91425" tIns="91425" rIns="91425" bIns="91425" anchor="t" anchorCtr="0">
             <a:noAutofit/>
           </a:bodyPr>
           <a:lstStyle/>
           <a:p>
-            <a:pPr indent="0" lvl="0" marL="0" rtl="0" algn="l">
+            <a:pPr marL="0" lvl="0" indent="0" algn="l" rtl="0">
               <a:spcBef>
                 <a:spcPts val="0"/>
               </a:spcBef>
@@ -13063,14 +13217,14 @@
             <a:avLst/>
           </a:prstGeom>
           <a:noFill/>
-          <a:ln cap="flat" cmpd="sng" w="9525">
+          <a:ln w="9525" cap="flat" cmpd="sng">
             <a:solidFill>
               <a:schemeClr val="dk2"/>
             </a:solidFill>
             <a:prstDash val="solid"/>
             <a:round/>
-            <a:headEnd len="med" w="med" type="none"/>
-            <a:tailEnd len="med" w="med" type="none"/>
+            <a:headEnd type="none" w="med" len="med"/>
+            <a:tailEnd type="none" w="med" len="med"/>
           </a:ln>
         </p:spPr>
       </p:cxnSp>
@@ -13094,12 +13248,12 @@
           </a:ln>
         </p:spPr>
         <p:txBody>
-          <a:bodyPr anchorCtr="0" anchor="t" bIns="91425" lIns="91425" spcFirstLastPara="1" rIns="91425" wrap="square" tIns="91425">
+          <a:bodyPr spcFirstLastPara="1" wrap="square" lIns="91425" tIns="91425" rIns="91425" bIns="91425" anchor="t" anchorCtr="0">
             <a:noAutofit/>
           </a:bodyPr>
           <a:lstStyle/>
           <a:p>
-            <a:pPr indent="0" lvl="0" marL="0" rtl="0" algn="l">
+            <a:pPr marL="0" lvl="0" indent="0" algn="l" rtl="0">
               <a:spcBef>
                 <a:spcPts val="0"/>
               </a:spcBef>
@@ -13109,7 +13263,7 @@
               <a:buNone/>
             </a:pPr>
             <a:r>
-              <a:rPr b="1" lang="en" sz="1800">
+              <a:rPr lang="en" sz="1800" b="1">
                 <a:latin typeface="Roboto"/>
                 <a:ea typeface="Roboto"/>
                 <a:cs typeface="Roboto"/>
@@ -13117,7 +13271,7 @@
               </a:rPr>
               <a:t>Proposed Next Steps</a:t>
             </a:r>
-            <a:endParaRPr b="1" sz="1800">
+            <a:endParaRPr sz="1800" b="1">
               <a:latin typeface="Roboto"/>
               <a:ea typeface="Roboto"/>
               <a:cs typeface="Roboto"/>
@@ -13125,7 +13279,7 @@
             </a:endParaRPr>
           </a:p>
           <a:p>
-            <a:pPr indent="0" lvl="0" marL="0" rtl="0" algn="l">
+            <a:pPr marL="0" lvl="0" indent="0" algn="l" rtl="0">
               <a:spcBef>
                 <a:spcPts val="0"/>
               </a:spcBef>
@@ -13134,10 +13288,7 @@
               </a:spcAft>
               <a:buNone/>
             </a:pPr>
-            <a:r>
-              <a:t/>
-            </a:r>
-            <a:endParaRPr b="1" sz="1000">
+            <a:endParaRPr sz="1000" b="1">
               <a:latin typeface="Roboto"/>
               <a:ea typeface="Roboto"/>
               <a:cs typeface="Roboto"/>
@@ -13145,7 +13296,7 @@
             </a:endParaRPr>
           </a:p>
           <a:p>
-            <a:pPr indent="-317500" lvl="0" marL="457200" rtl="0" algn="l">
+            <a:pPr marL="457200" lvl="0" indent="-317500" algn="l" rtl="0">
               <a:spcBef>
                 <a:spcPts val="0"/>
               </a:spcBef>
@@ -13173,7 +13324,7 @@
             </a:endParaRPr>
           </a:p>
           <a:p>
-            <a:pPr indent="-317500" lvl="0" marL="457200" rtl="0" algn="l">
+            <a:pPr marL="457200" lvl="0" indent="-317500" algn="l" rtl="0">
               <a:spcBef>
                 <a:spcPts val="0"/>
               </a:spcBef>
@@ -13201,7 +13352,7 @@
             </a:endParaRPr>
           </a:p>
           <a:p>
-            <a:pPr indent="-317500" lvl="0" marL="457200" rtl="0" algn="l">
+            <a:pPr marL="457200" lvl="0" indent="-317500" algn="l" rtl="0">
               <a:spcBef>
                 <a:spcPts val="0"/>
               </a:spcBef>
@@ -13250,12 +13401,12 @@
           </a:ln>
         </p:spPr>
         <p:txBody>
-          <a:bodyPr anchorCtr="0" anchor="t" bIns="91425" lIns="91425" spcFirstLastPara="1" rIns="91425" wrap="square" tIns="91425">
+          <a:bodyPr spcFirstLastPara="1" wrap="square" lIns="91425" tIns="91425" rIns="91425" bIns="91425" anchor="t" anchorCtr="0">
             <a:noAutofit/>
           </a:bodyPr>
           <a:lstStyle/>
           <a:p>
-            <a:pPr indent="0" lvl="0" marL="0" rtl="0" algn="l">
+            <a:pPr marL="0" lvl="0" indent="0" algn="l" rtl="0">
               <a:spcBef>
                 <a:spcPts val="0"/>
               </a:spcBef>
@@ -13265,7 +13416,7 @@
               <a:buNone/>
             </a:pPr>
             <a:r>
-              <a:rPr b="1" lang="en" sz="1800">
+              <a:rPr lang="en" sz="1800" b="1">
                 <a:latin typeface="Roboto"/>
                 <a:ea typeface="Roboto"/>
                 <a:cs typeface="Roboto"/>
@@ -13273,7 +13424,7 @@
               </a:rPr>
               <a:t>Proposed Timeline</a:t>
             </a:r>
-            <a:endParaRPr b="1" sz="1800">
+            <a:endParaRPr sz="1800" b="1">
               <a:latin typeface="Roboto"/>
               <a:ea typeface="Roboto"/>
               <a:cs typeface="Roboto"/>
@@ -13281,7 +13432,7 @@
             </a:endParaRPr>
           </a:p>
           <a:p>
-            <a:pPr indent="0" lvl="0" marL="0" rtl="0" algn="l">
+            <a:pPr marL="0" lvl="0" indent="0" algn="l" rtl="0">
               <a:spcBef>
                 <a:spcPts val="0"/>
               </a:spcBef>
@@ -13290,10 +13441,7 @@
               </a:spcAft>
               <a:buNone/>
             </a:pPr>
-            <a:r>
-              <a:t/>
-            </a:r>
-            <a:endParaRPr b="1" sz="1000">
+            <a:endParaRPr sz="1000" b="1">
               <a:latin typeface="Roboto"/>
               <a:ea typeface="Roboto"/>
               <a:cs typeface="Roboto"/>
@@ -13301,7 +13449,7 @@
             </a:endParaRPr>
           </a:p>
           <a:p>
-            <a:pPr indent="0" lvl="0" marL="457200" rtl="0" algn="l">
+            <a:pPr marL="457200" lvl="0" indent="0" algn="l" rtl="0">
               <a:spcBef>
                 <a:spcPts val="0"/>
               </a:spcBef>
@@ -13310,9 +13458,6 @@
               </a:spcAft>
               <a:buNone/>
             </a:pPr>
-            <a:r>
-              <a:t/>
-            </a:r>
             <a:endParaRPr>
               <a:latin typeface="Roboto"/>
               <a:ea typeface="Roboto"/>
@@ -13342,12 +13487,12 @@
           </a:ln>
         </p:spPr>
         <p:txBody>
-          <a:bodyPr anchorCtr="0" anchor="t" bIns="91425" lIns="91425" spcFirstLastPara="1" rIns="91425" wrap="square" tIns="91425">
+          <a:bodyPr spcFirstLastPara="1" wrap="square" lIns="91425" tIns="91425" rIns="91425" bIns="91425" anchor="t" anchorCtr="0">
             <a:noAutofit/>
           </a:bodyPr>
           <a:lstStyle/>
           <a:p>
-            <a:pPr indent="0" lvl="0" marL="457200" rtl="0" algn="l">
+            <a:pPr marL="457200" lvl="0" indent="0" algn="l" rtl="0">
               <a:spcBef>
                 <a:spcPts val="0"/>
               </a:spcBef>
@@ -13357,7 +13502,7 @@
               <a:buNone/>
             </a:pPr>
             <a:r>
-              <a:rPr b="1" lang="en" sz="1200" u="sng">
+              <a:rPr lang="en" sz="1200" b="1" u="sng">
                 <a:latin typeface="Roboto"/>
                 <a:ea typeface="Roboto"/>
                 <a:cs typeface="Roboto"/>
@@ -13365,7 +13510,7 @@
               </a:rPr>
               <a:t>Month 1</a:t>
             </a:r>
-            <a:endParaRPr b="1" sz="1200" u="sng">
+            <a:endParaRPr sz="1200" b="1" u="sng">
               <a:latin typeface="Roboto"/>
               <a:ea typeface="Roboto"/>
               <a:cs typeface="Roboto"/>
@@ -13373,7 +13518,7 @@
             </a:endParaRPr>
           </a:p>
           <a:p>
-            <a:pPr indent="-304800" lvl="0" marL="457200" rtl="0" algn="l">
+            <a:pPr marL="457200" lvl="0" indent="-304800" algn="l" rtl="0">
               <a:spcBef>
                 <a:spcPts val="0"/>
               </a:spcBef>
@@ -13401,7 +13546,7 @@
             </a:endParaRPr>
           </a:p>
           <a:p>
-            <a:pPr indent="-304800" lvl="0" marL="457200" rtl="0" algn="l">
+            <a:pPr marL="457200" lvl="0" indent="-304800" algn="l" rtl="0">
               <a:spcBef>
                 <a:spcPts val="0"/>
               </a:spcBef>
@@ -13450,12 +13595,12 @@
           </a:ln>
         </p:spPr>
         <p:txBody>
-          <a:bodyPr anchorCtr="0" anchor="t" bIns="91425" lIns="91425" spcFirstLastPara="1" rIns="91425" wrap="square" tIns="91425">
+          <a:bodyPr spcFirstLastPara="1" wrap="square" lIns="91425" tIns="91425" rIns="91425" bIns="91425" anchor="t" anchorCtr="0">
             <a:noAutofit/>
           </a:bodyPr>
           <a:lstStyle/>
           <a:p>
-            <a:pPr indent="0" lvl="0" marL="457200" rtl="0" algn="l">
+            <a:pPr marL="457200" lvl="0" indent="0" algn="l" rtl="0">
               <a:spcBef>
                 <a:spcPts val="0"/>
               </a:spcBef>
@@ -13465,7 +13610,7 @@
               <a:buNone/>
             </a:pPr>
             <a:r>
-              <a:rPr b="1" lang="en" sz="1200" u="sng">
+              <a:rPr lang="en" sz="1200" b="1" u="sng">
                 <a:latin typeface="Roboto"/>
                 <a:ea typeface="Roboto"/>
                 <a:cs typeface="Roboto"/>
@@ -13473,7 +13618,7 @@
               </a:rPr>
               <a:t>Month 2</a:t>
             </a:r>
-            <a:endParaRPr b="1" sz="1200" u="sng">
+            <a:endParaRPr sz="1200" b="1" u="sng">
               <a:latin typeface="Roboto"/>
               <a:ea typeface="Roboto"/>
               <a:cs typeface="Roboto"/>
@@ -13481,7 +13626,7 @@
             </a:endParaRPr>
           </a:p>
           <a:p>
-            <a:pPr indent="-304800" lvl="0" marL="457200" rtl="0" algn="l">
+            <a:pPr marL="457200" lvl="0" indent="-304800" algn="l" rtl="0">
               <a:spcBef>
                 <a:spcPts val="0"/>
               </a:spcBef>
@@ -13509,7 +13654,7 @@
             </a:endParaRPr>
           </a:p>
           <a:p>
-            <a:pPr indent="-304800" lvl="0" marL="457200" rtl="0" algn="l">
+            <a:pPr marL="457200" lvl="0" indent="-304800" algn="l" rtl="0">
               <a:spcBef>
                 <a:spcPts val="0"/>
               </a:spcBef>
@@ -13558,12 +13703,12 @@
           </a:ln>
         </p:spPr>
         <p:txBody>
-          <a:bodyPr anchorCtr="0" anchor="t" bIns="91425" lIns="91425" spcFirstLastPara="1" rIns="91425" wrap="square" tIns="91425">
+          <a:bodyPr spcFirstLastPara="1" wrap="square" lIns="91425" tIns="91425" rIns="91425" bIns="91425" anchor="t" anchorCtr="0">
             <a:noAutofit/>
           </a:bodyPr>
           <a:lstStyle/>
           <a:p>
-            <a:pPr indent="0" lvl="0" marL="457200" rtl="0" algn="l">
+            <a:pPr marL="457200" lvl="0" indent="0" algn="l" rtl="0">
               <a:spcBef>
                 <a:spcPts val="0"/>
               </a:spcBef>
@@ -13573,7 +13718,7 @@
               <a:buNone/>
             </a:pPr>
             <a:r>
-              <a:rPr b="1" lang="en" sz="1200" u="sng">
+              <a:rPr lang="en" sz="1200" b="1" u="sng">
                 <a:latin typeface="Roboto"/>
                 <a:ea typeface="Roboto"/>
                 <a:cs typeface="Roboto"/>
@@ -13581,7 +13726,7 @@
               </a:rPr>
               <a:t>Month 3</a:t>
             </a:r>
-            <a:endParaRPr b="1" sz="1200" u="sng">
+            <a:endParaRPr sz="1200" b="1" u="sng">
               <a:latin typeface="Roboto"/>
               <a:ea typeface="Roboto"/>
               <a:cs typeface="Roboto"/>
@@ -13589,7 +13734,7 @@
             </a:endParaRPr>
           </a:p>
           <a:p>
-            <a:pPr indent="-304800" lvl="0" marL="457200" rtl="0" algn="l">
+            <a:pPr marL="457200" lvl="0" indent="-304800" algn="l" rtl="0">
               <a:spcBef>
                 <a:spcPts val="0"/>
               </a:spcBef>
@@ -13617,7 +13762,7 @@
             </a:endParaRPr>
           </a:p>
           <a:p>
-            <a:pPr indent="0" lvl="0" marL="914400" rtl="0" algn="l">
+            <a:pPr marL="914400" lvl="0" indent="0" algn="l" rtl="0">
               <a:spcBef>
                 <a:spcPts val="0"/>
               </a:spcBef>
@@ -13626,9 +13771,6 @@
               </a:spcAft>
               <a:buNone/>
             </a:pPr>
-            <a:r>
-              <a:t/>
-            </a:r>
             <a:endParaRPr sz="1200">
               <a:latin typeface="Roboto"/>
               <a:ea typeface="Roboto"/>
@@ -13647,7 +13789,7 @@
 </file>
 
 <file path=ppt/theme/theme1.xml><?xml version="1.0" encoding="utf-8"?>
-<a:theme xmlns:a="http://schemas.openxmlformats.org/drawingml/2006/main" xmlns:r="http://schemas.openxmlformats.org/officeDocument/2006/relationships" name="Paradigm">
+<a:theme xmlns:a="http://schemas.openxmlformats.org/drawingml/2006/main" name="Paradigm">
   <a:themeElements>
     <a:clrScheme name="Paradigm">
       <a:dk1>
@@ -13922,11 +14064,13 @@
       </a:bgFillStyleLst>
     </a:fmtScheme>
   </a:themeElements>
+  <a:objectDefaults/>
+  <a:extraClrSchemeLst/>
 </a:theme>
 </file>
 
 <file path=ppt/theme/theme2.xml><?xml version="1.0" encoding="utf-8"?>
-<a:theme xmlns:a="http://schemas.openxmlformats.org/drawingml/2006/main" xmlns:r="http://schemas.openxmlformats.org/officeDocument/2006/relationships">
+<a:theme xmlns:a="http://schemas.openxmlformats.org/drawingml/2006/main">
   <a:themeElements>
     <a:clrScheme name="Default">
       <a:dk1>
@@ -14201,5 +14345,7 @@
       </a:bgFillStyleLst>
     </a:fmtScheme>
   </a:themeElements>
+  <a:objectDefaults/>
+  <a:extraClrSchemeLst/>
 </a:theme>
 </file>
--- a/03_Final Presentation Template.pptx
+++ b/03_Final Presentation Template.pptx
@@ -7862,7 +7862,7 @@
             </a:r>
             <a:r>
               <a:rPr lang="en-US"/>
-              <a:t>dfsdfs</a:t>
+              <a:t>Osama</a:t>
             </a:r>
             <a:endParaRPr dirty="0"/>
           </a:p>

--- a/03_Final Presentation Template.pptx
+++ b/03_Final Presentation Template.pptx
@@ -282,6 +282,525 @@
     </p:ext>
   </p:extLst>
 </p:presentation>
+</file>
+
+<file path=ppt/revisionInfo.xml><?xml version="1.0" encoding="utf-8"?>
+<p1510:revInfo xmlns:a="http://schemas.openxmlformats.org/drawingml/2006/main" xmlns:r="http://schemas.openxmlformats.org/officeDocument/2006/relationships" xmlns:p1510="http://schemas.microsoft.com/office/powerpoint/2015/10/main">
+  <p1510:revLst>
+    <p1510:client id="{ABDD6F7D-79AF-4D42-A8B0-8BDC6E4DD92A}" v="28" dt="2020-02-18T20:57:18.572"/>
+  </p1510:revLst>
+</p1510:revInfo>
+</file>
+
+<file path=ppt/changesInfos/changesInfo1.xml><?xml version="1.0" encoding="utf-8"?>
+<pc:chgInfo xmlns:a="http://schemas.openxmlformats.org/drawingml/2006/main" xmlns:r="http://schemas.openxmlformats.org/officeDocument/2006/relationships" xmlns:ac="http://schemas.microsoft.com/office/drawing/2013/main/command" xmlns:pc="http://schemas.microsoft.com/office/powerpoint/2013/main/command">
+  <pc:docChgLst>
+    <pc:chgData name="Osama Mohammed Moustafa Hosam Elde" userId="ab8f451e-a635-42ee-be12-e2dde55852bf" providerId="ADAL" clId="{ABDD6F7D-79AF-4D42-A8B0-8BDC6E4DD92A}"/>
+    <pc:docChg chg="custSel modSld">
+      <pc:chgData name="Osama Mohammed Moustafa Hosam Elde" userId="ab8f451e-a635-42ee-be12-e2dde55852bf" providerId="ADAL" clId="{ABDD6F7D-79AF-4D42-A8B0-8BDC6E4DD92A}" dt="2020-02-18T20:57:30.957" v="1144" actId="14100"/>
+      <pc:docMkLst>
+        <pc:docMk/>
+      </pc:docMkLst>
+      <pc:sldChg chg="modSp">
+        <pc:chgData name="Osama Mohammed Moustafa Hosam Elde" userId="ab8f451e-a635-42ee-be12-e2dde55852bf" providerId="ADAL" clId="{ABDD6F7D-79AF-4D42-A8B0-8BDC6E4DD92A}" dt="2020-02-18T20:21:29.151" v="77" actId="20577"/>
+        <pc:sldMkLst>
+          <pc:docMk/>
+          <pc:sldMk cId="0" sldId="256"/>
+        </pc:sldMkLst>
+        <pc:spChg chg="mod">
+          <ac:chgData name="Osama Mohammed Moustafa Hosam Elde" userId="ab8f451e-a635-42ee-be12-e2dde55852bf" providerId="ADAL" clId="{ABDD6F7D-79AF-4D42-A8B0-8BDC6E4DD92A}" dt="2020-02-18T20:21:29.151" v="77" actId="20577"/>
+          <ac:spMkLst>
+            <pc:docMk/>
+            <pc:sldMk cId="0" sldId="256"/>
+            <ac:spMk id="64" creationId="{00000000-0000-0000-0000-000000000000}"/>
+          </ac:spMkLst>
+        </pc:spChg>
+        <pc:spChg chg="mod">
+          <ac:chgData name="Osama Mohammed Moustafa Hosam Elde" userId="ab8f451e-a635-42ee-be12-e2dde55852bf" providerId="ADAL" clId="{ABDD6F7D-79AF-4D42-A8B0-8BDC6E4DD92A}" dt="2020-02-18T20:19:10.063" v="25" actId="20577"/>
+          <ac:spMkLst>
+            <pc:docMk/>
+            <pc:sldMk cId="0" sldId="256"/>
+            <ac:spMk id="65" creationId="{00000000-0000-0000-0000-000000000000}"/>
+          </ac:spMkLst>
+        </pc:spChg>
+      </pc:sldChg>
+      <pc:sldChg chg="modSp">
+        <pc:chgData name="Osama Mohammed Moustafa Hosam Elde" userId="ab8f451e-a635-42ee-be12-e2dde55852bf" providerId="ADAL" clId="{ABDD6F7D-79AF-4D42-A8B0-8BDC6E4DD92A}" dt="2020-02-18T20:25:01.841" v="404" actId="20577"/>
+        <pc:sldMkLst>
+          <pc:docMk/>
+          <pc:sldMk cId="0" sldId="257"/>
+        </pc:sldMkLst>
+        <pc:spChg chg="mod">
+          <ac:chgData name="Osama Mohammed Moustafa Hosam Elde" userId="ab8f451e-a635-42ee-be12-e2dde55852bf" providerId="ADAL" clId="{ABDD6F7D-79AF-4D42-A8B0-8BDC6E4DD92A}" dt="2020-02-18T20:23:38.154" v="309" actId="20577"/>
+          <ac:spMkLst>
+            <pc:docMk/>
+            <pc:sldMk cId="0" sldId="257"/>
+            <ac:spMk id="71" creationId="{00000000-0000-0000-0000-000000000000}"/>
+          </ac:spMkLst>
+        </pc:spChg>
+        <pc:spChg chg="mod">
+          <ac:chgData name="Osama Mohammed Moustafa Hosam Elde" userId="ab8f451e-a635-42ee-be12-e2dde55852bf" providerId="ADAL" clId="{ABDD6F7D-79AF-4D42-A8B0-8BDC6E4DD92A}" dt="2020-02-18T20:23:59.432" v="311" actId="20577"/>
+          <ac:spMkLst>
+            <pc:docMk/>
+            <pc:sldMk cId="0" sldId="257"/>
+            <ac:spMk id="72" creationId="{00000000-0000-0000-0000-000000000000}"/>
+          </ac:spMkLst>
+        </pc:spChg>
+        <pc:spChg chg="mod">
+          <ac:chgData name="Osama Mohammed Moustafa Hosam Elde" userId="ab8f451e-a635-42ee-be12-e2dde55852bf" providerId="ADAL" clId="{ABDD6F7D-79AF-4D42-A8B0-8BDC6E4DD92A}" dt="2020-02-18T20:25:01.841" v="404" actId="20577"/>
+          <ac:spMkLst>
+            <pc:docMk/>
+            <pc:sldMk cId="0" sldId="257"/>
+            <ac:spMk id="73" creationId="{00000000-0000-0000-0000-000000000000}"/>
+          </ac:spMkLst>
+        </pc:spChg>
+      </pc:sldChg>
+      <pc:sldChg chg="modSp">
+        <pc:chgData name="Osama Mohammed Moustafa Hosam Elde" userId="ab8f451e-a635-42ee-be12-e2dde55852bf" providerId="ADAL" clId="{ABDD6F7D-79AF-4D42-A8B0-8BDC6E4DD92A}" dt="2020-02-18T20:32:48.943" v="475"/>
+        <pc:sldMkLst>
+          <pc:docMk/>
+          <pc:sldMk cId="0" sldId="258"/>
+        </pc:sldMkLst>
+        <pc:spChg chg="mod">
+          <ac:chgData name="Osama Mohammed Moustafa Hosam Elde" userId="ab8f451e-a635-42ee-be12-e2dde55852bf" providerId="ADAL" clId="{ABDD6F7D-79AF-4D42-A8B0-8BDC6E4DD92A}" dt="2020-02-18T20:28:00.710" v="411" actId="14100"/>
+          <ac:spMkLst>
+            <pc:docMk/>
+            <pc:sldMk cId="0" sldId="258"/>
+            <ac:spMk id="79" creationId="{00000000-0000-0000-0000-000000000000}"/>
+          </ac:spMkLst>
+        </pc:spChg>
+        <pc:spChg chg="mod">
+          <ac:chgData name="Osama Mohammed Moustafa Hosam Elde" userId="ab8f451e-a635-42ee-be12-e2dde55852bf" providerId="ADAL" clId="{ABDD6F7D-79AF-4D42-A8B0-8BDC6E4DD92A}" dt="2020-02-18T20:29:28.495" v="449" actId="20577"/>
+          <ac:spMkLst>
+            <pc:docMk/>
+            <pc:sldMk cId="0" sldId="258"/>
+            <ac:spMk id="80" creationId="{00000000-0000-0000-0000-000000000000}"/>
+          </ac:spMkLst>
+        </pc:spChg>
+        <pc:spChg chg="mod">
+          <ac:chgData name="Osama Mohammed Moustafa Hosam Elde" userId="ab8f451e-a635-42ee-be12-e2dde55852bf" providerId="ADAL" clId="{ABDD6F7D-79AF-4D42-A8B0-8BDC6E4DD92A}" dt="2020-02-18T20:30:20.414" v="455"/>
+          <ac:spMkLst>
+            <pc:docMk/>
+            <pc:sldMk cId="0" sldId="258"/>
+            <ac:spMk id="81" creationId="{00000000-0000-0000-0000-000000000000}"/>
+          </ac:spMkLst>
+        </pc:spChg>
+        <pc:spChg chg="mod">
+          <ac:chgData name="Osama Mohammed Moustafa Hosam Elde" userId="ab8f451e-a635-42ee-be12-e2dde55852bf" providerId="ADAL" clId="{ABDD6F7D-79AF-4D42-A8B0-8BDC6E4DD92A}" dt="2020-02-18T20:31:49.247" v="469" actId="313"/>
+          <ac:spMkLst>
+            <pc:docMk/>
+            <pc:sldMk cId="0" sldId="258"/>
+            <ac:spMk id="82" creationId="{00000000-0000-0000-0000-000000000000}"/>
+          </ac:spMkLst>
+        </pc:spChg>
+        <pc:spChg chg="mod">
+          <ac:chgData name="Osama Mohammed Moustafa Hosam Elde" userId="ab8f451e-a635-42ee-be12-e2dde55852bf" providerId="ADAL" clId="{ABDD6F7D-79AF-4D42-A8B0-8BDC6E4DD92A}" dt="2020-02-18T20:32:48.943" v="475"/>
+          <ac:spMkLst>
+            <pc:docMk/>
+            <pc:sldMk cId="0" sldId="258"/>
+            <ac:spMk id="83" creationId="{00000000-0000-0000-0000-000000000000}"/>
+          </ac:spMkLst>
+        </pc:spChg>
+      </pc:sldChg>
+      <pc:sldChg chg="delSp modSp">
+        <pc:chgData name="Osama Mohammed Moustafa Hosam Elde" userId="ab8f451e-a635-42ee-be12-e2dde55852bf" providerId="ADAL" clId="{ABDD6F7D-79AF-4D42-A8B0-8BDC6E4DD92A}" dt="2020-02-18T20:36:31.545" v="577" actId="20577"/>
+        <pc:sldMkLst>
+          <pc:docMk/>
+          <pc:sldMk cId="0" sldId="259"/>
+        </pc:sldMkLst>
+        <pc:spChg chg="mod">
+          <ac:chgData name="Osama Mohammed Moustafa Hosam Elde" userId="ab8f451e-a635-42ee-be12-e2dde55852bf" providerId="ADAL" clId="{ABDD6F7D-79AF-4D42-A8B0-8BDC6E4DD92A}" dt="2020-02-18T20:36:31.545" v="577" actId="20577"/>
+          <ac:spMkLst>
+            <pc:docMk/>
+            <pc:sldMk cId="0" sldId="259"/>
+            <ac:spMk id="91" creationId="{00000000-0000-0000-0000-000000000000}"/>
+          </ac:spMkLst>
+        </pc:spChg>
+        <pc:spChg chg="mod">
+          <ac:chgData name="Osama Mohammed Moustafa Hosam Elde" userId="ab8f451e-a635-42ee-be12-e2dde55852bf" providerId="ADAL" clId="{ABDD6F7D-79AF-4D42-A8B0-8BDC6E4DD92A}" dt="2020-02-18T20:34:57.709" v="481" actId="1076"/>
+          <ac:spMkLst>
+            <pc:docMk/>
+            <pc:sldMk cId="0" sldId="259"/>
+            <ac:spMk id="93" creationId="{00000000-0000-0000-0000-000000000000}"/>
+          </ac:spMkLst>
+        </pc:spChg>
+        <pc:spChg chg="del">
+          <ac:chgData name="Osama Mohammed Moustafa Hosam Elde" userId="ab8f451e-a635-42ee-be12-e2dde55852bf" providerId="ADAL" clId="{ABDD6F7D-79AF-4D42-A8B0-8BDC6E4DD92A}" dt="2020-02-18T20:34:44.361" v="478" actId="478"/>
+          <ac:spMkLst>
+            <pc:docMk/>
+            <pc:sldMk cId="0" sldId="259"/>
+            <ac:spMk id="94" creationId="{00000000-0000-0000-0000-000000000000}"/>
+          </ac:spMkLst>
+        </pc:spChg>
+        <pc:spChg chg="mod">
+          <ac:chgData name="Osama Mohammed Moustafa Hosam Elde" userId="ab8f451e-a635-42ee-be12-e2dde55852bf" providerId="ADAL" clId="{ABDD6F7D-79AF-4D42-A8B0-8BDC6E4DD92A}" dt="2020-02-18T20:34:47.477" v="479" actId="1076"/>
+          <ac:spMkLst>
+            <pc:docMk/>
+            <pc:sldMk cId="0" sldId="259"/>
+            <ac:spMk id="95" creationId="{00000000-0000-0000-0000-000000000000}"/>
+          </ac:spMkLst>
+        </pc:spChg>
+        <pc:spChg chg="del">
+          <ac:chgData name="Osama Mohammed Moustafa Hosam Elde" userId="ab8f451e-a635-42ee-be12-e2dde55852bf" providerId="ADAL" clId="{ABDD6F7D-79AF-4D42-A8B0-8BDC6E4DD92A}" dt="2020-02-18T20:34:59.401" v="482" actId="478"/>
+          <ac:spMkLst>
+            <pc:docMk/>
+            <pc:sldMk cId="0" sldId="259"/>
+            <ac:spMk id="96" creationId="{00000000-0000-0000-0000-000000000000}"/>
+          </ac:spMkLst>
+        </pc:spChg>
+        <pc:spChg chg="del">
+          <ac:chgData name="Osama Mohammed Moustafa Hosam Elde" userId="ab8f451e-a635-42ee-be12-e2dde55852bf" providerId="ADAL" clId="{ABDD6F7D-79AF-4D42-A8B0-8BDC6E4DD92A}" dt="2020-02-18T20:35:00.737" v="483" actId="478"/>
+          <ac:spMkLst>
+            <pc:docMk/>
+            <pc:sldMk cId="0" sldId="259"/>
+            <ac:spMk id="97" creationId="{00000000-0000-0000-0000-000000000000}"/>
+          </ac:spMkLst>
+        </pc:spChg>
+        <pc:spChg chg="mod">
+          <ac:chgData name="Osama Mohammed Moustafa Hosam Elde" userId="ab8f451e-a635-42ee-be12-e2dde55852bf" providerId="ADAL" clId="{ABDD6F7D-79AF-4D42-A8B0-8BDC6E4DD92A}" dt="2020-02-18T20:34:39.963" v="476" actId="1076"/>
+          <ac:spMkLst>
+            <pc:docMk/>
+            <pc:sldMk cId="0" sldId="259"/>
+            <ac:spMk id="98" creationId="{00000000-0000-0000-0000-000000000000}"/>
+          </ac:spMkLst>
+        </pc:spChg>
+        <pc:spChg chg="mod">
+          <ac:chgData name="Osama Mohammed Moustafa Hosam Elde" userId="ab8f451e-a635-42ee-be12-e2dde55852bf" providerId="ADAL" clId="{ABDD6F7D-79AF-4D42-A8B0-8BDC6E4DD92A}" dt="2020-02-18T20:34:55.205" v="480" actId="1076"/>
+          <ac:spMkLst>
+            <pc:docMk/>
+            <pc:sldMk cId="0" sldId="259"/>
+            <ac:spMk id="99" creationId="{00000000-0000-0000-0000-000000000000}"/>
+          </ac:spMkLst>
+        </pc:spChg>
+        <pc:spChg chg="del">
+          <ac:chgData name="Osama Mohammed Moustafa Hosam Elde" userId="ab8f451e-a635-42ee-be12-e2dde55852bf" providerId="ADAL" clId="{ABDD6F7D-79AF-4D42-A8B0-8BDC6E4DD92A}" dt="2020-02-18T20:35:01.633" v="484" actId="478"/>
+          <ac:spMkLst>
+            <pc:docMk/>
+            <pc:sldMk cId="0" sldId="259"/>
+            <ac:spMk id="100" creationId="{00000000-0000-0000-0000-000000000000}"/>
+          </ac:spMkLst>
+        </pc:spChg>
+        <pc:spChg chg="del">
+          <ac:chgData name="Osama Mohammed Moustafa Hosam Elde" userId="ab8f451e-a635-42ee-be12-e2dde55852bf" providerId="ADAL" clId="{ABDD6F7D-79AF-4D42-A8B0-8BDC6E4DD92A}" dt="2020-02-18T20:35:03.398" v="485" actId="478"/>
+          <ac:spMkLst>
+            <pc:docMk/>
+            <pc:sldMk cId="0" sldId="259"/>
+            <ac:spMk id="101" creationId="{00000000-0000-0000-0000-000000000000}"/>
+          </ac:spMkLst>
+        </pc:spChg>
+      </pc:sldChg>
+      <pc:sldChg chg="modSp">
+        <pc:chgData name="Osama Mohammed Moustafa Hosam Elde" userId="ab8f451e-a635-42ee-be12-e2dde55852bf" providerId="ADAL" clId="{ABDD6F7D-79AF-4D42-A8B0-8BDC6E4DD92A}" dt="2020-02-18T20:41:19.243" v="782" actId="20577"/>
+        <pc:sldMkLst>
+          <pc:docMk/>
+          <pc:sldMk cId="0" sldId="260"/>
+        </pc:sldMkLst>
+        <pc:spChg chg="mod">
+          <ac:chgData name="Osama Mohammed Moustafa Hosam Elde" userId="ab8f451e-a635-42ee-be12-e2dde55852bf" providerId="ADAL" clId="{ABDD6F7D-79AF-4D42-A8B0-8BDC6E4DD92A}" dt="2020-02-18T20:38:34.995" v="688" actId="20577"/>
+          <ac:spMkLst>
+            <pc:docMk/>
+            <pc:sldMk cId="0" sldId="260"/>
+            <ac:spMk id="112" creationId="{00000000-0000-0000-0000-000000000000}"/>
+          </ac:spMkLst>
+        </pc:spChg>
+        <pc:spChg chg="mod">
+          <ac:chgData name="Osama Mohammed Moustafa Hosam Elde" userId="ab8f451e-a635-42ee-be12-e2dde55852bf" providerId="ADAL" clId="{ABDD6F7D-79AF-4D42-A8B0-8BDC6E4DD92A}" dt="2020-02-18T20:39:58.332" v="704"/>
+          <ac:spMkLst>
+            <pc:docMk/>
+            <pc:sldMk cId="0" sldId="260"/>
+            <ac:spMk id="113" creationId="{00000000-0000-0000-0000-000000000000}"/>
+          </ac:spMkLst>
+        </pc:spChg>
+        <pc:spChg chg="mod">
+          <ac:chgData name="Osama Mohammed Moustafa Hosam Elde" userId="ab8f451e-a635-42ee-be12-e2dde55852bf" providerId="ADAL" clId="{ABDD6F7D-79AF-4D42-A8B0-8BDC6E4DD92A}" dt="2020-02-18T20:41:19.243" v="782" actId="20577"/>
+          <ac:spMkLst>
+            <pc:docMk/>
+            <pc:sldMk cId="0" sldId="260"/>
+            <ac:spMk id="114" creationId="{00000000-0000-0000-0000-000000000000}"/>
+          </ac:spMkLst>
+        </pc:spChg>
+      </pc:sldChg>
+      <pc:sldChg chg="addSp delSp modSp">
+        <pc:chgData name="Osama Mohammed Moustafa Hosam Elde" userId="ab8f451e-a635-42ee-be12-e2dde55852bf" providerId="ADAL" clId="{ABDD6F7D-79AF-4D42-A8B0-8BDC6E4DD92A}" dt="2020-02-18T20:47:52.902" v="955" actId="1076"/>
+        <pc:sldMkLst>
+          <pc:docMk/>
+          <pc:sldMk cId="0" sldId="261"/>
+        </pc:sldMkLst>
+        <pc:spChg chg="mod">
+          <ac:chgData name="Osama Mohammed Moustafa Hosam Elde" userId="ab8f451e-a635-42ee-be12-e2dde55852bf" providerId="ADAL" clId="{ABDD6F7D-79AF-4D42-A8B0-8BDC6E4DD92A}" dt="2020-02-18T20:44:01.793" v="789" actId="404"/>
+          <ac:spMkLst>
+            <pc:docMk/>
+            <pc:sldMk cId="0" sldId="261"/>
+            <ac:spMk id="119" creationId="{00000000-0000-0000-0000-000000000000}"/>
+          </ac:spMkLst>
+        </pc:spChg>
+        <pc:spChg chg="mod">
+          <ac:chgData name="Osama Mohammed Moustafa Hosam Elde" userId="ab8f451e-a635-42ee-be12-e2dde55852bf" providerId="ADAL" clId="{ABDD6F7D-79AF-4D42-A8B0-8BDC6E4DD92A}" dt="2020-02-18T20:46:51.050" v="914" actId="20577"/>
+          <ac:spMkLst>
+            <pc:docMk/>
+            <pc:sldMk cId="0" sldId="261"/>
+            <ac:spMk id="123" creationId="{00000000-0000-0000-0000-000000000000}"/>
+          </ac:spMkLst>
+        </pc:spChg>
+        <pc:spChg chg="mod">
+          <ac:chgData name="Osama Mohammed Moustafa Hosam Elde" userId="ab8f451e-a635-42ee-be12-e2dde55852bf" providerId="ADAL" clId="{ABDD6F7D-79AF-4D42-A8B0-8BDC6E4DD92A}" dt="2020-02-18T20:43:05.205" v="786" actId="6549"/>
+          <ac:spMkLst>
+            <pc:docMk/>
+            <pc:sldMk cId="0" sldId="261"/>
+            <ac:spMk id="124" creationId="{00000000-0000-0000-0000-000000000000}"/>
+          </ac:spMkLst>
+        </pc:spChg>
+        <pc:spChg chg="mod">
+          <ac:chgData name="Osama Mohammed Moustafa Hosam Elde" userId="ab8f451e-a635-42ee-be12-e2dde55852bf" providerId="ADAL" clId="{ABDD6F7D-79AF-4D42-A8B0-8BDC6E4DD92A}" dt="2020-02-18T20:47:16.793" v="951" actId="20577"/>
+          <ac:spMkLst>
+            <pc:docMk/>
+            <pc:sldMk cId="0" sldId="261"/>
+            <ac:spMk id="125" creationId="{00000000-0000-0000-0000-000000000000}"/>
+          </ac:spMkLst>
+        </pc:spChg>
+        <pc:picChg chg="add mod">
+          <ac:chgData name="Osama Mohammed Moustafa Hosam Elde" userId="ab8f451e-a635-42ee-be12-e2dde55852bf" providerId="ADAL" clId="{ABDD6F7D-79AF-4D42-A8B0-8BDC6E4DD92A}" dt="2020-02-18T20:47:52.902" v="955" actId="1076"/>
+          <ac:picMkLst>
+            <pc:docMk/>
+            <pc:sldMk cId="0" sldId="261"/>
+            <ac:picMk id="9" creationId="{9847F82F-9254-4EB0-A354-159DDA2B76FB}"/>
+          </ac:picMkLst>
+        </pc:picChg>
+        <pc:picChg chg="del">
+          <ac:chgData name="Osama Mohammed Moustafa Hosam Elde" userId="ab8f451e-a635-42ee-be12-e2dde55852bf" providerId="ADAL" clId="{ABDD6F7D-79AF-4D42-A8B0-8BDC6E4DD92A}" dt="2020-02-18T20:47:42.002" v="952" actId="478"/>
+          <ac:picMkLst>
+            <pc:docMk/>
+            <pc:sldMk cId="0" sldId="261"/>
+            <ac:picMk id="120" creationId="{00000000-0000-0000-0000-000000000000}"/>
+          </ac:picMkLst>
+        </pc:picChg>
+      </pc:sldChg>
+      <pc:sldChg chg="addSp delSp modSp">
+        <pc:chgData name="Osama Mohammed Moustafa Hosam Elde" userId="ab8f451e-a635-42ee-be12-e2dde55852bf" providerId="ADAL" clId="{ABDD6F7D-79AF-4D42-A8B0-8BDC6E4DD92A}" dt="2020-02-18T20:57:30.957" v="1144" actId="14100"/>
+        <pc:sldMkLst>
+          <pc:docMk/>
+          <pc:sldMk cId="0" sldId="262"/>
+        </pc:sldMkLst>
+        <pc:spChg chg="add del">
+          <ac:chgData name="Osama Mohammed Moustafa Hosam Elde" userId="ab8f451e-a635-42ee-be12-e2dde55852bf" providerId="ADAL" clId="{ABDD6F7D-79AF-4D42-A8B0-8BDC6E4DD92A}" dt="2020-02-18T20:56:03.004" v="1137"/>
+          <ac:spMkLst>
+            <pc:docMk/>
+            <pc:sldMk cId="0" sldId="262"/>
+            <ac:spMk id="11" creationId="{3D854C0A-F54F-416E-8B9A-85F02D32C035}"/>
+          </ac:spMkLst>
+        </pc:spChg>
+        <pc:spChg chg="add del">
+          <ac:chgData name="Osama Mohammed Moustafa Hosam Elde" userId="ab8f451e-a635-42ee-be12-e2dde55852bf" providerId="ADAL" clId="{ABDD6F7D-79AF-4D42-A8B0-8BDC6E4DD92A}" dt="2020-02-18T20:56:03.004" v="1137"/>
+          <ac:spMkLst>
+            <pc:docMk/>
+            <pc:sldMk cId="0" sldId="262"/>
+            <ac:spMk id="12" creationId="{0E78F9E2-BC3E-4F69-A026-92AD348E6870}"/>
+          </ac:spMkLst>
+        </pc:spChg>
+        <pc:spChg chg="add del">
+          <ac:chgData name="Osama Mohammed Moustafa Hosam Elde" userId="ab8f451e-a635-42ee-be12-e2dde55852bf" providerId="ADAL" clId="{ABDD6F7D-79AF-4D42-A8B0-8BDC6E4DD92A}" dt="2020-02-18T20:56:03.004" v="1137"/>
+          <ac:spMkLst>
+            <pc:docMk/>
+            <pc:sldMk cId="0" sldId="262"/>
+            <ac:spMk id="15" creationId="{FBADF32C-D489-4464-A638-D242F09C9A98}"/>
+          </ac:spMkLst>
+        </pc:spChg>
+        <pc:spChg chg="add del">
+          <ac:chgData name="Osama Mohammed Moustafa Hosam Elde" userId="ab8f451e-a635-42ee-be12-e2dde55852bf" providerId="ADAL" clId="{ABDD6F7D-79AF-4D42-A8B0-8BDC6E4DD92A}" dt="2020-02-18T20:56:03.004" v="1137"/>
+          <ac:spMkLst>
+            <pc:docMk/>
+            <pc:sldMk cId="0" sldId="262"/>
+            <ac:spMk id="20" creationId="{A1229DA8-0877-423C-AB3C-DFC771FCB093}"/>
+          </ac:spMkLst>
+        </pc:spChg>
+        <pc:spChg chg="add del">
+          <ac:chgData name="Osama Mohammed Moustafa Hosam Elde" userId="ab8f451e-a635-42ee-be12-e2dde55852bf" providerId="ADAL" clId="{ABDD6F7D-79AF-4D42-A8B0-8BDC6E4DD92A}" dt="2020-02-18T20:56:03.004" v="1137"/>
+          <ac:spMkLst>
+            <pc:docMk/>
+            <pc:sldMk cId="0" sldId="262"/>
+            <ac:spMk id="23" creationId="{E16D2D19-74CD-4709-AE63-EB20676FDC75}"/>
+          </ac:spMkLst>
+        </pc:spChg>
+        <pc:spChg chg="add del">
+          <ac:chgData name="Osama Mohammed Moustafa Hosam Elde" userId="ab8f451e-a635-42ee-be12-e2dde55852bf" providerId="ADAL" clId="{ABDD6F7D-79AF-4D42-A8B0-8BDC6E4DD92A}" dt="2020-02-18T20:56:03.004" v="1137"/>
+          <ac:spMkLst>
+            <pc:docMk/>
+            <pc:sldMk cId="0" sldId="262"/>
+            <ac:spMk id="24" creationId="{7AD61DD2-8BA2-483B-9048-3EAA3BDD3055}"/>
+          </ac:spMkLst>
+        </pc:spChg>
+        <pc:spChg chg="add del">
+          <ac:chgData name="Osama Mohammed Moustafa Hosam Elde" userId="ab8f451e-a635-42ee-be12-e2dde55852bf" providerId="ADAL" clId="{ABDD6F7D-79AF-4D42-A8B0-8BDC6E4DD92A}" dt="2020-02-18T20:56:03.004" v="1137"/>
+          <ac:spMkLst>
+            <pc:docMk/>
+            <pc:sldMk cId="0" sldId="262"/>
+            <ac:spMk id="28" creationId="{17B3836F-5E69-42E2-AC65-65494BA3272A}"/>
+          </ac:spMkLst>
+        </pc:spChg>
+        <pc:spChg chg="mod">
+          <ac:chgData name="Osama Mohammed Moustafa Hosam Elde" userId="ab8f451e-a635-42ee-be12-e2dde55852bf" providerId="ADAL" clId="{ABDD6F7D-79AF-4D42-A8B0-8BDC6E4DD92A}" dt="2020-02-18T20:48:33.832" v="965" actId="404"/>
+          <ac:spMkLst>
+            <pc:docMk/>
+            <pc:sldMk cId="0" sldId="262"/>
+            <ac:spMk id="130" creationId="{00000000-0000-0000-0000-000000000000}"/>
+          </ac:spMkLst>
+        </pc:spChg>
+        <pc:spChg chg="mod">
+          <ac:chgData name="Osama Mohammed Moustafa Hosam Elde" userId="ab8f451e-a635-42ee-be12-e2dde55852bf" providerId="ADAL" clId="{ABDD6F7D-79AF-4D42-A8B0-8BDC6E4DD92A}" dt="2020-02-18T20:54:59.122" v="1107"/>
+          <ac:spMkLst>
+            <pc:docMk/>
+            <pc:sldMk cId="0" sldId="262"/>
+            <ac:spMk id="134" creationId="{00000000-0000-0000-0000-000000000000}"/>
+          </ac:spMkLst>
+        </pc:spChg>
+        <pc:spChg chg="mod">
+          <ac:chgData name="Osama Mohammed Moustafa Hosam Elde" userId="ab8f451e-a635-42ee-be12-e2dde55852bf" providerId="ADAL" clId="{ABDD6F7D-79AF-4D42-A8B0-8BDC6E4DD92A}" dt="2020-02-18T20:53:09.920" v="973" actId="20577"/>
+          <ac:spMkLst>
+            <pc:docMk/>
+            <pc:sldMk cId="0" sldId="262"/>
+            <ac:spMk id="135" creationId="{00000000-0000-0000-0000-000000000000}"/>
+          </ac:spMkLst>
+        </pc:spChg>
+        <pc:spChg chg="mod">
+          <ac:chgData name="Osama Mohammed Moustafa Hosam Elde" userId="ab8f451e-a635-42ee-be12-e2dde55852bf" providerId="ADAL" clId="{ABDD6F7D-79AF-4D42-A8B0-8BDC6E4DD92A}" dt="2020-02-18T20:55:25.534" v="1134" actId="20577"/>
+          <ac:spMkLst>
+            <pc:docMk/>
+            <pc:sldMk cId="0" sldId="262"/>
+            <ac:spMk id="136" creationId="{00000000-0000-0000-0000-000000000000}"/>
+          </ac:spMkLst>
+        </pc:spChg>
+        <pc:picChg chg="add mod">
+          <ac:chgData name="Osama Mohammed Moustafa Hosam Elde" userId="ab8f451e-a635-42ee-be12-e2dde55852bf" providerId="ADAL" clId="{ABDD6F7D-79AF-4D42-A8B0-8BDC6E4DD92A}" dt="2020-02-18T20:57:30.957" v="1144" actId="14100"/>
+          <ac:picMkLst>
+            <pc:docMk/>
+            <pc:sldMk cId="0" sldId="262"/>
+            <ac:picMk id="2" creationId="{4A3E4E83-8531-4A2A-A83B-44FD789D4653}"/>
+          </ac:picMkLst>
+        </pc:picChg>
+        <pc:picChg chg="add del">
+          <ac:chgData name="Osama Mohammed Moustafa Hosam Elde" userId="ab8f451e-a635-42ee-be12-e2dde55852bf" providerId="ADAL" clId="{ABDD6F7D-79AF-4D42-A8B0-8BDC6E4DD92A}" dt="2020-02-18T20:56:03.004" v="1137"/>
+          <ac:picMkLst>
+            <pc:docMk/>
+            <pc:sldMk cId="0" sldId="262"/>
+            <ac:picMk id="9" creationId="{92D866E6-2827-4D9D-8A0A-CF7DB966FFC1}"/>
+          </ac:picMkLst>
+        </pc:picChg>
+        <pc:picChg chg="add del">
+          <ac:chgData name="Osama Mohammed Moustafa Hosam Elde" userId="ab8f451e-a635-42ee-be12-e2dde55852bf" providerId="ADAL" clId="{ABDD6F7D-79AF-4D42-A8B0-8BDC6E4DD92A}" dt="2020-02-18T20:56:03.004" v="1137"/>
+          <ac:picMkLst>
+            <pc:docMk/>
+            <pc:sldMk cId="0" sldId="262"/>
+            <ac:picMk id="10" creationId="{E7820AA4-1D8C-4419-8F6F-1E17C0410930}"/>
+          </ac:picMkLst>
+        </pc:picChg>
+        <pc:picChg chg="add del">
+          <ac:chgData name="Osama Mohammed Moustafa Hosam Elde" userId="ab8f451e-a635-42ee-be12-e2dde55852bf" providerId="ADAL" clId="{ABDD6F7D-79AF-4D42-A8B0-8BDC6E4DD92A}" dt="2020-02-18T20:56:03.004" v="1137"/>
+          <ac:picMkLst>
+            <pc:docMk/>
+            <pc:sldMk cId="0" sldId="262"/>
+            <ac:picMk id="13" creationId="{082833F8-6B1F-404A-8DBA-E2E2D9635D09}"/>
+          </ac:picMkLst>
+        </pc:picChg>
+        <pc:picChg chg="add del">
+          <ac:chgData name="Osama Mohammed Moustafa Hosam Elde" userId="ab8f451e-a635-42ee-be12-e2dde55852bf" providerId="ADAL" clId="{ABDD6F7D-79AF-4D42-A8B0-8BDC6E4DD92A}" dt="2020-02-18T20:56:03.004" v="1137"/>
+          <ac:picMkLst>
+            <pc:docMk/>
+            <pc:sldMk cId="0" sldId="262"/>
+            <ac:picMk id="14" creationId="{8B9EA8B6-2F97-405B-B4A3-17C0320CB634}"/>
+          </ac:picMkLst>
+        </pc:picChg>
+        <pc:picChg chg="add del">
+          <ac:chgData name="Osama Mohammed Moustafa Hosam Elde" userId="ab8f451e-a635-42ee-be12-e2dde55852bf" providerId="ADAL" clId="{ABDD6F7D-79AF-4D42-A8B0-8BDC6E4DD92A}" dt="2020-02-18T20:56:03.004" v="1137"/>
+          <ac:picMkLst>
+            <pc:docMk/>
+            <pc:sldMk cId="0" sldId="262"/>
+            <ac:picMk id="16" creationId="{E04805E3-669D-48F6-A12A-09C3A6BDBEFE}"/>
+          </ac:picMkLst>
+        </pc:picChg>
+        <pc:picChg chg="add del">
+          <ac:chgData name="Osama Mohammed Moustafa Hosam Elde" userId="ab8f451e-a635-42ee-be12-e2dde55852bf" providerId="ADAL" clId="{ABDD6F7D-79AF-4D42-A8B0-8BDC6E4DD92A}" dt="2020-02-18T20:56:03.004" v="1137"/>
+          <ac:picMkLst>
+            <pc:docMk/>
+            <pc:sldMk cId="0" sldId="262"/>
+            <ac:picMk id="17" creationId="{7BA4FA1F-718B-4FC9-B77D-86A1D2CA36AA}"/>
+          </ac:picMkLst>
+        </pc:picChg>
+        <pc:picChg chg="add del">
+          <ac:chgData name="Osama Mohammed Moustafa Hosam Elde" userId="ab8f451e-a635-42ee-be12-e2dde55852bf" providerId="ADAL" clId="{ABDD6F7D-79AF-4D42-A8B0-8BDC6E4DD92A}" dt="2020-02-18T20:56:03.004" v="1137"/>
+          <ac:picMkLst>
+            <pc:docMk/>
+            <pc:sldMk cId="0" sldId="262"/>
+            <ac:picMk id="18" creationId="{6291D823-81FB-452D-A4FD-E91EA13404BE}"/>
+          </ac:picMkLst>
+        </pc:picChg>
+        <pc:picChg chg="add del">
+          <ac:chgData name="Osama Mohammed Moustafa Hosam Elde" userId="ab8f451e-a635-42ee-be12-e2dde55852bf" providerId="ADAL" clId="{ABDD6F7D-79AF-4D42-A8B0-8BDC6E4DD92A}" dt="2020-02-18T20:56:03.004" v="1137"/>
+          <ac:picMkLst>
+            <pc:docMk/>
+            <pc:sldMk cId="0" sldId="262"/>
+            <ac:picMk id="19" creationId="{08A4439A-7548-44D5-88D8-A6CE94A0EE45}"/>
+          </ac:picMkLst>
+        </pc:picChg>
+        <pc:picChg chg="add del">
+          <ac:chgData name="Osama Mohammed Moustafa Hosam Elde" userId="ab8f451e-a635-42ee-be12-e2dde55852bf" providerId="ADAL" clId="{ABDD6F7D-79AF-4D42-A8B0-8BDC6E4DD92A}" dt="2020-02-18T20:56:03.004" v="1137"/>
+          <ac:picMkLst>
+            <pc:docMk/>
+            <pc:sldMk cId="0" sldId="262"/>
+            <ac:picMk id="21" creationId="{CD96AAF5-23BC-4717-89CB-7AC98DE0A1F7}"/>
+          </ac:picMkLst>
+        </pc:picChg>
+        <pc:picChg chg="add del">
+          <ac:chgData name="Osama Mohammed Moustafa Hosam Elde" userId="ab8f451e-a635-42ee-be12-e2dde55852bf" providerId="ADAL" clId="{ABDD6F7D-79AF-4D42-A8B0-8BDC6E4DD92A}" dt="2020-02-18T20:56:03.004" v="1137"/>
+          <ac:picMkLst>
+            <pc:docMk/>
+            <pc:sldMk cId="0" sldId="262"/>
+            <ac:picMk id="22" creationId="{0AFA7247-911E-4EE2-9BB2-D8C0C9984535}"/>
+          </ac:picMkLst>
+        </pc:picChg>
+        <pc:picChg chg="add del">
+          <ac:chgData name="Osama Mohammed Moustafa Hosam Elde" userId="ab8f451e-a635-42ee-be12-e2dde55852bf" providerId="ADAL" clId="{ABDD6F7D-79AF-4D42-A8B0-8BDC6E4DD92A}" dt="2020-02-18T20:56:03.004" v="1137"/>
+          <ac:picMkLst>
+            <pc:docMk/>
+            <pc:sldMk cId="0" sldId="262"/>
+            <ac:picMk id="25" creationId="{AC526718-2617-4C9D-ADFE-2B744EB7E6F6}"/>
+          </ac:picMkLst>
+        </pc:picChg>
+        <pc:picChg chg="add del">
+          <ac:chgData name="Osama Mohammed Moustafa Hosam Elde" userId="ab8f451e-a635-42ee-be12-e2dde55852bf" providerId="ADAL" clId="{ABDD6F7D-79AF-4D42-A8B0-8BDC6E4DD92A}" dt="2020-02-18T20:56:03.004" v="1137"/>
+          <ac:picMkLst>
+            <pc:docMk/>
+            <pc:sldMk cId="0" sldId="262"/>
+            <ac:picMk id="26" creationId="{6A287F61-0AA8-45CB-A6D5-8995ED9017A9}"/>
+          </ac:picMkLst>
+        </pc:picChg>
+        <pc:picChg chg="add del">
+          <ac:chgData name="Osama Mohammed Moustafa Hosam Elde" userId="ab8f451e-a635-42ee-be12-e2dde55852bf" providerId="ADAL" clId="{ABDD6F7D-79AF-4D42-A8B0-8BDC6E4DD92A}" dt="2020-02-18T20:56:03.004" v="1137"/>
+          <ac:picMkLst>
+            <pc:docMk/>
+            <pc:sldMk cId="0" sldId="262"/>
+            <ac:picMk id="27" creationId="{3565289F-0008-403E-941B-9462B84BD70D}"/>
+          </ac:picMkLst>
+        </pc:picChg>
+        <pc:picChg chg="add del">
+          <ac:chgData name="Osama Mohammed Moustafa Hosam Elde" userId="ab8f451e-a635-42ee-be12-e2dde55852bf" providerId="ADAL" clId="{ABDD6F7D-79AF-4D42-A8B0-8BDC6E4DD92A}" dt="2020-02-18T20:56:03.004" v="1137"/>
+          <ac:picMkLst>
+            <pc:docMk/>
+            <pc:sldMk cId="0" sldId="262"/>
+            <ac:picMk id="29" creationId="{37BE8399-5452-4D9F-B19C-68CF36F577B8}"/>
+          </ac:picMkLst>
+        </pc:picChg>
+        <pc:picChg chg="del">
+          <ac:chgData name="Osama Mohammed Moustafa Hosam Elde" userId="ab8f451e-a635-42ee-be12-e2dde55852bf" providerId="ADAL" clId="{ABDD6F7D-79AF-4D42-A8B0-8BDC6E4DD92A}" dt="2020-02-18T20:55:28.878" v="1135" actId="478"/>
+          <ac:picMkLst>
+            <pc:docMk/>
+            <pc:sldMk cId="0" sldId="262"/>
+            <ac:picMk id="131" creationId="{00000000-0000-0000-0000-000000000000}"/>
+          </ac:picMkLst>
+        </pc:picChg>
+      </pc:sldChg>
+    </pc:docChg>
+  </pc:docChgLst>
+</pc:chgInfo>
 </file>
 
 <file path=ppt/notesMasters/notesMaster1.xml><?xml version="1.0" encoding="utf-8"?>
@@ -858,7 +1377,7 @@
         </p:nvSpPr>
         <p:spPr>
           <a:xfrm>
-            <a:off x="381300" y="685800"/>
+            <a:off x="381000" y="685800"/>
             <a:ext cx="6096000" cy="3429000"/>
           </a:xfrm>
           <a:custGeom>
@@ -962,7 +1481,7 @@
         </p:nvSpPr>
         <p:spPr>
           <a:xfrm>
-            <a:off x="381300" y="685800"/>
+            <a:off x="381000" y="685800"/>
             <a:ext cx="6096000" cy="3429000"/>
           </a:xfrm>
           <a:custGeom>
@@ -1066,7 +1585,7 @@
         </p:nvSpPr>
         <p:spPr>
           <a:xfrm>
-            <a:off x="381300" y="685800"/>
+            <a:off x="381000" y="685800"/>
             <a:ext cx="6096000" cy="3429000"/>
           </a:xfrm>
           <a:custGeom>
@@ -1170,7 +1689,7 @@
         </p:nvSpPr>
         <p:spPr>
           <a:xfrm>
-            <a:off x="381300" y="685800"/>
+            <a:off x="381000" y="685800"/>
             <a:ext cx="6096000" cy="3429000"/>
           </a:xfrm>
           <a:custGeom>
@@ -1274,7 +1793,7 @@
         </p:nvSpPr>
         <p:spPr>
           <a:xfrm>
-            <a:off x="381300" y="685800"/>
+            <a:off x="381000" y="685800"/>
             <a:ext cx="6096000" cy="3429000"/>
           </a:xfrm>
           <a:custGeom>
@@ -1378,7 +1897,7 @@
         </p:nvSpPr>
         <p:spPr>
           <a:xfrm>
-            <a:off x="381300" y="685800"/>
+            <a:off x="381000" y="685800"/>
             <a:ext cx="6096000" cy="3429000"/>
           </a:xfrm>
           <a:custGeom>
@@ -7857,12 +8376,8 @@
               <a:buNone/>
             </a:pPr>
             <a:r>
-              <a:rPr lang="en" dirty="0"/>
-              <a:t>Final Project Title  </a:t>
-            </a:r>
-            <a:r>
-              <a:rPr lang="en-US"/>
-              <a:t>Osama</a:t>
+              <a:rPr lang="en-US" dirty="0"/>
+              <a:t>Machine Learning in Business</a:t>
             </a:r>
             <a:endParaRPr dirty="0"/>
           </a:p>
@@ -7903,10 +8418,10 @@
               <a:buNone/>
             </a:pPr>
             <a:r>
-              <a:rPr lang="en"/>
+              <a:rPr lang="en" dirty="0"/>
               <a:t>Delivering an ML/AI Strategy, AI for Business Leaders, Udacity</a:t>
             </a:r>
-            <a:endParaRPr/>
+            <a:endParaRPr dirty="0"/>
           </a:p>
           <a:p>
             <a:pPr marL="0" lvl="0" indent="0" algn="l" rtl="0">
@@ -7919,10 +8434,26 @@
               <a:buNone/>
             </a:pPr>
             <a:r>
-              <a:rPr lang="en"/>
-              <a:t>Student Name, Month - Year</a:t>
+              <a:rPr lang="en-US" dirty="0"/>
+              <a:t>Osama </a:t>
             </a:r>
-            <a:endParaRPr/>
+            <a:r>
+              <a:rPr lang="en-US" dirty="0" err="1"/>
+              <a:t>Hosameldeen</a:t>
+            </a:r>
+            <a:r>
+              <a:rPr lang="en" dirty="0"/>
+              <a:t>, </a:t>
+            </a:r>
+            <a:r>
+              <a:rPr lang="en-US" dirty="0"/>
+              <a:t>Feb</a:t>
+            </a:r>
+            <a:r>
+              <a:rPr lang="en" dirty="0"/>
+              <a:t> - 2020</a:t>
+            </a:r>
+            <a:endParaRPr dirty="0"/>
           </a:p>
         </p:txBody>
       </p:sp>
@@ -8002,7 +8533,7 @@
         <p:spPr>
           <a:xfrm>
             <a:off x="285125" y="1455650"/>
-            <a:ext cx="7301700" cy="891300"/>
+            <a:ext cx="7875202" cy="891300"/>
           </a:xfrm>
           <a:prstGeom prst="rect">
             <a:avLst/>
@@ -8028,7 +8559,7 @@
               <a:buNone/>
             </a:pPr>
             <a:r>
-              <a:rPr lang="en" sz="1800" b="1">
+              <a:rPr lang="en" sz="1800" b="1" dirty="0">
                 <a:latin typeface="Roboto"/>
                 <a:ea typeface="Roboto"/>
                 <a:cs typeface="Roboto"/>
@@ -8036,7 +8567,7 @@
               </a:rPr>
               <a:t>Purpose of Project</a:t>
             </a:r>
-            <a:endParaRPr sz="1800">
+            <a:endParaRPr sz="1800" dirty="0">
               <a:latin typeface="Roboto"/>
               <a:ea typeface="Roboto"/>
               <a:cs typeface="Roboto"/>
@@ -8056,15 +8587,15 @@
               <a:buChar char="-"/>
             </a:pPr>
             <a:r>
-              <a:rPr lang="en">
+              <a:rPr lang="en-US" dirty="0">
                 <a:latin typeface="Roboto"/>
                 <a:ea typeface="Roboto"/>
                 <a:cs typeface="Roboto"/>
                 <a:sym typeface="Roboto"/>
               </a:rPr>
-              <a:t>Project origination -- e.g., taking the course itself</a:t>
+              <a:t>In business, too much data are there. We are drowning in data but starving for knowledge</a:t>
             </a:r>
-            <a:endParaRPr>
+            <a:endParaRPr dirty="0">
               <a:latin typeface="Roboto"/>
               <a:ea typeface="Roboto"/>
               <a:cs typeface="Roboto"/>
@@ -8084,15 +8615,15 @@
               <a:buChar char="-"/>
             </a:pPr>
             <a:r>
-              <a:rPr lang="en">
+              <a:rPr lang="en-US" dirty="0">
                 <a:latin typeface="Roboto"/>
                 <a:ea typeface="Roboto"/>
                 <a:cs typeface="Roboto"/>
                 <a:sym typeface="Roboto"/>
               </a:rPr>
-              <a:t>Need and/or impending doom of not running a data-driven business</a:t>
+              <a:t>If we don’t have the ability to adopt AI in business, we will be back in time and space. </a:t>
             </a:r>
-            <a:endParaRPr>
+            <a:endParaRPr dirty="0">
               <a:latin typeface="Roboto"/>
               <a:ea typeface="Roboto"/>
               <a:cs typeface="Roboto"/>
@@ -8136,7 +8667,7 @@
               <a:buNone/>
             </a:pPr>
             <a:r>
-              <a:rPr lang="en" sz="1800" b="1">
+              <a:rPr lang="en" sz="1800" b="1" dirty="0">
                 <a:latin typeface="Roboto"/>
                 <a:ea typeface="Roboto"/>
                 <a:cs typeface="Roboto"/>
@@ -8144,7 +8675,7 @@
               </a:rPr>
               <a:t>Methodology</a:t>
             </a:r>
-            <a:endParaRPr sz="1800">
+            <a:endParaRPr sz="1800" dirty="0">
               <a:latin typeface="Roboto"/>
               <a:ea typeface="Roboto"/>
               <a:cs typeface="Roboto"/>
@@ -8164,15 +8695,15 @@
               <a:buChar char="-"/>
             </a:pPr>
             <a:r>
-              <a:rPr lang="en">
+              <a:rPr lang="en" dirty="0">
                 <a:latin typeface="Roboto"/>
                 <a:ea typeface="Roboto"/>
                 <a:cs typeface="Roboto"/>
                 <a:sym typeface="Roboto"/>
               </a:rPr>
-              <a:t>Analysis conducted over _________  weeks </a:t>
+              <a:t>Analysis conducted over 4  weeks </a:t>
             </a:r>
-            <a:endParaRPr>
+            <a:endParaRPr dirty="0">
               <a:latin typeface="Roboto"/>
               <a:ea typeface="Roboto"/>
               <a:cs typeface="Roboto"/>
@@ -8192,15 +8723,15 @@
               <a:buChar char="-"/>
             </a:pPr>
             <a:r>
-              <a:rPr lang="en">
+              <a:rPr lang="en" dirty="0">
                 <a:latin typeface="Roboto"/>
                 <a:ea typeface="Roboto"/>
                 <a:cs typeface="Roboto"/>
                 <a:sym typeface="Roboto"/>
               </a:rPr>
-              <a:t>Over ___ potential use cases underwent thorough assessment for feasibility and impact</a:t>
+              <a:t>Over 5 potential use cases underwent thorough assessment for feasibility and impact</a:t>
             </a:r>
-            <a:endParaRPr>
+            <a:endParaRPr dirty="0">
               <a:latin typeface="Roboto"/>
               <a:ea typeface="Roboto"/>
               <a:cs typeface="Roboto"/>
@@ -8220,7 +8751,7 @@
               <a:buChar char="-"/>
             </a:pPr>
             <a:r>
-              <a:rPr lang="en">
+              <a:rPr lang="en" dirty="0">
                 <a:latin typeface="Roboto"/>
                 <a:ea typeface="Roboto"/>
                 <a:cs typeface="Roboto"/>
@@ -8228,7 +8759,7 @@
               </a:rPr>
               <a:t>Incorporated both technical knowledge and user feedback</a:t>
             </a:r>
-            <a:endParaRPr>
+            <a:endParaRPr dirty="0">
               <a:latin typeface="Roboto"/>
               <a:ea typeface="Roboto"/>
               <a:cs typeface="Roboto"/>
@@ -8272,7 +8803,7 @@
               <a:buNone/>
             </a:pPr>
             <a:r>
-              <a:rPr lang="en" sz="1800" b="1">
+              <a:rPr lang="en" sz="1800" b="1" dirty="0">
                 <a:latin typeface="Roboto"/>
                 <a:ea typeface="Roboto"/>
                 <a:cs typeface="Roboto"/>
@@ -8280,7 +8811,7 @@
               </a:rPr>
               <a:t>Path Forward</a:t>
             </a:r>
-            <a:endParaRPr sz="1800">
+            <a:endParaRPr sz="1800" dirty="0">
               <a:latin typeface="Roboto"/>
               <a:ea typeface="Roboto"/>
               <a:cs typeface="Roboto"/>
@@ -8300,15 +8831,15 @@
               <a:buChar char="-"/>
             </a:pPr>
             <a:r>
-              <a:rPr lang="en">
+              <a:rPr lang="en" dirty="0">
                 <a:latin typeface="Roboto"/>
                 <a:ea typeface="Roboto"/>
                 <a:cs typeface="Roboto"/>
                 <a:sym typeface="Roboto"/>
               </a:rPr>
-              <a:t>___ use cases identified for implementation</a:t>
+              <a:t>2 use cases identified for implementation</a:t>
             </a:r>
-            <a:endParaRPr>
+            <a:endParaRPr dirty="0">
               <a:latin typeface="Roboto"/>
               <a:ea typeface="Roboto"/>
               <a:cs typeface="Roboto"/>
@@ -8328,15 +8859,15 @@
               <a:buChar char="-"/>
             </a:pPr>
             <a:r>
-              <a:rPr lang="en">
+              <a:rPr lang="en-US" dirty="0">
                 <a:latin typeface="Roboto"/>
                 <a:ea typeface="Roboto"/>
                 <a:cs typeface="Roboto"/>
                 <a:sym typeface="Roboto"/>
               </a:rPr>
-              <a:t>Needs and requirements to be successful</a:t>
+              <a:t>Technology and Black Box AI usage are two important concepts. </a:t>
             </a:r>
-            <a:endParaRPr>
+            <a:endParaRPr dirty="0">
               <a:latin typeface="Roboto"/>
               <a:ea typeface="Roboto"/>
               <a:cs typeface="Roboto"/>
@@ -8356,7 +8887,7 @@
               <a:buChar char="-"/>
             </a:pPr>
             <a:r>
-              <a:rPr lang="en">
+              <a:rPr lang="en" dirty="0">
                 <a:latin typeface="Roboto"/>
                 <a:ea typeface="Roboto"/>
                 <a:cs typeface="Roboto"/>
@@ -8364,7 +8895,7 @@
               </a:rPr>
               <a:t>Next steps</a:t>
             </a:r>
-            <a:endParaRPr>
+            <a:endParaRPr dirty="0">
               <a:latin typeface="Roboto"/>
               <a:ea typeface="Roboto"/>
               <a:cs typeface="Roboto"/>
@@ -8448,8 +8979,8 @@
         </p:nvSpPr>
         <p:spPr>
           <a:xfrm>
-            <a:off x="285125" y="1379450"/>
-            <a:ext cx="2258100" cy="876600"/>
+            <a:off x="285124" y="1379450"/>
+            <a:ext cx="4238385" cy="876600"/>
           </a:xfrm>
           <a:prstGeom prst="rect">
             <a:avLst/>
@@ -8465,25 +8996,17 @@
           </a:bodyPr>
           <a:lstStyle/>
           <a:p>
-            <a:pPr marL="0" lvl="0" indent="0" algn="l" rtl="0">
-              <a:spcBef>
-                <a:spcPts val="0"/>
-              </a:spcBef>
-              <a:spcAft>
-                <a:spcPts val="0"/>
-              </a:spcAft>
-              <a:buNone/>
-            </a:pPr>
+            <a:pPr lvl="0"/>
             <a:r>
-              <a:rPr lang="en" sz="1800" b="1">
+              <a:rPr lang="en-US" sz="1800" b="1" dirty="0">
                 <a:latin typeface="Roboto"/>
                 <a:ea typeface="Roboto"/>
                 <a:cs typeface="Roboto"/>
                 <a:sym typeface="Roboto"/>
               </a:rPr>
-              <a:t>Use Case 1 Title</a:t>
+              <a:t>Quality Control with Computer Vision</a:t>
             </a:r>
-            <a:endParaRPr sz="1800" b="1">
+            <a:endParaRPr sz="800" dirty="0">
               <a:latin typeface="Roboto"/>
               <a:ea typeface="Roboto"/>
               <a:cs typeface="Roboto"/>
@@ -8491,42 +9014,17 @@
             </a:endParaRPr>
           </a:p>
           <a:p>
-            <a:pPr marL="0" lvl="0" indent="0" algn="l" rtl="0">
-              <a:spcBef>
-                <a:spcPts val="0"/>
-              </a:spcBef>
-              <a:spcAft>
-                <a:spcPts val="0"/>
-              </a:spcAft>
-              <a:buNone/>
-            </a:pPr>
-            <a:endParaRPr sz="800">
-              <a:latin typeface="Roboto"/>
-              <a:ea typeface="Roboto"/>
-              <a:cs typeface="Roboto"/>
-              <a:sym typeface="Roboto"/>
-            </a:endParaRPr>
-          </a:p>
-          <a:p>
-            <a:pPr marL="0" lvl="0" indent="0" algn="l" rtl="0">
-              <a:spcBef>
-                <a:spcPts val="0"/>
-              </a:spcBef>
-              <a:spcAft>
-                <a:spcPts val="0"/>
-              </a:spcAft>
-              <a:buNone/>
-            </a:pPr>
+            <a:pPr lvl="0"/>
             <a:r>
-              <a:rPr lang="en">
+              <a:rPr lang="en-US" dirty="0">
                 <a:latin typeface="Roboto"/>
                 <a:ea typeface="Roboto"/>
                 <a:cs typeface="Roboto"/>
                 <a:sym typeface="Roboto"/>
               </a:rPr>
-              <a:t>Description of Use Case 1 ------------------------------------------</a:t>
+              <a:t>The devices will be checked using CV to check if it is defective or not</a:t>
             </a:r>
-            <a:endParaRPr>
+            <a:endParaRPr dirty="0">
               <a:latin typeface="Roboto"/>
               <a:ea typeface="Roboto"/>
               <a:cs typeface="Roboto"/>
@@ -8544,7 +9042,7 @@
         <p:spPr>
           <a:xfrm>
             <a:off x="285125" y="2315400"/>
-            <a:ext cx="2258100" cy="876600"/>
+            <a:ext cx="4030566" cy="876600"/>
           </a:xfrm>
           <a:prstGeom prst="rect">
             <a:avLst/>
@@ -8560,25 +9058,17 @@
           </a:bodyPr>
           <a:lstStyle/>
           <a:p>
-            <a:pPr marL="0" lvl="0" indent="0" algn="l" rtl="0">
-              <a:spcBef>
-                <a:spcPts val="0"/>
-              </a:spcBef>
-              <a:spcAft>
-                <a:spcPts val="0"/>
-              </a:spcAft>
-              <a:buNone/>
-            </a:pPr>
+            <a:pPr lvl="0"/>
             <a:r>
-              <a:rPr lang="en" sz="1800" b="1">
+              <a:rPr lang="en-US" sz="1800" b="1" dirty="0">
                 <a:latin typeface="Roboto"/>
                 <a:ea typeface="Roboto"/>
                 <a:cs typeface="Roboto"/>
                 <a:sym typeface="Roboto"/>
               </a:rPr>
-              <a:t>Use Case 2 Title</a:t>
+              <a:t>Optimal tax strategy predictor</a:t>
             </a:r>
-            <a:endParaRPr sz="1800" b="1">
+            <a:endParaRPr sz="800" dirty="0">
               <a:latin typeface="Roboto"/>
               <a:ea typeface="Roboto"/>
               <a:cs typeface="Roboto"/>
@@ -8586,42 +9076,17 @@
             </a:endParaRPr>
           </a:p>
           <a:p>
-            <a:pPr marL="0" lvl="0" indent="0" algn="l" rtl="0">
-              <a:spcBef>
-                <a:spcPts val="0"/>
-              </a:spcBef>
-              <a:spcAft>
-                <a:spcPts val="0"/>
-              </a:spcAft>
-              <a:buNone/>
-            </a:pPr>
-            <a:endParaRPr sz="800">
-              <a:latin typeface="Roboto"/>
-              <a:ea typeface="Roboto"/>
-              <a:cs typeface="Roboto"/>
-              <a:sym typeface="Roboto"/>
-            </a:endParaRPr>
-          </a:p>
-          <a:p>
-            <a:pPr marL="0" lvl="0" indent="0" algn="l" rtl="0">
-              <a:spcBef>
-                <a:spcPts val="0"/>
-              </a:spcBef>
-              <a:spcAft>
-                <a:spcPts val="0"/>
-              </a:spcAft>
-              <a:buNone/>
-            </a:pPr>
+            <a:pPr lvl="0"/>
             <a:r>
-              <a:rPr lang="en">
+              <a:rPr lang="en-US" dirty="0">
                 <a:latin typeface="Roboto"/>
                 <a:ea typeface="Roboto"/>
                 <a:cs typeface="Roboto"/>
                 <a:sym typeface="Roboto"/>
               </a:rPr>
-              <a:t>Description of Use Case 2 ------------------------------------------</a:t>
+              <a:t>tax codes are segmented using NLP to predict the best tax strategy</a:t>
             </a:r>
-            <a:endParaRPr>
+            <a:endParaRPr dirty="0">
               <a:latin typeface="Roboto"/>
               <a:ea typeface="Roboto"/>
               <a:cs typeface="Roboto"/>
@@ -8638,8 +9103,8 @@
         </p:nvSpPr>
         <p:spPr>
           <a:xfrm>
-            <a:off x="285125" y="3228750"/>
-            <a:ext cx="2258100" cy="876600"/>
+            <a:off x="285124" y="3228750"/>
+            <a:ext cx="4189893" cy="876600"/>
           </a:xfrm>
           <a:prstGeom prst="rect">
             <a:avLst/>
@@ -8655,25 +9120,17 @@
           </a:bodyPr>
           <a:lstStyle/>
           <a:p>
-            <a:pPr marL="0" lvl="0" indent="0" algn="l" rtl="0">
-              <a:spcBef>
-                <a:spcPts val="0"/>
-              </a:spcBef>
-              <a:spcAft>
-                <a:spcPts val="0"/>
-              </a:spcAft>
-              <a:buNone/>
-            </a:pPr>
+            <a:pPr lvl="0"/>
             <a:r>
-              <a:rPr lang="en" sz="1800" b="1">
+              <a:rPr lang="en-US" sz="1800" b="1" dirty="0">
                 <a:latin typeface="Roboto"/>
                 <a:ea typeface="Roboto"/>
                 <a:cs typeface="Roboto"/>
                 <a:sym typeface="Roboto"/>
               </a:rPr>
-              <a:t>Use Case 3 Title</a:t>
+              <a:t>Car Detection of Customer ID</a:t>
             </a:r>
-            <a:endParaRPr sz="1800" b="1">
+            <a:endParaRPr sz="800" dirty="0">
               <a:latin typeface="Roboto"/>
               <a:ea typeface="Roboto"/>
               <a:cs typeface="Roboto"/>
@@ -8681,42 +9138,17 @@
             </a:endParaRPr>
           </a:p>
           <a:p>
-            <a:pPr marL="0" lvl="0" indent="0" algn="l" rtl="0">
-              <a:spcBef>
-                <a:spcPts val="0"/>
-              </a:spcBef>
-              <a:spcAft>
-                <a:spcPts val="0"/>
-              </a:spcAft>
-              <a:buNone/>
-            </a:pPr>
-            <a:endParaRPr sz="800">
-              <a:latin typeface="Roboto"/>
-              <a:ea typeface="Roboto"/>
-              <a:cs typeface="Roboto"/>
-              <a:sym typeface="Roboto"/>
-            </a:endParaRPr>
-          </a:p>
-          <a:p>
-            <a:pPr marL="0" lvl="0" indent="0" algn="l" rtl="0">
-              <a:spcBef>
-                <a:spcPts val="0"/>
-              </a:spcBef>
-              <a:spcAft>
-                <a:spcPts val="0"/>
-              </a:spcAft>
-              <a:buNone/>
-            </a:pPr>
+            <a:pPr lvl="0"/>
             <a:r>
-              <a:rPr lang="en">
+              <a:rPr lang="en-US" dirty="0">
                 <a:latin typeface="Roboto"/>
                 <a:ea typeface="Roboto"/>
                 <a:cs typeface="Roboto"/>
                 <a:sym typeface="Roboto"/>
               </a:rPr>
-              <a:t>Description of Use Case 3 ------------------------------------------</a:t>
+              <a:t>Camera can detect the customer face to define the customer id, car preferences are changed automatically</a:t>
             </a:r>
-            <a:endParaRPr>
+            <a:endParaRPr dirty="0">
               <a:latin typeface="Roboto"/>
               <a:ea typeface="Roboto"/>
               <a:cs typeface="Roboto"/>
@@ -8733,8 +9165,8 @@
         </p:nvSpPr>
         <p:spPr>
           <a:xfrm>
-            <a:off x="3386375" y="1409325"/>
-            <a:ext cx="2258100" cy="876600"/>
+            <a:off x="4620492" y="1379450"/>
+            <a:ext cx="4238383" cy="876600"/>
           </a:xfrm>
           <a:prstGeom prst="rect">
             <a:avLst/>
@@ -8750,68 +9182,29 @@
           </a:bodyPr>
           <a:lstStyle/>
           <a:p>
-            <a:pPr marL="0" lvl="0" indent="0" algn="l" rtl="0">
-              <a:spcBef>
-                <a:spcPts val="0"/>
-              </a:spcBef>
-              <a:spcAft>
-                <a:spcPts val="0"/>
-              </a:spcAft>
-              <a:buNone/>
-            </a:pPr>
+            <a:pPr lvl="0"/>
             <a:r>
-              <a:rPr lang="en" sz="1800" b="1">
+              <a:rPr lang="en-US" sz="1800" b="1" dirty="0">
                 <a:latin typeface="Roboto"/>
                 <a:ea typeface="Roboto"/>
                 <a:cs typeface="Roboto"/>
                 <a:sym typeface="Roboto"/>
               </a:rPr>
-              <a:t>Use Case 4 Title</a:t>
+              <a:t>Car Maintenance Expectation </a:t>
             </a:r>
-            <a:endParaRPr sz="1800" b="1">
-              <a:latin typeface="Roboto"/>
-              <a:ea typeface="Roboto"/>
-              <a:cs typeface="Roboto"/>
-              <a:sym typeface="Roboto"/>
-            </a:endParaRPr>
-          </a:p>
-          <a:p>
-            <a:pPr marL="0" lvl="0" indent="0" algn="l" rtl="0">
-              <a:spcBef>
-                <a:spcPts val="0"/>
-              </a:spcBef>
-              <a:spcAft>
-                <a:spcPts val="0"/>
-              </a:spcAft>
-              <a:buNone/>
-            </a:pPr>
-            <a:endParaRPr sz="800">
-              <a:latin typeface="Roboto"/>
-              <a:ea typeface="Roboto"/>
-              <a:cs typeface="Roboto"/>
-              <a:sym typeface="Roboto"/>
-            </a:endParaRPr>
-          </a:p>
-          <a:p>
-            <a:pPr marL="0" lvl="0" indent="0" algn="l" rtl="0">
-              <a:spcBef>
-                <a:spcPts val="0"/>
-              </a:spcBef>
-              <a:spcAft>
-                <a:spcPts val="0"/>
-              </a:spcAft>
-              <a:buNone/>
-            </a:pPr>
+          </a:p>
+          <a:p>
+            <a:pPr lvl="0"/>
             <a:r>
-              <a:rPr lang="en">
+              <a:rPr lang="en-US" dirty="0">
                 <a:latin typeface="Roboto"/>
                 <a:ea typeface="Roboto"/>
                 <a:cs typeface="Roboto"/>
                 <a:sym typeface="Roboto"/>
               </a:rPr>
-              <a:t>Description of Use Case 4 ------------------------------------------</a:t>
+              <a:t>expect time of next problem occurrence, get ready to make the fix ahead of time  </a:t>
             </a:r>
-            <a:endParaRPr>
+            <a:endParaRPr dirty="0">
               <a:latin typeface="Roboto"/>
               <a:ea typeface="Roboto"/>
               <a:cs typeface="Roboto"/>
@@ -8828,8 +9221,8 @@
         </p:nvSpPr>
         <p:spPr>
           <a:xfrm>
-            <a:off x="3386375" y="2285925"/>
-            <a:ext cx="2258100" cy="876600"/>
+            <a:off x="4620493" y="2315400"/>
+            <a:ext cx="4238382" cy="876600"/>
           </a:xfrm>
           <a:prstGeom prst="rect">
             <a:avLst/>
@@ -8845,25 +9238,17 @@
           </a:bodyPr>
           <a:lstStyle/>
           <a:p>
-            <a:pPr marL="0" lvl="0" indent="0" algn="l" rtl="0">
-              <a:spcBef>
-                <a:spcPts val="0"/>
-              </a:spcBef>
-              <a:spcAft>
-                <a:spcPts val="0"/>
-              </a:spcAft>
-              <a:buNone/>
-            </a:pPr>
+            <a:pPr lvl="0"/>
             <a:r>
-              <a:rPr lang="en" sz="1800" b="1">
+              <a:rPr lang="en-US" sz="1800" b="1" dirty="0">
                 <a:latin typeface="Roboto"/>
                 <a:ea typeface="Roboto"/>
                 <a:cs typeface="Roboto"/>
                 <a:sym typeface="Roboto"/>
               </a:rPr>
-              <a:t>Use Case 5 Title</a:t>
+              <a:t>Supply Chain Costs Prediction</a:t>
             </a:r>
-            <a:endParaRPr sz="1800" b="1">
+            <a:endParaRPr sz="800" dirty="0">
               <a:latin typeface="Roboto"/>
               <a:ea typeface="Roboto"/>
               <a:cs typeface="Roboto"/>
@@ -8871,42 +9256,17 @@
             </a:endParaRPr>
           </a:p>
           <a:p>
-            <a:pPr marL="0" lvl="0" indent="0" algn="l" rtl="0">
-              <a:spcBef>
-                <a:spcPts val="0"/>
-              </a:spcBef>
-              <a:spcAft>
-                <a:spcPts val="0"/>
-              </a:spcAft>
-              <a:buNone/>
-            </a:pPr>
-            <a:endParaRPr sz="800">
-              <a:latin typeface="Roboto"/>
-              <a:ea typeface="Roboto"/>
-              <a:cs typeface="Roboto"/>
-              <a:sym typeface="Roboto"/>
-            </a:endParaRPr>
-          </a:p>
-          <a:p>
-            <a:pPr marL="0" lvl="0" indent="0" algn="l" rtl="0">
-              <a:spcBef>
-                <a:spcPts val="0"/>
-              </a:spcBef>
-              <a:spcAft>
-                <a:spcPts val="0"/>
-              </a:spcAft>
-              <a:buNone/>
-            </a:pPr>
+            <a:pPr lvl="0"/>
             <a:r>
-              <a:rPr lang="en">
+              <a:rPr lang="en-US" dirty="0">
                 <a:latin typeface="Roboto"/>
                 <a:ea typeface="Roboto"/>
                 <a:cs typeface="Roboto"/>
                 <a:sym typeface="Roboto"/>
               </a:rPr>
-              <a:t>Description of Use Case 5 ------------------------------------------</a:t>
+              <a:t>collect data about transportation and costs and switching costs, predict the supply costs. </a:t>
             </a:r>
-            <a:endParaRPr>
+            <a:endParaRPr dirty="0">
               <a:latin typeface="Roboto"/>
               <a:ea typeface="Roboto"/>
               <a:cs typeface="Roboto"/>
@@ -9069,7 +9429,7 @@
               <a:buNone/>
             </a:pPr>
             <a:r>
-              <a:rPr lang="en" sz="1800" b="1">
+              <a:rPr lang="en" sz="1800" b="1" dirty="0">
                 <a:latin typeface="Roboto"/>
                 <a:ea typeface="Roboto"/>
                 <a:cs typeface="Roboto"/>
@@ -9077,7 +9437,7 @@
               </a:rPr>
               <a:t>Key criteria assessed</a:t>
             </a:r>
-            <a:endParaRPr sz="1800" b="1">
+            <a:endParaRPr sz="1800" b="1" dirty="0">
               <a:latin typeface="Roboto"/>
               <a:ea typeface="Roboto"/>
               <a:cs typeface="Roboto"/>
@@ -9094,7 +9454,7 @@
               </a:spcAft>
               <a:buNone/>
             </a:pPr>
-            <a:endParaRPr sz="1000" b="1">
+            <a:endParaRPr sz="1000" b="1" dirty="0">
               <a:latin typeface="Roboto"/>
               <a:ea typeface="Roboto"/>
               <a:cs typeface="Roboto"/>
@@ -9114,23 +9474,105 @@
               <a:buChar char="-"/>
             </a:pPr>
             <a:r>
-              <a:rPr lang="en">
+              <a:rPr lang="en-US" dirty="0">
                 <a:latin typeface="Roboto"/>
                 <a:ea typeface="Roboto"/>
                 <a:cs typeface="Roboto"/>
                 <a:sym typeface="Roboto"/>
               </a:rPr>
-              <a:t>Key area 1</a:t>
+              <a:t>Computer Vision</a:t>
+            </a:r>
+          </a:p>
+          <a:p>
+            <a:pPr marL="457200" lvl="0" indent="-342900" algn="l" rtl="0">
+              <a:spcBef>
+                <a:spcPts val="0"/>
+              </a:spcBef>
+              <a:spcAft>
+                <a:spcPts val="0"/>
+              </a:spcAft>
+              <a:buSzPts val="1800"/>
+              <a:buFont typeface="Roboto"/>
+              <a:buChar char="-"/>
+            </a:pPr>
+            <a:endParaRPr sz="1000" dirty="0">
+              <a:latin typeface="Roboto"/>
+              <a:ea typeface="Roboto"/>
+              <a:cs typeface="Roboto"/>
+              <a:sym typeface="Roboto"/>
+            </a:endParaRPr>
+          </a:p>
+          <a:p>
+            <a:pPr marL="457200" lvl="0" indent="-317500" algn="l" rtl="0">
+              <a:spcBef>
+                <a:spcPts val="0"/>
+              </a:spcBef>
+              <a:spcAft>
+                <a:spcPts val="0"/>
+              </a:spcAft>
+              <a:buSzPts val="1400"/>
+              <a:buFont typeface="Roboto"/>
+              <a:buChar char="-"/>
+            </a:pPr>
+            <a:r>
+              <a:rPr lang="en-US" dirty="0">
+                <a:latin typeface="Roboto"/>
+                <a:ea typeface="Roboto"/>
+                <a:cs typeface="Roboto"/>
+                <a:sym typeface="Roboto"/>
+              </a:rPr>
+              <a:t>Ease of use</a:t>
+            </a:r>
+          </a:p>
+          <a:p>
+            <a:pPr marL="457200" lvl="0" indent="-317500" algn="l" rtl="0">
+              <a:spcBef>
+                <a:spcPts val="0"/>
+              </a:spcBef>
+              <a:spcAft>
+                <a:spcPts val="0"/>
+              </a:spcAft>
+              <a:buSzPts val="1400"/>
+              <a:buFont typeface="Roboto"/>
+              <a:buChar char="-"/>
+            </a:pPr>
+            <a:endParaRPr dirty="0">
+              <a:latin typeface="Roboto"/>
+              <a:ea typeface="Roboto"/>
+              <a:cs typeface="Roboto"/>
+              <a:sym typeface="Roboto"/>
+            </a:endParaRPr>
+          </a:p>
+          <a:p>
+            <a:pPr marL="457200" lvl="0" indent="-317500" algn="l" rtl="0">
+              <a:spcBef>
+                <a:spcPts val="0"/>
+              </a:spcBef>
+              <a:spcAft>
+                <a:spcPts val="0"/>
+              </a:spcAft>
+              <a:buSzPts val="1400"/>
+              <a:buFont typeface="Roboto"/>
+              <a:buChar char="-"/>
+            </a:pPr>
+            <a:r>
+              <a:rPr lang="en-US" dirty="0">
+                <a:latin typeface="Roboto"/>
+                <a:ea typeface="Roboto"/>
+                <a:cs typeface="Roboto"/>
+                <a:sym typeface="Roboto"/>
+              </a:rPr>
+              <a:t>Complexity/Usability</a:t>
             </a:r>
             <a:br>
-              <a:rPr lang="en" sz="1800">
+              <a:rPr lang="en" dirty="0">
                 <a:latin typeface="Roboto"/>
                 <a:ea typeface="Roboto"/>
                 <a:cs typeface="Roboto"/>
                 <a:sym typeface="Roboto"/>
               </a:rPr>
             </a:br>
-            <a:endParaRPr sz="1000">
+            <a:endParaRPr dirty="0">
               <a:latin typeface="Roboto"/>
               <a:ea typeface="Roboto"/>
               <a:cs typeface="Roboto"/>
@@ -9150,23 +9592,23 @@
               <a:buChar char="-"/>
             </a:pPr>
             <a:r>
-              <a:rPr lang="en">
+              <a:rPr lang="en-US" dirty="0">
                 <a:latin typeface="Roboto"/>
                 <a:ea typeface="Roboto"/>
                 <a:cs typeface="Roboto"/>
                 <a:sym typeface="Roboto"/>
               </a:rPr>
-              <a:t>Key area 2</a:t>
+              <a:t>Clear Process understanding</a:t>
             </a:r>
             <a:br>
-              <a:rPr lang="en">
+              <a:rPr lang="en" dirty="0">
                 <a:latin typeface="Roboto"/>
                 <a:ea typeface="Roboto"/>
                 <a:cs typeface="Roboto"/>
                 <a:sym typeface="Roboto"/>
               </a:rPr>
             </a:br>
-            <a:endParaRPr>
+            <a:endParaRPr dirty="0">
               <a:latin typeface="Roboto"/>
               <a:ea typeface="Roboto"/>
               <a:cs typeface="Roboto"/>
@@ -9186,87 +9628,15 @@
               <a:buChar char="-"/>
             </a:pPr>
             <a:r>
-              <a:rPr lang="en">
+              <a:rPr lang="en-US" dirty="0">
                 <a:latin typeface="Roboto"/>
                 <a:ea typeface="Roboto"/>
                 <a:cs typeface="Roboto"/>
                 <a:sym typeface="Roboto"/>
               </a:rPr>
-              <a:t>Key area 3</a:t>
+              <a:t>Cost of hardware</a:t>
             </a:r>
-            <a:br>
-              <a:rPr lang="en">
-                <a:latin typeface="Roboto"/>
-                <a:ea typeface="Roboto"/>
-                <a:cs typeface="Roboto"/>
-                <a:sym typeface="Roboto"/>
-              </a:rPr>
-            </a:br>
-            <a:endParaRPr>
-              <a:latin typeface="Roboto"/>
-              <a:ea typeface="Roboto"/>
-              <a:cs typeface="Roboto"/>
-              <a:sym typeface="Roboto"/>
-            </a:endParaRPr>
-          </a:p>
-          <a:p>
-            <a:pPr marL="457200" lvl="0" indent="-317500" algn="l" rtl="0">
-              <a:spcBef>
-                <a:spcPts val="0"/>
-              </a:spcBef>
-              <a:spcAft>
-                <a:spcPts val="0"/>
-              </a:spcAft>
-              <a:buSzPts val="1400"/>
-              <a:buFont typeface="Roboto"/>
-              <a:buChar char="-"/>
-            </a:pPr>
-            <a:r>
-              <a:rPr lang="en">
-                <a:latin typeface="Roboto"/>
-                <a:ea typeface="Roboto"/>
-                <a:cs typeface="Roboto"/>
-                <a:sym typeface="Roboto"/>
-              </a:rPr>
-              <a:t>Key area 4</a:t>
-            </a:r>
-            <a:br>
-              <a:rPr lang="en">
-                <a:latin typeface="Roboto"/>
-                <a:ea typeface="Roboto"/>
-                <a:cs typeface="Roboto"/>
-                <a:sym typeface="Roboto"/>
-              </a:rPr>
-            </a:br>
-            <a:endParaRPr>
-              <a:latin typeface="Roboto"/>
-              <a:ea typeface="Roboto"/>
-              <a:cs typeface="Roboto"/>
-              <a:sym typeface="Roboto"/>
-            </a:endParaRPr>
-          </a:p>
-          <a:p>
-            <a:pPr marL="457200" lvl="0" indent="-317500" algn="l" rtl="0">
-              <a:spcBef>
-                <a:spcPts val="0"/>
-              </a:spcBef>
-              <a:spcAft>
-                <a:spcPts val="0"/>
-              </a:spcAft>
-              <a:buSzPts val="1400"/>
-              <a:buFont typeface="Roboto"/>
-              <a:buChar char="-"/>
-            </a:pPr>
-            <a:r>
-              <a:rPr lang="en">
-                <a:latin typeface="Roboto"/>
-                <a:ea typeface="Roboto"/>
-                <a:cs typeface="Roboto"/>
-                <a:sym typeface="Roboto"/>
-              </a:rPr>
-              <a:t>Key area 5</a:t>
-            </a:r>
-            <a:endParaRPr>
+            <a:endParaRPr dirty="0">
               <a:latin typeface="Roboto"/>
               <a:ea typeface="Roboto"/>
               <a:cs typeface="Roboto"/>
@@ -9356,7 +9726,7 @@
         </p:nvSpPr>
         <p:spPr>
           <a:xfrm>
-            <a:off x="2397675" y="3096500"/>
+            <a:off x="3976926" y="3236303"/>
             <a:ext cx="345000" cy="338400"/>
           </a:xfrm>
           <a:prstGeom prst="ellipse">
@@ -9423,13 +9793,13 @@
       </p:sp>
       <p:sp>
         <p:nvSpPr>
-          <p:cNvPr id="94" name="Google Shape;94;p16"/>
+          <p:cNvPr id="95" name="Google Shape;95;p16"/>
           <p:cNvSpPr/>
           <p:nvPr/>
         </p:nvSpPr>
         <p:spPr>
           <a:xfrm>
-            <a:off x="2052675" y="2047200"/>
+            <a:off x="2156419" y="1957701"/>
             <a:ext cx="345000" cy="338400"/>
           </a:xfrm>
           <a:prstGeom prst="ellipse">
@@ -9484,7 +9854,7 @@
                   <a:srgbClr val="FFFFFF"/>
                 </a:solidFill>
               </a:rPr>
-              <a:t>7</a:t>
+              <a:t>3</a:t>
             </a:r>
             <a:endParaRPr sz="900">
               <a:solidFill>
@@ -9496,13 +9866,13 @@
       </p:sp>
       <p:sp>
         <p:nvSpPr>
-          <p:cNvPr id="95" name="Google Shape;95;p16"/>
+          <p:cNvPr id="98" name="Google Shape;98;p16"/>
           <p:cNvSpPr/>
           <p:nvPr/>
         </p:nvSpPr>
         <p:spPr>
           <a:xfrm>
-            <a:off x="3721100" y="1758925"/>
+            <a:off x="2273440" y="2511350"/>
             <a:ext cx="345000" cy="338400"/>
           </a:xfrm>
           <a:prstGeom prst="ellipse">
@@ -9557,7 +9927,7 @@
                   <a:srgbClr val="FFFFFF"/>
                 </a:solidFill>
               </a:rPr>
-              <a:t>3</a:t>
+              <a:t>4</a:t>
             </a:r>
             <a:endParaRPr sz="900">
               <a:solidFill>
@@ -9569,13 +9939,13 @@
       </p:sp>
       <p:sp>
         <p:nvSpPr>
-          <p:cNvPr id="96" name="Google Shape;96;p16"/>
+          <p:cNvPr id="99" name="Google Shape;99;p16"/>
           <p:cNvSpPr/>
           <p:nvPr/>
         </p:nvSpPr>
         <p:spPr>
           <a:xfrm>
-            <a:off x="4822075" y="3253850"/>
+            <a:off x="4055225" y="2456754"/>
             <a:ext cx="345000" cy="338400"/>
           </a:xfrm>
           <a:prstGeom prst="ellipse">
@@ -9630,419 +10000,8 @@
                   <a:srgbClr val="FFFFFF"/>
                 </a:solidFill>
               </a:rPr>
-              <a:t>8</a:t>
-            </a:r>
-            <a:endParaRPr sz="900">
-              <a:solidFill>
-                <a:srgbClr val="FFFFFF"/>
-              </a:solidFill>
-            </a:endParaRPr>
-          </a:p>
-        </p:txBody>
-      </p:sp>
-      <p:sp>
-        <p:nvSpPr>
-          <p:cNvPr id="97" name="Google Shape;97;p16"/>
-          <p:cNvSpPr/>
-          <p:nvPr/>
-        </p:nvSpPr>
-        <p:spPr>
-          <a:xfrm>
-            <a:off x="4611400" y="2419350"/>
-            <a:ext cx="345000" cy="338400"/>
-          </a:xfrm>
-          <a:prstGeom prst="ellipse">
-            <a:avLst/>
-          </a:prstGeom>
-          <a:solidFill>
-            <a:schemeClr val="lt2"/>
-          </a:solidFill>
-          <a:ln w="9525" cap="flat" cmpd="sng">
-            <a:solidFill>
-              <a:schemeClr val="dk2"/>
-            </a:solidFill>
-            <a:prstDash val="solid"/>
-            <a:round/>
-            <a:headEnd type="none" w="sm" len="sm"/>
-            <a:tailEnd type="none" w="sm" len="sm"/>
-          </a:ln>
-        </p:spPr>
-        <p:txBody>
-          <a:bodyPr spcFirstLastPara="1" wrap="square" lIns="0" tIns="0" rIns="0" bIns="0" anchor="ctr" anchorCtr="0">
-            <a:noAutofit/>
-          </a:bodyPr>
-          <a:lstStyle/>
-          <a:p>
-            <a:pPr marL="0" lvl="0" indent="0" algn="ctr" rtl="0">
-              <a:spcBef>
-                <a:spcPts val="0"/>
-              </a:spcBef>
-              <a:spcAft>
-                <a:spcPts val="0"/>
-              </a:spcAft>
-              <a:buNone/>
-            </a:pPr>
-            <a:r>
-              <a:rPr lang="en" sz="900">
-                <a:solidFill>
-                  <a:srgbClr val="FFFFFF"/>
-                </a:solidFill>
-              </a:rPr>
-              <a:t>UC</a:t>
-            </a:r>
-            <a:br>
-              <a:rPr lang="en" sz="900">
-                <a:solidFill>
-                  <a:srgbClr val="FFFFFF"/>
-                </a:solidFill>
-              </a:rPr>
-            </a:br>
-            <a:r>
-              <a:rPr lang="en" sz="900">
-                <a:solidFill>
-                  <a:srgbClr val="FFFFFF"/>
-                </a:solidFill>
-              </a:rPr>
-              <a:t>6</a:t>
-            </a:r>
-            <a:endParaRPr sz="900">
-              <a:solidFill>
-                <a:srgbClr val="FFFFFF"/>
-              </a:solidFill>
-            </a:endParaRPr>
-          </a:p>
-        </p:txBody>
-      </p:sp>
-      <p:sp>
-        <p:nvSpPr>
-          <p:cNvPr id="98" name="Google Shape;98;p16"/>
-          <p:cNvSpPr/>
-          <p:nvPr/>
-        </p:nvSpPr>
-        <p:spPr>
-          <a:xfrm>
-            <a:off x="3855063" y="3385150"/>
-            <a:ext cx="345000" cy="338400"/>
-          </a:xfrm>
-          <a:prstGeom prst="ellipse">
-            <a:avLst/>
-          </a:prstGeom>
-          <a:solidFill>
-            <a:schemeClr val="lt2"/>
-          </a:solidFill>
-          <a:ln w="9525" cap="flat" cmpd="sng">
-            <a:solidFill>
-              <a:schemeClr val="dk2"/>
-            </a:solidFill>
-            <a:prstDash val="solid"/>
-            <a:round/>
-            <a:headEnd type="none" w="sm" len="sm"/>
-            <a:tailEnd type="none" w="sm" len="sm"/>
-          </a:ln>
-        </p:spPr>
-        <p:txBody>
-          <a:bodyPr spcFirstLastPara="1" wrap="square" lIns="0" tIns="0" rIns="0" bIns="0" anchor="ctr" anchorCtr="0">
-            <a:noAutofit/>
-          </a:bodyPr>
-          <a:lstStyle/>
-          <a:p>
-            <a:pPr marL="0" lvl="0" indent="0" algn="ctr" rtl="0">
-              <a:spcBef>
-                <a:spcPts val="0"/>
-              </a:spcBef>
-              <a:spcAft>
-                <a:spcPts val="0"/>
-              </a:spcAft>
-              <a:buNone/>
-            </a:pPr>
-            <a:r>
-              <a:rPr lang="en" sz="900">
-                <a:solidFill>
-                  <a:srgbClr val="FFFFFF"/>
-                </a:solidFill>
-              </a:rPr>
-              <a:t>UC</a:t>
-            </a:r>
-            <a:br>
-              <a:rPr lang="en" sz="900">
-                <a:solidFill>
-                  <a:srgbClr val="FFFFFF"/>
-                </a:solidFill>
-              </a:rPr>
-            </a:br>
-            <a:r>
-              <a:rPr lang="en" sz="900">
-                <a:solidFill>
-                  <a:srgbClr val="FFFFFF"/>
-                </a:solidFill>
-              </a:rPr>
-              <a:t>4</a:t>
-            </a:r>
-            <a:endParaRPr sz="900">
-              <a:solidFill>
-                <a:srgbClr val="FFFFFF"/>
-              </a:solidFill>
-            </a:endParaRPr>
-          </a:p>
-        </p:txBody>
-      </p:sp>
-      <p:sp>
-        <p:nvSpPr>
-          <p:cNvPr id="99" name="Google Shape;99;p16"/>
-          <p:cNvSpPr/>
-          <p:nvPr/>
-        </p:nvSpPr>
-        <p:spPr>
-          <a:xfrm>
-            <a:off x="4338625" y="2866550"/>
-            <a:ext cx="345000" cy="338400"/>
-          </a:xfrm>
-          <a:prstGeom prst="ellipse">
-            <a:avLst/>
-          </a:prstGeom>
-          <a:solidFill>
-            <a:schemeClr val="lt2"/>
-          </a:solidFill>
-          <a:ln w="9525" cap="flat" cmpd="sng">
-            <a:solidFill>
-              <a:schemeClr val="dk2"/>
-            </a:solidFill>
-            <a:prstDash val="solid"/>
-            <a:round/>
-            <a:headEnd type="none" w="sm" len="sm"/>
-            <a:tailEnd type="none" w="sm" len="sm"/>
-          </a:ln>
-        </p:spPr>
-        <p:txBody>
-          <a:bodyPr spcFirstLastPara="1" wrap="square" lIns="0" tIns="0" rIns="0" bIns="0" anchor="ctr" anchorCtr="0">
-            <a:noAutofit/>
-          </a:bodyPr>
-          <a:lstStyle/>
-          <a:p>
-            <a:pPr marL="0" lvl="0" indent="0" algn="ctr" rtl="0">
-              <a:spcBef>
-                <a:spcPts val="0"/>
-              </a:spcBef>
-              <a:spcAft>
-                <a:spcPts val="0"/>
-              </a:spcAft>
-              <a:buNone/>
-            </a:pPr>
-            <a:r>
-              <a:rPr lang="en" sz="900">
-                <a:solidFill>
-                  <a:srgbClr val="FFFFFF"/>
-                </a:solidFill>
-              </a:rPr>
-              <a:t>UC</a:t>
-            </a:r>
-            <a:br>
-              <a:rPr lang="en" sz="900">
-                <a:solidFill>
-                  <a:srgbClr val="FFFFFF"/>
-                </a:solidFill>
-              </a:rPr>
-            </a:br>
-            <a:r>
-              <a:rPr lang="en" sz="900">
-                <a:solidFill>
-                  <a:srgbClr val="FFFFFF"/>
-                </a:solidFill>
-              </a:rPr>
               <a:t>5</a:t>
             </a:r>
-            <a:endParaRPr sz="900">
-              <a:solidFill>
-                <a:srgbClr val="FFFFFF"/>
-              </a:solidFill>
-            </a:endParaRPr>
-          </a:p>
-        </p:txBody>
-      </p:sp>
-      <p:sp>
-        <p:nvSpPr>
-          <p:cNvPr id="100" name="Google Shape;100;p16"/>
-          <p:cNvSpPr/>
-          <p:nvPr/>
-        </p:nvSpPr>
-        <p:spPr>
-          <a:xfrm>
-            <a:off x="5378750" y="2250150"/>
-            <a:ext cx="345000" cy="338400"/>
-          </a:xfrm>
-          <a:prstGeom prst="ellipse">
-            <a:avLst/>
-          </a:prstGeom>
-          <a:solidFill>
-            <a:schemeClr val="lt2"/>
-          </a:solidFill>
-          <a:ln w="9525" cap="flat" cmpd="sng">
-            <a:solidFill>
-              <a:schemeClr val="dk2"/>
-            </a:solidFill>
-            <a:prstDash val="solid"/>
-            <a:round/>
-            <a:headEnd type="none" w="sm" len="sm"/>
-            <a:tailEnd type="none" w="sm" len="sm"/>
-          </a:ln>
-        </p:spPr>
-        <p:txBody>
-          <a:bodyPr spcFirstLastPara="1" wrap="square" lIns="0" tIns="0" rIns="0" bIns="0" anchor="ctr" anchorCtr="0">
-            <a:noAutofit/>
-          </a:bodyPr>
-          <a:lstStyle/>
-          <a:p>
-            <a:pPr marL="0" lvl="0" indent="0" algn="ctr" rtl="0">
-              <a:spcBef>
-                <a:spcPts val="0"/>
-              </a:spcBef>
-              <a:spcAft>
-                <a:spcPts val="0"/>
-              </a:spcAft>
-              <a:buNone/>
-            </a:pPr>
-            <a:br>
-              <a:rPr lang="en" sz="900">
-                <a:solidFill>
-                  <a:srgbClr val="FFFFFF"/>
-                </a:solidFill>
-              </a:rPr>
-            </a:br>
-            <a:r>
-              <a:rPr lang="en" sz="900">
-                <a:solidFill>
-                  <a:srgbClr val="FFFFFF"/>
-                </a:solidFill>
-              </a:rPr>
-              <a:t>UC</a:t>
-            </a:r>
-            <a:br>
-              <a:rPr lang="en" sz="900">
-                <a:solidFill>
-                  <a:srgbClr val="FFFFFF"/>
-                </a:solidFill>
-              </a:rPr>
-            </a:br>
-            <a:r>
-              <a:rPr lang="en" sz="900">
-                <a:solidFill>
-                  <a:srgbClr val="FFFFFF"/>
-                </a:solidFill>
-              </a:rPr>
-              <a:t>9</a:t>
-            </a:r>
-            <a:endParaRPr sz="900">
-              <a:solidFill>
-                <a:srgbClr val="FFFFFF"/>
-              </a:solidFill>
-            </a:endParaRPr>
-          </a:p>
-          <a:p>
-            <a:pPr marL="0" lvl="0" indent="0" algn="l" rtl="0">
-              <a:spcBef>
-                <a:spcPts val="0"/>
-              </a:spcBef>
-              <a:spcAft>
-                <a:spcPts val="0"/>
-              </a:spcAft>
-              <a:buNone/>
-            </a:pPr>
-            <a:endParaRPr sz="900">
-              <a:solidFill>
-                <a:srgbClr val="FFFFFF"/>
-              </a:solidFill>
-            </a:endParaRPr>
-          </a:p>
-        </p:txBody>
-      </p:sp>
-      <p:sp>
-        <p:nvSpPr>
-          <p:cNvPr id="101" name="Google Shape;101;p16"/>
-          <p:cNvSpPr/>
-          <p:nvPr/>
-        </p:nvSpPr>
-        <p:spPr>
-          <a:xfrm>
-            <a:off x="2830800" y="2385600"/>
-            <a:ext cx="345000" cy="338400"/>
-          </a:xfrm>
-          <a:prstGeom prst="ellipse">
-            <a:avLst/>
-          </a:prstGeom>
-          <a:solidFill>
-            <a:schemeClr val="lt2"/>
-          </a:solidFill>
-          <a:ln w="9525" cap="flat" cmpd="sng">
-            <a:solidFill>
-              <a:schemeClr val="dk2"/>
-            </a:solidFill>
-            <a:prstDash val="solid"/>
-            <a:round/>
-            <a:headEnd type="none" w="sm" len="sm"/>
-            <a:tailEnd type="none" w="sm" len="sm"/>
-          </a:ln>
-        </p:spPr>
-        <p:txBody>
-          <a:bodyPr spcFirstLastPara="1" wrap="square" lIns="0" tIns="0" rIns="0" bIns="0" anchor="ctr" anchorCtr="0">
-            <a:noAutofit/>
-          </a:bodyPr>
-          <a:lstStyle/>
-          <a:p>
-            <a:pPr marL="0" lvl="0" indent="0" algn="ctr" rtl="0">
-              <a:spcBef>
-                <a:spcPts val="0"/>
-              </a:spcBef>
-              <a:spcAft>
-                <a:spcPts val="0"/>
-              </a:spcAft>
-              <a:buNone/>
-            </a:pPr>
-            <a:br>
-              <a:rPr lang="en" sz="900">
-                <a:solidFill>
-                  <a:srgbClr val="FFFFFF"/>
-                </a:solidFill>
-              </a:rPr>
-            </a:br>
-            <a:r>
-              <a:rPr lang="en" sz="900">
-                <a:solidFill>
-                  <a:srgbClr val="FFFFFF"/>
-                </a:solidFill>
-              </a:rPr>
-              <a:t>UC</a:t>
-            </a:r>
-            <a:br>
-              <a:rPr lang="en" sz="900">
-                <a:solidFill>
-                  <a:srgbClr val="FFFFFF"/>
-                </a:solidFill>
-              </a:rPr>
-            </a:br>
-            <a:r>
-              <a:rPr lang="en" sz="900">
-                <a:solidFill>
-                  <a:srgbClr val="FFFFFF"/>
-                </a:solidFill>
-              </a:rPr>
-              <a:t>10</a:t>
-            </a:r>
-            <a:endParaRPr sz="900">
-              <a:solidFill>
-                <a:srgbClr val="FFFFFF"/>
-              </a:solidFill>
-            </a:endParaRPr>
-          </a:p>
-          <a:p>
-            <a:pPr marL="0" lvl="0" indent="0" algn="l" rtl="0">
-              <a:spcBef>
-                <a:spcPts val="0"/>
-              </a:spcBef>
-              <a:spcAft>
-                <a:spcPts val="0"/>
-              </a:spcAft>
-              <a:buNone/>
-            </a:pPr>
             <a:endParaRPr sz="900">
               <a:solidFill>
                 <a:srgbClr val="FFFFFF"/>
@@ -10308,8 +10267,8 @@
         </p:nvSpPr>
         <p:spPr>
           <a:xfrm>
-            <a:off x="807725" y="1608050"/>
-            <a:ext cx="2258100" cy="2040900"/>
+            <a:off x="90054" y="1608050"/>
+            <a:ext cx="3797783" cy="2040900"/>
           </a:xfrm>
           <a:prstGeom prst="rect">
             <a:avLst/>
@@ -10325,25 +10284,20 @@
           </a:bodyPr>
           <a:lstStyle/>
           <a:p>
-            <a:pPr marL="0" lvl="0" indent="0" algn="l" rtl="0">
-              <a:spcBef>
-                <a:spcPts val="0"/>
-              </a:spcBef>
-              <a:spcAft>
-                <a:spcPts val="0"/>
-              </a:spcAft>
-              <a:buNone/>
-            </a:pPr>
+            <a:pPr lvl="0"/>
             <a:r>
-              <a:rPr lang="en" sz="1800" b="1">
+              <a:rPr lang="en-US" sz="1800" b="1" dirty="0">
                 <a:latin typeface="Roboto"/>
                 <a:ea typeface="Roboto"/>
                 <a:cs typeface="Roboto"/>
                 <a:sym typeface="Roboto"/>
               </a:rPr>
-              <a:t>Use Case Title</a:t>
+              <a:t>Quality Control with Computer Vision</a:t>
             </a:r>
-            <a:endParaRPr sz="1800" b="1">
+          </a:p>
+          <a:p>
+            <a:pPr lvl="0"/>
+            <a:endParaRPr sz="800" dirty="0">
               <a:latin typeface="Roboto"/>
               <a:ea typeface="Roboto"/>
               <a:cs typeface="Roboto"/>
@@ -10351,111 +10305,17 @@
             </a:endParaRPr>
           </a:p>
           <a:p>
-            <a:pPr marL="0" lvl="0" indent="0" algn="l" rtl="0">
-              <a:spcBef>
-                <a:spcPts val="0"/>
-              </a:spcBef>
-              <a:spcAft>
-                <a:spcPts val="0"/>
-              </a:spcAft>
-              <a:buNone/>
-            </a:pPr>
-            <a:endParaRPr sz="800">
-              <a:latin typeface="Roboto"/>
-              <a:ea typeface="Roboto"/>
-              <a:cs typeface="Roboto"/>
-              <a:sym typeface="Roboto"/>
-            </a:endParaRPr>
-          </a:p>
-          <a:p>
-            <a:pPr marL="0" lvl="0" indent="0" algn="l" rtl="0">
-              <a:spcBef>
-                <a:spcPts val="0"/>
-              </a:spcBef>
-              <a:spcAft>
-                <a:spcPts val="0"/>
-              </a:spcAft>
-              <a:buNone/>
-            </a:pPr>
+            <a:pPr lvl="0"/>
             <a:r>
-              <a:rPr lang="en">
+              <a:rPr lang="en-US" dirty="0">
                 <a:latin typeface="Roboto"/>
                 <a:ea typeface="Roboto"/>
                 <a:cs typeface="Roboto"/>
                 <a:sym typeface="Roboto"/>
               </a:rPr>
-              <a:t>Description of Use Case ------------------------------------------------------------------------------------</a:t>
+              <a:t>The quality control can be controlled totally on visual classification. In which it can be either binary classifier, so the classifier can detect the existence/absence of the defective or classify multiple defectives. </a:t>
             </a:r>
-            <a:endParaRPr>
-              <a:latin typeface="Roboto"/>
-              <a:ea typeface="Roboto"/>
-              <a:cs typeface="Roboto"/>
-              <a:sym typeface="Roboto"/>
-            </a:endParaRPr>
-          </a:p>
-          <a:p>
-            <a:pPr marL="0" lvl="0" indent="0" algn="l" rtl="0">
-              <a:spcBef>
-                <a:spcPts val="0"/>
-              </a:spcBef>
-              <a:spcAft>
-                <a:spcPts val="0"/>
-              </a:spcAft>
-              <a:buNone/>
-            </a:pPr>
-            <a:r>
-              <a:rPr lang="en">
-                <a:latin typeface="Roboto"/>
-                <a:ea typeface="Roboto"/>
-                <a:cs typeface="Roboto"/>
-                <a:sym typeface="Roboto"/>
-              </a:rPr>
-              <a:t>------------------------------------------------------------------------------------</a:t>
-            </a:r>
-            <a:endParaRPr>
-              <a:latin typeface="Roboto"/>
-              <a:ea typeface="Roboto"/>
-              <a:cs typeface="Roboto"/>
-              <a:sym typeface="Roboto"/>
-            </a:endParaRPr>
-          </a:p>
-          <a:p>
-            <a:pPr marL="0" lvl="0" indent="0" algn="l" rtl="0">
-              <a:spcBef>
-                <a:spcPts val="0"/>
-              </a:spcBef>
-              <a:spcAft>
-                <a:spcPts val="0"/>
-              </a:spcAft>
-              <a:buNone/>
-            </a:pPr>
-            <a:r>
-              <a:rPr lang="en">
-                <a:latin typeface="Roboto"/>
-                <a:ea typeface="Roboto"/>
-                <a:cs typeface="Roboto"/>
-                <a:sym typeface="Roboto"/>
-              </a:rPr>
-              <a:t>------------------------------------------------------------------------------------</a:t>
-            </a:r>
-            <a:endParaRPr>
-              <a:latin typeface="Roboto"/>
-              <a:ea typeface="Roboto"/>
-              <a:cs typeface="Roboto"/>
-              <a:sym typeface="Roboto"/>
-            </a:endParaRPr>
-          </a:p>
-          <a:p>
-            <a:pPr marL="0" lvl="0" indent="0" algn="l" rtl="0">
-              <a:spcBef>
-                <a:spcPts val="0"/>
-              </a:spcBef>
-              <a:spcAft>
-                <a:spcPts val="0"/>
-              </a:spcAft>
-              <a:buNone/>
-            </a:pPr>
-            <a:endParaRPr>
+            <a:endParaRPr dirty="0">
               <a:latin typeface="Roboto"/>
               <a:ea typeface="Roboto"/>
               <a:cs typeface="Roboto"/>
@@ -10472,8 +10332,8 @@
         </p:nvSpPr>
         <p:spPr>
           <a:xfrm>
-            <a:off x="5256163" y="1608050"/>
-            <a:ext cx="2258100" cy="2040900"/>
+            <a:off x="4089108" y="1608050"/>
+            <a:ext cx="4639255" cy="2040900"/>
           </a:xfrm>
           <a:prstGeom prst="rect">
             <a:avLst/>
@@ -10489,25 +10349,20 @@
           </a:bodyPr>
           <a:lstStyle/>
           <a:p>
-            <a:pPr marL="0" lvl="0" indent="0" algn="l" rtl="0">
-              <a:spcBef>
-                <a:spcPts val="0"/>
-              </a:spcBef>
-              <a:spcAft>
-                <a:spcPts val="0"/>
-              </a:spcAft>
-              <a:buNone/>
-            </a:pPr>
+            <a:pPr lvl="0"/>
             <a:r>
-              <a:rPr lang="en" sz="1800" b="1">
+              <a:rPr lang="en-US" sz="1800" b="1" dirty="0">
                 <a:latin typeface="Roboto"/>
                 <a:ea typeface="Roboto"/>
                 <a:cs typeface="Roboto"/>
                 <a:sym typeface="Roboto"/>
               </a:rPr>
-              <a:t>Use Case Title</a:t>
+              <a:t>Car Maintenance Expectation</a:t>
             </a:r>
-            <a:endParaRPr sz="1800" b="1">
+          </a:p>
+          <a:p>
+            <a:pPr lvl="0"/>
+            <a:endParaRPr sz="800" dirty="0">
               <a:latin typeface="Roboto"/>
               <a:ea typeface="Roboto"/>
               <a:cs typeface="Roboto"/>
@@ -10515,111 +10370,17 @@
             </a:endParaRPr>
           </a:p>
           <a:p>
-            <a:pPr marL="0" lvl="0" indent="0" algn="l" rtl="0">
-              <a:spcBef>
-                <a:spcPts val="0"/>
-              </a:spcBef>
-              <a:spcAft>
-                <a:spcPts val="0"/>
-              </a:spcAft>
-              <a:buNone/>
-            </a:pPr>
-            <a:endParaRPr sz="800">
-              <a:latin typeface="Roboto"/>
-              <a:ea typeface="Roboto"/>
-              <a:cs typeface="Roboto"/>
-              <a:sym typeface="Roboto"/>
-            </a:endParaRPr>
-          </a:p>
-          <a:p>
-            <a:pPr marL="0" lvl="0" indent="0" algn="l" rtl="0">
-              <a:spcBef>
-                <a:spcPts val="0"/>
-              </a:spcBef>
-              <a:spcAft>
-                <a:spcPts val="0"/>
-              </a:spcAft>
-              <a:buNone/>
-            </a:pPr>
+            <a:pPr lvl="0"/>
             <a:r>
-              <a:rPr lang="en">
+              <a:rPr lang="en-US" dirty="0">
                 <a:latin typeface="Roboto"/>
                 <a:ea typeface="Roboto"/>
                 <a:cs typeface="Roboto"/>
                 <a:sym typeface="Roboto"/>
               </a:rPr>
-              <a:t>Description of Use Case ------------------------------------------------------------------------------------</a:t>
+              <a:t>The basic principle is to use the reading from the sensors in the automobile to check for the expected upcoming failure. Regression can use the failure as a dependent variable and the reading from the sensors as the independent variable</a:t>
             </a:r>
-            <a:endParaRPr>
-              <a:latin typeface="Roboto"/>
-              <a:ea typeface="Roboto"/>
-              <a:cs typeface="Roboto"/>
-              <a:sym typeface="Roboto"/>
-            </a:endParaRPr>
-          </a:p>
-          <a:p>
-            <a:pPr marL="0" lvl="0" indent="0" algn="l" rtl="0">
-              <a:spcBef>
-                <a:spcPts val="0"/>
-              </a:spcBef>
-              <a:spcAft>
-                <a:spcPts val="0"/>
-              </a:spcAft>
-              <a:buNone/>
-            </a:pPr>
-            <a:r>
-              <a:rPr lang="en">
-                <a:latin typeface="Roboto"/>
-                <a:ea typeface="Roboto"/>
-                <a:cs typeface="Roboto"/>
-                <a:sym typeface="Roboto"/>
-              </a:rPr>
-              <a:t>------------------------------------------------------------------------------------</a:t>
-            </a:r>
-            <a:endParaRPr>
-              <a:latin typeface="Roboto"/>
-              <a:ea typeface="Roboto"/>
-              <a:cs typeface="Roboto"/>
-              <a:sym typeface="Roboto"/>
-            </a:endParaRPr>
-          </a:p>
-          <a:p>
-            <a:pPr marL="0" lvl="0" indent="0" algn="l" rtl="0">
-              <a:spcBef>
-                <a:spcPts val="0"/>
-              </a:spcBef>
-              <a:spcAft>
-                <a:spcPts val="0"/>
-              </a:spcAft>
-              <a:buNone/>
-            </a:pPr>
-            <a:r>
-              <a:rPr lang="en">
-                <a:latin typeface="Roboto"/>
-                <a:ea typeface="Roboto"/>
-                <a:cs typeface="Roboto"/>
-                <a:sym typeface="Roboto"/>
-              </a:rPr>
-              <a:t>------------------------------------------------------------------------------------</a:t>
-            </a:r>
-            <a:endParaRPr>
-              <a:latin typeface="Roboto"/>
-              <a:ea typeface="Roboto"/>
-              <a:cs typeface="Roboto"/>
-              <a:sym typeface="Roboto"/>
-            </a:endParaRPr>
-          </a:p>
-          <a:p>
-            <a:pPr marL="0" lvl="0" indent="0" algn="l" rtl="0">
-              <a:spcBef>
-                <a:spcPts val="0"/>
-              </a:spcBef>
-              <a:spcAft>
-                <a:spcPts val="0"/>
-              </a:spcAft>
-              <a:buNone/>
-            </a:pPr>
-            <a:endParaRPr>
+            <a:endParaRPr dirty="0">
               <a:latin typeface="Roboto"/>
               <a:ea typeface="Roboto"/>
               <a:cs typeface="Roboto"/>
@@ -10663,15 +10424,69 @@
               <a:buNone/>
             </a:pPr>
             <a:r>
-              <a:rPr lang="en" sz="1800" i="1">
+              <a:rPr lang="en" sz="1800" i="1" dirty="0">
                 <a:latin typeface="Roboto"/>
                 <a:ea typeface="Roboto"/>
                 <a:cs typeface="Roboto"/>
                 <a:sym typeface="Roboto"/>
               </a:rPr>
-              <a:t>By executing on these two projects I believe we can drive ___________ for our business by _______ and become a(n) _______ business.</a:t>
+              <a:t>By executing on these two projects I believe we can drive </a:t>
             </a:r>
-            <a:endParaRPr sz="1800" i="1">
+            <a:r>
+              <a:rPr lang="en-US" sz="1800" i="1" dirty="0">
+                <a:latin typeface="Roboto"/>
+                <a:ea typeface="Roboto"/>
+                <a:cs typeface="Roboto"/>
+                <a:sym typeface="Roboto"/>
+              </a:rPr>
+              <a:t>user satisfaction</a:t>
+            </a:r>
+            <a:r>
+              <a:rPr lang="en" sz="1800" i="1" dirty="0">
+                <a:latin typeface="Roboto"/>
+                <a:ea typeface="Roboto"/>
+                <a:cs typeface="Roboto"/>
+                <a:sym typeface="Roboto"/>
+              </a:rPr>
+              <a:t> for our business by </a:t>
+            </a:r>
+            <a:r>
+              <a:rPr lang="en-US" sz="1800" i="1" dirty="0">
+                <a:latin typeface="Roboto"/>
+                <a:ea typeface="Roboto"/>
+                <a:cs typeface="Roboto"/>
+                <a:sym typeface="Roboto"/>
+              </a:rPr>
+              <a:t>adopting AI</a:t>
+            </a:r>
+            <a:r>
+              <a:rPr lang="en" sz="1800" i="1" dirty="0">
+                <a:latin typeface="Roboto"/>
+                <a:ea typeface="Roboto"/>
+                <a:cs typeface="Roboto"/>
+                <a:sym typeface="Roboto"/>
+              </a:rPr>
+              <a:t> and become an </a:t>
+            </a:r>
+            <a:r>
+              <a:rPr lang="en-US" sz="1800" i="1" dirty="0">
+                <a:latin typeface="Roboto"/>
+                <a:ea typeface="Roboto"/>
+                <a:cs typeface="Roboto"/>
+                <a:sym typeface="Roboto"/>
+              </a:rPr>
+              <a:t>attractive</a:t>
+            </a:r>
+            <a:r>
+              <a:rPr lang="en" sz="1800" i="1" dirty="0">
+                <a:latin typeface="Roboto"/>
+                <a:ea typeface="Roboto"/>
+                <a:cs typeface="Roboto"/>
+                <a:sym typeface="Roboto"/>
+              </a:rPr>
+              <a:t> business.</a:t>
+            </a:r>
+            <a:endParaRPr sz="1800" i="1" dirty="0">
               <a:latin typeface="Roboto"/>
               <a:ea typeface="Roboto"/>
               <a:cs typeface="Roboto"/>
@@ -10730,50 +10545,19 @@
           </a:bodyPr>
           <a:lstStyle/>
           <a:p>
-            <a:pPr marL="0" lvl="0" indent="0" algn="l" rtl="0">
-              <a:spcBef>
-                <a:spcPts val="0"/>
-              </a:spcBef>
-              <a:spcAft>
-                <a:spcPts val="0"/>
-              </a:spcAft>
-              <a:buNone/>
-            </a:pPr>
+            <a:pPr lvl="0"/>
             <a:r>
-              <a:rPr lang="en"/>
-              <a:t>__________(Use case) Deep Dive</a:t>
+              <a:rPr lang="en-US" sz="2000" dirty="0"/>
+              <a:t>Quality Control with Computer Vision </a:t>
             </a:r>
-            <a:endParaRPr/>
+            <a:r>
+              <a:rPr lang="en" sz="2000" dirty="0"/>
+              <a:t>(Use case) Deep Dive</a:t>
+            </a:r>
+            <a:endParaRPr sz="2000" dirty="0"/>
           </a:p>
         </p:txBody>
       </p:sp>
-      <p:pic>
-        <p:nvPicPr>
-          <p:cNvPr id="120" name="Google Shape;120;p18"/>
-          <p:cNvPicPr preferRelativeResize="0"/>
-          <p:nvPr/>
-        </p:nvPicPr>
-        <p:blipFill rotWithShape="1">
-          <a:blip r:embed="rId3">
-            <a:alphaModFix/>
-          </a:blip>
-          <a:srcRect r="20534"/>
-          <a:stretch/>
-        </p:blipFill>
-        <p:spPr>
-          <a:xfrm>
-            <a:off x="3732625" y="2004775"/>
-            <a:ext cx="5145849" cy="2800350"/>
-          </a:xfrm>
-          <a:prstGeom prst="rect">
-            <a:avLst/>
-          </a:prstGeom>
-          <a:noFill/>
-          <a:ln>
-            <a:noFill/>
-          </a:ln>
-        </p:spPr>
-      </p:pic>
       <p:cxnSp>
         <p:nvCxnSpPr>
           <p:cNvPr id="121" name="Google Shape;121;p18"/>
@@ -10887,7 +10671,7 @@
               <a:buNone/>
             </a:pPr>
             <a:r>
-              <a:rPr lang="en" sz="1800" b="1">
+              <a:rPr lang="en" sz="1800" b="1" dirty="0">
                 <a:latin typeface="Roboto"/>
                 <a:ea typeface="Roboto"/>
                 <a:cs typeface="Roboto"/>
@@ -10895,7 +10679,7 @@
               </a:rPr>
               <a:t>Process Today</a:t>
             </a:r>
-            <a:endParaRPr b="1">
+            <a:endParaRPr b="1" dirty="0">
               <a:latin typeface="Roboto"/>
               <a:ea typeface="Roboto"/>
               <a:cs typeface="Roboto"/>
@@ -10915,15 +10699,15 @@
               <a:buChar char="-"/>
             </a:pPr>
             <a:r>
-              <a:rPr lang="en">
+              <a:rPr lang="en-US" sz="1200" dirty="0">
                 <a:latin typeface="Roboto"/>
                 <a:ea typeface="Roboto"/>
                 <a:cs typeface="Roboto"/>
                 <a:sym typeface="Roboto"/>
               </a:rPr>
-              <a:t>Storyboard point 1</a:t>
+              <a:t>Direct contact and destructive inspection</a:t>
             </a:r>
-            <a:endParaRPr>
+            <a:endParaRPr sz="1200" dirty="0">
               <a:latin typeface="Roboto"/>
               <a:ea typeface="Roboto"/>
               <a:cs typeface="Roboto"/>
@@ -10943,20 +10727,14 @@
               <a:buChar char="-"/>
             </a:pPr>
             <a:r>
-              <a:rPr lang="en">
+              <a:rPr lang="en-US" sz="1200" dirty="0">
                 <a:latin typeface="Roboto"/>
                 <a:ea typeface="Roboto"/>
                 <a:cs typeface="Roboto"/>
                 <a:sym typeface="Roboto"/>
               </a:rPr>
-              <a:t>Storyboard point 2</a:t>
+              <a:t>Extensive human intervention</a:t>
             </a:r>
-            <a:endParaRPr>
-              <a:latin typeface="Roboto"/>
-              <a:ea typeface="Roboto"/>
-              <a:cs typeface="Roboto"/>
-              <a:sym typeface="Roboto"/>
-            </a:endParaRPr>
           </a:p>
           <a:p>
             <a:pPr marL="457200" lvl="0" indent="-317500" algn="l" rtl="0">
@@ -10971,20 +10749,14 @@
               <a:buChar char="-"/>
             </a:pPr>
             <a:r>
-              <a:rPr lang="en">
+              <a:rPr lang="en-US" sz="1200" dirty="0">
                 <a:latin typeface="Roboto"/>
                 <a:ea typeface="Roboto"/>
                 <a:cs typeface="Roboto"/>
                 <a:sym typeface="Roboto"/>
               </a:rPr>
-              <a:t>Storyboard point 3</a:t>
+              <a:t>Less quality</a:t>
             </a:r>
-            <a:endParaRPr>
-              <a:latin typeface="Roboto"/>
-              <a:ea typeface="Roboto"/>
-              <a:cs typeface="Roboto"/>
-              <a:sym typeface="Roboto"/>
-            </a:endParaRPr>
           </a:p>
           <a:p>
             <a:pPr marL="457200" lvl="0" indent="-317500" algn="l" rtl="0">
@@ -10999,15 +10771,37 @@
               <a:buChar char="-"/>
             </a:pPr>
             <a:r>
-              <a:rPr lang="en">
+              <a:rPr lang="en-US" sz="1200" dirty="0">
                 <a:latin typeface="Roboto"/>
                 <a:ea typeface="Roboto"/>
                 <a:cs typeface="Roboto"/>
                 <a:sym typeface="Roboto"/>
               </a:rPr>
-              <a:t>Storyboard point 4</a:t>
+              <a:t>High labor costs</a:t>
             </a:r>
-            <a:endParaRPr>
+          </a:p>
+          <a:p>
+            <a:pPr marL="457200" lvl="0" indent="-317500" algn="l" rtl="0">
+              <a:spcBef>
+                <a:spcPts val="0"/>
+              </a:spcBef>
+              <a:spcAft>
+                <a:spcPts val="0"/>
+              </a:spcAft>
+              <a:buSzPts val="1400"/>
+              <a:buFont typeface="Roboto"/>
+              <a:buChar char="-"/>
+            </a:pPr>
+            <a:r>
+              <a:rPr lang="en-US" sz="1200" dirty="0">
+                <a:latin typeface="Roboto"/>
+                <a:ea typeface="Roboto"/>
+                <a:cs typeface="Roboto"/>
+                <a:sym typeface="Roboto"/>
+              </a:rPr>
+              <a:t>Highly costs. </a:t>
+            </a:r>
+            <a:endParaRPr sz="1200" dirty="0">
               <a:latin typeface="Roboto"/>
               <a:ea typeface="Roboto"/>
               <a:cs typeface="Roboto"/>
@@ -11051,7 +10845,7 @@
               <a:buNone/>
             </a:pPr>
             <a:r>
-              <a:rPr lang="en" sz="1800" b="1">
+              <a:rPr lang="en" sz="1800" b="1" dirty="0">
                 <a:latin typeface="Roboto"/>
                 <a:ea typeface="Roboto"/>
                 <a:cs typeface="Roboto"/>
@@ -11059,7 +10853,7 @@
               </a:rPr>
               <a:t>Process Tomorrow</a:t>
             </a:r>
-            <a:endParaRPr b="1">
+            <a:endParaRPr b="1" dirty="0">
               <a:latin typeface="Roboto"/>
               <a:ea typeface="Roboto"/>
               <a:cs typeface="Roboto"/>
@@ -11067,116 +10861,84 @@
             </a:endParaRPr>
           </a:p>
           <a:p>
-            <a:pPr marL="457200" lvl="0" indent="-317500" algn="l" rtl="0">
-              <a:spcBef>
-                <a:spcPts val="0"/>
-              </a:spcBef>
-              <a:spcAft>
-                <a:spcPts val="0"/>
-              </a:spcAft>
+            <a:pPr marL="457200" lvl="0" indent="-317500">
               <a:buSzPts val="1400"/>
               <a:buFont typeface="Roboto"/>
               <a:buChar char="-"/>
             </a:pPr>
             <a:r>
-              <a:rPr lang="en">
+              <a:rPr lang="en-US" sz="1200" dirty="0">
                 <a:latin typeface="Roboto"/>
                 <a:ea typeface="Roboto"/>
                 <a:cs typeface="Roboto"/>
                 <a:sym typeface="Roboto"/>
               </a:rPr>
-              <a:t>Storyboard point 1</a:t>
+              <a:t>Enabling non-contact, thus non-destructive inspection</a:t>
             </a:r>
-            <a:endParaRPr>
-              <a:latin typeface="Roboto"/>
-              <a:ea typeface="Roboto"/>
-              <a:cs typeface="Roboto"/>
-              <a:sym typeface="Roboto"/>
-            </a:endParaRPr>
-          </a:p>
-          <a:p>
-            <a:pPr marL="457200" lvl="0" indent="-317500" algn="l" rtl="0">
-              <a:spcBef>
-                <a:spcPts val="0"/>
-              </a:spcBef>
-              <a:spcAft>
-                <a:spcPts val="0"/>
-              </a:spcAft>
+          </a:p>
+          <a:p>
+            <a:pPr marL="457200" lvl="0" indent="-317500">
               <a:buSzPts val="1400"/>
               <a:buFont typeface="Roboto"/>
               <a:buChar char="-"/>
             </a:pPr>
             <a:r>
-              <a:rPr lang="en">
+              <a:rPr lang="en-US" sz="1200" dirty="0">
                 <a:latin typeface="Roboto"/>
                 <a:ea typeface="Roboto"/>
                 <a:cs typeface="Roboto"/>
                 <a:sym typeface="Roboto"/>
               </a:rPr>
-              <a:t>Storyboard point 2</a:t>
+              <a:t>minimize human intervention</a:t>
             </a:r>
-            <a:endParaRPr>
-              <a:latin typeface="Roboto"/>
-              <a:ea typeface="Roboto"/>
-              <a:cs typeface="Roboto"/>
-              <a:sym typeface="Roboto"/>
-            </a:endParaRPr>
-          </a:p>
-          <a:p>
-            <a:pPr marL="457200" lvl="0" indent="-317500" algn="l" rtl="0">
-              <a:spcBef>
-                <a:spcPts val="0"/>
-              </a:spcBef>
-              <a:spcAft>
-                <a:spcPts val="0"/>
-              </a:spcAft>
+          </a:p>
+          <a:p>
+            <a:pPr marL="457200" lvl="0" indent="-317500">
               <a:buSzPts val="1400"/>
               <a:buFont typeface="Roboto"/>
               <a:buChar char="-"/>
             </a:pPr>
             <a:r>
-              <a:rPr lang="en">
+              <a:rPr lang="en-US" sz="1200" dirty="0">
                 <a:latin typeface="Roboto"/>
                 <a:ea typeface="Roboto"/>
                 <a:cs typeface="Roboto"/>
                 <a:sym typeface="Roboto"/>
               </a:rPr>
-              <a:t>Storyboard point 3</a:t>
+              <a:t>optimize operational efficiency</a:t>
             </a:r>
-            <a:endParaRPr>
-              <a:latin typeface="Roboto"/>
-              <a:ea typeface="Roboto"/>
-              <a:cs typeface="Roboto"/>
-              <a:sym typeface="Roboto"/>
-            </a:endParaRPr>
-          </a:p>
-          <a:p>
-            <a:pPr marL="457200" lvl="0" indent="-317500" algn="l" rtl="0">
-              <a:spcBef>
-                <a:spcPts val="0"/>
-              </a:spcBef>
-              <a:spcAft>
-                <a:spcPts val="0"/>
-              </a:spcAft>
+          </a:p>
+          <a:p>
+            <a:pPr marL="457200" lvl="0" indent="-317500">
               <a:buSzPts val="1400"/>
               <a:buFont typeface="Roboto"/>
               <a:buChar char="-"/>
             </a:pPr>
             <a:r>
-              <a:rPr lang="en">
+              <a:rPr lang="en-US" sz="1200" dirty="0">
                 <a:latin typeface="Roboto"/>
                 <a:ea typeface="Roboto"/>
                 <a:cs typeface="Roboto"/>
                 <a:sym typeface="Roboto"/>
               </a:rPr>
-              <a:t>Storyboard point 4</a:t>
+              <a:t>reduce labor costs</a:t>
             </a:r>
-            <a:endParaRPr>
-              <a:latin typeface="Roboto"/>
-              <a:ea typeface="Roboto"/>
-              <a:cs typeface="Roboto"/>
-              <a:sym typeface="Roboto"/>
-            </a:endParaRPr>
+          </a:p>
+          <a:p>
+            <a:pPr marL="457200" lvl="0" indent="-317500">
+              <a:buSzPts val="1400"/>
+              <a:buFont typeface="Roboto"/>
+              <a:buChar char="-"/>
+            </a:pPr>
+            <a:r>
+              <a:rPr lang="en-US" sz="1200" dirty="0">
+                <a:latin typeface="Roboto"/>
+                <a:ea typeface="Roboto"/>
+                <a:cs typeface="Roboto"/>
+                <a:sym typeface="Roboto"/>
+              </a:rPr>
+              <a:t>increased profits of the enterprise</a:t>
+            </a:r>
           </a:p>
         </p:txBody>
       </p:sp>
@@ -11215,15 +10977,60 @@
               <a:buNone/>
             </a:pPr>
             <a:r>
-              <a:rPr lang="en" b="1" i="1">
+              <a:rPr lang="en" b="1" i="1" dirty="0">
                 <a:latin typeface="Roboto"/>
                 <a:ea typeface="Roboto"/>
                 <a:cs typeface="Roboto"/>
                 <a:sym typeface="Roboto"/>
               </a:rPr>
-              <a:t>The impact of ___ will be ____ thanks to ____!</a:t>
+              <a:t>The impact of </a:t>
             </a:r>
-            <a:endParaRPr i="1">
+            <a:r>
+              <a:rPr lang="en-US" b="1" i="1" dirty="0">
+                <a:latin typeface="Roboto"/>
+                <a:ea typeface="Roboto"/>
+                <a:cs typeface="Roboto"/>
+                <a:sym typeface="Roboto"/>
+              </a:rPr>
+              <a:t>Quality with CV</a:t>
+            </a:r>
+            <a:r>
+              <a:rPr lang="en" b="1" i="1" dirty="0">
+                <a:latin typeface="Roboto"/>
+                <a:ea typeface="Roboto"/>
+                <a:cs typeface="Roboto"/>
+                <a:sym typeface="Roboto"/>
+              </a:rPr>
+              <a:t> will be </a:t>
+            </a:r>
+            <a:r>
+              <a:rPr lang="en-US" b="1" i="1" dirty="0">
+                <a:latin typeface="Roboto"/>
+                <a:ea typeface="Roboto"/>
+                <a:cs typeface="Roboto"/>
+                <a:sym typeface="Roboto"/>
+              </a:rPr>
+              <a:t>amazing</a:t>
+            </a:r>
+            <a:r>
+              <a:rPr lang="en" b="1" i="1" dirty="0">
+                <a:latin typeface="Roboto"/>
+                <a:ea typeface="Roboto"/>
+                <a:cs typeface="Roboto"/>
+                <a:sym typeface="Roboto"/>
+              </a:rPr>
+              <a:t> thanks to </a:t>
+            </a:r>
+            <a:r>
+              <a:rPr lang="en-US" b="1" i="1" dirty="0">
+                <a:latin typeface="Roboto"/>
+                <a:ea typeface="Roboto"/>
+                <a:cs typeface="Roboto"/>
+                <a:sym typeface="Roboto"/>
+              </a:rPr>
+              <a:t>Computer Vision</a:t>
+            </a:r>
+            <a:endParaRPr i="1" dirty="0">
               <a:latin typeface="Roboto"/>
               <a:ea typeface="Roboto"/>
               <a:cs typeface="Roboto"/>
@@ -11232,6 +11039,40 @@
           </a:p>
         </p:txBody>
       </p:sp>
+      <p:pic>
+        <p:nvPicPr>
+          <p:cNvPr id="9" name="Google Shape;134;p20">
+            <a:extLst>
+              <a:ext uri="{FF2B5EF4-FFF2-40B4-BE49-F238E27FC236}">
+                <a16:creationId xmlns:a16="http://schemas.microsoft.com/office/drawing/2014/main" id="{9847F82F-9254-4EB0-A354-159DDA2B76FB}"/>
+              </a:ext>
+            </a:extLst>
+          </p:cNvPr>
+          <p:cNvPicPr preferRelativeResize="0"/>
+          <p:nvPr/>
+        </p:nvPicPr>
+        <p:blipFill>
+          <a:blip r:embed="rId3">
+            <a:alphaModFix/>
+          </a:blip>
+          <a:stretch>
+            <a:fillRect/>
+          </a:stretch>
+        </p:blipFill>
+        <p:spPr>
+          <a:xfrm>
+            <a:off x="3609110" y="2298234"/>
+            <a:ext cx="5056908" cy="2121016"/>
+          </a:xfrm>
+          <a:prstGeom prst="rect">
+            <a:avLst/>
+          </a:prstGeom>
+          <a:noFill/>
+          <a:ln>
+            <a:noFill/>
+          </a:ln>
+        </p:spPr>
+      </p:pic>
     </p:spTree>
   </p:cSld>
   <p:clrMapOvr>
@@ -11282,50 +11123,19 @@
           </a:bodyPr>
           <a:lstStyle/>
           <a:p>
-            <a:pPr marL="0" lvl="0" indent="0" algn="l" rtl="0">
-              <a:spcBef>
-                <a:spcPts val="0"/>
-              </a:spcBef>
-              <a:spcAft>
-                <a:spcPts val="0"/>
-              </a:spcAft>
-              <a:buNone/>
-            </a:pPr>
+            <a:pPr lvl="0"/>
             <a:r>
-              <a:rPr lang="en"/>
-              <a:t>__________(Use case) Deep Dive</a:t>
+              <a:rPr lang="en-US" sz="2400" dirty="0"/>
+              <a:t>Car Maintenance Expectation (</a:t>
             </a:r>
-            <a:endParaRPr/>
+            <a:r>
+              <a:rPr lang="en" sz="2400" dirty="0"/>
+              <a:t>Use case) Deep Dive</a:t>
+            </a:r>
+            <a:endParaRPr sz="2400" dirty="0"/>
           </a:p>
         </p:txBody>
       </p:sp>
-      <p:pic>
-        <p:nvPicPr>
-          <p:cNvPr id="131" name="Google Shape;131;p19"/>
-          <p:cNvPicPr preferRelativeResize="0"/>
-          <p:nvPr/>
-        </p:nvPicPr>
-        <p:blipFill rotWithShape="1">
-          <a:blip r:embed="rId3">
-            <a:alphaModFix/>
-          </a:blip>
-          <a:srcRect r="20534"/>
-          <a:stretch/>
-        </p:blipFill>
-        <p:spPr>
-          <a:xfrm>
-            <a:off x="3732625" y="2004775"/>
-            <a:ext cx="5145849" cy="2800350"/>
-          </a:xfrm>
-          <a:prstGeom prst="rect">
-            <a:avLst/>
-          </a:prstGeom>
-          <a:noFill/>
-          <a:ln>
-            <a:noFill/>
-          </a:ln>
-        </p:spPr>
-      </p:pic>
       <p:cxnSp>
         <p:nvCxnSpPr>
           <p:cNvPr id="132" name="Google Shape;132;p19"/>
@@ -11439,7 +11249,7 @@
               <a:buNone/>
             </a:pPr>
             <a:r>
-              <a:rPr lang="en" sz="1800" b="1">
+              <a:rPr lang="en" sz="1800" b="1" dirty="0">
                 <a:latin typeface="Roboto"/>
                 <a:ea typeface="Roboto"/>
                 <a:cs typeface="Roboto"/>
@@ -11447,7 +11257,7 @@
               </a:rPr>
               <a:t>Process Today</a:t>
             </a:r>
-            <a:endParaRPr b="1">
+            <a:endParaRPr b="1" dirty="0">
               <a:latin typeface="Roboto"/>
               <a:ea typeface="Roboto"/>
               <a:cs typeface="Roboto"/>
@@ -11467,48 +11277,30 @@
               <a:buChar char="-"/>
             </a:pPr>
             <a:r>
-              <a:rPr lang="en">
+              <a:rPr lang="en-US" dirty="0">
                 <a:latin typeface="Roboto"/>
                 <a:ea typeface="Roboto"/>
                 <a:cs typeface="Roboto"/>
                 <a:sym typeface="Roboto"/>
               </a:rPr>
-              <a:t>Storyboard point 1</a:t>
+              <a:t>The problem happens first then a plan for maintenance comes</a:t>
             </a:r>
-            <a:endParaRPr>
-              <a:latin typeface="Roboto"/>
-              <a:ea typeface="Roboto"/>
-              <a:cs typeface="Roboto"/>
-              <a:sym typeface="Roboto"/>
-            </a:endParaRPr>
-          </a:p>
-          <a:p>
-            <a:pPr marL="457200" lvl="0" indent="-317500" algn="l" rtl="0">
-              <a:spcBef>
-                <a:spcPts val="0"/>
-              </a:spcBef>
-              <a:spcAft>
-                <a:spcPts val="0"/>
-              </a:spcAft>
+          </a:p>
+          <a:p>
+            <a:pPr marL="457200" lvl="0" indent="-317500">
               <a:buSzPts val="1400"/>
               <a:buFont typeface="Roboto"/>
               <a:buChar char="-"/>
             </a:pPr>
             <a:r>
-              <a:rPr lang="en">
+              <a:rPr lang="en-US" dirty="0">
                 <a:latin typeface="Roboto"/>
                 <a:ea typeface="Roboto"/>
                 <a:cs typeface="Roboto"/>
                 <a:sym typeface="Roboto"/>
               </a:rPr>
-              <a:t>Storyboard point 2</a:t>
+              <a:t>We don’t expect which car need maintenance first. </a:t>
             </a:r>
-            <a:endParaRPr>
-              <a:latin typeface="Roboto"/>
-              <a:ea typeface="Roboto"/>
-              <a:cs typeface="Roboto"/>
-              <a:sym typeface="Roboto"/>
-            </a:endParaRPr>
           </a:p>
           <a:p>
             <a:pPr marL="457200" lvl="0" indent="-317500" algn="l" rtl="0">
@@ -11522,44 +11314,7 @@
               <a:buFont typeface="Roboto"/>
               <a:buChar char="-"/>
             </a:pPr>
-            <a:r>
-              <a:rPr lang="en">
-                <a:latin typeface="Roboto"/>
-                <a:ea typeface="Roboto"/>
-                <a:cs typeface="Roboto"/>
-                <a:sym typeface="Roboto"/>
-              </a:rPr>
-              <a:t>Storyboard point 3</a:t>
-            </a:r>
-            <a:endParaRPr>
-              <a:latin typeface="Roboto"/>
-              <a:ea typeface="Roboto"/>
-              <a:cs typeface="Roboto"/>
-              <a:sym typeface="Roboto"/>
-            </a:endParaRPr>
-          </a:p>
-          <a:p>
-            <a:pPr marL="457200" lvl="0" indent="-317500" algn="l" rtl="0">
-              <a:spcBef>
-                <a:spcPts val="0"/>
-              </a:spcBef>
-              <a:spcAft>
-                <a:spcPts val="0"/>
-              </a:spcAft>
-              <a:buSzPts val="1400"/>
-              <a:buFont typeface="Roboto"/>
-              <a:buChar char="-"/>
-            </a:pPr>
-            <a:r>
-              <a:rPr lang="en">
-                <a:latin typeface="Roboto"/>
-                <a:ea typeface="Roboto"/>
-                <a:cs typeface="Roboto"/>
-                <a:sym typeface="Roboto"/>
-              </a:rPr>
-              <a:t>Storyboard point 4</a:t>
-            </a:r>
-            <a:endParaRPr>
+            <a:endParaRPr dirty="0">
               <a:latin typeface="Roboto"/>
               <a:ea typeface="Roboto"/>
               <a:cs typeface="Roboto"/>
@@ -11603,7 +11358,7 @@
               <a:buNone/>
             </a:pPr>
             <a:r>
-              <a:rPr lang="en" sz="1800" b="1">
+              <a:rPr lang="en" sz="1800" b="1" dirty="0">
                 <a:latin typeface="Roboto"/>
                 <a:ea typeface="Roboto"/>
                 <a:cs typeface="Roboto"/>
@@ -11611,7 +11366,7 @@
               </a:rPr>
               <a:t>Process Tomorrow</a:t>
             </a:r>
-            <a:endParaRPr b="1">
+            <a:endParaRPr b="1" dirty="0">
               <a:latin typeface="Roboto"/>
               <a:ea typeface="Roboto"/>
               <a:cs typeface="Roboto"/>
@@ -11619,116 +11374,52 @@
             </a:endParaRPr>
           </a:p>
           <a:p>
-            <a:pPr marL="457200" lvl="0" indent="-317500" algn="l" rtl="0">
-              <a:spcBef>
-                <a:spcPts val="0"/>
-              </a:spcBef>
-              <a:spcAft>
-                <a:spcPts val="0"/>
-              </a:spcAft>
+            <a:pPr marL="457200" lvl="0" indent="-317500">
               <a:buSzPts val="1400"/>
               <a:buFont typeface="Roboto"/>
               <a:buChar char="-"/>
             </a:pPr>
             <a:r>
-              <a:rPr lang="en">
+              <a:rPr lang="en-US" dirty="0">
                 <a:latin typeface="Roboto"/>
                 <a:ea typeface="Roboto"/>
                 <a:cs typeface="Roboto"/>
                 <a:sym typeface="Roboto"/>
               </a:rPr>
-              <a:t>Storyboard point 1</a:t>
+              <a:t>proactive maintenance predictor</a:t>
             </a:r>
-            <a:endParaRPr>
-              <a:latin typeface="Roboto"/>
-              <a:ea typeface="Roboto"/>
-              <a:cs typeface="Roboto"/>
-              <a:sym typeface="Roboto"/>
-            </a:endParaRPr>
-          </a:p>
-          <a:p>
-            <a:pPr marL="457200" lvl="0" indent="-317500" algn="l" rtl="0">
-              <a:spcBef>
-                <a:spcPts val="0"/>
-              </a:spcBef>
-              <a:spcAft>
-                <a:spcPts val="0"/>
-              </a:spcAft>
+          </a:p>
+          <a:p>
+            <a:pPr marL="457200" lvl="0" indent="-317500">
               <a:buSzPts val="1400"/>
               <a:buFont typeface="Roboto"/>
               <a:buChar char="-"/>
             </a:pPr>
             <a:r>
-              <a:rPr lang="en">
+              <a:rPr lang="en-US" dirty="0">
                 <a:latin typeface="Roboto"/>
                 <a:ea typeface="Roboto"/>
                 <a:cs typeface="Roboto"/>
                 <a:sym typeface="Roboto"/>
               </a:rPr>
-              <a:t>Storyboard point 2</a:t>
+              <a:t>identify and prioritize trucks that require immediate service</a:t>
             </a:r>
-            <a:endParaRPr>
-              <a:latin typeface="Roboto"/>
-              <a:ea typeface="Roboto"/>
-              <a:cs typeface="Roboto"/>
-              <a:sym typeface="Roboto"/>
-            </a:endParaRPr>
-          </a:p>
-          <a:p>
-            <a:pPr marL="457200" lvl="0" indent="-317500" algn="l" rtl="0">
-              <a:spcBef>
-                <a:spcPts val="0"/>
-              </a:spcBef>
-              <a:spcAft>
-                <a:spcPts val="0"/>
-              </a:spcAft>
+          </a:p>
+          <a:p>
+            <a:pPr marL="457200" lvl="0" indent="-317500">
               <a:buSzPts val="1400"/>
               <a:buFont typeface="Roboto"/>
               <a:buChar char="-"/>
             </a:pPr>
             <a:r>
-              <a:rPr lang="en">
+              <a:rPr lang="en-US" dirty="0">
                 <a:latin typeface="Roboto"/>
                 <a:ea typeface="Roboto"/>
                 <a:cs typeface="Roboto"/>
                 <a:sym typeface="Roboto"/>
               </a:rPr>
-              <a:t>Storyboard point 3</a:t>
+              <a:t>You can reliably predict faults before they occur</a:t>
             </a:r>
-            <a:endParaRPr>
-              <a:latin typeface="Roboto"/>
-              <a:ea typeface="Roboto"/>
-              <a:cs typeface="Roboto"/>
-              <a:sym typeface="Roboto"/>
-            </a:endParaRPr>
-          </a:p>
-          <a:p>
-            <a:pPr marL="457200" lvl="0" indent="-317500" algn="l" rtl="0">
-              <a:spcBef>
-                <a:spcPts val="0"/>
-              </a:spcBef>
-              <a:spcAft>
-                <a:spcPts val="0"/>
-              </a:spcAft>
-              <a:buSzPts val="1400"/>
-              <a:buFont typeface="Roboto"/>
-              <a:buChar char="-"/>
-            </a:pPr>
-            <a:r>
-              <a:rPr lang="en">
-                <a:latin typeface="Roboto"/>
-                <a:ea typeface="Roboto"/>
-                <a:cs typeface="Roboto"/>
-                <a:sym typeface="Roboto"/>
-              </a:rPr>
-              <a:t>Storyboard point 4</a:t>
-            </a:r>
-            <a:endParaRPr>
-              <a:latin typeface="Roboto"/>
-              <a:ea typeface="Roboto"/>
-              <a:cs typeface="Roboto"/>
-              <a:sym typeface="Roboto"/>
-            </a:endParaRPr>
           </a:p>
         </p:txBody>
       </p:sp>
@@ -11767,15 +11458,60 @@
               <a:buNone/>
             </a:pPr>
             <a:r>
-              <a:rPr lang="en" b="1" i="1">
+              <a:rPr lang="en" b="1" i="1" dirty="0">
                 <a:latin typeface="Roboto"/>
                 <a:ea typeface="Roboto"/>
                 <a:cs typeface="Roboto"/>
                 <a:sym typeface="Roboto"/>
               </a:rPr>
-              <a:t>The impact of ___ will be ____ thanks to ____!</a:t>
+              <a:t>The impact of </a:t>
             </a:r>
-            <a:endParaRPr i="1">
+            <a:r>
+              <a:rPr lang="en-US" b="1" i="1" dirty="0">
+                <a:latin typeface="Roboto"/>
+                <a:ea typeface="Roboto"/>
+                <a:cs typeface="Roboto"/>
+                <a:sym typeface="Roboto"/>
+              </a:rPr>
+              <a:t>Car Maintenance</a:t>
+            </a:r>
+            <a:r>
+              <a:rPr lang="en" b="1" i="1" dirty="0">
+                <a:latin typeface="Roboto"/>
+                <a:ea typeface="Roboto"/>
+                <a:cs typeface="Roboto"/>
+                <a:sym typeface="Roboto"/>
+              </a:rPr>
+              <a:t> will be </a:t>
+            </a:r>
+            <a:r>
+              <a:rPr lang="en-US" b="1" i="1" dirty="0">
+                <a:latin typeface="Roboto"/>
+                <a:ea typeface="Roboto"/>
+                <a:cs typeface="Roboto"/>
+                <a:sym typeface="Roboto"/>
+              </a:rPr>
+              <a:t>amazing</a:t>
+            </a:r>
+            <a:r>
+              <a:rPr lang="en" b="1" i="1" dirty="0">
+                <a:latin typeface="Roboto"/>
+                <a:ea typeface="Roboto"/>
+                <a:cs typeface="Roboto"/>
+                <a:sym typeface="Roboto"/>
+              </a:rPr>
+              <a:t> thanks to </a:t>
+            </a:r>
+            <a:r>
+              <a:rPr lang="en-US" b="1" i="1" dirty="0">
+                <a:latin typeface="Roboto"/>
+                <a:ea typeface="Roboto"/>
+                <a:cs typeface="Roboto"/>
+                <a:sym typeface="Roboto"/>
+              </a:rPr>
+              <a:t>AI.</a:t>
+            </a:r>
+            <a:endParaRPr i="1" dirty="0">
               <a:latin typeface="Roboto"/>
               <a:ea typeface="Roboto"/>
               <a:cs typeface="Roboto"/>
@@ -11784,6 +11520,36 @@
           </a:p>
         </p:txBody>
       </p:sp>
+      <p:pic>
+        <p:nvPicPr>
+          <p:cNvPr id="2" name="Picture 1">
+            <a:extLst>
+              <a:ext uri="{FF2B5EF4-FFF2-40B4-BE49-F238E27FC236}">
+                <a16:creationId xmlns:a16="http://schemas.microsoft.com/office/drawing/2014/main" id="{4A3E4E83-8531-4A2A-A83B-44FD789D4653}"/>
+              </a:ext>
+            </a:extLst>
+          </p:cNvPr>
+          <p:cNvPicPr>
+            <a:picLocks noChangeAspect="1"/>
+          </p:cNvPicPr>
+          <p:nvPr/>
+        </p:nvPicPr>
+        <p:blipFill>
+          <a:blip r:embed="rId3"/>
+          <a:stretch>
+            <a:fillRect/>
+          </a:stretch>
+        </p:blipFill>
+        <p:spPr>
+          <a:xfrm>
+            <a:off x="3886311" y="1970461"/>
+            <a:ext cx="4734025" cy="2760866"/>
+          </a:xfrm>
+          <a:prstGeom prst="rect">
+            <a:avLst/>
+          </a:prstGeom>
+        </p:spPr>
+      </p:pic>
     </p:spTree>
   </p:cSld>
   <p:clrMapOvr>
@@ -11859,7 +11625,7 @@
         </p:nvGraphicFramePr>
         <p:xfrm>
           <a:off x="484225" y="1446550"/>
-          <a:ext cx="3000000" cy="3000000"/>
+          <a:ext cx="8348100" cy="3522585"/>
         </p:xfrm>
         <a:graphic>
           <a:graphicData uri="http://schemas.openxmlformats.org/drawingml/2006/table">

--- a/03_Final Presentation Template.pptx
+++ b/03_Final Presentation Template.pptx
@@ -287,7 +287,7 @@
 <file path=ppt/revisionInfo.xml><?xml version="1.0" encoding="utf-8"?>
 <p1510:revInfo xmlns:a="http://schemas.openxmlformats.org/drawingml/2006/main" xmlns:r="http://schemas.openxmlformats.org/officeDocument/2006/relationships" xmlns:p1510="http://schemas.microsoft.com/office/powerpoint/2015/10/main">
   <p1510:revLst>
-    <p1510:client id="{ABDD6F7D-79AF-4D42-A8B0-8BDC6E4DD92A}" v="28" dt="2020-02-18T20:57:18.572"/>
+    <p1510:client id="{ABDD6F7D-79AF-4D42-A8B0-8BDC6E4DD92A}" v="35" dt="2020-02-19T15:05:42.758"/>
   </p1510:revLst>
 </p1510:revInfo>
 </file>
@@ -297,7 +297,7 @@
   <pc:docChgLst>
     <pc:chgData name="Osama Mohammed Moustafa Hosam Elde" userId="ab8f451e-a635-42ee-be12-e2dde55852bf" providerId="ADAL" clId="{ABDD6F7D-79AF-4D42-A8B0-8BDC6E4DD92A}"/>
     <pc:docChg chg="custSel modSld">
-      <pc:chgData name="Osama Mohammed Moustafa Hosam Elde" userId="ab8f451e-a635-42ee-be12-e2dde55852bf" providerId="ADAL" clId="{ABDD6F7D-79AF-4D42-A8B0-8BDC6E4DD92A}" dt="2020-02-18T20:57:30.957" v="1144" actId="14100"/>
+      <pc:chgData name="Osama Mohammed Moustafa Hosam Elde" userId="ab8f451e-a635-42ee-be12-e2dde55852bf" providerId="ADAL" clId="{ABDD6F7D-79AF-4D42-A8B0-8BDC6E4DD92A}" dt="2020-02-19T15:07:48.026" v="1858" actId="20577"/>
       <pc:docMkLst>
         <pc:docMk/>
       </pc:docMkLst>
@@ -798,6 +798,92 @@
           </ac:picMkLst>
         </pc:picChg>
       </pc:sldChg>
+      <pc:sldChg chg="modSp">
+        <pc:chgData name="Osama Mohammed Moustafa Hosam Elde" userId="ab8f451e-a635-42ee-be12-e2dde55852bf" providerId="ADAL" clId="{ABDD6F7D-79AF-4D42-A8B0-8BDC6E4DD92A}" dt="2020-02-19T15:04:38.383" v="1661" actId="20577"/>
+        <pc:sldMkLst>
+          <pc:docMk/>
+          <pc:sldMk cId="0" sldId="263"/>
+        </pc:sldMkLst>
+        <pc:graphicFrameChg chg="mod modGraphic">
+          <ac:chgData name="Osama Mohammed Moustafa Hosam Elde" userId="ab8f451e-a635-42ee-be12-e2dde55852bf" providerId="ADAL" clId="{ABDD6F7D-79AF-4D42-A8B0-8BDC6E4DD92A}" dt="2020-02-19T15:04:38.383" v="1661" actId="20577"/>
+          <ac:graphicFrameMkLst>
+            <pc:docMk/>
+            <pc:sldMk cId="0" sldId="263"/>
+            <ac:graphicFrameMk id="142" creationId="{00000000-0000-0000-0000-000000000000}"/>
+          </ac:graphicFrameMkLst>
+        </pc:graphicFrameChg>
+      </pc:sldChg>
+      <pc:sldChg chg="addSp delSp modSp">
+        <pc:chgData name="Osama Mohammed Moustafa Hosam Elde" userId="ab8f451e-a635-42ee-be12-e2dde55852bf" providerId="ADAL" clId="{ABDD6F7D-79AF-4D42-A8B0-8BDC6E4DD92A}" dt="2020-02-19T15:07:48.026" v="1858" actId="20577"/>
+        <pc:sldMkLst>
+          <pc:docMk/>
+          <pc:sldMk cId="0" sldId="264"/>
+        </pc:sldMkLst>
+        <pc:spChg chg="mod">
+          <ac:chgData name="Osama Mohammed Moustafa Hosam Elde" userId="ab8f451e-a635-42ee-be12-e2dde55852bf" providerId="ADAL" clId="{ABDD6F7D-79AF-4D42-A8B0-8BDC6E4DD92A}" dt="2020-02-19T15:05:42.758" v="1667"/>
+          <ac:spMkLst>
+            <pc:docMk/>
+            <pc:sldMk cId="0" sldId="264"/>
+            <ac:spMk id="151" creationId="{00000000-0000-0000-0000-000000000000}"/>
+          </ac:spMkLst>
+        </pc:spChg>
+        <pc:spChg chg="del mod">
+          <ac:chgData name="Osama Mohammed Moustafa Hosam Elde" userId="ab8f451e-a635-42ee-be12-e2dde55852bf" providerId="ADAL" clId="{ABDD6F7D-79AF-4D42-A8B0-8BDC6E4DD92A}" dt="2020-02-19T15:05:48.491" v="1669" actId="478"/>
+          <ac:spMkLst>
+            <pc:docMk/>
+            <pc:sldMk cId="0" sldId="264"/>
+            <ac:spMk id="152" creationId="{00000000-0000-0000-0000-000000000000}"/>
+          </ac:spMkLst>
+        </pc:spChg>
+        <pc:spChg chg="mod">
+          <ac:chgData name="Osama Mohammed Moustafa Hosam Elde" userId="ab8f451e-a635-42ee-be12-e2dde55852bf" providerId="ADAL" clId="{ABDD6F7D-79AF-4D42-A8B0-8BDC6E4DD92A}" dt="2020-02-19T15:06:34.918" v="1766" actId="20577"/>
+          <ac:spMkLst>
+            <pc:docMk/>
+            <pc:sldMk cId="0" sldId="264"/>
+            <ac:spMk id="154" creationId="{00000000-0000-0000-0000-000000000000}"/>
+          </ac:spMkLst>
+        </pc:spChg>
+        <pc:spChg chg="mod">
+          <ac:chgData name="Osama Mohammed Moustafa Hosam Elde" userId="ab8f451e-a635-42ee-be12-e2dde55852bf" providerId="ADAL" clId="{ABDD6F7D-79AF-4D42-A8B0-8BDC6E4DD92A}" dt="2020-02-19T15:07:21.689" v="1817" actId="20577"/>
+          <ac:spMkLst>
+            <pc:docMk/>
+            <pc:sldMk cId="0" sldId="264"/>
+            <ac:spMk id="156" creationId="{00000000-0000-0000-0000-000000000000}"/>
+          </ac:spMkLst>
+        </pc:spChg>
+        <pc:spChg chg="mod">
+          <ac:chgData name="Osama Mohammed Moustafa Hosam Elde" userId="ab8f451e-a635-42ee-be12-e2dde55852bf" providerId="ADAL" clId="{ABDD6F7D-79AF-4D42-A8B0-8BDC6E4DD92A}" dt="2020-02-19T15:07:37.701" v="1832" actId="20577"/>
+          <ac:spMkLst>
+            <pc:docMk/>
+            <pc:sldMk cId="0" sldId="264"/>
+            <ac:spMk id="157" creationId="{00000000-0000-0000-0000-000000000000}"/>
+          </ac:spMkLst>
+        </pc:spChg>
+        <pc:spChg chg="mod">
+          <ac:chgData name="Osama Mohammed Moustafa Hosam Elde" userId="ab8f451e-a635-42ee-be12-e2dde55852bf" providerId="ADAL" clId="{ABDD6F7D-79AF-4D42-A8B0-8BDC6E4DD92A}" dt="2020-02-19T15:07:48.026" v="1858" actId="20577"/>
+          <ac:spMkLst>
+            <pc:docMk/>
+            <pc:sldMk cId="0" sldId="264"/>
+            <ac:spMk id="158" creationId="{00000000-0000-0000-0000-000000000000}"/>
+          </ac:spMkLst>
+        </pc:spChg>
+        <pc:picChg chg="add mod">
+          <ac:chgData name="Osama Mohammed Moustafa Hosam Elde" userId="ab8f451e-a635-42ee-be12-e2dde55852bf" providerId="ADAL" clId="{ABDD6F7D-79AF-4D42-A8B0-8BDC6E4DD92A}" dt="2020-02-19T15:05:27.590" v="1666" actId="14100"/>
+          <ac:picMkLst>
+            <pc:docMk/>
+            <pc:sldMk cId="0" sldId="264"/>
+            <ac:picMk id="14" creationId="{DC6ED223-EC4E-437A-A996-FE1BFC934090}"/>
+          </ac:picMkLst>
+        </pc:picChg>
+        <pc:picChg chg="del">
+          <ac:chgData name="Osama Mohammed Moustafa Hosam Elde" userId="ab8f451e-a635-42ee-be12-e2dde55852bf" providerId="ADAL" clId="{ABDD6F7D-79AF-4D42-A8B0-8BDC6E4DD92A}" dt="2020-02-19T15:05:14.671" v="1662" actId="478"/>
+          <ac:picMkLst>
+            <pc:docMk/>
+            <pc:sldMk cId="0" sldId="264"/>
+            <ac:picMk id="148" creationId="{00000000-0000-0000-0000-000000000000}"/>
+          </ac:picMkLst>
+        </pc:picChg>
+      </pc:sldChg>
     </pc:docChg>
   </pc:docChgLst>
 </pc:chgInfo>
@@ -2001,7 +2087,7 @@
         </p:nvSpPr>
         <p:spPr>
           <a:xfrm>
-            <a:off x="381300" y="685800"/>
+            <a:off x="381000" y="685800"/>
             <a:ext cx="6096000" cy="3429000"/>
           </a:xfrm>
           <a:custGeom>
@@ -2105,7 +2191,7 @@
         </p:nvSpPr>
         <p:spPr>
           <a:xfrm>
-            <a:off x="381300" y="685800"/>
+            <a:off x="381000" y="685800"/>
             <a:ext cx="6096000" cy="3429000"/>
           </a:xfrm>
           <a:custGeom>
@@ -11621,11 +11707,17 @@
         <p:nvGraphicFramePr>
           <p:cNvPr id="142" name="Google Shape;142;p20"/>
           <p:cNvGraphicFramePr/>
-          <p:nvPr/>
+          <p:nvPr>
+            <p:extLst>
+              <p:ext uri="{D42A27DB-BD31-4B8C-83A1-F6EECF244321}">
+                <p14:modId xmlns:p14="http://schemas.microsoft.com/office/powerpoint/2010/main" val="1667970590"/>
+              </p:ext>
+            </p:extLst>
+          </p:nvPr>
         </p:nvGraphicFramePr>
         <p:xfrm>
           <a:off x="484225" y="1446550"/>
-          <a:ext cx="8348100" cy="3522585"/>
+          <a:ext cx="8348100" cy="3735945"/>
         </p:xfrm>
         <a:graphic>
           <a:graphicData uri="http://schemas.openxmlformats.org/drawingml/2006/table">
@@ -11737,10 +11829,10 @@
                         <a:buNone/>
                       </a:pPr>
                       <a:r>
-                        <a:rPr lang="en" b="1"/>
-                        <a:t>Use Case</a:t>
+                        <a:rPr lang="en-US" b="1" dirty="0"/>
+                        <a:t>Quality Control with Computer Vision</a:t>
                       </a:r>
-                      <a:endParaRPr b="1"/>
+                      <a:endParaRPr b="1" dirty="0"/>
                     </a:p>
                   </a:txBody>
                   <a:tcPr marL="91425" marR="91425" marT="91425" marB="91425">
@@ -11805,10 +11897,10 @@
                         <a:buNone/>
                       </a:pPr>
                       <a:r>
-                        <a:rPr lang="en" b="1"/>
-                        <a:t>Use Case</a:t>
+                        <a:rPr lang="en-US" b="1" dirty="0"/>
+                        <a:t>Car maintenance Expectation</a:t>
                       </a:r>
-                      <a:endParaRPr b="1"/>
+                      <a:endParaRPr b="1" dirty="0"/>
                     </a:p>
                   </a:txBody>
                   <a:tcPr marL="91425" marR="91425" marT="91425" marB="91425">
@@ -11880,17 +11972,17 @@
                         <a:buNone/>
                       </a:pPr>
                       <a:r>
-                        <a:rPr lang="en" b="1"/>
+                        <a:rPr lang="en" b="1" dirty="0"/>
                         <a:t>Accuracy</a:t>
                       </a:r>
                       <a:br>
-                        <a:rPr lang="en" b="1"/>
+                        <a:rPr lang="en" b="1" dirty="0"/>
                       </a:br>
                       <a:r>
-                        <a:rPr lang="en" sz="1200" i="1"/>
+                        <a:rPr lang="en" sz="1200" i="1" dirty="0"/>
                         <a:t>Definition</a:t>
                       </a:r>
-                      <a:endParaRPr sz="1200" i="1"/>
+                      <a:endParaRPr sz="1200" i="1" dirty="0"/>
                     </a:p>
                   </a:txBody>
                   <a:tcPr marL="91425" marR="91425" marT="91425" marB="91425">
@@ -11955,10 +12047,14 @@
                         <a:buNone/>
                       </a:pPr>
                       <a:r>
-                        <a:rPr lang="en" sz="1200"/>
+                        <a:rPr lang="en" sz="1200" dirty="0"/>
                         <a:t>Concerns: </a:t>
                       </a:r>
-                      <a:endParaRPr sz="1200"/>
+                      <a:r>
+                        <a:rPr lang="en-US" sz="1200" dirty="0"/>
+                        <a:t>illumination, camera space</a:t>
+                      </a:r>
+                      <a:endParaRPr sz="1200" dirty="0"/>
                     </a:p>
                     <a:p>
                       <a:pPr marL="0" lvl="0" indent="0" algn="l" rtl="0">
@@ -11971,10 +12067,14 @@
                         <a:buNone/>
                       </a:pPr>
                       <a:r>
-                        <a:rPr lang="en" sz="1200"/>
-                        <a:t>Plan:</a:t>
+                        <a:rPr lang="en" sz="1200" dirty="0"/>
+                        <a:t>Plan: </a:t>
                       </a:r>
-                      <a:endParaRPr sz="1200"/>
+                      <a:r>
+                        <a:rPr lang="en-US" sz="1200" dirty="0"/>
+                        <a:t>put reasonable lights and get extra space for the camera. </a:t>
+                      </a:r>
+                      <a:endParaRPr sz="1200" dirty="0"/>
                     </a:p>
                   </a:txBody>
                   <a:tcPr marL="91425" marR="91425" marT="91425" marB="91425">
@@ -12039,10 +12139,18 @@
                         <a:buNone/>
                       </a:pPr>
                       <a:r>
-                        <a:rPr lang="en" sz="1200"/>
+                        <a:rPr lang="en" sz="1200" dirty="0"/>
                         <a:t>Concerns: </a:t>
                       </a:r>
-                      <a:endParaRPr sz="1200"/>
+                      <a:r>
+                        <a:rPr lang="en-US" sz="1200" dirty="0"/>
+                        <a:t>sensor hardware faults</a:t>
+                      </a:r>
+                      <a:r>
+                        <a:rPr lang="en" sz="1200" dirty="0"/>
+                        <a:t> </a:t>
+                      </a:r>
+                      <a:endParaRPr sz="1200" dirty="0"/>
                     </a:p>
                     <a:p>
                       <a:pPr marL="0" lvl="0" indent="0" algn="l" rtl="0">
@@ -12055,10 +12163,14 @@
                         <a:buNone/>
                       </a:pPr>
                       <a:r>
-                        <a:rPr lang="en" sz="1200"/>
-                        <a:t>Plan:</a:t>
+                        <a:rPr lang="en" sz="1200" dirty="0"/>
+                        <a:t>Plan: </a:t>
                       </a:r>
-                      <a:endParaRPr sz="1200"/>
+                      <a:r>
+                        <a:rPr lang="en-US" sz="1200" dirty="0"/>
+                        <a:t>make backup sensors and make sure that the sensors has direct effect on the overall decision</a:t>
+                      </a:r>
+                      <a:endParaRPr sz="1200" dirty="0"/>
                     </a:p>
                   </a:txBody>
                   <a:tcPr marL="91425" marR="91425" marT="91425" marB="91425">
@@ -12205,10 +12317,18 @@
                         <a:buNone/>
                       </a:pPr>
                       <a:r>
-                        <a:rPr lang="en" sz="1200"/>
+                        <a:rPr lang="en" sz="1200" dirty="0"/>
                         <a:t>Concerns: </a:t>
                       </a:r>
-                      <a:endParaRPr sz="1200"/>
+                      <a:r>
+                        <a:rPr lang="en-US" sz="1200" dirty="0"/>
+                        <a:t>overfitting</a:t>
+                      </a:r>
+                      <a:r>
+                        <a:rPr lang="en" sz="1200" dirty="0"/>
+                        <a:t> </a:t>
+                      </a:r>
+                      <a:endParaRPr sz="1200" dirty="0"/>
                     </a:p>
                     <a:p>
                       <a:pPr marL="0" lvl="0" indent="0" algn="l" rtl="0">
@@ -12221,10 +12341,14 @@
                         <a:buNone/>
                       </a:pPr>
                       <a:r>
-                        <a:rPr lang="en" sz="1200"/>
-                        <a:t>Plan:</a:t>
+                        <a:rPr lang="en" sz="1200" dirty="0"/>
+                        <a:t>Plan: </a:t>
                       </a:r>
-                      <a:endParaRPr sz="1200"/>
+                      <a:r>
+                        <a:rPr lang="en-US" sz="1200" dirty="0"/>
+                        <a:t>user different datasets for training and testing</a:t>
+                      </a:r>
+                      <a:endParaRPr sz="1200" dirty="0"/>
                     </a:p>
                     <a:p>
                       <a:pPr marL="0" lvl="0" indent="0" algn="l" rtl="0">
@@ -12236,7 +12360,7 @@
                         </a:spcAft>
                         <a:buNone/>
                       </a:pPr>
-                      <a:endParaRPr sz="1200"/>
+                      <a:endParaRPr sz="1200" dirty="0"/>
                     </a:p>
                   </a:txBody>
                   <a:tcPr marL="91425" marR="91425" marT="91425" marB="91425">
@@ -12301,10 +12425,14 @@
                         <a:buNone/>
                       </a:pPr>
                       <a:r>
-                        <a:rPr lang="en" sz="1200"/>
+                        <a:rPr lang="en" sz="1200" dirty="0"/>
                         <a:t>Concerns: </a:t>
                       </a:r>
-                      <a:endParaRPr sz="1200"/>
+                      <a:r>
+                        <a:rPr lang="en-US" sz="1200" dirty="0"/>
+                        <a:t>equation overfitting</a:t>
+                      </a:r>
+                      <a:endParaRPr sz="1200" dirty="0"/>
                     </a:p>
                     <a:p>
                       <a:pPr marL="0" lvl="0" indent="0" algn="l" rtl="0">
@@ -12317,10 +12445,14 @@
                         <a:buNone/>
                       </a:pPr>
                       <a:r>
-                        <a:rPr lang="en" sz="1200"/>
-                        <a:t>Plan:</a:t>
+                        <a:rPr lang="en" sz="1200" dirty="0"/>
+                        <a:t>Plan: </a:t>
                       </a:r>
-                      <a:endParaRPr sz="1200"/>
+                      <a:r>
+                        <a:rPr lang="en-US" sz="1200" dirty="0"/>
+                        <a:t>better algorithms must be searched to find the best fit. </a:t>
+                      </a:r>
+                      <a:endParaRPr sz="1200" dirty="0"/>
                     </a:p>
                     <a:p>
                       <a:pPr marL="0" lvl="0" indent="0" algn="l" rtl="0">
@@ -12332,7 +12464,7 @@
                         </a:spcAft>
                         <a:buNone/>
                       </a:pPr>
-                      <a:endParaRPr sz="1200"/>
+                      <a:endParaRPr sz="1200" dirty="0"/>
                     </a:p>
                   </a:txBody>
                   <a:tcPr marL="91425" marR="91425" marT="91425" marB="91425">
@@ -12479,10 +12611,14 @@
                         <a:buNone/>
                       </a:pPr>
                       <a:r>
-                        <a:rPr lang="en" sz="1200"/>
+                        <a:rPr lang="en" sz="1200" dirty="0"/>
                         <a:t>Concerns: </a:t>
                       </a:r>
-                      <a:endParaRPr sz="1200"/>
+                      <a:r>
+                        <a:rPr lang="en-US" sz="1200" dirty="0"/>
+                        <a:t>rarely exist</a:t>
+                      </a:r>
+                      <a:endParaRPr sz="1200" dirty="0"/>
                     </a:p>
                     <a:p>
                       <a:pPr marL="0" lvl="0" indent="0" algn="l" rtl="0">
@@ -12495,10 +12631,10 @@
                         <a:buNone/>
                       </a:pPr>
                       <a:r>
-                        <a:rPr lang="en" sz="1200"/>
+                        <a:rPr lang="en" sz="1200" dirty="0"/>
                         <a:t>Plan:</a:t>
                       </a:r>
-                      <a:endParaRPr sz="1200"/>
+                      <a:endParaRPr sz="1200" dirty="0"/>
                     </a:p>
                     <a:p>
                       <a:pPr marL="0" lvl="0" indent="0" algn="l" rtl="0">
@@ -12510,7 +12646,7 @@
                         </a:spcAft>
                         <a:buNone/>
                       </a:pPr>
-                      <a:endParaRPr sz="1200"/>
+                      <a:endParaRPr sz="1200" dirty="0"/>
                     </a:p>
                   </a:txBody>
                   <a:tcPr marL="91425" marR="91425" marT="91425" marB="91425">
@@ -12575,10 +12711,14 @@
                         <a:buNone/>
                       </a:pPr>
                       <a:r>
-                        <a:rPr lang="en" sz="1200"/>
+                        <a:rPr lang="en" sz="1200" dirty="0"/>
                         <a:t>Concerns: </a:t>
                       </a:r>
-                      <a:endParaRPr sz="1200"/>
+                      <a:r>
+                        <a:rPr lang="en-US" sz="1200" dirty="0"/>
+                        <a:t>not exist</a:t>
+                      </a:r>
+                      <a:endParaRPr sz="1200" dirty="0"/>
                     </a:p>
                     <a:p>
                       <a:pPr marL="0" lvl="0" indent="0" algn="l" rtl="0">
@@ -12591,10 +12731,10 @@
                         <a:buNone/>
                       </a:pPr>
                       <a:r>
-                        <a:rPr lang="en" sz="1200"/>
+                        <a:rPr lang="en" sz="1200" dirty="0"/>
                         <a:t>Plan:</a:t>
                       </a:r>
-                      <a:endParaRPr sz="1200"/>
+                      <a:endParaRPr sz="1200" dirty="0"/>
                     </a:p>
                     <a:p>
                       <a:pPr marL="0" lvl="0" indent="0" algn="l" rtl="0">
@@ -12606,7 +12746,7 @@
                         </a:spcAft>
                         <a:buNone/>
                       </a:pPr>
-                      <a:endParaRPr sz="1200"/>
+                      <a:endParaRPr sz="1200" dirty="0"/>
                     </a:p>
                   </a:txBody>
                   <a:tcPr marL="91425" marR="91425" marT="91425" marB="91425">
@@ -12733,33 +12873,6 @@
           </a:p>
         </p:txBody>
       </p:sp>
-      <p:pic>
-        <p:nvPicPr>
-          <p:cNvPr id="148" name="Google Shape;148;p21"/>
-          <p:cNvPicPr preferRelativeResize="0"/>
-          <p:nvPr/>
-        </p:nvPicPr>
-        <p:blipFill rotWithShape="1">
-          <a:blip r:embed="rId3">
-            <a:alphaModFix/>
-          </a:blip>
-          <a:srcRect t="24328"/>
-          <a:stretch/>
-        </p:blipFill>
-        <p:spPr>
-          <a:xfrm>
-            <a:off x="755225" y="3471550"/>
-            <a:ext cx="3449574" cy="1218200"/>
-          </a:xfrm>
-          <a:prstGeom prst="rect">
-            <a:avLst/>
-          </a:prstGeom>
-          <a:noFill/>
-          <a:ln>
-            <a:noFill/>
-          </a:ln>
-        </p:spPr>
-      </p:pic>
       <p:sp>
         <p:nvSpPr>
           <p:cNvPr id="149" name="Google Shape;149;p21"/>
@@ -12889,77 +13002,46 @@
           </a:bodyPr>
           <a:lstStyle/>
           <a:p>
-            <a:pPr marL="0" lvl="0" indent="0" algn="l" rtl="0">
-              <a:spcBef>
-                <a:spcPts val="0"/>
-              </a:spcBef>
-              <a:spcAft>
-                <a:spcPts val="0"/>
-              </a:spcAft>
-              <a:buNone/>
-            </a:pPr>
+            <a:pPr lvl="0"/>
             <a:r>
-              <a:rPr lang="en">
+              <a:rPr lang="en" dirty="0">
                 <a:latin typeface="Roboto"/>
                 <a:ea typeface="Roboto"/>
                 <a:cs typeface="Roboto"/>
                 <a:sym typeface="Roboto"/>
               </a:rPr>
-              <a:t>“Great job with x, y, z”</a:t>
+              <a:t>“</a:t>
             </a:r>
-            <a:endParaRPr>
-              <a:latin typeface="Roboto"/>
-              <a:ea typeface="Roboto"/>
-              <a:cs typeface="Roboto"/>
-              <a:sym typeface="Roboto"/>
-            </a:endParaRPr>
-          </a:p>
-        </p:txBody>
-      </p:sp>
-      <p:sp>
-        <p:nvSpPr>
-          <p:cNvPr id="152" name="Google Shape;152;p21"/>
-          <p:cNvSpPr txBox="1"/>
-          <p:nvPr/>
-        </p:nvSpPr>
-        <p:spPr>
-          <a:xfrm>
-            <a:off x="592725" y="2335913"/>
-            <a:ext cx="3433500" cy="396600"/>
-          </a:xfrm>
-          <a:prstGeom prst="rect">
-            <a:avLst/>
-          </a:prstGeom>
-          <a:noFill/>
-          <a:ln>
-            <a:noFill/>
-          </a:ln>
-        </p:spPr>
-        <p:txBody>
-          <a:bodyPr spcFirstLastPara="1" wrap="square" lIns="91425" tIns="91425" rIns="91425" bIns="91425" anchor="t" anchorCtr="0">
-            <a:noAutofit/>
-          </a:bodyPr>
-          <a:lstStyle/>
-          <a:p>
-            <a:pPr marL="0" lvl="0" indent="0" algn="l" rtl="0">
-              <a:spcBef>
-                <a:spcPts val="0"/>
-              </a:spcBef>
-              <a:spcAft>
-                <a:spcPts val="0"/>
-              </a:spcAft>
-              <a:buNone/>
-            </a:pPr>
             <a:r>
-              <a:rPr lang="en">
+              <a:rPr lang="en-US" dirty="0">
                 <a:latin typeface="Roboto"/>
                 <a:ea typeface="Roboto"/>
                 <a:cs typeface="Roboto"/>
                 <a:sym typeface="Roboto"/>
               </a:rPr>
-              <a:t>“___ Use case would fundamentally change our business because of ______”</a:t>
+              <a:t>The computer vison-based approach proposed is helpful in detecting detectives without labor intervention </a:t>
             </a:r>
-            <a:endParaRPr>
+          </a:p>
+          <a:p>
+            <a:pPr marL="0" lvl="0" indent="0" algn="l" rtl="0">
+              <a:spcBef>
+                <a:spcPts val="0"/>
+              </a:spcBef>
+              <a:spcAft>
+                <a:spcPts val="0"/>
+              </a:spcAft>
+              <a:buNone/>
+            </a:pPr>
+            <a:r>
+              <a:rPr lang="en" dirty="0">
+                <a:latin typeface="Roboto"/>
+                <a:ea typeface="Roboto"/>
+                <a:cs typeface="Roboto"/>
+                <a:sym typeface="Roboto"/>
+              </a:rPr>
+              <a:t>”</a:t>
+            </a:r>
+            <a:endParaRPr dirty="0">
               <a:latin typeface="Roboto"/>
               <a:ea typeface="Roboto"/>
               <a:cs typeface="Roboto"/>
@@ -13029,7 +13111,7 @@
               <a:buNone/>
             </a:pPr>
             <a:r>
-              <a:rPr lang="en" sz="1800" b="1">
+              <a:rPr lang="en" sz="1800" b="1" dirty="0">
                 <a:latin typeface="Roboto"/>
                 <a:ea typeface="Roboto"/>
                 <a:cs typeface="Roboto"/>
@@ -13037,7 +13119,7 @@
               </a:rPr>
               <a:t>Proposed Next Steps</a:t>
             </a:r>
-            <a:endParaRPr sz="1800" b="1">
+            <a:endParaRPr sz="1800" b="1" dirty="0">
               <a:latin typeface="Roboto"/>
               <a:ea typeface="Roboto"/>
               <a:cs typeface="Roboto"/>
@@ -13054,7 +13136,7 @@
               </a:spcAft>
               <a:buNone/>
             </a:pPr>
-            <a:endParaRPr sz="1000" b="1">
+            <a:endParaRPr sz="1000" b="1" dirty="0">
               <a:latin typeface="Roboto"/>
               <a:ea typeface="Roboto"/>
               <a:cs typeface="Roboto"/>
@@ -13074,15 +13156,15 @@
               <a:buChar char="-"/>
             </a:pPr>
             <a:r>
-              <a:rPr lang="en">
+              <a:rPr lang="en-US" dirty="0">
                 <a:latin typeface="Roboto"/>
                 <a:ea typeface="Roboto"/>
                 <a:cs typeface="Roboto"/>
                 <a:sym typeface="Roboto"/>
               </a:rPr>
-              <a:t>Proposed next step 1</a:t>
+              <a:t>Search for better cameras</a:t>
             </a:r>
-            <a:endParaRPr>
+            <a:endParaRPr dirty="0">
               <a:latin typeface="Roboto"/>
               <a:ea typeface="Roboto"/>
               <a:cs typeface="Roboto"/>
@@ -13102,15 +13184,15 @@
               <a:buChar char="-"/>
             </a:pPr>
             <a:r>
-              <a:rPr lang="en">
+              <a:rPr lang="en-US" dirty="0">
                 <a:latin typeface="Roboto"/>
                 <a:ea typeface="Roboto"/>
                 <a:cs typeface="Roboto"/>
                 <a:sym typeface="Roboto"/>
               </a:rPr>
-              <a:t>Proposed next step 2</a:t>
+              <a:t>Search for better sensors</a:t>
             </a:r>
-            <a:endParaRPr>
+            <a:endParaRPr dirty="0">
               <a:latin typeface="Roboto"/>
               <a:ea typeface="Roboto"/>
               <a:cs typeface="Roboto"/>
@@ -13130,15 +13212,15 @@
               <a:buChar char="-"/>
             </a:pPr>
             <a:r>
-              <a:rPr lang="en">
+              <a:rPr lang="en-US" dirty="0">
                 <a:latin typeface="Roboto"/>
                 <a:ea typeface="Roboto"/>
                 <a:cs typeface="Roboto"/>
                 <a:sym typeface="Roboto"/>
               </a:rPr>
-              <a:t>Proposed next step 3</a:t>
+              <a:t>Research most suitable AI technology</a:t>
             </a:r>
-            <a:endParaRPr>
+            <a:endParaRPr dirty="0">
               <a:latin typeface="Roboto"/>
               <a:ea typeface="Roboto"/>
               <a:cs typeface="Roboto"/>
@@ -13268,7 +13350,7 @@
               <a:buNone/>
             </a:pPr>
             <a:r>
-              <a:rPr lang="en" sz="1200" b="1" u="sng">
+              <a:rPr lang="en" sz="1200" b="1" u="sng" dirty="0">
                 <a:latin typeface="Roboto"/>
                 <a:ea typeface="Roboto"/>
                 <a:cs typeface="Roboto"/>
@@ -13276,7 +13358,7 @@
               </a:rPr>
               <a:t>Month 1</a:t>
             </a:r>
-            <a:endParaRPr sz="1200" b="1" u="sng">
+            <a:endParaRPr sz="1200" b="1" u="sng" dirty="0">
               <a:latin typeface="Roboto"/>
               <a:ea typeface="Roboto"/>
               <a:cs typeface="Roboto"/>
@@ -13296,43 +13378,15 @@
               <a:buChar char="-"/>
             </a:pPr>
             <a:r>
-              <a:rPr lang="en" sz="1200">
+              <a:rPr lang="en-US" sz="1200" dirty="0">
                 <a:latin typeface="Roboto"/>
                 <a:ea typeface="Roboto"/>
                 <a:cs typeface="Roboto"/>
                 <a:sym typeface="Roboto"/>
               </a:rPr>
-              <a:t>Deliverable 1</a:t>
+              <a:t>Requirement analysis and design</a:t>
             </a:r>
-            <a:endParaRPr sz="1200">
-              <a:latin typeface="Roboto"/>
-              <a:ea typeface="Roboto"/>
-              <a:cs typeface="Roboto"/>
-              <a:sym typeface="Roboto"/>
-            </a:endParaRPr>
-          </a:p>
-          <a:p>
-            <a:pPr marL="457200" lvl="0" indent="-304800" algn="l" rtl="0">
-              <a:spcBef>
-                <a:spcPts val="0"/>
-              </a:spcBef>
-              <a:spcAft>
-                <a:spcPts val="0"/>
-              </a:spcAft>
-              <a:buSzPts val="1200"/>
-              <a:buFont typeface="Roboto"/>
-              <a:buChar char="-"/>
-            </a:pPr>
-            <a:r>
-              <a:rPr lang="en" sz="1200">
-                <a:latin typeface="Roboto"/>
-                <a:ea typeface="Roboto"/>
-                <a:cs typeface="Roboto"/>
-                <a:sym typeface="Roboto"/>
-              </a:rPr>
-              <a:t>Deliverable 2</a:t>
-            </a:r>
-            <a:endParaRPr sz="1200">
+            <a:endParaRPr sz="1200" dirty="0">
               <a:latin typeface="Roboto"/>
               <a:ea typeface="Roboto"/>
               <a:cs typeface="Roboto"/>
@@ -13376,7 +13430,7 @@
               <a:buNone/>
             </a:pPr>
             <a:r>
-              <a:rPr lang="en" sz="1200" b="1" u="sng">
+              <a:rPr lang="en" sz="1200" b="1" u="sng" dirty="0">
                 <a:latin typeface="Roboto"/>
                 <a:ea typeface="Roboto"/>
                 <a:cs typeface="Roboto"/>
@@ -13384,7 +13438,7 @@
               </a:rPr>
               <a:t>Month 2</a:t>
             </a:r>
-            <a:endParaRPr sz="1200" b="1" u="sng">
+            <a:endParaRPr sz="1200" b="1" u="sng" dirty="0">
               <a:latin typeface="Roboto"/>
               <a:ea typeface="Roboto"/>
               <a:cs typeface="Roboto"/>
@@ -13404,43 +13458,15 @@
               <a:buChar char="-"/>
             </a:pPr>
             <a:r>
-              <a:rPr lang="en" sz="1200">
+              <a:rPr lang="en-US" sz="1200" dirty="0">
                 <a:latin typeface="Roboto"/>
                 <a:ea typeface="Roboto"/>
                 <a:cs typeface="Roboto"/>
                 <a:sym typeface="Roboto"/>
               </a:rPr>
-              <a:t>Deliverable 1</a:t>
+              <a:t>System design</a:t>
             </a:r>
-            <a:endParaRPr sz="1200">
-              <a:latin typeface="Roboto"/>
-              <a:ea typeface="Roboto"/>
-              <a:cs typeface="Roboto"/>
-              <a:sym typeface="Roboto"/>
-            </a:endParaRPr>
-          </a:p>
-          <a:p>
-            <a:pPr marL="457200" lvl="0" indent="-304800" algn="l" rtl="0">
-              <a:spcBef>
-                <a:spcPts val="0"/>
-              </a:spcBef>
-              <a:spcAft>
-                <a:spcPts val="0"/>
-              </a:spcAft>
-              <a:buSzPts val="1200"/>
-              <a:buFont typeface="Roboto"/>
-              <a:buChar char="-"/>
-            </a:pPr>
-            <a:r>
-              <a:rPr lang="en" sz="1200">
-                <a:latin typeface="Roboto"/>
-                <a:ea typeface="Roboto"/>
-                <a:cs typeface="Roboto"/>
-                <a:sym typeface="Roboto"/>
-              </a:rPr>
-              <a:t>Deliverable 2</a:t>
-            </a:r>
-            <a:endParaRPr sz="1200">
+            <a:endParaRPr sz="1200" dirty="0">
               <a:latin typeface="Roboto"/>
               <a:ea typeface="Roboto"/>
               <a:cs typeface="Roboto"/>
@@ -13484,7 +13510,7 @@
               <a:buNone/>
             </a:pPr>
             <a:r>
-              <a:rPr lang="en" sz="1200" b="1" u="sng">
+              <a:rPr lang="en" sz="1200" b="1" u="sng" dirty="0">
                 <a:latin typeface="Roboto"/>
                 <a:ea typeface="Roboto"/>
                 <a:cs typeface="Roboto"/>
@@ -13492,7 +13518,7 @@
               </a:rPr>
               <a:t>Month 3</a:t>
             </a:r>
-            <a:endParaRPr sz="1200" b="1" u="sng">
+            <a:endParaRPr sz="1200" b="1" u="sng" dirty="0">
               <a:latin typeface="Roboto"/>
               <a:ea typeface="Roboto"/>
               <a:cs typeface="Roboto"/>
@@ -13512,15 +13538,15 @@
               <a:buChar char="-"/>
             </a:pPr>
             <a:r>
-              <a:rPr lang="en" sz="1200">
+              <a:rPr lang="en-US" sz="1200" dirty="0">
                 <a:latin typeface="Roboto"/>
                 <a:ea typeface="Roboto"/>
                 <a:cs typeface="Roboto"/>
                 <a:sym typeface="Roboto"/>
               </a:rPr>
-              <a:t>Final Deliverable</a:t>
+              <a:t>Implementation and testing</a:t>
             </a:r>
-            <a:endParaRPr sz="1200">
+            <a:endParaRPr sz="1200" dirty="0">
               <a:latin typeface="Roboto"/>
               <a:ea typeface="Roboto"/>
               <a:cs typeface="Roboto"/>
@@ -13537,7 +13563,7 @@
               </a:spcAft>
               <a:buNone/>
             </a:pPr>
-            <a:endParaRPr sz="1200">
+            <a:endParaRPr sz="1200" dirty="0">
               <a:latin typeface="Roboto"/>
               <a:ea typeface="Roboto"/>
               <a:cs typeface="Roboto"/>
@@ -13546,6 +13572,53 @@
           </a:p>
         </p:txBody>
       </p:sp>
+      <p:pic>
+        <p:nvPicPr>
+          <p:cNvPr id="14" name="Picture 2" descr="Forms response chart. Question title: Based on the description above, how familiar would you say you are with the area being discussed in Use Case 1?. Number of responses: .">
+            <a:extLst>
+              <a:ext uri="{FF2B5EF4-FFF2-40B4-BE49-F238E27FC236}">
+                <a16:creationId xmlns:a16="http://schemas.microsoft.com/office/drawing/2014/main" id="{DC6ED223-EC4E-437A-A996-FE1BFC934090}"/>
+              </a:ext>
+            </a:extLst>
+          </p:cNvPr>
+          <p:cNvPicPr>
+            <a:picLocks noChangeAspect="1" noChangeArrowheads="1"/>
+          </p:cNvPicPr>
+          <p:nvPr/>
+        </p:nvPicPr>
+        <p:blipFill>
+          <a:blip r:embed="rId3">
+            <a:extLst>
+              <a:ext uri="{28A0092B-C50C-407E-A947-70E740481C1C}">
+                <a14:useLocalDpi xmlns:a14="http://schemas.microsoft.com/office/drawing/2010/main" val="0"/>
+              </a:ext>
+            </a:extLst>
+          </a:blip>
+          <a:srcRect/>
+          <a:stretch>
+            <a:fillRect/>
+          </a:stretch>
+        </p:blipFill>
+        <p:spPr bwMode="auto">
+          <a:xfrm>
+            <a:off x="736812" y="3565232"/>
+            <a:ext cx="2805208" cy="1463968"/>
+          </a:xfrm>
+          <a:prstGeom prst="rect">
+            <a:avLst/>
+          </a:prstGeom>
+          <a:noFill/>
+          <a:extLst>
+            <a:ext uri="{909E8E84-426E-40DD-AFC4-6F175D3DCCD1}">
+              <a14:hiddenFill xmlns:a14="http://schemas.microsoft.com/office/drawing/2010/main">
+                <a:solidFill>
+                  <a:srgbClr val="FFFFFF"/>
+                </a:solidFill>
+              </a14:hiddenFill>
+            </a:ext>
+          </a:extLst>
+        </p:spPr>
+      </p:pic>
     </p:spTree>
   </p:cSld>
   <p:clrMapOvr>

--- a/03_Final Presentation Template.pptx
+++ b/03_Final Presentation Template.pptx
@@ -297,7 +297,7 @@
   <pc:docChgLst>
     <pc:chgData name="Osama Mohammed Moustafa Hosam Elde" userId="ab8f451e-a635-42ee-be12-e2dde55852bf" providerId="ADAL" clId="{ABDD6F7D-79AF-4D42-A8B0-8BDC6E4DD92A}"/>
     <pc:docChg chg="custSel modSld">
-      <pc:chgData name="Osama Mohammed Moustafa Hosam Elde" userId="ab8f451e-a635-42ee-be12-e2dde55852bf" providerId="ADAL" clId="{ABDD6F7D-79AF-4D42-A8B0-8BDC6E4DD92A}" dt="2020-02-19T15:07:48.026" v="1858" actId="20577"/>
+      <pc:chgData name="Osama Mohammed Moustafa Hosam Elde" userId="ab8f451e-a635-42ee-be12-e2dde55852bf" providerId="ADAL" clId="{ABDD6F7D-79AF-4D42-A8B0-8BDC6E4DD92A}" dt="2020-02-24T14:27:10.545" v="1863" actId="1076"/>
       <pc:docMkLst>
         <pc:docMk/>
       </pc:docMkLst>
@@ -403,7 +403,7 @@
         </pc:spChg>
       </pc:sldChg>
       <pc:sldChg chg="delSp modSp">
-        <pc:chgData name="Osama Mohammed Moustafa Hosam Elde" userId="ab8f451e-a635-42ee-be12-e2dde55852bf" providerId="ADAL" clId="{ABDD6F7D-79AF-4D42-A8B0-8BDC6E4DD92A}" dt="2020-02-18T20:36:31.545" v="577" actId="20577"/>
+        <pc:chgData name="Osama Mohammed Moustafa Hosam Elde" userId="ab8f451e-a635-42ee-be12-e2dde55852bf" providerId="ADAL" clId="{ABDD6F7D-79AF-4D42-A8B0-8BDC6E4DD92A}" dt="2020-02-24T14:27:10.545" v="1863" actId="1076"/>
         <pc:sldMkLst>
           <pc:docMk/>
           <pc:sldMk cId="0" sldId="259"/>
@@ -417,7 +417,15 @@
           </ac:spMkLst>
         </pc:spChg>
         <pc:spChg chg="mod">
-          <ac:chgData name="Osama Mohammed Moustafa Hosam Elde" userId="ab8f451e-a635-42ee-be12-e2dde55852bf" providerId="ADAL" clId="{ABDD6F7D-79AF-4D42-A8B0-8BDC6E4DD92A}" dt="2020-02-18T20:34:57.709" v="481" actId="1076"/>
+          <ac:chgData name="Osama Mohammed Moustafa Hosam Elde" userId="ab8f451e-a635-42ee-be12-e2dde55852bf" providerId="ADAL" clId="{ABDD6F7D-79AF-4D42-A8B0-8BDC6E4DD92A}" dt="2020-02-24T14:27:05.857" v="1861" actId="1076"/>
+          <ac:spMkLst>
+            <pc:docMk/>
+            <pc:sldMk cId="0" sldId="259"/>
+            <ac:spMk id="92" creationId="{00000000-0000-0000-0000-000000000000}"/>
+          </ac:spMkLst>
+        </pc:spChg>
+        <pc:spChg chg="mod">
+          <ac:chgData name="Osama Mohammed Moustafa Hosam Elde" userId="ab8f451e-a635-42ee-be12-e2dde55852bf" providerId="ADAL" clId="{ABDD6F7D-79AF-4D42-A8B0-8BDC6E4DD92A}" dt="2020-02-24T14:26:58.797" v="1859" actId="1076"/>
           <ac:spMkLst>
             <pc:docMk/>
             <pc:sldMk cId="0" sldId="259"/>
@@ -433,7 +441,7 @@
           </ac:spMkLst>
         </pc:spChg>
         <pc:spChg chg="mod">
-          <ac:chgData name="Osama Mohammed Moustafa Hosam Elde" userId="ab8f451e-a635-42ee-be12-e2dde55852bf" providerId="ADAL" clId="{ABDD6F7D-79AF-4D42-A8B0-8BDC6E4DD92A}" dt="2020-02-18T20:34:47.477" v="479" actId="1076"/>
+          <ac:chgData name="Osama Mohammed Moustafa Hosam Elde" userId="ab8f451e-a635-42ee-be12-e2dde55852bf" providerId="ADAL" clId="{ABDD6F7D-79AF-4D42-A8B0-8BDC6E4DD92A}" dt="2020-02-24T14:27:10.545" v="1863" actId="1076"/>
           <ac:spMkLst>
             <pc:docMk/>
             <pc:sldMk cId="0" sldId="259"/>
@@ -457,7 +465,7 @@
           </ac:spMkLst>
         </pc:spChg>
         <pc:spChg chg="mod">
-          <ac:chgData name="Osama Mohammed Moustafa Hosam Elde" userId="ab8f451e-a635-42ee-be12-e2dde55852bf" providerId="ADAL" clId="{ABDD6F7D-79AF-4D42-A8B0-8BDC6E4DD92A}" dt="2020-02-18T20:34:39.963" v="476" actId="1076"/>
+          <ac:chgData name="Osama Mohammed Moustafa Hosam Elde" userId="ab8f451e-a635-42ee-be12-e2dde55852bf" providerId="ADAL" clId="{ABDD6F7D-79AF-4D42-A8B0-8BDC6E4DD92A}" dt="2020-02-24T14:27:07.785" v="1862" actId="1076"/>
           <ac:spMkLst>
             <pc:docMk/>
             <pc:sldMk cId="0" sldId="259"/>
@@ -465,7 +473,7 @@
           </ac:spMkLst>
         </pc:spChg>
         <pc:spChg chg="mod">
-          <ac:chgData name="Osama Mohammed Moustafa Hosam Elde" userId="ab8f451e-a635-42ee-be12-e2dde55852bf" providerId="ADAL" clId="{ABDD6F7D-79AF-4D42-A8B0-8BDC6E4DD92A}" dt="2020-02-18T20:34:55.205" v="480" actId="1076"/>
+          <ac:chgData name="Osama Mohammed Moustafa Hosam Elde" userId="ab8f451e-a635-42ee-be12-e2dde55852bf" providerId="ADAL" clId="{ABDD6F7D-79AF-4D42-A8B0-8BDC6E4DD92A}" dt="2020-02-24T14:27:02.546" v="1860" actId="1076"/>
           <ac:spMkLst>
             <pc:docMk/>
             <pc:sldMk cId="0" sldId="259"/>
@@ -9739,7 +9747,7 @@
         </p:nvSpPr>
         <p:spPr>
           <a:xfrm>
-            <a:off x="2809975" y="1758925"/>
+            <a:off x="4436883" y="1822469"/>
             <a:ext cx="345000" cy="338400"/>
           </a:xfrm>
           <a:prstGeom prst="ellipse">
@@ -9812,7 +9820,7 @@
         </p:nvSpPr>
         <p:spPr>
           <a:xfrm>
-            <a:off x="3976926" y="3236303"/>
+            <a:off x="3059030" y="3334313"/>
             <a:ext cx="345000" cy="338400"/>
           </a:xfrm>
           <a:prstGeom prst="ellipse">
@@ -9885,7 +9893,7 @@
         </p:nvSpPr>
         <p:spPr>
           <a:xfrm>
-            <a:off x="2156419" y="1957701"/>
+            <a:off x="3765655" y="2013663"/>
             <a:ext cx="345000" cy="338400"/>
           </a:xfrm>
           <a:prstGeom prst="ellipse">
@@ -9958,7 +9966,7 @@
         </p:nvSpPr>
         <p:spPr>
           <a:xfrm>
-            <a:off x="2273440" y="2511350"/>
+            <a:off x="4262556" y="2427127"/>
             <a:ext cx="345000" cy="338400"/>
           </a:xfrm>
           <a:prstGeom prst="ellipse">
@@ -10031,7 +10039,7 @@
         </p:nvSpPr>
         <p:spPr>
           <a:xfrm>
-            <a:off x="4055225" y="2456754"/>
+            <a:off x="3676143" y="3058100"/>
             <a:ext cx="345000" cy="338400"/>
           </a:xfrm>
           <a:prstGeom prst="ellipse">
@@ -10066,7 +10074,7 @@
               <a:buNone/>
             </a:pPr>
             <a:r>
-              <a:rPr lang="en" sz="900">
+              <a:rPr lang="en" sz="900" dirty="0">
                 <a:solidFill>
                   <a:srgbClr val="FFFFFF"/>
                 </a:solidFill>
@@ -10074,21 +10082,21 @@
               <a:t>UC</a:t>
             </a:r>
             <a:br>
-              <a:rPr lang="en" sz="900">
+              <a:rPr lang="en" sz="900" dirty="0">
                 <a:solidFill>
                   <a:srgbClr val="FFFFFF"/>
                 </a:solidFill>
               </a:rPr>
             </a:br>
             <a:r>
-              <a:rPr lang="en" sz="900">
+              <a:rPr lang="en" sz="900" dirty="0">
                 <a:solidFill>
                   <a:srgbClr val="FFFFFF"/>
                 </a:solidFill>
               </a:rPr>
               <a:t>5</a:t>
             </a:r>
-            <a:endParaRPr sz="900">
+            <a:endParaRPr sz="900" dirty="0">
               <a:solidFill>
                 <a:srgbClr val="FFFFFF"/>
               </a:solidFill>

--- a/03_Final Presentation Template.pptx
+++ b/03_Final Presentation Template.pptx
@@ -5,7 +5,7 @@
     <p:sldMasterId id="2147483659" r:id="rId1"/>
   </p:sldMasterIdLst>
   <p:notesMasterIdLst>
-    <p:notesMasterId r:id="rId11"/>
+    <p:notesMasterId r:id="rId12"/>
   </p:notesMasterIdLst>
   <p:sldIdLst>
     <p:sldId id="256" r:id="rId2"/>
@@ -17,23 +17,24 @@
     <p:sldId id="262" r:id="rId8"/>
     <p:sldId id="263" r:id="rId9"/>
     <p:sldId id="264" r:id="rId10"/>
+    <p:sldId id="265" r:id="rId11"/>
   </p:sldIdLst>
   <p:sldSz cx="9144000" cy="5143500" type="screen16x9"/>
   <p:notesSz cx="6858000" cy="9144000"/>
   <p:embeddedFontLst>
     <p:embeddedFont>
       <p:font typeface="Merriweather" panose="020B0604020202020204" charset="0"/>
-      <p:regular r:id="rId12"/>
-      <p:bold r:id="rId13"/>
-      <p:italic r:id="rId14"/>
-      <p:boldItalic r:id="rId15"/>
+      <p:regular r:id="rId13"/>
+      <p:bold r:id="rId14"/>
+      <p:italic r:id="rId15"/>
+      <p:boldItalic r:id="rId16"/>
     </p:embeddedFont>
     <p:embeddedFont>
       <p:font typeface="Roboto" panose="020B0604020202020204" charset="0"/>
-      <p:regular r:id="rId16"/>
-      <p:bold r:id="rId17"/>
-      <p:italic r:id="rId18"/>
-      <p:boldItalic r:id="rId19"/>
+      <p:regular r:id="rId17"/>
+      <p:bold r:id="rId18"/>
+      <p:italic r:id="rId19"/>
+      <p:boldItalic r:id="rId20"/>
     </p:embeddedFont>
   </p:embeddedFontLst>
   <p:defaultTextStyle>
@@ -287,7 +288,7 @@
 <file path=ppt/revisionInfo.xml><?xml version="1.0" encoding="utf-8"?>
 <p1510:revInfo xmlns:a="http://schemas.openxmlformats.org/drawingml/2006/main" xmlns:r="http://schemas.openxmlformats.org/officeDocument/2006/relationships" xmlns:p1510="http://schemas.microsoft.com/office/powerpoint/2015/10/main">
   <p1510:revLst>
-    <p1510:client id="{ABDD6F7D-79AF-4D42-A8B0-8BDC6E4DD92A}" v="35" dt="2020-02-19T15:05:42.758"/>
+    <p1510:client id="{3E5D398F-1EC4-4224-98A5-1716130ECAB0}" v="10" dt="2020-03-09T20:41:58.424"/>
   </p1510:revLst>
 </p1510:revInfo>
 </file>
@@ -894,6 +895,257 @@
       </pc:sldChg>
     </pc:docChg>
   </pc:docChgLst>
+  <pc:docChgLst>
+    <pc:chgData name="Osama Mohammed Moustafa Hosam Elde" userId="ab8f451e-a635-42ee-be12-e2dde55852bf" providerId="ADAL" clId="{3E5D398F-1EC4-4224-98A5-1716130ECAB0}"/>
+    <pc:docChg chg="undo custSel addSld modSld">
+      <pc:chgData name="Osama Mohammed Moustafa Hosam Elde" userId="ab8f451e-a635-42ee-be12-e2dde55852bf" providerId="ADAL" clId="{3E5D398F-1EC4-4224-98A5-1716130ECAB0}" dt="2020-03-09T20:48:55.759" v="1014" actId="20577"/>
+      <pc:docMkLst>
+        <pc:docMk/>
+      </pc:docMkLst>
+      <pc:sldChg chg="modSp">
+        <pc:chgData name="Osama Mohammed Moustafa Hosam Elde" userId="ab8f451e-a635-42ee-be12-e2dde55852bf" providerId="ADAL" clId="{3E5D398F-1EC4-4224-98A5-1716130ECAB0}" dt="2020-03-09T20:14:04.181" v="129" actId="20577"/>
+        <pc:sldMkLst>
+          <pc:docMk/>
+          <pc:sldMk cId="0" sldId="258"/>
+        </pc:sldMkLst>
+        <pc:spChg chg="mod">
+          <ac:chgData name="Osama Mohammed Moustafa Hosam Elde" userId="ab8f451e-a635-42ee-be12-e2dde55852bf" providerId="ADAL" clId="{3E5D398F-1EC4-4224-98A5-1716130ECAB0}" dt="2020-03-09T20:14:04.181" v="129" actId="20577"/>
+          <ac:spMkLst>
+            <pc:docMk/>
+            <pc:sldMk cId="0" sldId="258"/>
+            <ac:spMk id="80" creationId="{00000000-0000-0000-0000-000000000000}"/>
+          </ac:spMkLst>
+        </pc:spChg>
+      </pc:sldChg>
+      <pc:sldChg chg="modSp">
+        <pc:chgData name="Osama Mohammed Moustafa Hosam Elde" userId="ab8f451e-a635-42ee-be12-e2dde55852bf" providerId="ADAL" clId="{3E5D398F-1EC4-4224-98A5-1716130ECAB0}" dt="2020-03-09T20:15:22.521" v="134" actId="1076"/>
+        <pc:sldMkLst>
+          <pc:docMk/>
+          <pc:sldMk cId="0" sldId="259"/>
+        </pc:sldMkLst>
+        <pc:spChg chg="mod">
+          <ac:chgData name="Osama Mohammed Moustafa Hosam Elde" userId="ab8f451e-a635-42ee-be12-e2dde55852bf" providerId="ADAL" clId="{3E5D398F-1EC4-4224-98A5-1716130ECAB0}" dt="2020-03-09T20:15:15.753" v="132" actId="1076"/>
+          <ac:spMkLst>
+            <pc:docMk/>
+            <pc:sldMk cId="0" sldId="259"/>
+            <ac:spMk id="92" creationId="{00000000-0000-0000-0000-000000000000}"/>
+          </ac:spMkLst>
+        </pc:spChg>
+        <pc:spChg chg="mod">
+          <ac:chgData name="Osama Mohammed Moustafa Hosam Elde" userId="ab8f451e-a635-42ee-be12-e2dde55852bf" providerId="ADAL" clId="{3E5D398F-1EC4-4224-98A5-1716130ECAB0}" dt="2020-03-09T20:15:10.025" v="130" actId="1076"/>
+          <ac:spMkLst>
+            <pc:docMk/>
+            <pc:sldMk cId="0" sldId="259"/>
+            <ac:spMk id="95" creationId="{00000000-0000-0000-0000-000000000000}"/>
+          </ac:spMkLst>
+        </pc:spChg>
+        <pc:spChg chg="mod">
+          <ac:chgData name="Osama Mohammed Moustafa Hosam Elde" userId="ab8f451e-a635-42ee-be12-e2dde55852bf" providerId="ADAL" clId="{3E5D398F-1EC4-4224-98A5-1716130ECAB0}" dt="2020-03-09T20:15:13.377" v="131" actId="1076"/>
+          <ac:spMkLst>
+            <pc:docMk/>
+            <pc:sldMk cId="0" sldId="259"/>
+            <ac:spMk id="98" creationId="{00000000-0000-0000-0000-000000000000}"/>
+          </ac:spMkLst>
+        </pc:spChg>
+        <pc:spChg chg="mod">
+          <ac:chgData name="Osama Mohammed Moustafa Hosam Elde" userId="ab8f451e-a635-42ee-be12-e2dde55852bf" providerId="ADAL" clId="{3E5D398F-1EC4-4224-98A5-1716130ECAB0}" dt="2020-03-09T20:15:22.521" v="134" actId="1076"/>
+          <ac:spMkLst>
+            <pc:docMk/>
+            <pc:sldMk cId="0" sldId="259"/>
+            <ac:spMk id="99" creationId="{00000000-0000-0000-0000-000000000000}"/>
+          </ac:spMkLst>
+        </pc:spChg>
+      </pc:sldChg>
+      <pc:sldChg chg="addSp delSp modSp">
+        <pc:chgData name="Osama Mohammed Moustafa Hosam Elde" userId="ab8f451e-a635-42ee-be12-e2dde55852bf" providerId="ADAL" clId="{3E5D398F-1EC4-4224-98A5-1716130ECAB0}" dt="2020-03-09T20:16:41.833" v="139" actId="14100"/>
+        <pc:sldMkLst>
+          <pc:docMk/>
+          <pc:sldMk cId="0" sldId="262"/>
+        </pc:sldMkLst>
+        <pc:picChg chg="del">
+          <ac:chgData name="Osama Mohammed Moustafa Hosam Elde" userId="ab8f451e-a635-42ee-be12-e2dde55852bf" providerId="ADAL" clId="{3E5D398F-1EC4-4224-98A5-1716130ECAB0}" dt="2020-03-09T20:16:32.650" v="135" actId="478"/>
+          <ac:picMkLst>
+            <pc:docMk/>
+            <pc:sldMk cId="0" sldId="262"/>
+            <ac:picMk id="2" creationId="{4A3E4E83-8531-4A2A-A83B-44FD789D4653}"/>
+          </ac:picMkLst>
+        </pc:picChg>
+        <pc:picChg chg="add mod">
+          <ac:chgData name="Osama Mohammed Moustafa Hosam Elde" userId="ab8f451e-a635-42ee-be12-e2dde55852bf" providerId="ADAL" clId="{3E5D398F-1EC4-4224-98A5-1716130ECAB0}" dt="2020-03-09T20:16:41.833" v="139" actId="14100"/>
+          <ac:picMkLst>
+            <pc:docMk/>
+            <pc:sldMk cId="0" sldId="262"/>
+            <ac:picMk id="3" creationId="{EF058CF5-3A06-498C-9453-6ACDE4CC404C}"/>
+          </ac:picMkLst>
+        </pc:picChg>
+      </pc:sldChg>
+      <pc:sldChg chg="modSp">
+        <pc:chgData name="Osama Mohammed Moustafa Hosam Elde" userId="ab8f451e-a635-42ee-be12-e2dde55852bf" providerId="ADAL" clId="{3E5D398F-1EC4-4224-98A5-1716130ECAB0}" dt="2020-03-09T20:20:33.378" v="238" actId="20577"/>
+        <pc:sldMkLst>
+          <pc:docMk/>
+          <pc:sldMk cId="0" sldId="263"/>
+        </pc:sldMkLst>
+        <pc:graphicFrameChg chg="modGraphic">
+          <ac:chgData name="Osama Mohammed Moustafa Hosam Elde" userId="ab8f451e-a635-42ee-be12-e2dde55852bf" providerId="ADAL" clId="{3E5D398F-1EC4-4224-98A5-1716130ECAB0}" dt="2020-03-09T20:20:33.378" v="238" actId="20577"/>
+          <ac:graphicFrameMkLst>
+            <pc:docMk/>
+            <pc:sldMk cId="0" sldId="263"/>
+            <ac:graphicFrameMk id="142" creationId="{00000000-0000-0000-0000-000000000000}"/>
+          </ac:graphicFrameMkLst>
+        </pc:graphicFrameChg>
+      </pc:sldChg>
+      <pc:sldChg chg="addSp delSp modSp">
+        <pc:chgData name="Osama Mohammed Moustafa Hosam Elde" userId="ab8f451e-a635-42ee-be12-e2dde55852bf" providerId="ADAL" clId="{3E5D398F-1EC4-4224-98A5-1716130ECAB0}" dt="2020-03-09T20:40:47.783" v="664"/>
+        <pc:sldMkLst>
+          <pc:docMk/>
+          <pc:sldMk cId="0" sldId="264"/>
+        </pc:sldMkLst>
+        <pc:spChg chg="mod">
+          <ac:chgData name="Osama Mohammed Moustafa Hosam Elde" userId="ab8f451e-a635-42ee-be12-e2dde55852bf" providerId="ADAL" clId="{3E5D398F-1EC4-4224-98A5-1716130ECAB0}" dt="2020-03-09T20:35:03.214" v="627" actId="20577"/>
+          <ac:spMkLst>
+            <pc:docMk/>
+            <pc:sldMk cId="0" sldId="264"/>
+            <ac:spMk id="147" creationId="{00000000-0000-0000-0000-000000000000}"/>
+          </ac:spMkLst>
+        </pc:spChg>
+        <pc:spChg chg="mod">
+          <ac:chgData name="Osama Mohammed Moustafa Hosam Elde" userId="ab8f451e-a635-42ee-be12-e2dde55852bf" providerId="ADAL" clId="{3E5D398F-1EC4-4224-98A5-1716130ECAB0}" dt="2020-03-09T20:22:51.922" v="245" actId="1076"/>
+          <ac:spMkLst>
+            <pc:docMk/>
+            <pc:sldMk cId="0" sldId="264"/>
+            <ac:spMk id="149" creationId="{00000000-0000-0000-0000-000000000000}"/>
+          </ac:spMkLst>
+        </pc:spChg>
+        <pc:spChg chg="mod">
+          <ac:chgData name="Osama Mohammed Moustafa Hosam Elde" userId="ab8f451e-a635-42ee-be12-e2dde55852bf" providerId="ADAL" clId="{3E5D398F-1EC4-4224-98A5-1716130ECAB0}" dt="2020-03-09T20:40:47.783" v="664"/>
+          <ac:spMkLst>
+            <pc:docMk/>
+            <pc:sldMk cId="0" sldId="264"/>
+            <ac:spMk id="151" creationId="{00000000-0000-0000-0000-000000000000}"/>
+          </ac:spMkLst>
+        </pc:spChg>
+        <pc:spChg chg="mod">
+          <ac:chgData name="Osama Mohammed Moustafa Hosam Elde" userId="ab8f451e-a635-42ee-be12-e2dde55852bf" providerId="ADAL" clId="{3E5D398F-1EC4-4224-98A5-1716130ECAB0}" dt="2020-03-09T20:33:13.798" v="420" actId="20577"/>
+          <ac:spMkLst>
+            <pc:docMk/>
+            <pc:sldMk cId="0" sldId="264"/>
+            <ac:spMk id="154" creationId="{00000000-0000-0000-0000-000000000000}"/>
+          </ac:spMkLst>
+        </pc:spChg>
+        <pc:spChg chg="mod">
+          <ac:chgData name="Osama Mohammed Moustafa Hosam Elde" userId="ab8f451e-a635-42ee-be12-e2dde55852bf" providerId="ADAL" clId="{3E5D398F-1EC4-4224-98A5-1716130ECAB0}" dt="2020-03-09T20:34:08.155" v="513" actId="20577"/>
+          <ac:spMkLst>
+            <pc:docMk/>
+            <pc:sldMk cId="0" sldId="264"/>
+            <ac:spMk id="156" creationId="{00000000-0000-0000-0000-000000000000}"/>
+          </ac:spMkLst>
+        </pc:spChg>
+        <pc:spChg chg="mod">
+          <ac:chgData name="Osama Mohammed Moustafa Hosam Elde" userId="ab8f451e-a635-42ee-be12-e2dde55852bf" providerId="ADAL" clId="{3E5D398F-1EC4-4224-98A5-1716130ECAB0}" dt="2020-03-09T20:34:34.885" v="577" actId="20577"/>
+          <ac:spMkLst>
+            <pc:docMk/>
+            <pc:sldMk cId="0" sldId="264"/>
+            <ac:spMk id="157" creationId="{00000000-0000-0000-0000-000000000000}"/>
+          </ac:spMkLst>
+        </pc:spChg>
+        <pc:spChg chg="mod">
+          <ac:chgData name="Osama Mohammed Moustafa Hosam Elde" userId="ab8f451e-a635-42ee-be12-e2dde55852bf" providerId="ADAL" clId="{3E5D398F-1EC4-4224-98A5-1716130ECAB0}" dt="2020-03-09T20:34:46.938" v="600" actId="20577"/>
+          <ac:spMkLst>
+            <pc:docMk/>
+            <pc:sldMk cId="0" sldId="264"/>
+            <ac:spMk id="158" creationId="{00000000-0000-0000-0000-000000000000}"/>
+          </ac:spMkLst>
+        </pc:spChg>
+        <pc:picChg chg="add mod">
+          <ac:chgData name="Osama Mohammed Moustafa Hosam Elde" userId="ab8f451e-a635-42ee-be12-e2dde55852bf" providerId="ADAL" clId="{3E5D398F-1EC4-4224-98A5-1716130ECAB0}" dt="2020-03-09T20:23:21.906" v="249" actId="1076"/>
+          <ac:picMkLst>
+            <pc:docMk/>
+            <pc:sldMk cId="0" sldId="264"/>
+            <ac:picMk id="13" creationId="{891781A6-7799-4F4B-820A-B7001E467CB0}"/>
+          </ac:picMkLst>
+        </pc:picChg>
+        <pc:picChg chg="del">
+          <ac:chgData name="Osama Mohammed Moustafa Hosam Elde" userId="ab8f451e-a635-42ee-be12-e2dde55852bf" providerId="ADAL" clId="{3E5D398F-1EC4-4224-98A5-1716130ECAB0}" dt="2020-03-09T20:22:53.635" v="246" actId="478"/>
+          <ac:picMkLst>
+            <pc:docMk/>
+            <pc:sldMk cId="0" sldId="264"/>
+            <ac:picMk id="14" creationId="{DC6ED223-EC4E-437A-A996-FE1BFC934090}"/>
+          </ac:picMkLst>
+        </pc:picChg>
+      </pc:sldChg>
+      <pc:sldChg chg="addSp delSp modSp add">
+        <pc:chgData name="Osama Mohammed Moustafa Hosam Elde" userId="ab8f451e-a635-42ee-be12-e2dde55852bf" providerId="ADAL" clId="{3E5D398F-1EC4-4224-98A5-1716130ECAB0}" dt="2020-03-09T20:48:55.759" v="1014" actId="20577"/>
+        <pc:sldMkLst>
+          <pc:docMk/>
+          <pc:sldMk cId="4115668398" sldId="265"/>
+        </pc:sldMkLst>
+        <pc:spChg chg="mod">
+          <ac:chgData name="Osama Mohammed Moustafa Hosam Elde" userId="ab8f451e-a635-42ee-be12-e2dde55852bf" providerId="ADAL" clId="{3E5D398F-1EC4-4224-98A5-1716130ECAB0}" dt="2020-03-09T20:35:41.259" v="663" actId="14100"/>
+          <ac:spMkLst>
+            <pc:docMk/>
+            <pc:sldMk cId="4115668398" sldId="265"/>
+            <ac:spMk id="147" creationId="{00000000-0000-0000-0000-000000000000}"/>
+          </ac:spMkLst>
+        </pc:spChg>
+        <pc:spChg chg="mod">
+          <ac:chgData name="Osama Mohammed Moustafa Hosam Elde" userId="ab8f451e-a635-42ee-be12-e2dde55852bf" providerId="ADAL" clId="{3E5D398F-1EC4-4224-98A5-1716130ECAB0}" dt="2020-03-09T20:41:25.481" v="668" actId="6549"/>
+          <ac:spMkLst>
+            <pc:docMk/>
+            <pc:sldMk cId="4115668398" sldId="265"/>
+            <ac:spMk id="151" creationId="{00000000-0000-0000-0000-000000000000}"/>
+          </ac:spMkLst>
+        </pc:spChg>
+        <pc:spChg chg="mod">
+          <ac:chgData name="Osama Mohammed Moustafa Hosam Elde" userId="ab8f451e-a635-42ee-be12-e2dde55852bf" providerId="ADAL" clId="{3E5D398F-1EC4-4224-98A5-1716130ECAB0}" dt="2020-03-09T20:45:26.682" v="867" actId="20577"/>
+          <ac:spMkLst>
+            <pc:docMk/>
+            <pc:sldMk cId="4115668398" sldId="265"/>
+            <ac:spMk id="154" creationId="{00000000-0000-0000-0000-000000000000}"/>
+          </ac:spMkLst>
+        </pc:spChg>
+        <pc:spChg chg="mod">
+          <ac:chgData name="Osama Mohammed Moustafa Hosam Elde" userId="ab8f451e-a635-42ee-be12-e2dde55852bf" providerId="ADAL" clId="{3E5D398F-1EC4-4224-98A5-1716130ECAB0}" dt="2020-03-09T20:48:10.663" v="917" actId="20577"/>
+          <ac:spMkLst>
+            <pc:docMk/>
+            <pc:sldMk cId="4115668398" sldId="265"/>
+            <ac:spMk id="156" creationId="{00000000-0000-0000-0000-000000000000}"/>
+          </ac:spMkLst>
+        </pc:spChg>
+        <pc:spChg chg="mod">
+          <ac:chgData name="Osama Mohammed Moustafa Hosam Elde" userId="ab8f451e-a635-42ee-be12-e2dde55852bf" providerId="ADAL" clId="{3E5D398F-1EC4-4224-98A5-1716130ECAB0}" dt="2020-03-09T20:48:48.200" v="1008" actId="20577"/>
+          <ac:spMkLst>
+            <pc:docMk/>
+            <pc:sldMk cId="4115668398" sldId="265"/>
+            <ac:spMk id="157" creationId="{00000000-0000-0000-0000-000000000000}"/>
+          </ac:spMkLst>
+        </pc:spChg>
+        <pc:spChg chg="mod">
+          <ac:chgData name="Osama Mohammed Moustafa Hosam Elde" userId="ab8f451e-a635-42ee-be12-e2dde55852bf" providerId="ADAL" clId="{3E5D398F-1EC4-4224-98A5-1716130ECAB0}" dt="2020-03-09T20:48:55.759" v="1014" actId="20577"/>
+          <ac:spMkLst>
+            <pc:docMk/>
+            <pc:sldMk cId="4115668398" sldId="265"/>
+            <ac:spMk id="158" creationId="{00000000-0000-0000-0000-000000000000}"/>
+          </ac:spMkLst>
+        </pc:spChg>
+        <pc:picChg chg="del">
+          <ac:chgData name="Osama Mohammed Moustafa Hosam Elde" userId="ab8f451e-a635-42ee-be12-e2dde55852bf" providerId="ADAL" clId="{3E5D398F-1EC4-4224-98A5-1716130ECAB0}" dt="2020-03-09T20:41:30.229" v="669" actId="478"/>
+          <ac:picMkLst>
+            <pc:docMk/>
+            <pc:sldMk cId="4115668398" sldId="265"/>
+            <ac:picMk id="13" creationId="{891781A6-7799-4F4B-820A-B7001E467CB0}"/>
+          </ac:picMkLst>
+        </pc:picChg>
+        <pc:picChg chg="add mod">
+          <ac:chgData name="Osama Mohammed Moustafa Hosam Elde" userId="ab8f451e-a635-42ee-be12-e2dde55852bf" providerId="ADAL" clId="{3E5D398F-1EC4-4224-98A5-1716130ECAB0}" dt="2020-03-09T20:42:06.956" v="674" actId="14100"/>
+          <ac:picMkLst>
+            <pc:docMk/>
+            <pc:sldMk cId="4115668398" sldId="265"/>
+            <ac:picMk id="14" creationId="{757D755E-F06E-4503-9283-B5F89E7B5D17}"/>
+          </ac:picMkLst>
+        </pc:picChg>
+      </pc:sldChg>
+    </pc:docChg>
+  </pc:docChgLst>
 </pc:chgInfo>
 </file>
 
@@ -1435,6 +1687,115 @@
         </p:txBody>
       </p:sp>
     </p:spTree>
+  </p:cSld>
+  <p:clrMapOvr>
+    <a:masterClrMapping/>
+  </p:clrMapOvr>
+</p:notes>
+</file>
+
+<file path=ppt/notesSlides/notesSlide10.xml><?xml version="1.0" encoding="utf-8"?>
+<p:notes xmlns:a="http://schemas.openxmlformats.org/drawingml/2006/main" xmlns:r="http://schemas.openxmlformats.org/officeDocument/2006/relationships" xmlns:p="http://schemas.openxmlformats.org/presentationml/2006/main" showMasterSp="0" showMasterPhAnim="0">
+  <p:cSld>
+    <p:spTree>
+      <p:nvGrpSpPr>
+        <p:cNvPr id="1" name="Shape 143"/>
+        <p:cNvGrpSpPr/>
+        <p:nvPr/>
+      </p:nvGrpSpPr>
+      <p:grpSpPr>
+        <a:xfrm>
+          <a:off x="0" y="0"/>
+          <a:ext cx="0" cy="0"/>
+          <a:chOff x="0" y="0"/>
+          <a:chExt cx="0" cy="0"/>
+        </a:xfrm>
+      </p:grpSpPr>
+      <p:sp>
+        <p:nvSpPr>
+          <p:cNvPr id="144" name="Google Shape;144;g7be3d41115_0_162:notes"/>
+          <p:cNvSpPr>
+            <a:spLocks noGrp="1" noRot="1" noChangeAspect="1"/>
+          </p:cNvSpPr>
+          <p:nvPr>
+            <p:ph type="sldImg" idx="2"/>
+          </p:nvPr>
+        </p:nvSpPr>
+        <p:spPr>
+          <a:xfrm>
+            <a:off x="381000" y="685800"/>
+            <a:ext cx="6096000" cy="3429000"/>
+          </a:xfrm>
+          <a:custGeom>
+            <a:avLst/>
+            <a:gdLst/>
+            <a:ahLst/>
+            <a:cxnLst/>
+            <a:rect l="l" t="t" r="r" b="b"/>
+            <a:pathLst>
+              <a:path w="120000" h="120000" extrusionOk="0">
+                <a:moveTo>
+                  <a:pt x="0" y="0"/>
+                </a:moveTo>
+                <a:lnTo>
+                  <a:pt x="120000" y="0"/>
+                </a:lnTo>
+                <a:lnTo>
+                  <a:pt x="120000" y="120000"/>
+                </a:lnTo>
+                <a:lnTo>
+                  <a:pt x="0" y="120000"/>
+                </a:lnTo>
+                <a:close/>
+              </a:path>
+            </a:pathLst>
+          </a:custGeom>
+        </p:spPr>
+      </p:sp>
+      <p:sp>
+        <p:nvSpPr>
+          <p:cNvPr id="145" name="Google Shape;145;g7be3d41115_0_162:notes"/>
+          <p:cNvSpPr txBox="1">
+            <a:spLocks noGrp="1"/>
+          </p:cNvSpPr>
+          <p:nvPr>
+            <p:ph type="body" idx="1"/>
+          </p:nvPr>
+        </p:nvSpPr>
+        <p:spPr>
+          <a:xfrm>
+            <a:off x="685800" y="4343400"/>
+            <a:ext cx="5486400" cy="4114800"/>
+          </a:xfrm>
+          <a:prstGeom prst="rect">
+            <a:avLst/>
+          </a:prstGeom>
+        </p:spPr>
+        <p:txBody>
+          <a:bodyPr spcFirstLastPara="1" wrap="square" lIns="91425" tIns="91425" rIns="91425" bIns="91425" anchor="t" anchorCtr="0">
+            <a:noAutofit/>
+          </a:bodyPr>
+          <a:lstStyle/>
+          <a:p>
+            <a:pPr marL="0" lvl="0" indent="0" algn="l" rtl="0">
+              <a:spcBef>
+                <a:spcPts val="0"/>
+              </a:spcBef>
+              <a:spcAft>
+                <a:spcPts val="0"/>
+              </a:spcAft>
+              <a:buNone/>
+            </a:pPr>
+            <a:endParaRPr/>
+          </a:p>
+        </p:txBody>
+      </p:sp>
+    </p:spTree>
+    <p:extLst>
+      <p:ext uri="{BB962C8B-B14F-4D97-AF65-F5344CB8AC3E}">
+        <p14:creationId xmlns:p14="http://schemas.microsoft.com/office/powerpoint/2010/main" val="2456307483"/>
+      </p:ext>
+    </p:extLst>
   </p:cSld>
   <p:clrMapOvr>
     <a:masterClrMapping/>
@@ -8559,6 +8920,797 @@
 </p:sld>
 </file>
 
+<file path=ppt/slides/slide10.xml><?xml version="1.0" encoding="utf-8"?>
+<p:sld xmlns:a="http://schemas.openxmlformats.org/drawingml/2006/main" xmlns:r="http://schemas.openxmlformats.org/officeDocument/2006/relationships" xmlns:p="http://schemas.openxmlformats.org/presentationml/2006/main">
+  <p:cSld>
+    <p:spTree>
+      <p:nvGrpSpPr>
+        <p:cNvPr id="1" name="Shape 146"/>
+        <p:cNvGrpSpPr/>
+        <p:nvPr/>
+      </p:nvGrpSpPr>
+      <p:grpSpPr>
+        <a:xfrm>
+          <a:off x="0" y="0"/>
+          <a:ext cx="0" cy="0"/>
+          <a:chOff x="0" y="0"/>
+          <a:chExt cx="0" cy="0"/>
+        </a:xfrm>
+      </p:grpSpPr>
+      <p:sp>
+        <p:nvSpPr>
+          <p:cNvPr id="147" name="Google Shape;147;p21"/>
+          <p:cNvSpPr txBox="1">
+            <a:spLocks noGrp="1"/>
+          </p:cNvSpPr>
+          <p:nvPr>
+            <p:ph type="title"/>
+          </p:nvPr>
+        </p:nvSpPr>
+        <p:spPr>
+          <a:xfrm>
+            <a:off x="135736" y="500925"/>
+            <a:ext cx="8945919" cy="623700"/>
+          </a:xfrm>
+          <a:prstGeom prst="rect">
+            <a:avLst/>
+          </a:prstGeom>
+        </p:spPr>
+        <p:txBody>
+          <a:bodyPr spcFirstLastPara="1" wrap="square" lIns="91425" tIns="91425" rIns="91425" bIns="91425" anchor="t" anchorCtr="0">
+            <a:noAutofit/>
+          </a:bodyPr>
+          <a:lstStyle/>
+          <a:p>
+            <a:pPr marL="0" lvl="0" indent="0" algn="l" rtl="0">
+              <a:spcBef>
+                <a:spcPts val="0"/>
+              </a:spcBef>
+              <a:spcAft>
+                <a:spcPts val="0"/>
+              </a:spcAft>
+              <a:buNone/>
+            </a:pPr>
+            <a:r>
+              <a:rPr lang="en" dirty="0"/>
+              <a:t>Feedback Thus Far- </a:t>
+            </a:r>
+            <a:r>
+              <a:rPr lang="en-US" dirty="0"/>
+              <a:t>Car maintenance Expectation</a:t>
+            </a:r>
+            <a:endParaRPr dirty="0"/>
+          </a:p>
+        </p:txBody>
+      </p:sp>
+      <p:sp>
+        <p:nvSpPr>
+          <p:cNvPr id="149" name="Google Shape;149;p21"/>
+          <p:cNvSpPr txBox="1"/>
+          <p:nvPr/>
+        </p:nvSpPr>
+        <p:spPr>
+          <a:xfrm>
+            <a:off x="311725" y="3150601"/>
+            <a:ext cx="3433500" cy="396600"/>
+          </a:xfrm>
+          <a:prstGeom prst="rect">
+            <a:avLst/>
+          </a:prstGeom>
+          <a:noFill/>
+          <a:ln>
+            <a:noFill/>
+          </a:ln>
+        </p:spPr>
+        <p:txBody>
+          <a:bodyPr spcFirstLastPara="1" wrap="square" lIns="91425" tIns="91425" rIns="91425" bIns="91425" anchor="t" anchorCtr="0">
+            <a:noAutofit/>
+          </a:bodyPr>
+          <a:lstStyle/>
+          <a:p>
+            <a:pPr marL="0" lvl="0" indent="0" algn="l" rtl="0">
+              <a:spcBef>
+                <a:spcPts val="0"/>
+              </a:spcBef>
+              <a:spcAft>
+                <a:spcPts val="0"/>
+              </a:spcAft>
+              <a:buNone/>
+            </a:pPr>
+            <a:r>
+              <a:rPr lang="en" sz="1800" b="1" dirty="0">
+                <a:latin typeface="Roboto"/>
+                <a:ea typeface="Roboto"/>
+                <a:cs typeface="Roboto"/>
+                <a:sym typeface="Roboto"/>
+              </a:rPr>
+              <a:t>Illustrative Visualization</a:t>
+            </a:r>
+            <a:endParaRPr dirty="0">
+              <a:latin typeface="Roboto"/>
+              <a:ea typeface="Roboto"/>
+              <a:cs typeface="Roboto"/>
+              <a:sym typeface="Roboto"/>
+            </a:endParaRPr>
+          </a:p>
+        </p:txBody>
+      </p:sp>
+      <p:sp>
+        <p:nvSpPr>
+          <p:cNvPr id="150" name="Google Shape;150;p21"/>
+          <p:cNvSpPr txBox="1"/>
+          <p:nvPr/>
+        </p:nvSpPr>
+        <p:spPr>
+          <a:xfrm>
+            <a:off x="311725" y="1542725"/>
+            <a:ext cx="3433500" cy="396600"/>
+          </a:xfrm>
+          <a:prstGeom prst="rect">
+            <a:avLst/>
+          </a:prstGeom>
+          <a:noFill/>
+          <a:ln>
+            <a:noFill/>
+          </a:ln>
+        </p:spPr>
+        <p:txBody>
+          <a:bodyPr spcFirstLastPara="1" wrap="square" lIns="91425" tIns="91425" rIns="91425" bIns="91425" anchor="t" anchorCtr="0">
+            <a:noAutofit/>
+          </a:bodyPr>
+          <a:lstStyle/>
+          <a:p>
+            <a:pPr marL="0" lvl="0" indent="0" algn="l" rtl="0">
+              <a:spcBef>
+                <a:spcPts val="0"/>
+              </a:spcBef>
+              <a:spcAft>
+                <a:spcPts val="0"/>
+              </a:spcAft>
+              <a:buNone/>
+            </a:pPr>
+            <a:r>
+              <a:rPr lang="en" sz="1800" b="1">
+                <a:latin typeface="Roboto"/>
+                <a:ea typeface="Roboto"/>
+                <a:cs typeface="Roboto"/>
+                <a:sym typeface="Roboto"/>
+              </a:rPr>
+              <a:t>Illustrative Verbatim Quotes</a:t>
+            </a:r>
+            <a:endParaRPr>
+              <a:latin typeface="Roboto"/>
+              <a:ea typeface="Roboto"/>
+              <a:cs typeface="Roboto"/>
+              <a:sym typeface="Roboto"/>
+            </a:endParaRPr>
+          </a:p>
+        </p:txBody>
+      </p:sp>
+      <p:sp>
+        <p:nvSpPr>
+          <p:cNvPr id="151" name="Google Shape;151;p21"/>
+          <p:cNvSpPr txBox="1"/>
+          <p:nvPr/>
+        </p:nvSpPr>
+        <p:spPr>
+          <a:xfrm>
+            <a:off x="592725" y="1939313"/>
+            <a:ext cx="3433500" cy="396600"/>
+          </a:xfrm>
+          <a:prstGeom prst="rect">
+            <a:avLst/>
+          </a:prstGeom>
+          <a:noFill/>
+          <a:ln>
+            <a:noFill/>
+          </a:ln>
+        </p:spPr>
+        <p:txBody>
+          <a:bodyPr spcFirstLastPara="1" wrap="square" lIns="91425" tIns="91425" rIns="91425" bIns="91425" anchor="t" anchorCtr="0">
+            <a:noAutofit/>
+          </a:bodyPr>
+          <a:lstStyle/>
+          <a:p>
+            <a:pPr lvl="0"/>
+            <a:r>
+              <a:rPr lang="en-US" sz="1050" dirty="0">
+                <a:latin typeface="Roboto"/>
+                <a:ea typeface="Roboto"/>
+                <a:cs typeface="Roboto"/>
+                <a:sym typeface="Roboto"/>
+              </a:rPr>
+              <a:t>Imagine that I have a solution to tell me that you will be sick next week Sunday. It will be amazing if it is done in automobile industry</a:t>
+            </a:r>
+            <a:endParaRPr lang="ar-SA" sz="1050" dirty="0">
+              <a:latin typeface="Roboto"/>
+              <a:ea typeface="Roboto"/>
+              <a:cs typeface="Roboto"/>
+              <a:sym typeface="Roboto"/>
+            </a:endParaRPr>
+          </a:p>
+          <a:p>
+            <a:pPr lvl="0"/>
+            <a:r>
+              <a:rPr lang="en-US" sz="1050" dirty="0">
+                <a:latin typeface="Roboto"/>
+                <a:ea typeface="Roboto"/>
+                <a:cs typeface="Roboto"/>
+                <a:sym typeface="Roboto"/>
+              </a:rPr>
+              <a:t>It will solve a problem faced by a lot of users</a:t>
+            </a:r>
+          </a:p>
+          <a:p>
+            <a:pPr lvl="0"/>
+            <a:endParaRPr lang="en-US" sz="1050" dirty="0">
+              <a:latin typeface="Roboto"/>
+              <a:ea typeface="Roboto"/>
+              <a:cs typeface="Roboto"/>
+              <a:sym typeface="Roboto"/>
+            </a:endParaRPr>
+          </a:p>
+          <a:p>
+            <a:pPr lvl="0"/>
+            <a:r>
+              <a:rPr lang="en-US" sz="1050" dirty="0">
+                <a:latin typeface="Roboto"/>
+                <a:ea typeface="Roboto"/>
+                <a:cs typeface="Roboto"/>
+                <a:sym typeface="Roboto"/>
+              </a:rPr>
+              <a:t>Its an Application of IOT Field, So it will capture the interest of a lot of people</a:t>
+            </a:r>
+          </a:p>
+        </p:txBody>
+      </p:sp>
+      <p:cxnSp>
+        <p:nvCxnSpPr>
+          <p:cNvPr id="153" name="Google Shape;153;p21"/>
+          <p:cNvCxnSpPr/>
+          <p:nvPr/>
+        </p:nvCxnSpPr>
+        <p:spPr>
+          <a:xfrm>
+            <a:off x="4559575" y="1542725"/>
+            <a:ext cx="24900" cy="3329400"/>
+          </a:xfrm>
+          <a:prstGeom prst="straightConnector1">
+            <a:avLst/>
+          </a:prstGeom>
+          <a:noFill/>
+          <a:ln w="9525" cap="flat" cmpd="sng">
+            <a:solidFill>
+              <a:schemeClr val="dk2"/>
+            </a:solidFill>
+            <a:prstDash val="solid"/>
+            <a:round/>
+            <a:headEnd type="none" w="med" len="med"/>
+            <a:tailEnd type="none" w="med" len="med"/>
+          </a:ln>
+        </p:spPr>
+      </p:cxnSp>
+      <p:sp>
+        <p:nvSpPr>
+          <p:cNvPr id="154" name="Google Shape;154;p21"/>
+          <p:cNvSpPr txBox="1"/>
+          <p:nvPr/>
+        </p:nvSpPr>
+        <p:spPr>
+          <a:xfrm>
+            <a:off x="4648425" y="1588700"/>
+            <a:ext cx="4357030" cy="396600"/>
+          </a:xfrm>
+          <a:prstGeom prst="rect">
+            <a:avLst/>
+          </a:prstGeom>
+          <a:noFill/>
+          <a:ln>
+            <a:noFill/>
+          </a:ln>
+        </p:spPr>
+        <p:txBody>
+          <a:bodyPr spcFirstLastPara="1" wrap="square" lIns="91425" tIns="91425" rIns="91425" bIns="91425" anchor="t" anchorCtr="0">
+            <a:noAutofit/>
+          </a:bodyPr>
+          <a:lstStyle/>
+          <a:p>
+            <a:pPr marL="0" lvl="0" indent="0" algn="l" rtl="0">
+              <a:spcBef>
+                <a:spcPts val="0"/>
+              </a:spcBef>
+              <a:spcAft>
+                <a:spcPts val="0"/>
+              </a:spcAft>
+              <a:buNone/>
+            </a:pPr>
+            <a:r>
+              <a:rPr lang="en" sz="1800" b="1" dirty="0">
+                <a:latin typeface="Roboto"/>
+                <a:ea typeface="Roboto"/>
+                <a:cs typeface="Roboto"/>
+                <a:sym typeface="Roboto"/>
+              </a:rPr>
+              <a:t>Proposed Next Steps</a:t>
+            </a:r>
+            <a:endParaRPr sz="1800" b="1" dirty="0">
+              <a:latin typeface="Roboto"/>
+              <a:ea typeface="Roboto"/>
+              <a:cs typeface="Roboto"/>
+              <a:sym typeface="Roboto"/>
+            </a:endParaRPr>
+          </a:p>
+          <a:p>
+            <a:pPr marL="0" lvl="0" indent="0" algn="l" rtl="0">
+              <a:spcBef>
+                <a:spcPts val="0"/>
+              </a:spcBef>
+              <a:spcAft>
+                <a:spcPts val="0"/>
+              </a:spcAft>
+              <a:buNone/>
+            </a:pPr>
+            <a:endParaRPr sz="1000" b="1" dirty="0">
+              <a:latin typeface="Roboto"/>
+              <a:ea typeface="Roboto"/>
+              <a:cs typeface="Roboto"/>
+              <a:sym typeface="Roboto"/>
+            </a:endParaRPr>
+          </a:p>
+          <a:p>
+            <a:pPr marL="457200" lvl="0" indent="-317500" algn="l" rtl="0">
+              <a:spcBef>
+                <a:spcPts val="0"/>
+              </a:spcBef>
+              <a:spcAft>
+                <a:spcPts val="0"/>
+              </a:spcAft>
+              <a:buSzPts val="1400"/>
+              <a:buFont typeface="Roboto"/>
+              <a:buChar char="-"/>
+            </a:pPr>
+            <a:r>
+              <a:rPr lang="en-US" dirty="0">
+                <a:latin typeface="Roboto"/>
+                <a:ea typeface="Roboto"/>
+                <a:cs typeface="Roboto"/>
+                <a:sym typeface="Roboto"/>
+              </a:rPr>
+              <a:t>Install sensors in the car and start collecting data. </a:t>
+            </a:r>
+          </a:p>
+          <a:p>
+            <a:pPr marL="457200" lvl="0" indent="-317500" algn="l" rtl="0">
+              <a:spcBef>
+                <a:spcPts val="0"/>
+              </a:spcBef>
+              <a:spcAft>
+                <a:spcPts val="0"/>
+              </a:spcAft>
+              <a:buSzPts val="1400"/>
+              <a:buFont typeface="Roboto"/>
+              <a:buChar char="-"/>
+            </a:pPr>
+            <a:r>
+              <a:rPr lang="en-US" dirty="0">
+                <a:latin typeface="Roboto"/>
+                <a:ea typeface="Roboto"/>
+                <a:cs typeface="Roboto"/>
+                <a:sym typeface="Roboto"/>
+              </a:rPr>
+              <a:t>When enough data is collected, (they maybe expected to last for months in new cars) we train our model</a:t>
+            </a:r>
+          </a:p>
+        </p:txBody>
+      </p:sp>
+      <p:sp>
+        <p:nvSpPr>
+          <p:cNvPr id="155" name="Google Shape;155;p21"/>
+          <p:cNvSpPr txBox="1"/>
+          <p:nvPr/>
+        </p:nvSpPr>
+        <p:spPr>
+          <a:xfrm>
+            <a:off x="4648425" y="3033500"/>
+            <a:ext cx="3433500" cy="396600"/>
+          </a:xfrm>
+          <a:prstGeom prst="rect">
+            <a:avLst/>
+          </a:prstGeom>
+          <a:noFill/>
+          <a:ln>
+            <a:noFill/>
+          </a:ln>
+        </p:spPr>
+        <p:txBody>
+          <a:bodyPr spcFirstLastPara="1" wrap="square" lIns="91425" tIns="91425" rIns="91425" bIns="91425" anchor="t" anchorCtr="0">
+            <a:noAutofit/>
+          </a:bodyPr>
+          <a:lstStyle/>
+          <a:p>
+            <a:pPr marL="0" lvl="0" indent="0" algn="l" rtl="0">
+              <a:spcBef>
+                <a:spcPts val="0"/>
+              </a:spcBef>
+              <a:spcAft>
+                <a:spcPts val="0"/>
+              </a:spcAft>
+              <a:buNone/>
+            </a:pPr>
+            <a:r>
+              <a:rPr lang="en" sz="1800" b="1">
+                <a:latin typeface="Roboto"/>
+                <a:ea typeface="Roboto"/>
+                <a:cs typeface="Roboto"/>
+                <a:sym typeface="Roboto"/>
+              </a:rPr>
+              <a:t>Proposed Timeline</a:t>
+            </a:r>
+            <a:endParaRPr sz="1800" b="1">
+              <a:latin typeface="Roboto"/>
+              <a:ea typeface="Roboto"/>
+              <a:cs typeface="Roboto"/>
+              <a:sym typeface="Roboto"/>
+            </a:endParaRPr>
+          </a:p>
+          <a:p>
+            <a:pPr marL="0" lvl="0" indent="0" algn="l" rtl="0">
+              <a:spcBef>
+                <a:spcPts val="0"/>
+              </a:spcBef>
+              <a:spcAft>
+                <a:spcPts val="0"/>
+              </a:spcAft>
+              <a:buNone/>
+            </a:pPr>
+            <a:endParaRPr sz="1000" b="1">
+              <a:latin typeface="Roboto"/>
+              <a:ea typeface="Roboto"/>
+              <a:cs typeface="Roboto"/>
+              <a:sym typeface="Roboto"/>
+            </a:endParaRPr>
+          </a:p>
+          <a:p>
+            <a:pPr marL="457200" lvl="0" indent="0" algn="l" rtl="0">
+              <a:spcBef>
+                <a:spcPts val="0"/>
+              </a:spcBef>
+              <a:spcAft>
+                <a:spcPts val="0"/>
+              </a:spcAft>
+              <a:buNone/>
+            </a:pPr>
+            <a:endParaRPr>
+              <a:latin typeface="Roboto"/>
+              <a:ea typeface="Roboto"/>
+              <a:cs typeface="Roboto"/>
+              <a:sym typeface="Roboto"/>
+            </a:endParaRPr>
+          </a:p>
+        </p:txBody>
+      </p:sp>
+      <p:sp>
+        <p:nvSpPr>
+          <p:cNvPr id="156" name="Google Shape;156;p21"/>
+          <p:cNvSpPr txBox="1"/>
+          <p:nvPr/>
+        </p:nvSpPr>
+        <p:spPr>
+          <a:xfrm>
+            <a:off x="4508275" y="3369700"/>
+            <a:ext cx="1793400" cy="396600"/>
+          </a:xfrm>
+          <a:prstGeom prst="rect">
+            <a:avLst/>
+          </a:prstGeom>
+          <a:noFill/>
+          <a:ln>
+            <a:noFill/>
+          </a:ln>
+        </p:spPr>
+        <p:txBody>
+          <a:bodyPr spcFirstLastPara="1" wrap="square" lIns="91425" tIns="91425" rIns="91425" bIns="91425" anchor="t" anchorCtr="0">
+            <a:noAutofit/>
+          </a:bodyPr>
+          <a:lstStyle/>
+          <a:p>
+            <a:pPr marL="457200" lvl="0" indent="0" algn="l" rtl="0">
+              <a:spcBef>
+                <a:spcPts val="0"/>
+              </a:spcBef>
+              <a:spcAft>
+                <a:spcPts val="0"/>
+              </a:spcAft>
+              <a:buNone/>
+            </a:pPr>
+            <a:r>
+              <a:rPr lang="en-US" sz="1200" b="1" u="sng" dirty="0">
+                <a:latin typeface="Roboto"/>
+                <a:ea typeface="Roboto"/>
+                <a:cs typeface="Roboto"/>
+                <a:sym typeface="Roboto"/>
+              </a:rPr>
+              <a:t>Phase 1</a:t>
+            </a:r>
+            <a:endParaRPr sz="1200" b="1" u="sng" dirty="0">
+              <a:latin typeface="Roboto"/>
+              <a:ea typeface="Roboto"/>
+              <a:cs typeface="Roboto"/>
+              <a:sym typeface="Roboto"/>
+            </a:endParaRPr>
+          </a:p>
+          <a:p>
+            <a:pPr marL="457200" lvl="0" indent="-304800" algn="l" rtl="0">
+              <a:spcBef>
+                <a:spcPts val="0"/>
+              </a:spcBef>
+              <a:spcAft>
+                <a:spcPts val="0"/>
+              </a:spcAft>
+              <a:buSzPts val="1200"/>
+              <a:buFont typeface="Roboto"/>
+              <a:buChar char="-"/>
+            </a:pPr>
+            <a:r>
+              <a:rPr lang="en-US" sz="1200" dirty="0">
+                <a:latin typeface="Roboto"/>
+                <a:ea typeface="Roboto"/>
+                <a:cs typeface="Roboto"/>
+                <a:sym typeface="Roboto"/>
+              </a:rPr>
+              <a:t>Install sensors and start collecting data </a:t>
+            </a:r>
+            <a:endParaRPr sz="1200" dirty="0">
+              <a:latin typeface="Roboto"/>
+              <a:ea typeface="Roboto"/>
+              <a:cs typeface="Roboto"/>
+              <a:sym typeface="Roboto"/>
+            </a:endParaRPr>
+          </a:p>
+        </p:txBody>
+      </p:sp>
+      <p:sp>
+        <p:nvSpPr>
+          <p:cNvPr id="157" name="Google Shape;157;p21"/>
+          <p:cNvSpPr txBox="1"/>
+          <p:nvPr/>
+        </p:nvSpPr>
+        <p:spPr>
+          <a:xfrm>
+            <a:off x="5643625" y="3882350"/>
+            <a:ext cx="1793400" cy="396600"/>
+          </a:xfrm>
+          <a:prstGeom prst="rect">
+            <a:avLst/>
+          </a:prstGeom>
+          <a:noFill/>
+          <a:ln>
+            <a:noFill/>
+          </a:ln>
+        </p:spPr>
+        <p:txBody>
+          <a:bodyPr spcFirstLastPara="1" wrap="square" lIns="91425" tIns="91425" rIns="91425" bIns="91425" anchor="t" anchorCtr="0">
+            <a:noAutofit/>
+          </a:bodyPr>
+          <a:lstStyle/>
+          <a:p>
+            <a:pPr marL="457200" lvl="0" indent="0" algn="l" rtl="0">
+              <a:spcBef>
+                <a:spcPts val="0"/>
+              </a:spcBef>
+              <a:spcAft>
+                <a:spcPts val="0"/>
+              </a:spcAft>
+              <a:buNone/>
+            </a:pPr>
+            <a:r>
+              <a:rPr lang="en-US" sz="1200" b="1" u="sng" dirty="0">
+                <a:latin typeface="Roboto"/>
+                <a:ea typeface="Roboto"/>
+                <a:cs typeface="Roboto"/>
+                <a:sym typeface="Roboto"/>
+              </a:rPr>
+              <a:t>Phase 2</a:t>
+            </a:r>
+            <a:endParaRPr sz="1200" b="1" u="sng" dirty="0">
+              <a:latin typeface="Roboto"/>
+              <a:ea typeface="Roboto"/>
+              <a:cs typeface="Roboto"/>
+              <a:sym typeface="Roboto"/>
+            </a:endParaRPr>
+          </a:p>
+          <a:p>
+            <a:pPr marL="457200" lvl="0" indent="-304800" algn="l" rtl="0">
+              <a:spcBef>
+                <a:spcPts val="0"/>
+              </a:spcBef>
+              <a:spcAft>
+                <a:spcPts val="0"/>
+              </a:spcAft>
+              <a:buSzPts val="1200"/>
+              <a:buFont typeface="Roboto"/>
+              <a:buChar char="-"/>
+            </a:pPr>
+            <a:r>
+              <a:rPr lang="en-US" sz="1200" dirty="0">
+                <a:latin typeface="Roboto"/>
+                <a:ea typeface="Roboto"/>
+                <a:cs typeface="Roboto"/>
+                <a:sym typeface="Roboto"/>
+              </a:rPr>
+              <a:t>Train our regression model with the collected data. </a:t>
+            </a:r>
+          </a:p>
+          <a:p>
+            <a:pPr marL="457200" lvl="0" indent="-304800" algn="l" rtl="0">
+              <a:spcBef>
+                <a:spcPts val="0"/>
+              </a:spcBef>
+              <a:spcAft>
+                <a:spcPts val="0"/>
+              </a:spcAft>
+              <a:buSzPts val="1200"/>
+              <a:buFont typeface="Roboto"/>
+              <a:buChar char="-"/>
+            </a:pPr>
+            <a:r>
+              <a:rPr lang="en-US" sz="1200" dirty="0">
+                <a:latin typeface="Roboto"/>
+                <a:ea typeface="Roboto"/>
+                <a:cs typeface="Roboto"/>
+                <a:sym typeface="Roboto"/>
+              </a:rPr>
+              <a:t>Test the model</a:t>
+            </a:r>
+            <a:endParaRPr sz="1200" dirty="0">
+              <a:latin typeface="Roboto"/>
+              <a:ea typeface="Roboto"/>
+              <a:cs typeface="Roboto"/>
+              <a:sym typeface="Roboto"/>
+            </a:endParaRPr>
+          </a:p>
+        </p:txBody>
+      </p:sp>
+      <p:sp>
+        <p:nvSpPr>
+          <p:cNvPr id="158" name="Google Shape;158;p21"/>
+          <p:cNvSpPr txBox="1"/>
+          <p:nvPr/>
+        </p:nvSpPr>
+        <p:spPr>
+          <a:xfrm>
+            <a:off x="6845475" y="4316475"/>
+            <a:ext cx="1793400" cy="396600"/>
+          </a:xfrm>
+          <a:prstGeom prst="rect">
+            <a:avLst/>
+          </a:prstGeom>
+          <a:noFill/>
+          <a:ln>
+            <a:noFill/>
+          </a:ln>
+        </p:spPr>
+        <p:txBody>
+          <a:bodyPr spcFirstLastPara="1" wrap="square" lIns="91425" tIns="91425" rIns="91425" bIns="91425" anchor="t" anchorCtr="0">
+            <a:noAutofit/>
+          </a:bodyPr>
+          <a:lstStyle/>
+          <a:p>
+            <a:pPr marL="457200" lvl="0" indent="0" algn="l" rtl="0">
+              <a:spcBef>
+                <a:spcPts val="0"/>
+              </a:spcBef>
+              <a:spcAft>
+                <a:spcPts val="0"/>
+              </a:spcAft>
+              <a:buNone/>
+            </a:pPr>
+            <a:r>
+              <a:rPr lang="en-US" sz="1200" b="1" u="sng" dirty="0">
+                <a:latin typeface="Roboto"/>
+                <a:ea typeface="Roboto"/>
+                <a:cs typeface="Roboto"/>
+                <a:sym typeface="Roboto"/>
+              </a:rPr>
+              <a:t>Phase 3</a:t>
+            </a:r>
+            <a:endParaRPr sz="1200" b="1" u="sng" dirty="0">
+              <a:latin typeface="Roboto"/>
+              <a:ea typeface="Roboto"/>
+              <a:cs typeface="Roboto"/>
+              <a:sym typeface="Roboto"/>
+            </a:endParaRPr>
+          </a:p>
+          <a:p>
+            <a:pPr marL="457200" lvl="0" indent="-304800" algn="l" rtl="0">
+              <a:spcBef>
+                <a:spcPts val="0"/>
+              </a:spcBef>
+              <a:spcAft>
+                <a:spcPts val="0"/>
+              </a:spcAft>
+              <a:buSzPts val="1200"/>
+              <a:buFont typeface="Roboto"/>
+              <a:buChar char="-"/>
+            </a:pPr>
+            <a:r>
+              <a:rPr lang="en-US" sz="1200" dirty="0">
+                <a:latin typeface="Roboto"/>
+                <a:ea typeface="Roboto"/>
+                <a:cs typeface="Roboto"/>
+                <a:sym typeface="Roboto"/>
+              </a:rPr>
+              <a:t>Create initial prototype.</a:t>
+            </a:r>
+            <a:endParaRPr sz="1200" dirty="0">
+              <a:latin typeface="Roboto"/>
+              <a:ea typeface="Roboto"/>
+              <a:cs typeface="Roboto"/>
+              <a:sym typeface="Roboto"/>
+            </a:endParaRPr>
+          </a:p>
+          <a:p>
+            <a:pPr marL="914400" lvl="0" indent="0" algn="l" rtl="0">
+              <a:spcBef>
+                <a:spcPts val="0"/>
+              </a:spcBef>
+              <a:spcAft>
+                <a:spcPts val="0"/>
+              </a:spcAft>
+              <a:buNone/>
+            </a:pPr>
+            <a:endParaRPr sz="1200" dirty="0">
+              <a:latin typeface="Roboto"/>
+              <a:ea typeface="Roboto"/>
+              <a:cs typeface="Roboto"/>
+              <a:sym typeface="Roboto"/>
+            </a:endParaRPr>
+          </a:p>
+        </p:txBody>
+      </p:sp>
+      <p:pic>
+        <p:nvPicPr>
+          <p:cNvPr id="14" name="Picture 13">
+            <a:extLst>
+              <a:ext uri="{FF2B5EF4-FFF2-40B4-BE49-F238E27FC236}">
+                <a16:creationId xmlns:a16="http://schemas.microsoft.com/office/drawing/2014/main" id="{757D755E-F06E-4503-9283-B5F89E7B5D17}"/>
+              </a:ext>
+            </a:extLst>
+          </p:cNvPr>
+          <p:cNvPicPr>
+            <a:picLocks noChangeAspect="1"/>
+          </p:cNvPicPr>
+          <p:nvPr/>
+        </p:nvPicPr>
+        <p:blipFill>
+          <a:blip r:embed="rId3"/>
+          <a:stretch>
+            <a:fillRect/>
+          </a:stretch>
+        </p:blipFill>
+        <p:spPr>
+          <a:xfrm>
+            <a:off x="1007242" y="3593445"/>
+            <a:ext cx="2214101" cy="1408046"/>
+          </a:xfrm>
+          <a:prstGeom prst="rect">
+            <a:avLst/>
+          </a:prstGeom>
+        </p:spPr>
+      </p:pic>
+    </p:spTree>
+    <p:extLst>
+      <p:ext uri="{BB962C8B-B14F-4D97-AF65-F5344CB8AC3E}">
+        <p14:creationId xmlns:p14="http://schemas.microsoft.com/office/powerpoint/2010/main" val="4115668398"/>
+      </p:ext>
+    </p:extLst>
+  </p:cSld>
+  <p:clrMapOvr>
+    <a:masterClrMapping/>
+  </p:clrMapOvr>
+</p:sld>
+</file>
+
 <file path=ppt/slides/slide2.xml><?xml version="1.0" encoding="utf-8"?>
 <p:sld xmlns:a="http://schemas.openxmlformats.org/drawingml/2006/main" xmlns:r="http://schemas.openxmlformats.org/officeDocument/2006/relationships" xmlns:p="http://schemas.openxmlformats.org/presentationml/2006/main">
   <p:cSld>
@@ -9160,14 +10312,8 @@
                 <a:cs typeface="Roboto"/>
                 <a:sym typeface="Roboto"/>
               </a:rPr>
-              <a:t>Optimal tax strategy predictor</a:t>
+              <a:t>Recruit Screener</a:t>
             </a:r>
-            <a:endParaRPr sz="800" dirty="0">
-              <a:latin typeface="Roboto"/>
-              <a:ea typeface="Roboto"/>
-              <a:cs typeface="Roboto"/>
-              <a:sym typeface="Roboto"/>
-            </a:endParaRPr>
           </a:p>
           <a:p>
             <a:pPr lvl="0"/>
@@ -9178,14 +10324,8 @@
                 <a:cs typeface="Roboto"/>
                 <a:sym typeface="Roboto"/>
               </a:rPr>
-              <a:t>tax codes are segmented using NLP to predict the best tax strategy</a:t>
+              <a:t>AI will be used as a helper or job assistant in HR department</a:t>
             </a:r>
-            <a:endParaRPr dirty="0">
-              <a:latin typeface="Roboto"/>
-              <a:ea typeface="Roboto"/>
-              <a:cs typeface="Roboto"/>
-              <a:sym typeface="Roboto"/>
-            </a:endParaRPr>
           </a:p>
         </p:txBody>
       </p:sp>
@@ -9747,7 +10887,7 @@
         </p:nvSpPr>
         <p:spPr>
           <a:xfrm>
-            <a:off x="4436883" y="1822469"/>
+            <a:off x="3448988" y="1866888"/>
             <a:ext cx="345000" cy="338400"/>
           </a:xfrm>
           <a:prstGeom prst="ellipse">
@@ -9893,7 +11033,7 @@
         </p:nvSpPr>
         <p:spPr>
           <a:xfrm>
-            <a:off x="3765655" y="2013663"/>
+            <a:off x="3764862" y="2143713"/>
             <a:ext cx="345000" cy="338400"/>
           </a:xfrm>
           <a:prstGeom prst="ellipse">
@@ -9966,7 +11106,7 @@
         </p:nvSpPr>
         <p:spPr>
           <a:xfrm>
-            <a:off x="4262556" y="2427127"/>
+            <a:off x="3928373" y="1790389"/>
             <a:ext cx="345000" cy="338400"/>
           </a:xfrm>
           <a:prstGeom prst="ellipse">
@@ -10039,7 +11179,7 @@
         </p:nvSpPr>
         <p:spPr>
           <a:xfrm>
-            <a:off x="3676143" y="3058100"/>
+            <a:off x="3516180" y="2960596"/>
             <a:ext cx="345000" cy="338400"/>
           </a:xfrm>
           <a:prstGeom prst="ellipse">
@@ -11616,10 +12756,10 @@
       </p:sp>
       <p:pic>
         <p:nvPicPr>
-          <p:cNvPr id="2" name="Picture 1">
+          <p:cNvPr id="3" name="Picture 2">
             <a:extLst>
               <a:ext uri="{FF2B5EF4-FFF2-40B4-BE49-F238E27FC236}">
-                <a16:creationId xmlns:a16="http://schemas.microsoft.com/office/drawing/2014/main" id="{4A3E4E83-8531-4A2A-A83B-44FD789D4653}"/>
+                <a16:creationId xmlns:a16="http://schemas.microsoft.com/office/drawing/2014/main" id="{EF058CF5-3A06-498C-9453-6ACDE4CC404C}"/>
               </a:ext>
             </a:extLst>
           </p:cNvPr>
@@ -11636,8 +12776,8 @@
         </p:blipFill>
         <p:spPr>
           <a:xfrm>
-            <a:off x="3886311" y="1970461"/>
-            <a:ext cx="4734025" cy="2760866"/>
+            <a:off x="3647862" y="1900796"/>
+            <a:ext cx="5222575" cy="2955654"/>
           </a:xfrm>
           <a:prstGeom prst="rect">
             <a:avLst/>
@@ -11718,14 +12858,14 @@
           <p:nvPr>
             <p:extLst>
               <p:ext uri="{D42A27DB-BD31-4B8C-83A1-F6EECF244321}">
-                <p14:modId xmlns:p14="http://schemas.microsoft.com/office/powerpoint/2010/main" val="1667970590"/>
+                <p14:modId xmlns:p14="http://schemas.microsoft.com/office/powerpoint/2010/main" val="1217545221"/>
               </p:ext>
             </p:extLst>
           </p:nvPr>
         </p:nvGraphicFramePr>
         <p:xfrm>
           <a:off x="484225" y="1446550"/>
-          <a:ext cx="8348100" cy="3735945"/>
+          <a:ext cx="8348100" cy="3791070"/>
         </p:xfrm>
         <a:graphic>
           <a:graphicData uri="http://schemas.openxmlformats.org/drawingml/2006/table">
@@ -12438,7 +13578,7 @@
                       </a:r>
                       <a:r>
                         <a:rPr lang="en-US" sz="1200" dirty="0"/>
-                        <a:t>equation overfitting</a:t>
+                        <a:t>security</a:t>
                       </a:r>
                       <a:endParaRPr sz="1200" dirty="0"/>
                     </a:p>
@@ -12458,7 +13598,7 @@
                       </a:r>
                       <a:r>
                         <a:rPr lang="en-US" sz="1200" dirty="0"/>
-                        <a:t>better algorithms must be searched to find the best fit. </a:t>
+                        <a:t>encryption can be adopted for securing transformation of data to the cloud</a:t>
                       </a:r>
                       <a:endParaRPr sz="1200" dirty="0"/>
                     </a:p>
@@ -12624,7 +13764,7 @@
                       </a:r>
                       <a:r>
                         <a:rPr lang="en-US" sz="1200" dirty="0"/>
-                        <a:t>rarely exist</a:t>
+                        <a:t>not exist</a:t>
                       </a:r>
                       <a:endParaRPr sz="1200" dirty="0"/>
                     </a:p>
@@ -12874,10 +14014,14 @@
               <a:buNone/>
             </a:pPr>
             <a:r>
-              <a:rPr lang="en"/>
-              <a:t>Feedback Thus Far</a:t>
+              <a:rPr lang="en" dirty="0"/>
+              <a:t>Feedback Thus Far- </a:t>
             </a:r>
-            <a:endParaRPr/>
+            <a:r>
+              <a:rPr lang="en-US" dirty="0"/>
+              <a:t>Quality control with CV</a:t>
+            </a:r>
+            <a:endParaRPr dirty="0"/>
           </a:p>
         </p:txBody>
       </p:sp>
@@ -12889,7 +14033,7 @@
         </p:nvSpPr>
         <p:spPr>
           <a:xfrm>
-            <a:off x="311725" y="3040400"/>
+            <a:off x="311725" y="3150601"/>
             <a:ext cx="3433500" cy="396600"/>
           </a:xfrm>
           <a:prstGeom prst="rect">
@@ -12916,7 +14060,7 @@
               <a:buNone/>
             </a:pPr>
             <a:r>
-              <a:rPr lang="en" sz="1800" b="1">
+              <a:rPr lang="en" sz="1800" b="1" dirty="0">
                 <a:latin typeface="Roboto"/>
                 <a:ea typeface="Roboto"/>
                 <a:cs typeface="Roboto"/>
@@ -12924,7 +14068,7 @@
               </a:rPr>
               <a:t>Illustrative Visualization</a:t>
             </a:r>
-            <a:endParaRPr>
+            <a:endParaRPr dirty="0">
               <a:latin typeface="Roboto"/>
               <a:ea typeface="Roboto"/>
               <a:cs typeface="Roboto"/>
@@ -13012,44 +14156,57 @@
           <a:p>
             <a:pPr lvl="0"/>
             <a:r>
-              <a:rPr lang="en" dirty="0">
+              <a:rPr lang="en-US" sz="1050" dirty="0">
                 <a:latin typeface="Roboto"/>
                 <a:ea typeface="Roboto"/>
                 <a:cs typeface="Roboto"/>
                 <a:sym typeface="Roboto"/>
               </a:rPr>
-              <a:t>“</a:t>
+              <a:t>If the proposed solution Could be developed it will make the process of inspecting the quality of products easy</a:t>
             </a:r>
+          </a:p>
+          <a:p>
+            <a:pPr lvl="0"/>
+            <a:endParaRPr lang="en-US" sz="1050" dirty="0">
+              <a:latin typeface="Roboto"/>
+              <a:ea typeface="Roboto"/>
+              <a:cs typeface="Roboto"/>
+              <a:sym typeface="Roboto"/>
+            </a:endParaRPr>
+          </a:p>
+          <a:p>
+            <a:pPr lvl="0"/>
             <a:r>
-              <a:rPr lang="en-US" dirty="0">
+              <a:rPr lang="en-US" sz="1050" dirty="0">
                 <a:latin typeface="Roboto"/>
                 <a:ea typeface="Roboto"/>
                 <a:cs typeface="Roboto"/>
                 <a:sym typeface="Roboto"/>
               </a:rPr>
-              <a:t>The computer vison-based approach proposed is helpful in detecting detectives without labor intervention </a:t>
+              <a:t>Value added with automatic inspection</a:t>
             </a:r>
           </a:p>
           <a:p>
-            <a:pPr marL="0" lvl="0" indent="0" algn="l" rtl="0">
-              <a:spcBef>
-                <a:spcPts val="0"/>
-              </a:spcBef>
-              <a:spcAft>
-                <a:spcPts val="0"/>
-              </a:spcAft>
-              <a:buNone/>
-            </a:pPr>
+            <a:pPr lvl="0"/>
+            <a:endParaRPr lang="en-US" sz="1050" dirty="0">
+              <a:latin typeface="Roboto"/>
+              <a:ea typeface="Roboto"/>
+              <a:cs typeface="Roboto"/>
+              <a:sym typeface="Roboto"/>
+            </a:endParaRPr>
+          </a:p>
+          <a:p>
+            <a:pPr lvl="0"/>
             <a:r>
-              <a:rPr lang="en" dirty="0">
+              <a:rPr lang="en-US" sz="1050" dirty="0">
                 <a:latin typeface="Roboto"/>
                 <a:ea typeface="Roboto"/>
                 <a:cs typeface="Roboto"/>
                 <a:sym typeface="Roboto"/>
               </a:rPr>
-              <a:t>”</a:t>
+              <a:t>Training the classifier to predict n classes</a:t>
             </a:r>
-            <a:endParaRPr dirty="0">
+            <a:endParaRPr sz="1050" dirty="0">
               <a:latin typeface="Roboto"/>
               <a:ea typeface="Roboto"/>
               <a:cs typeface="Roboto"/>
@@ -13170,14 +14327,8 @@
                 <a:cs typeface="Roboto"/>
                 <a:sym typeface="Roboto"/>
               </a:rPr>
-              <a:t>Search for better cameras</a:t>
+              <a:t>Buy and install camera on the production line. And make prototype model for it. </a:t>
             </a:r>
-            <a:endParaRPr dirty="0">
-              <a:latin typeface="Roboto"/>
-              <a:ea typeface="Roboto"/>
-              <a:cs typeface="Roboto"/>
-              <a:sym typeface="Roboto"/>
-            </a:endParaRPr>
           </a:p>
           <a:p>
             <a:pPr marL="457200" lvl="0" indent="-317500" algn="l" rtl="0">
@@ -13198,42 +14349,8 @@
                 <a:cs typeface="Roboto"/>
                 <a:sym typeface="Roboto"/>
               </a:rPr>
-              <a:t>Search for better sensors</a:t>
+              <a:t>Collect images for defects and train AI model on them</a:t>
             </a:r>
-            <a:endParaRPr dirty="0">
-              <a:latin typeface="Roboto"/>
-              <a:ea typeface="Roboto"/>
-              <a:cs typeface="Roboto"/>
-              <a:sym typeface="Roboto"/>
-            </a:endParaRPr>
-          </a:p>
-          <a:p>
-            <a:pPr marL="457200" lvl="0" indent="-317500" algn="l" rtl="0">
-              <a:spcBef>
-                <a:spcPts val="0"/>
-              </a:spcBef>
-              <a:spcAft>
-                <a:spcPts val="0"/>
-              </a:spcAft>
-              <a:buSzPts val="1400"/>
-              <a:buFont typeface="Roboto"/>
-              <a:buChar char="-"/>
-            </a:pPr>
-            <a:r>
-              <a:rPr lang="en-US" dirty="0">
-                <a:latin typeface="Roboto"/>
-                <a:ea typeface="Roboto"/>
-                <a:cs typeface="Roboto"/>
-                <a:sym typeface="Roboto"/>
-              </a:rPr>
-              <a:t>Research most suitable AI technology</a:t>
-            </a:r>
-            <a:endParaRPr dirty="0">
-              <a:latin typeface="Roboto"/>
-              <a:ea typeface="Roboto"/>
-              <a:cs typeface="Roboto"/>
-              <a:sym typeface="Roboto"/>
-            </a:endParaRPr>
           </a:p>
         </p:txBody>
       </p:sp>
@@ -13392,7 +14509,51 @@
                 <a:cs typeface="Roboto"/>
                 <a:sym typeface="Roboto"/>
               </a:rPr>
-              <a:t>Requirement analysis and design</a:t>
+              <a:t>Install and test the camera. </a:t>
+            </a:r>
+          </a:p>
+          <a:p>
+            <a:pPr marL="457200" lvl="0" indent="-304800" algn="l" rtl="0">
+              <a:spcBef>
+                <a:spcPts val="0"/>
+              </a:spcBef>
+              <a:spcAft>
+                <a:spcPts val="0"/>
+              </a:spcAft>
+              <a:buSzPts val="1200"/>
+              <a:buFont typeface="Roboto"/>
+              <a:buChar char="-"/>
+            </a:pPr>
+            <a:r>
+              <a:rPr lang="en-US" sz="1200" dirty="0">
+                <a:latin typeface="Roboto"/>
+                <a:ea typeface="Roboto"/>
+                <a:cs typeface="Roboto"/>
+                <a:sym typeface="Roboto"/>
+              </a:rPr>
+              <a:t>Collect dataset</a:t>
+            </a:r>
+          </a:p>
+          <a:p>
+            <a:pPr marL="457200" lvl="0" indent="-304800" algn="l" rtl="0">
+              <a:spcBef>
+                <a:spcPts val="0"/>
+              </a:spcBef>
+              <a:spcAft>
+                <a:spcPts val="0"/>
+              </a:spcAft>
+              <a:buSzPts val="1200"/>
+              <a:buFont typeface="Roboto"/>
+              <a:buChar char="-"/>
+            </a:pPr>
+            <a:r>
+              <a:rPr lang="en-US" sz="1200" dirty="0">
+                <a:latin typeface="Roboto"/>
+                <a:ea typeface="Roboto"/>
+                <a:cs typeface="Roboto"/>
+                <a:sym typeface="Roboto"/>
+              </a:rPr>
+              <a:t>Labeling dataset</a:t>
             </a:r>
             <a:endParaRPr sz="1200" dirty="0">
               <a:latin typeface="Roboto"/>
@@ -13472,7 +14633,7 @@
                 <a:cs typeface="Roboto"/>
                 <a:sym typeface="Roboto"/>
               </a:rPr>
-              <a:t>System design</a:t>
+              <a:t>Implementing the AI model, train it, test it, measure accuracy</a:t>
             </a:r>
             <a:endParaRPr sz="1200" dirty="0">
               <a:latin typeface="Roboto"/>
@@ -13552,7 +14713,7 @@
                 <a:cs typeface="Roboto"/>
                 <a:sym typeface="Roboto"/>
               </a:rPr>
-              <a:t>Implementation and testing</a:t>
+              <a:t>Make initial prototype.</a:t>
             </a:r>
             <a:endParaRPr sz="1200" dirty="0">
               <a:latin typeface="Roboto"/>
@@ -13582,49 +14743,32 @@
       </p:sp>
       <p:pic>
         <p:nvPicPr>
-          <p:cNvPr id="14" name="Picture 2" descr="Forms response chart. Question title: Based on the description above, how familiar would you say you are with the area being discussed in Use Case 1?. Number of responses: .">
+          <p:cNvPr id="13" name="Picture 12">
             <a:extLst>
               <a:ext uri="{FF2B5EF4-FFF2-40B4-BE49-F238E27FC236}">
-                <a16:creationId xmlns:a16="http://schemas.microsoft.com/office/drawing/2014/main" id="{DC6ED223-EC4E-437A-A996-FE1BFC934090}"/>
+                <a16:creationId xmlns:a16="http://schemas.microsoft.com/office/drawing/2014/main" id="{891781A6-7799-4F4B-820A-B7001E467CB0}"/>
               </a:ext>
             </a:extLst>
           </p:cNvPr>
           <p:cNvPicPr>
-            <a:picLocks noChangeAspect="1" noChangeArrowheads="1"/>
+            <a:picLocks noChangeAspect="1"/>
           </p:cNvPicPr>
           <p:nvPr/>
         </p:nvPicPr>
         <p:blipFill>
-          <a:blip r:embed="rId3">
-            <a:extLst>
-              <a:ext uri="{28A0092B-C50C-407E-A947-70E740481C1C}">
-                <a14:useLocalDpi xmlns:a14="http://schemas.microsoft.com/office/drawing/2010/main" val="0"/>
-              </a:ext>
-            </a:extLst>
-          </a:blip>
-          <a:srcRect/>
+          <a:blip r:embed="rId3"/>
           <a:stretch>
             <a:fillRect/>
           </a:stretch>
         </p:blipFill>
-        <p:spPr bwMode="auto">
+        <p:spPr>
           <a:xfrm>
-            <a:off x="736812" y="3565232"/>
-            <a:ext cx="2805208" cy="1463968"/>
+            <a:off x="907066" y="3594692"/>
+            <a:ext cx="2081956" cy="1335895"/>
           </a:xfrm>
           <a:prstGeom prst="rect">
             <a:avLst/>
           </a:prstGeom>
-          <a:noFill/>
-          <a:extLst>
-            <a:ext uri="{909E8E84-426E-40DD-AFC4-6F175D3DCCD1}">
-              <a14:hiddenFill xmlns:a14="http://schemas.microsoft.com/office/drawing/2010/main">
-                <a:solidFill>
-                  <a:srgbClr val="FFFFFF"/>
-                </a:solidFill>
-              </a14:hiddenFill>
-            </a:ext>
-          </a:extLst>
         </p:spPr>
       </p:pic>
     </p:spTree>
